--- a/Präsentation.pptx
+++ b/Präsentation.pptx
@@ -5,33 +5,35 @@
     <p:sldMasterId id="2147483922" r:id="rId1"/>
   </p:sldMasterIdLst>
   <p:notesMasterIdLst>
-    <p:notesMasterId r:id="rId23"/>
+    <p:notesMasterId r:id="rId25"/>
   </p:notesMasterIdLst>
   <p:handoutMasterIdLst>
-    <p:handoutMasterId r:id="rId24"/>
+    <p:handoutMasterId r:id="rId26"/>
   </p:handoutMasterIdLst>
   <p:sldIdLst>
     <p:sldId id="256" r:id="rId2"/>
     <p:sldId id="583" r:id="rId3"/>
     <p:sldId id="607" r:id="rId4"/>
-    <p:sldId id="604" r:id="rId5"/>
-    <p:sldId id="634" r:id="rId6"/>
+    <p:sldId id="644" r:id="rId5"/>
+    <p:sldId id="604" r:id="rId6"/>
     <p:sldId id="635" r:id="rId7"/>
-    <p:sldId id="640" r:id="rId8"/>
-    <p:sldId id="636" r:id="rId9"/>
-    <p:sldId id="600" r:id="rId10"/>
-    <p:sldId id="637" r:id="rId11"/>
-    <p:sldId id="638" r:id="rId12"/>
-    <p:sldId id="601" r:id="rId13"/>
-    <p:sldId id="603" r:id="rId14"/>
-    <p:sldId id="642" r:id="rId15"/>
-    <p:sldId id="641" r:id="rId16"/>
-    <p:sldId id="605" r:id="rId17"/>
-    <p:sldId id="622" r:id="rId18"/>
-    <p:sldId id="606" r:id="rId19"/>
-    <p:sldId id="621" r:id="rId20"/>
-    <p:sldId id="632" r:id="rId21"/>
-    <p:sldId id="633" r:id="rId22"/>
+    <p:sldId id="634" r:id="rId8"/>
+    <p:sldId id="640" r:id="rId9"/>
+    <p:sldId id="636" r:id="rId10"/>
+    <p:sldId id="645" r:id="rId11"/>
+    <p:sldId id="637" r:id="rId12"/>
+    <p:sldId id="643" r:id="rId13"/>
+    <p:sldId id="638" r:id="rId14"/>
+    <p:sldId id="646" r:id="rId15"/>
+    <p:sldId id="603" r:id="rId16"/>
+    <p:sldId id="648" r:id="rId17"/>
+    <p:sldId id="642" r:id="rId18"/>
+    <p:sldId id="641" r:id="rId19"/>
+    <p:sldId id="647" r:id="rId20"/>
+    <p:sldId id="606" r:id="rId21"/>
+    <p:sldId id="621" r:id="rId22"/>
+    <p:sldId id="632" r:id="rId23"/>
+    <p:sldId id="633" r:id="rId24"/>
   </p:sldIdLst>
   <p:sldSz cx="9144000" cy="6858000" type="screen4x3"/>
   <p:notesSz cx="6761163" cy="9942513"/>
@@ -168,40 +170,42 @@
             <p14:sldId id="256"/>
           </p14:sldIdLst>
         </p14:section>
-        <p14:section name="Problemstellung" id="{C9BAF6FA-3C6C-4C11-B545-9FC0F95A7F74}">
+        <p14:section name="Einleitung" id="{C9BAF6FA-3C6C-4C11-B545-9FC0F95A7F74}">
           <p14:sldIdLst>
             <p14:sldId id="583"/>
             <p14:sldId id="607"/>
+            <p14:sldId id="644"/>
           </p14:sldIdLst>
         </p14:section>
-        <p14:section name="Triangulationssensoren" id="{5B1F7BFF-1AD5-4E37-955B-BD8C9B789338}">
+        <p14:section name="Programmübersicht" id="{5B1F7BFF-1AD5-4E37-955B-BD8C9B789338}">
           <p14:sldIdLst>
             <p14:sldId id="604"/>
+            <p14:sldId id="635"/>
             <p14:sldId id="634"/>
-            <p14:sldId id="635"/>
             <p14:sldId id="640"/>
             <p14:sldId id="636"/>
           </p14:sldIdLst>
         </p14:section>
-        <p14:section name="Methoden" id="{9EFB5909-E429-44FE-9A8B-C802713A99D8}">
+        <p14:section name="Warteschlangenlogik" id="{9EFB5909-E429-44FE-9A8B-C802713A99D8}">
           <p14:sldIdLst>
-            <p14:sldId id="600"/>
+            <p14:sldId id="645"/>
             <p14:sldId id="637"/>
+            <p14:sldId id="643"/>
             <p14:sldId id="638"/>
           </p14:sldIdLst>
         </p14:section>
-        <p14:section name="Eigenes Konzept" id="{B5284165-9EB8-4B13-A02F-4FA77623A32E}">
+        <p14:section name="Bewegungslogik" id="{B5284165-9EB8-4B13-A02F-4FA77623A32E}">
           <p14:sldIdLst>
-            <p14:sldId id="601"/>
+            <p14:sldId id="646"/>
             <p14:sldId id="603"/>
+            <p14:sldId id="648"/>
             <p14:sldId id="642"/>
             <p14:sldId id="641"/>
           </p14:sldIdLst>
         </p14:section>
-        <p14:section name="Versuchsdurchführung" id="{0F13A16D-6D64-4F95-B84F-AE0BB6F6EC2F}">
+        <p14:section name="Etagenlogik" id="{0F13A16D-6D64-4F95-B84F-AE0BB6F6EC2F}">
           <p14:sldIdLst>
-            <p14:sldId id="605"/>
-            <p14:sldId id="622"/>
+            <p14:sldId id="647"/>
           </p14:sldIdLst>
         </p14:section>
         <p14:section name="Fazit" id="{E938E27B-0A2A-4F23-8AEA-D2E66A2FE406}">
@@ -216,12 +220,12 @@
     </p:ext>
     <p:ext uri="{EFAFB233-063F-42B5-8137-9DF3F51BA10A}">
       <p15:sldGuideLst xmlns:p15="http://schemas.microsoft.com/office/powerpoint/2012/main">
-        <p15:guide id="1" orient="horz" pos="935">
+        <p15:guide id="1" orient="horz" pos="935" userDrawn="1">
           <p15:clr>
             <a:srgbClr val="A4A3A4"/>
           </p15:clr>
         </p15:guide>
-        <p15:guide id="2" pos="5284">
+        <p15:guide id="2" pos="5284" userDrawn="1">
           <p15:clr>
             <a:srgbClr val="A4A3A4"/>
           </p15:clr>
@@ -987,8 +991,8 @@
         </p:nvSpPr>
         <p:spPr>
           <a:xfrm>
-            <a:off x="895350" y="742950"/>
-            <a:ext cx="4973638" cy="3732213"/>
+            <a:off x="893763" y="742950"/>
+            <a:ext cx="4976812" cy="3732213"/>
           </a:xfrm>
           <a:ln/>
         </p:spPr>
@@ -1052,6 +1056,207 @@
       </p:grpSpPr>
       <p:sp>
         <p:nvSpPr>
+          <p:cNvPr id="2" name="Folienbildplatzhalter 1"/>
+          <p:cNvSpPr>
+            <a:spLocks noGrp="1" noRot="1" noChangeAspect="1"/>
+          </p:cNvSpPr>
+          <p:nvPr>
+            <p:ph type="sldImg"/>
+          </p:nvPr>
+        </p:nvSpPr>
+        <p:spPr>
+          <a:xfrm>
+            <a:off x="896938" y="747713"/>
+            <a:ext cx="4968875" cy="3725862"/>
+          </a:xfrm>
+        </p:spPr>
+      </p:sp>
+      <p:sp>
+        <p:nvSpPr>
+          <p:cNvPr id="3" name="Notizenplatzhalter 2"/>
+          <p:cNvSpPr>
+            <a:spLocks noGrp="1"/>
+          </p:cNvSpPr>
+          <p:nvPr>
+            <p:ph type="body" idx="1"/>
+          </p:nvPr>
+        </p:nvSpPr>
+        <p:spPr/>
+        <p:txBody>
+          <a:bodyPr/>
+          <a:lstStyle/>
+          <a:p>
+            <a:r>
+              <a:rPr lang="de-DE" dirty="0"/>
+              <a:t>Aufruf in Warteschlange</a:t>
+            </a:r>
+            <a:r>
+              <a:rPr lang="de-DE" baseline="0" dirty="0"/>
+              <a:t> abhängig von Fahrtrichtung: </a:t>
+            </a:r>
+            <a:r>
+              <a:rPr lang="de-DE" dirty="0"/>
+              <a:t>Wenn hoch gefahren wird, wird in die Abwärtswarteschlange einsortieren, et v.v.</a:t>
+            </a:r>
+          </a:p>
+        </p:txBody>
+      </p:sp>
+      <p:sp>
+        <p:nvSpPr>
+          <p:cNvPr id="4" name="Foliennummernplatzhalter 3"/>
+          <p:cNvSpPr>
+            <a:spLocks noGrp="1"/>
+          </p:cNvSpPr>
+          <p:nvPr>
+            <p:ph type="sldNum" sz="quarter" idx="10"/>
+          </p:nvPr>
+        </p:nvSpPr>
+        <p:spPr/>
+        <p:txBody>
+          <a:bodyPr/>
+          <a:lstStyle/>
+          <a:p>
+            <a:pPr>
+              <a:defRPr/>
+            </a:pPr>
+            <a:fld id="{D0E03ECB-004C-4CA3-8342-0B234B233A94}" type="slidenum">
+              <a:rPr lang="de-DE" smtClean="0"/>
+              <a:pPr>
+                <a:defRPr/>
+              </a:pPr>
+              <a:t>11</a:t>
+            </a:fld>
+            <a:endParaRPr lang="de-DE"/>
+          </a:p>
+        </p:txBody>
+      </p:sp>
+    </p:spTree>
+    <p:extLst>
+      <p:ext uri="{BB962C8B-B14F-4D97-AF65-F5344CB8AC3E}">
+        <p14:creationId xmlns:p14="http://schemas.microsoft.com/office/powerpoint/2010/main" val="2132037008"/>
+      </p:ext>
+    </p:extLst>
+  </p:cSld>
+  <p:clrMapOvr>
+    <a:masterClrMapping/>
+  </p:clrMapOvr>
+</p:notes>
+</file>
+
+<file path=ppt/notesSlides/notesSlide3.xml><?xml version="1.0" encoding="utf-8"?>
+<p:notes xmlns:a="http://schemas.openxmlformats.org/drawingml/2006/main" xmlns:r="http://schemas.openxmlformats.org/officeDocument/2006/relationships" xmlns:p="http://schemas.openxmlformats.org/presentationml/2006/main">
+  <p:cSld>
+    <p:spTree>
+      <p:nvGrpSpPr>
+        <p:cNvPr id="1" name=""/>
+        <p:cNvGrpSpPr/>
+        <p:nvPr/>
+      </p:nvGrpSpPr>
+      <p:grpSpPr>
+        <a:xfrm>
+          <a:off x="0" y="0"/>
+          <a:ext cx="0" cy="0"/>
+          <a:chOff x="0" y="0"/>
+          <a:chExt cx="0" cy="0"/>
+        </a:xfrm>
+      </p:grpSpPr>
+      <p:sp>
+        <p:nvSpPr>
+          <p:cNvPr id="2" name="Folienbildplatzhalter 1"/>
+          <p:cNvSpPr>
+            <a:spLocks noGrp="1" noRot="1" noChangeAspect="1"/>
+          </p:cNvSpPr>
+          <p:nvPr>
+            <p:ph type="sldImg"/>
+          </p:nvPr>
+        </p:nvSpPr>
+        <p:spPr>
+          <a:xfrm>
+            <a:off x="896938" y="747713"/>
+            <a:ext cx="4968875" cy="3725862"/>
+          </a:xfrm>
+        </p:spPr>
+      </p:sp>
+      <p:sp>
+        <p:nvSpPr>
+          <p:cNvPr id="3" name="Notizenplatzhalter 2"/>
+          <p:cNvSpPr>
+            <a:spLocks noGrp="1"/>
+          </p:cNvSpPr>
+          <p:nvPr>
+            <p:ph type="body" idx="1"/>
+          </p:nvPr>
+        </p:nvSpPr>
+        <p:spPr/>
+        <p:txBody>
+          <a:bodyPr/>
+          <a:lstStyle/>
+          <a:p>
+            <a:endParaRPr lang="de-DE" dirty="0"/>
+          </a:p>
+        </p:txBody>
+      </p:sp>
+      <p:sp>
+        <p:nvSpPr>
+          <p:cNvPr id="4" name="Foliennummernplatzhalter 3"/>
+          <p:cNvSpPr>
+            <a:spLocks noGrp="1"/>
+          </p:cNvSpPr>
+          <p:nvPr>
+            <p:ph type="sldNum" sz="quarter" idx="10"/>
+          </p:nvPr>
+        </p:nvSpPr>
+        <p:spPr/>
+        <p:txBody>
+          <a:bodyPr/>
+          <a:lstStyle/>
+          <a:p>
+            <a:pPr>
+              <a:defRPr/>
+            </a:pPr>
+            <a:fld id="{D0E03ECB-004C-4CA3-8342-0B234B233A94}" type="slidenum">
+              <a:rPr lang="de-DE" smtClean="0"/>
+              <a:pPr>
+                <a:defRPr/>
+              </a:pPr>
+              <a:t>15</a:t>
+            </a:fld>
+            <a:endParaRPr lang="de-DE"/>
+          </a:p>
+        </p:txBody>
+      </p:sp>
+    </p:spTree>
+    <p:extLst>
+      <p:ext uri="{BB962C8B-B14F-4D97-AF65-F5344CB8AC3E}">
+        <p14:creationId xmlns:p14="http://schemas.microsoft.com/office/powerpoint/2010/main" val="3022281367"/>
+      </p:ext>
+    </p:extLst>
+  </p:cSld>
+  <p:clrMapOvr>
+    <a:masterClrMapping/>
+  </p:clrMapOvr>
+</p:notes>
+</file>
+
+<file path=ppt/notesSlides/notesSlide4.xml><?xml version="1.0" encoding="utf-8"?>
+<p:notes xmlns:a="http://schemas.openxmlformats.org/drawingml/2006/main" xmlns:r="http://schemas.openxmlformats.org/officeDocument/2006/relationships" xmlns:p="http://schemas.openxmlformats.org/presentationml/2006/main">
+  <p:cSld>
+    <p:spTree>
+      <p:nvGrpSpPr>
+        <p:cNvPr id="1" name=""/>
+        <p:cNvGrpSpPr/>
+        <p:nvPr/>
+      </p:nvGrpSpPr>
+      <p:grpSpPr>
+        <a:xfrm>
+          <a:off x="0" y="0"/>
+          <a:ext cx="0" cy="0"/>
+          <a:chOff x="0" y="0"/>
+          <a:chExt cx="0" cy="0"/>
+        </a:xfrm>
+      </p:grpSpPr>
+      <p:sp>
+        <p:nvSpPr>
           <p:cNvPr id="29698" name="Rectangle 7"/>
           <p:cNvSpPr>
             <a:spLocks noGrp="1" noChangeArrowheads="1"/>
@@ -1073,7 +1278,7 @@
               <a:pPr>
                 <a:defRPr/>
               </a:pPr>
-              <a:t>21</a:t>
+              <a:t>23</a:t>
             </a:fld>
             <a:endParaRPr lang="de-DE"/>
           </a:p>
@@ -1091,8 +1296,8 @@
         </p:nvSpPr>
         <p:spPr>
           <a:xfrm>
-            <a:off x="895350" y="742950"/>
-            <a:ext cx="4973638" cy="3732213"/>
+            <a:off x="893763" y="742950"/>
+            <a:ext cx="4976812" cy="3732213"/>
           </a:xfrm>
           <a:ln/>
         </p:spPr>
@@ -1251,7 +1456,7 @@
         </p:blipFill>
         <p:spPr bwMode="auto">
           <a:xfrm>
-            <a:off x="385763" y="330200"/>
+            <a:off x="385764" y="330214"/>
             <a:ext cx="8291512" cy="5756275"/>
           </a:xfrm>
           <a:prstGeom prst="rect">
@@ -1276,7 +1481,7 @@
         </p:nvSpPr>
         <p:spPr bwMode="auto">
           <a:xfrm>
-            <a:off x="536575" y="3967163"/>
+            <a:off x="536582" y="3967163"/>
             <a:ext cx="8099425" cy="792000"/>
           </a:xfrm>
           <a:prstGeom prst="rect">
@@ -1385,7 +1590,7 @@
         </p:nvSpPr>
         <p:spPr>
           <a:xfrm>
-            <a:off x="722313" y="669166"/>
+            <a:off x="722313" y="669180"/>
             <a:ext cx="7772400" cy="353943"/>
           </a:xfrm>
         </p:spPr>
@@ -1425,7 +1630,7 @@
         </p:nvSpPr>
         <p:spPr>
           <a:xfrm>
-            <a:off x="738188" y="1401763"/>
+            <a:off x="738195" y="1401763"/>
             <a:ext cx="7342187" cy="2154436"/>
           </a:xfrm>
         </p:spPr>
@@ -1565,7 +1770,7 @@
   <p:clrMapOvr>
     <a:masterClrMapping/>
   </p:clrMapOvr>
-  <p:extLst>
+  <p:extLst mod="1">
     <p:ext uri="{DCECCB84-F9BA-43D5-87BE-67443E8EF086}">
       <p15:sldGuideLst xmlns:p15="http://schemas.microsoft.com/office/powerpoint/2012/main">
         <p15:guide id="1" orient="horz" pos="2160" userDrawn="1">
@@ -1613,8 +1818,8 @@
         </p:nvSpPr>
         <p:spPr>
           <a:xfrm>
-            <a:off x="722313" y="4406900"/>
-            <a:ext cx="7772400" cy="1362075"/>
+            <a:off x="722313" y="4406901"/>
+            <a:ext cx="7772400" cy="1231106"/>
           </a:xfrm>
         </p:spPr>
         <p:txBody>
@@ -1644,8 +1849,8 @@
         </p:nvSpPr>
         <p:spPr>
           <a:xfrm>
-            <a:off x="722313" y="2906713"/>
-            <a:ext cx="7772400" cy="1500187"/>
+            <a:off x="722313" y="4099136"/>
+            <a:ext cx="7772400" cy="307777"/>
           </a:xfrm>
         </p:spPr>
         <p:txBody>
@@ -1798,8 +2003,8 @@
         </p:nvSpPr>
         <p:spPr>
           <a:xfrm>
-            <a:off x="738188" y="1401763"/>
-            <a:ext cx="3594100" cy="1235075"/>
+            <a:off x="738189" y="1401770"/>
+            <a:ext cx="3594100" cy="2769989"/>
           </a:xfrm>
         </p:spPr>
         <p:txBody>
@@ -1882,8 +2087,8 @@
         </p:nvSpPr>
         <p:spPr>
           <a:xfrm>
-            <a:off x="4484688" y="1401763"/>
-            <a:ext cx="3595687" cy="1235075"/>
+            <a:off x="4484695" y="1401770"/>
+            <a:ext cx="3595687" cy="2769989"/>
           </a:xfrm>
         </p:spPr>
         <p:txBody>
@@ -2033,8 +2238,8 @@
         </p:nvSpPr>
         <p:spPr>
           <a:xfrm>
-            <a:off x="457200" y="274638"/>
-            <a:ext cx="8229600" cy="1143000"/>
+            <a:off x="457200" y="669179"/>
+            <a:ext cx="8229600" cy="353943"/>
           </a:xfrm>
         </p:spPr>
         <p:txBody>
@@ -2064,8 +2269,8 @@
         </p:nvSpPr>
         <p:spPr>
           <a:xfrm>
-            <a:off x="457200" y="1535113"/>
-            <a:ext cx="4040188" cy="639762"/>
+            <a:off x="457200" y="1436211"/>
+            <a:ext cx="4040188" cy="738664"/>
           </a:xfrm>
         </p:spPr>
         <p:txBody>
@@ -2129,8 +2334,8 @@
         </p:nvSpPr>
         <p:spPr>
           <a:xfrm>
-            <a:off x="457200" y="2174875"/>
-            <a:ext cx="4040188" cy="3951288"/>
+            <a:off x="457200" y="2174888"/>
+            <a:ext cx="4040188" cy="2031325"/>
           </a:xfrm>
         </p:spPr>
         <p:txBody>
@@ -2213,8 +2418,8 @@
         </p:nvSpPr>
         <p:spPr>
           <a:xfrm>
-            <a:off x="4645025" y="1535113"/>
-            <a:ext cx="4041775" cy="639762"/>
+            <a:off x="4645032" y="1436211"/>
+            <a:ext cx="4041775" cy="738664"/>
           </a:xfrm>
         </p:spPr>
         <p:txBody>
@@ -2278,8 +2483,8 @@
         </p:nvSpPr>
         <p:spPr>
           <a:xfrm>
-            <a:off x="4645025" y="2174875"/>
-            <a:ext cx="4041775" cy="3951288"/>
+            <a:off x="4645032" y="2174888"/>
+            <a:ext cx="4041775" cy="2031325"/>
           </a:xfrm>
         </p:spPr>
         <p:txBody>
@@ -2593,7 +2798,7 @@
         </p:nvSpPr>
         <p:spPr bwMode="auto">
           <a:xfrm>
-            <a:off x="8636031" y="609600"/>
+            <a:off x="8636031" y="609614"/>
             <a:ext cx="180000" cy="487363"/>
           </a:xfrm>
           <a:prstGeom prst="roundRect">
@@ -2643,7 +2848,7 @@
         </p:nvSpPr>
         <p:spPr bwMode="auto">
           <a:xfrm>
-            <a:off x="8636031" y="1162050"/>
+            <a:off x="8636031" y="1162064"/>
             <a:ext cx="180000" cy="487363"/>
           </a:xfrm>
           <a:prstGeom prst="roundRect">
@@ -2686,7 +2891,7 @@
         </p:nvSpPr>
         <p:spPr bwMode="auto">
           <a:xfrm>
-            <a:off x="8636031" y="1714500"/>
+            <a:off x="8636031" y="1714503"/>
             <a:ext cx="180000" cy="487363"/>
           </a:xfrm>
           <a:prstGeom prst="roundRect">
@@ -2729,8 +2934,8 @@
         </p:nvSpPr>
         <p:spPr bwMode="auto">
           <a:xfrm>
-            <a:off x="8647906" y="904875"/>
-            <a:ext cx="247650" cy="228600"/>
+            <a:off x="8648374" y="904875"/>
+            <a:ext cx="247184" cy="230832"/>
           </a:xfrm>
           <a:prstGeom prst="rect">
             <a:avLst/>
@@ -2776,8 +2981,8 @@
         </p:nvSpPr>
         <p:spPr bwMode="auto">
           <a:xfrm>
-            <a:off x="8647906" y="1457325"/>
-            <a:ext cx="247650" cy="228600"/>
+            <a:off x="8648374" y="1457325"/>
+            <a:ext cx="247184" cy="230832"/>
           </a:xfrm>
           <a:prstGeom prst="rect">
             <a:avLst/>
@@ -2823,8 +3028,8 @@
         </p:nvSpPr>
         <p:spPr bwMode="auto">
           <a:xfrm>
-            <a:off x="8647906" y="2014538"/>
-            <a:ext cx="247650" cy="228600"/>
+            <a:off x="8648374" y="2014538"/>
+            <a:ext cx="247184" cy="230832"/>
           </a:xfrm>
           <a:prstGeom prst="rect">
             <a:avLst/>
@@ -2877,7 +3082,7 @@
         </p:blipFill>
         <p:spPr bwMode="auto">
           <a:xfrm>
-            <a:off x="395288" y="330200"/>
+            <a:off x="395289" y="330200"/>
             <a:ext cx="8291512" cy="5835104"/>
           </a:xfrm>
           <a:prstGeom prst="rect">
@@ -2945,7 +3150,7 @@
         </p:nvSpPr>
         <p:spPr bwMode="auto">
           <a:xfrm>
-            <a:off x="722313" y="669166"/>
+            <a:off x="722313" y="669180"/>
             <a:ext cx="7772400" cy="353943"/>
           </a:xfrm>
           <a:prstGeom prst="rect">
@@ -2988,7 +3193,7 @@
         </p:nvSpPr>
         <p:spPr bwMode="auto">
           <a:xfrm>
-            <a:off x="738188" y="1401763"/>
+            <a:off x="738195" y="1401763"/>
             <a:ext cx="7342187" cy="1341906"/>
           </a:xfrm>
           <a:prstGeom prst="rect">
@@ -3107,7 +3312,7 @@
         </p:blipFill>
         <p:spPr bwMode="auto">
           <a:xfrm>
-            <a:off x="575417" y="95536"/>
+            <a:off x="575424" y="95536"/>
             <a:ext cx="1737727" cy="279400"/>
           </a:xfrm>
           <a:prstGeom prst="rect">
@@ -3168,7 +3373,7 @@
         </p:nvSpPr>
         <p:spPr bwMode="auto">
           <a:xfrm>
-            <a:off x="8636000" y="2263775"/>
+            <a:off x="8636000" y="2263789"/>
             <a:ext cx="179388" cy="487363"/>
           </a:xfrm>
           <a:prstGeom prst="roundRect">
@@ -3200,7 +3405,7 @@
           <a:lstStyle/>
           <a:p>
             <a:pPr algn="ctr"/>
-            <a:endParaRPr lang="de-DE">
+            <a:endParaRPr lang="de-DE" sz="1400">
               <a:latin typeface="Akkurat" pitchFamily="2" charset="0"/>
             </a:endParaRPr>
           </a:p>
@@ -3219,7 +3424,7 @@
         </p:blipFill>
         <p:spPr>
           <a:xfrm>
-            <a:off x="7729365" y="116632"/>
+            <a:off x="7729372" y="116646"/>
             <a:ext cx="875083" cy="315789"/>
           </a:xfrm>
           <a:prstGeom prst="rect">
@@ -3237,8 +3442,8 @@
         </p:nvSpPr>
         <p:spPr bwMode="auto">
           <a:xfrm>
-            <a:off x="8661326" y="2564904"/>
-            <a:ext cx="231154" cy="230832"/>
+            <a:off x="8645296" y="2564904"/>
+            <a:ext cx="247184" cy="230832"/>
           </a:xfrm>
           <a:prstGeom prst="rect">
             <a:avLst/>
@@ -3284,7 +3489,7 @@
         </p:nvSpPr>
         <p:spPr bwMode="auto">
           <a:xfrm>
-            <a:off x="8636643" y="2808585"/>
+            <a:off x="8636643" y="2808599"/>
             <a:ext cx="179388" cy="487363"/>
           </a:xfrm>
           <a:prstGeom prst="roundRect">
@@ -3316,7 +3521,7 @@
           <a:lstStyle/>
           <a:p>
             <a:pPr algn="ctr"/>
-            <a:endParaRPr lang="de-DE">
+            <a:endParaRPr lang="de-DE" sz="1400">
               <a:latin typeface="Akkurat" pitchFamily="2" charset="0"/>
             </a:endParaRPr>
           </a:p>
@@ -3332,8 +3537,8 @@
         </p:nvSpPr>
         <p:spPr bwMode="auto">
           <a:xfrm>
-            <a:off x="8661969" y="3109714"/>
-            <a:ext cx="231154" cy="230832"/>
+            <a:off x="8645941" y="3109714"/>
+            <a:ext cx="247184" cy="230832"/>
           </a:xfrm>
           <a:prstGeom prst="rect">
             <a:avLst/>
@@ -3379,7 +3584,7 @@
         </p:nvSpPr>
         <p:spPr bwMode="auto">
           <a:xfrm>
-            <a:off x="8636893" y="3348261"/>
+            <a:off x="8636893" y="3348262"/>
             <a:ext cx="179388" cy="487363"/>
           </a:xfrm>
           <a:prstGeom prst="roundRect">
@@ -3411,7 +3616,7 @@
           <a:lstStyle/>
           <a:p>
             <a:pPr algn="ctr"/>
-            <a:endParaRPr lang="de-DE">
+            <a:endParaRPr lang="de-DE" sz="1400">
               <a:latin typeface="Akkurat" pitchFamily="2" charset="0"/>
             </a:endParaRPr>
           </a:p>
@@ -3427,8 +3632,8 @@
         </p:nvSpPr>
         <p:spPr bwMode="auto">
           <a:xfrm>
-            <a:off x="8662219" y="3649390"/>
-            <a:ext cx="231154" cy="230832"/>
+            <a:off x="8646190" y="3649390"/>
+            <a:ext cx="247184" cy="230832"/>
           </a:xfrm>
           <a:prstGeom prst="rect">
             <a:avLst/>
@@ -3913,7 +4118,7 @@
         </p:nvSpPr>
         <p:spPr bwMode="auto">
           <a:xfrm>
-            <a:off x="365727" y="620688"/>
+            <a:off x="365727" y="620702"/>
             <a:ext cx="8229600" cy="1684337"/>
           </a:xfrm>
           <a:prstGeom prst="rect">
@@ -4002,7 +4207,7 @@
         </p:blipFill>
         <p:spPr bwMode="auto">
           <a:xfrm>
-            <a:off x="755576" y="5373216"/>
+            <a:off x="755590" y="5373216"/>
             <a:ext cx="2428875" cy="390526"/>
           </a:xfrm>
           <a:prstGeom prst="rect">
@@ -4062,8 +4267,8 @@
         </p:nvSpPr>
         <p:spPr>
           <a:xfrm>
-            <a:off x="457200" y="3933056"/>
-            <a:ext cx="8229599" cy="471026"/>
+            <a:off x="457214" y="3933056"/>
+            <a:ext cx="8229599" cy="849720"/>
           </a:xfrm>
           <a:prstGeom prst="rect">
             <a:avLst/>
@@ -4075,7 +4280,7 @@
           </a:bodyPr>
           <a:lstStyle/>
           <a:p>
-            <a:pPr lvl="0" algn="ctr">
+            <a:pPr algn="ctr">
               <a:lnSpc>
                 <a:spcPct val="107000"/>
               </a:lnSpc>
@@ -4094,15 +4299,27 @@
               </a:rPr>
               <a:t>Entwicklung und Umsetzung eines Aufzugsmodell mittels C++</a:t>
             </a:r>
-            <a:endParaRPr lang="de-DE" sz="2300" dirty="0">
-              <a:solidFill>
-                <a:schemeClr val="bg1"/>
-              </a:solidFill>
-              <a:effectLst/>
-              <a:latin typeface="Calibri" panose="020F0502020204030204" pitchFamily="34" charset="0"/>
-              <a:ea typeface="Calibri" panose="020F0502020204030204" pitchFamily="34" charset="0"/>
-              <a:cs typeface="Times New Roman" panose="02020603050405020304" pitchFamily="18" charset="0"/>
-            </a:endParaRPr>
+            <a:br>
+              <a:rPr lang="de-DE" sz="2300" dirty="0">
+                <a:solidFill>
+                  <a:schemeClr val="bg1"/>
+                </a:solidFill>
+                <a:latin typeface="Calibri" panose="020F0502020204030204" pitchFamily="34" charset="0"/>
+                <a:ea typeface="Calibri" panose="020F0502020204030204" pitchFamily="34" charset="0"/>
+                <a:cs typeface="Times New Roman" panose="02020603050405020304" pitchFamily="18" charset="0"/>
+              </a:rPr>
+            </a:br>
+            <a:r>
+              <a:rPr lang="de-DE" sz="2300" dirty="0">
+                <a:solidFill>
+                  <a:schemeClr val="bg1"/>
+                </a:solidFill>
+                <a:latin typeface="Calibri" panose="020F0502020204030204" pitchFamily="34" charset="0"/>
+                <a:ea typeface="Calibri" panose="020F0502020204030204" pitchFamily="34" charset="0"/>
+                <a:cs typeface="Times New Roman" panose="02020603050405020304" pitchFamily="18" charset="0"/>
+              </a:rPr>
+              <a:t>Gruppe 5</a:t>
+            </a:r>
           </a:p>
         </p:txBody>
       </p:sp>
@@ -4130,45 +4347,25 @@
       </p:pic>
       <p:pic>
         <p:nvPicPr>
-          <p:cNvPr id="11" name="Grafik 10"/>
-          <p:cNvPicPr/>
+          <p:cNvPr id="2" name="Grafik 1"/>
+          <p:cNvPicPr>
+            <a:picLocks noChangeAspect="1"/>
+          </p:cNvPicPr>
           <p:nvPr/>
         </p:nvPicPr>
         <p:blipFill rotWithShape="1">
-          <a:blip r:embed="rId6" cstate="print">
-            <a:extLst>
-              <a:ext uri="{28A0092B-C50C-407E-A947-70E740481C1C}">
-                <a14:useLocalDpi xmlns:a14="http://schemas.microsoft.com/office/drawing/2010/main" val="0"/>
-              </a:ext>
-            </a:extLst>
-          </a:blip>
-          <a:srcRect l="9150" t="4581" r="8941" b="15155"/>
+          <a:blip r:embed="rId6"/>
+          <a:srcRect l="42125" t="65400" r="39763" b="20600"/>
           <a:stretch/>
         </p:blipFill>
-        <p:spPr bwMode="auto">
-          <a:xfrm>
-            <a:off x="2972299" y="1903159"/>
-            <a:ext cx="3199401" cy="1885881"/>
-          </a:xfrm>
-          <a:prstGeom prst="roundRect">
-            <a:avLst>
-              <a:gd name="adj" fmla="val 8594"/>
-            </a:avLst>
+        <p:spPr>
+          <a:xfrm>
+            <a:off x="1980364" y="1772816"/>
+            <a:ext cx="4802934" cy="2088232"/>
+          </a:xfrm>
+          <a:prstGeom prst="rect">
+            <a:avLst/>
           </a:prstGeom>
-          <a:solidFill>
-            <a:srgbClr val="FFFFFF">
-              <a:shade val="85000"/>
-            </a:srgbClr>
-          </a:solidFill>
-          <a:ln>
-            <a:noFill/>
-          </a:ln>
-          <a:effectLst/>
-          <a:extLst>
-            <a:ext uri="{53640926-AAD7-44D8-BBD7-CCE9431645EC}">
-              <a14:shadowObscured xmlns:a14="http://schemas.microsoft.com/office/drawing/2010/main"/>
-            </a:ext>
-          </a:extLst>
         </p:spPr>
       </p:pic>
     </p:spTree>
@@ -4199,491 +4396,14 @@
       </p:grpSpPr>
       <p:sp>
         <p:nvSpPr>
-          <p:cNvPr id="2" name="Titel 1"/>
-          <p:cNvSpPr>
-            <a:spLocks noGrp="1"/>
-          </p:cNvSpPr>
-          <p:nvPr>
-            <p:ph type="title"/>
-          </p:nvPr>
-        </p:nvSpPr>
-        <p:spPr/>
-        <p:txBody>
-          <a:bodyPr/>
-          <a:lstStyle/>
-          <a:p>
-            <a:r>
-              <a:rPr lang="de-DE" dirty="0"/>
-              <a:t>Warteschlangenlogik</a:t>
-            </a:r>
-          </a:p>
-        </p:txBody>
-      </p:sp>
-      <p:sp>
-        <p:nvSpPr>
-          <p:cNvPr id="3" name="Inhaltsplatzhalter 2"/>
-          <p:cNvSpPr>
-            <a:spLocks noGrp="1"/>
-          </p:cNvSpPr>
-          <p:nvPr>
-            <p:ph idx="1"/>
-          </p:nvPr>
-        </p:nvSpPr>
-        <p:spPr/>
-        <p:txBody>
-          <a:bodyPr/>
-          <a:lstStyle/>
-          <a:p>
-            <a:endParaRPr lang="de-DE" dirty="0"/>
-          </a:p>
-        </p:txBody>
-      </p:sp>
-      <p:sp>
-        <p:nvSpPr>
-          <p:cNvPr id="4" name="Foliennummernplatzhalter 3"/>
-          <p:cNvSpPr>
-            <a:spLocks noGrp="1"/>
-          </p:cNvSpPr>
-          <p:nvPr>
-            <p:ph type="sldNum" sz="quarter" idx="10"/>
-          </p:nvPr>
-        </p:nvSpPr>
-        <p:spPr/>
-        <p:txBody>
-          <a:bodyPr/>
-          <a:lstStyle/>
-          <a:p>
-            <a:pPr>
-              <a:defRPr/>
-            </a:pPr>
-            <a:fld id="{5F8FFA7F-0241-4901-8EB3-B5A2BF410D80}" type="slidenum">
-              <a:rPr lang="de-DE" smtClean="0"/>
-              <a:pPr>
-                <a:defRPr/>
-              </a:pPr>
-              <a:t>10</a:t>
-            </a:fld>
-            <a:endParaRPr lang="de-DE" dirty="0"/>
-          </a:p>
-        </p:txBody>
-      </p:sp>
-      <p:sp>
-        <p:nvSpPr>
-          <p:cNvPr id="5" name="AutoShape 16">
-            <a:hlinkClick r:id="" action="ppaction://noaction"/>
-          </p:cNvPr>
-          <p:cNvSpPr>
-            <a:spLocks noChangeArrowheads="1"/>
-          </p:cNvSpPr>
-          <p:nvPr/>
-        </p:nvSpPr>
-        <p:spPr bwMode="auto">
-          <a:xfrm>
-            <a:off x="8633677" y="1720879"/>
-            <a:ext cx="180000" cy="487363"/>
-          </a:xfrm>
-          <a:prstGeom prst="roundRect">
-            <a:avLst>
-              <a:gd name="adj" fmla="val 5356"/>
-            </a:avLst>
-          </a:prstGeom>
-          <a:solidFill>
-            <a:schemeClr val="tx1"/>
-          </a:solidFill>
-          <a:ln w="9525">
-            <a:noFill/>
-            <a:round/>
-            <a:headEnd/>
-            <a:tailEnd/>
-          </a:ln>
-        </p:spPr>
-        <p:txBody>
-          <a:bodyPr wrap="none" anchor="ctr"/>
-          <a:lstStyle/>
-          <a:p>
-            <a:pPr marL="268288" algn="r"/>
-            <a:r>
-              <a:rPr lang="en-US" dirty="0">
-                <a:solidFill>
-                  <a:schemeClr val="bg1"/>
-                </a:solidFill>
-                <a:latin typeface="+mj-lt"/>
-              </a:rPr>
-              <a:t>     </a:t>
-            </a:r>
-          </a:p>
-        </p:txBody>
-      </p:sp>
-      <p:sp>
-        <p:nvSpPr>
-          <p:cNvPr id="6" name="Textfeld 5"/>
-          <p:cNvSpPr txBox="1"/>
-          <p:nvPr/>
-        </p:nvSpPr>
-        <p:spPr>
-          <a:xfrm>
-            <a:off x="8554874" y="1790600"/>
-            <a:ext cx="337606" cy="307777"/>
-          </a:xfrm>
-          <a:prstGeom prst="rect">
-            <a:avLst/>
-          </a:prstGeom>
-          <a:noFill/>
-        </p:spPr>
-        <p:txBody>
-          <a:bodyPr wrap="square" rtlCol="0">
-            <a:spAutoFit/>
-          </a:bodyPr>
-          <a:lstStyle/>
-          <a:p>
-            <a:r>
-              <a:rPr lang="de-DE" dirty="0">
-                <a:solidFill>
-                  <a:schemeClr val="bg1"/>
-                </a:solidFill>
-              </a:rPr>
-              <a:t>III</a:t>
-            </a:r>
-            <a:endParaRPr lang="de-DE" dirty="0"/>
-          </a:p>
-        </p:txBody>
-      </p:sp>
-      <p:pic>
-        <p:nvPicPr>
-          <p:cNvPr id="7" name="Grafik 6"/>
-          <p:cNvPicPr>
-            <a:picLocks noChangeAspect="1"/>
-          </p:cNvPicPr>
-          <p:nvPr/>
-        </p:nvPicPr>
-        <p:blipFill>
-          <a:blip r:embed="rId2"/>
-          <a:stretch>
-            <a:fillRect/>
-          </a:stretch>
-        </p:blipFill>
-        <p:spPr>
-          <a:xfrm>
-            <a:off x="2908938" y="2208242"/>
-            <a:ext cx="3399150" cy="1993067"/>
-          </a:xfrm>
-          <a:prstGeom prst="rect">
-            <a:avLst/>
-          </a:prstGeom>
-        </p:spPr>
-      </p:pic>
-    </p:spTree>
-    <p:extLst>
-      <p:ext uri="{BB962C8B-B14F-4D97-AF65-F5344CB8AC3E}">
-        <p14:creationId xmlns:p14="http://schemas.microsoft.com/office/powerpoint/2010/main" val="456857022"/>
-      </p:ext>
-    </p:extLst>
-  </p:cSld>
-  <p:clrMapOvr>
-    <a:masterClrMapping/>
-  </p:clrMapOvr>
-</p:sld>
-</file>
-
-<file path=ppt/slides/slide11.xml><?xml version="1.0" encoding="utf-8"?>
-<p:sld xmlns:a="http://schemas.openxmlformats.org/drawingml/2006/main" xmlns:r="http://schemas.openxmlformats.org/officeDocument/2006/relationships" xmlns:p="http://schemas.openxmlformats.org/presentationml/2006/main">
-  <p:cSld>
-    <p:spTree>
-      <p:nvGrpSpPr>
-        <p:cNvPr id="1" name=""/>
-        <p:cNvGrpSpPr/>
-        <p:nvPr/>
-      </p:nvGrpSpPr>
-      <p:grpSpPr>
-        <a:xfrm>
-          <a:off x="0" y="0"/>
-          <a:ext cx="0" cy="0"/>
-          <a:chOff x="0" y="0"/>
-          <a:chExt cx="0" cy="0"/>
-        </a:xfrm>
-      </p:grpSpPr>
-      <p:sp>
-        <p:nvSpPr>
-          <p:cNvPr id="2" name="Titel 1"/>
-          <p:cNvSpPr>
-            <a:spLocks noGrp="1"/>
-          </p:cNvSpPr>
-          <p:nvPr>
-            <p:ph type="title"/>
-          </p:nvPr>
-        </p:nvSpPr>
-        <p:spPr/>
-        <p:txBody>
-          <a:bodyPr/>
-          <a:lstStyle/>
-          <a:p>
-            <a:r>
-              <a:rPr lang="de-DE" dirty="0"/>
-              <a:t>Probleme</a:t>
-            </a:r>
-          </a:p>
-        </p:txBody>
-      </p:sp>
-      <p:sp>
-        <p:nvSpPr>
-          <p:cNvPr id="3" name="Inhaltsplatzhalter 2"/>
-          <p:cNvSpPr>
-            <a:spLocks noGrp="1"/>
-          </p:cNvSpPr>
-          <p:nvPr>
-            <p:ph idx="1"/>
-          </p:nvPr>
-        </p:nvSpPr>
-        <p:spPr>
-          <a:xfrm>
-            <a:off x="738188" y="1401763"/>
-            <a:ext cx="7342187" cy="4370427"/>
-          </a:xfrm>
-        </p:spPr>
-        <p:txBody>
-          <a:bodyPr/>
-          <a:lstStyle/>
-          <a:p>
-            <a:r>
-              <a:rPr lang="de-DE" dirty="0"/>
-              <a:t>Doppeltes Anfahren der Etage</a:t>
-            </a:r>
-          </a:p>
-          <a:p>
-            <a:r>
-              <a:rPr lang="de-DE" dirty="0"/>
-              <a:t>Aufrufe werden nicht in die Warteschlangen aufgenommen</a:t>
-            </a:r>
-          </a:p>
-          <a:p>
-            <a:r>
-              <a:rPr lang="de-DE" dirty="0"/>
-              <a:t>Aufrufe werden in die falsche Warteschlange aufgenommen</a:t>
-            </a:r>
-          </a:p>
-          <a:p>
-            <a:r>
-              <a:rPr lang="de-DE" dirty="0"/>
-              <a:t>Kabine hält in voller Fahrt an</a:t>
-            </a:r>
-          </a:p>
-          <a:p>
-            <a:r>
-              <a:rPr lang="de-DE" dirty="0"/>
-              <a:t>Türe öffnen sich bei Vorbeifahrt der </a:t>
-            </a:r>
-            <a:r>
-              <a:rPr lang="de-DE" dirty="0" err="1"/>
-              <a:t>Kabne</a:t>
-            </a:r>
-            <a:endParaRPr lang="de-DE" dirty="0"/>
-          </a:p>
-          <a:p>
-            <a:endParaRPr lang="de-DE" dirty="0"/>
-          </a:p>
-          <a:p>
-            <a:r>
-              <a:rPr lang="de-DE" dirty="0"/>
-              <a:t>Lösung: </a:t>
-            </a:r>
-          </a:p>
-          <a:p>
-            <a:pPr lvl="1"/>
-            <a:r>
-              <a:rPr lang="de-DE" dirty="0"/>
-              <a:t>getrennte Betrachtung der Fälle bei Hoch- und Runterfahrt</a:t>
-            </a:r>
-          </a:p>
-          <a:p>
-            <a:pPr lvl="1"/>
-            <a:r>
-              <a:rPr lang="de-DE" dirty="0"/>
-              <a:t>Auffangen besonderer Extremsituationen durch </a:t>
-            </a:r>
-            <a:r>
-              <a:rPr lang="de-DE" dirty="0" err="1"/>
-              <a:t>If</a:t>
-            </a:r>
-            <a:r>
-              <a:rPr lang="de-DE" dirty="0"/>
-              <a:t>-Abfragen</a:t>
-            </a:r>
-          </a:p>
-          <a:p>
-            <a:pPr lvl="1"/>
-            <a:endParaRPr lang="de-DE" dirty="0"/>
-          </a:p>
-          <a:p>
-            <a:pPr marL="363538" lvl="1" indent="0">
-              <a:buNone/>
-            </a:pPr>
-            <a:r>
-              <a:rPr lang="de-DE" dirty="0">
-                <a:sym typeface="Wingdings" panose="05000000000000000000" pitchFamily="2" charset="2"/>
-              </a:rPr>
-              <a:t> </a:t>
-            </a:r>
-            <a:r>
-              <a:rPr lang="de-DE" dirty="0"/>
-              <a:t>Die meisten Bugs konnten hier behoben werden</a:t>
-            </a:r>
-          </a:p>
-          <a:p>
-            <a:pPr lvl="1"/>
-            <a:endParaRPr lang="de-DE" dirty="0"/>
-          </a:p>
-        </p:txBody>
-      </p:sp>
-      <p:sp>
-        <p:nvSpPr>
-          <p:cNvPr id="4" name="Foliennummernplatzhalter 3"/>
-          <p:cNvSpPr>
-            <a:spLocks noGrp="1"/>
-          </p:cNvSpPr>
-          <p:nvPr>
-            <p:ph type="sldNum" sz="quarter" idx="10"/>
-          </p:nvPr>
-        </p:nvSpPr>
-        <p:spPr/>
-        <p:txBody>
-          <a:bodyPr/>
-          <a:lstStyle/>
-          <a:p>
-            <a:pPr>
-              <a:defRPr/>
-            </a:pPr>
-            <a:fld id="{5F8FFA7F-0241-4901-8EB3-B5A2BF410D80}" type="slidenum">
-              <a:rPr lang="de-DE" smtClean="0"/>
-              <a:pPr>
-                <a:defRPr/>
-              </a:pPr>
-              <a:t>11</a:t>
-            </a:fld>
-            <a:endParaRPr lang="de-DE" dirty="0"/>
-          </a:p>
-        </p:txBody>
-      </p:sp>
-      <p:sp>
-        <p:nvSpPr>
-          <p:cNvPr id="5" name="AutoShape 16">
-            <a:hlinkClick r:id="" action="ppaction://noaction"/>
-          </p:cNvPr>
-          <p:cNvSpPr>
-            <a:spLocks noChangeArrowheads="1"/>
-          </p:cNvSpPr>
-          <p:nvPr/>
-        </p:nvSpPr>
-        <p:spPr bwMode="auto">
-          <a:xfrm>
-            <a:off x="8633677" y="1720879"/>
-            <a:ext cx="180000" cy="487363"/>
-          </a:xfrm>
-          <a:prstGeom prst="roundRect">
-            <a:avLst>
-              <a:gd name="adj" fmla="val 5356"/>
-            </a:avLst>
-          </a:prstGeom>
-          <a:solidFill>
-            <a:schemeClr val="tx1"/>
-          </a:solidFill>
-          <a:ln w="9525">
-            <a:noFill/>
-            <a:round/>
-            <a:headEnd/>
-            <a:tailEnd/>
-          </a:ln>
-        </p:spPr>
-        <p:txBody>
-          <a:bodyPr wrap="none" anchor="ctr"/>
-          <a:lstStyle/>
-          <a:p>
-            <a:pPr marL="268288" algn="r"/>
-            <a:r>
-              <a:rPr lang="en-US" dirty="0">
-                <a:solidFill>
-                  <a:schemeClr val="bg1"/>
-                </a:solidFill>
-                <a:latin typeface="+mj-lt"/>
-              </a:rPr>
-              <a:t>     </a:t>
-            </a:r>
-          </a:p>
-        </p:txBody>
-      </p:sp>
-      <p:sp>
-        <p:nvSpPr>
-          <p:cNvPr id="6" name="Textfeld 5"/>
-          <p:cNvSpPr txBox="1"/>
-          <p:nvPr/>
-        </p:nvSpPr>
-        <p:spPr>
-          <a:xfrm>
-            <a:off x="8554874" y="1790600"/>
-            <a:ext cx="337606" cy="307777"/>
-          </a:xfrm>
-          <a:prstGeom prst="rect">
-            <a:avLst/>
-          </a:prstGeom>
-          <a:noFill/>
-        </p:spPr>
-        <p:txBody>
-          <a:bodyPr wrap="square" rtlCol="0">
-            <a:spAutoFit/>
-          </a:bodyPr>
-          <a:lstStyle/>
-          <a:p>
-            <a:r>
-              <a:rPr lang="de-DE" dirty="0">
-                <a:solidFill>
-                  <a:schemeClr val="bg1"/>
-                </a:solidFill>
-              </a:rPr>
-              <a:t>III</a:t>
-            </a:r>
-            <a:endParaRPr lang="de-DE" dirty="0"/>
-          </a:p>
-        </p:txBody>
-      </p:sp>
-    </p:spTree>
-    <p:extLst>
-      <p:ext uri="{BB962C8B-B14F-4D97-AF65-F5344CB8AC3E}">
-        <p14:creationId xmlns:p14="http://schemas.microsoft.com/office/powerpoint/2010/main" val="2200522923"/>
-      </p:ext>
-    </p:extLst>
-  </p:cSld>
-  <p:clrMapOvr>
-    <a:masterClrMapping/>
-  </p:clrMapOvr>
-</p:sld>
-</file>
-
-<file path=ppt/slides/slide12.xml><?xml version="1.0" encoding="utf-8"?>
-<p:sld xmlns:a="http://schemas.openxmlformats.org/drawingml/2006/main" xmlns:r="http://schemas.openxmlformats.org/officeDocument/2006/relationships" xmlns:p="http://schemas.openxmlformats.org/presentationml/2006/main">
-  <p:cSld>
-    <p:spTree>
-      <p:nvGrpSpPr>
-        <p:cNvPr id="1" name=""/>
-        <p:cNvGrpSpPr/>
-        <p:nvPr/>
-      </p:nvGrpSpPr>
-      <p:grpSpPr>
-        <a:xfrm>
-          <a:off x="0" y="0"/>
-          <a:ext cx="0" cy="0"/>
-          <a:chOff x="0" y="0"/>
-          <a:chExt cx="0" cy="0"/>
-        </a:xfrm>
-      </p:grpSpPr>
-      <p:sp>
-        <p:nvSpPr>
-          <p:cNvPr id="17" name="Rechteck 16"/>
+          <p:cNvPr id="10" name="Rechteck 9"/>
           <p:cNvSpPr/>
           <p:nvPr/>
         </p:nvSpPr>
         <p:spPr bwMode="auto">
           <a:xfrm>
-            <a:off x="552093" y="3789040"/>
-            <a:ext cx="5400600" cy="576064"/>
+            <a:off x="552093" y="2276886"/>
+            <a:ext cx="8085762" cy="862481"/>
           </a:xfrm>
           <a:prstGeom prst="rect">
             <a:avLst/>
@@ -4726,32 +4446,8 @@
           </a:bodyPr>
           <a:lstStyle/>
           <a:p>
-            <a:pPr marL="0" marR="0" indent="0" algn="ctr" defTabSz="914400" rtl="0" eaLnBrk="1" fontAlgn="base" latinLnBrk="0" hangingPunct="1">
-              <a:lnSpc>
-                <a:spcPct val="100000"/>
-              </a:lnSpc>
-              <a:spcBef>
-                <a:spcPct val="0"/>
-              </a:spcBef>
-              <a:spcAft>
-                <a:spcPct val="0"/>
-              </a:spcAft>
-              <a:buClrTx/>
-              <a:buSzTx/>
-              <a:buFontTx/>
-              <a:buNone/>
-              <a:tabLst/>
-            </a:pPr>
-            <a:endParaRPr kumimoji="0" lang="de-DE" sz="1800" b="0" i="0" u="none" strike="noStrike" cap="none" normalizeH="0" baseline="0">
-              <a:ln>
-                <a:noFill/>
-              </a:ln>
-              <a:solidFill>
-                <a:schemeClr val="tx1"/>
-              </a:solidFill>
-              <a:effectLst/>
-              <a:latin typeface="Arial" charset="0"/>
-            </a:endParaRPr>
+            <a:pPr algn="ctr"/>
+            <a:endParaRPr lang="de-DE" sz="1800"/>
           </a:p>
         </p:txBody>
       </p:sp>
@@ -4772,227 +4468,7 @@
           <a:p>
             <a:r>
               <a:rPr lang="de-DE" dirty="0"/>
-              <a:t>Fachlabor IT</a:t>
-            </a:r>
-            <a:endParaRPr lang="de-DE" dirty="0"/>
-          </a:p>
-        </p:txBody>
-      </p:sp>
-      <p:sp>
-        <p:nvSpPr>
-          <p:cNvPr id="3" name="Inhaltsplatzhalter 2"/>
-          <p:cNvSpPr>
-            <a:spLocks noGrp="1"/>
-          </p:cNvSpPr>
-          <p:nvPr>
-            <p:ph idx="1"/>
-          </p:nvPr>
-        </p:nvSpPr>
-        <p:spPr>
-          <a:xfrm>
-            <a:off x="738188" y="1401763"/>
-            <a:ext cx="7342187" cy="4376583"/>
-          </a:xfrm>
-        </p:spPr>
-        <p:txBody>
-          <a:bodyPr/>
-          <a:lstStyle/>
-          <a:p>
-            <a:pPr marL="1160463" indent="-1160463">
-              <a:lnSpc>
-                <a:spcPct val="200000"/>
-              </a:lnSpc>
-              <a:spcBef>
-                <a:spcPct val="50000"/>
-              </a:spcBef>
-              <a:buClr>
-                <a:srgbClr val="5F5F5F"/>
-              </a:buClr>
-              <a:buSzPct val="100000"/>
-              <a:buFont typeface="+mj-lt"/>
-              <a:buAutoNum type="romanUcPeriod"/>
-              <a:defRPr/>
-            </a:pPr>
-            <a:r>
-              <a:rPr lang="de-DE" dirty="0">
-                <a:solidFill>
-                  <a:schemeClr val="accent4">
-                    <a:lumMod val="65000"/>
-                    <a:lumOff val="35000"/>
-                  </a:schemeClr>
-                </a:solidFill>
-              </a:rPr>
-              <a:t>Einleitung</a:t>
-            </a:r>
-          </a:p>
-          <a:p>
-            <a:pPr marL="1160463" indent="-1160463">
-              <a:lnSpc>
-                <a:spcPct val="200000"/>
-              </a:lnSpc>
-              <a:spcBef>
-                <a:spcPct val="50000"/>
-              </a:spcBef>
-              <a:buClr>
-                <a:srgbClr val="5F5F5F"/>
-              </a:buClr>
-              <a:buSzPct val="100000"/>
-              <a:buFont typeface="+mj-lt"/>
-              <a:buAutoNum type="romanUcPeriod"/>
-              <a:defRPr/>
-            </a:pPr>
-            <a:r>
-              <a:rPr lang="de-DE" dirty="0">
-                <a:solidFill>
-                  <a:schemeClr val="accent4">
-                    <a:lumMod val="65000"/>
-                    <a:lumOff val="35000"/>
-                  </a:schemeClr>
-                </a:solidFill>
-              </a:rPr>
-              <a:t>Klassenübersicht &amp; </a:t>
-            </a:r>
-            <a:r>
-              <a:rPr lang="de-DE" dirty="0" err="1">
-                <a:solidFill>
-                  <a:schemeClr val="accent4">
-                    <a:lumMod val="65000"/>
-                    <a:lumOff val="35000"/>
-                  </a:schemeClr>
-                </a:solidFill>
-              </a:rPr>
-              <a:t>main</a:t>
-            </a:r>
-            <a:r>
-              <a:rPr lang="de-DE" dirty="0">
-                <a:solidFill>
-                  <a:schemeClr val="accent4">
-                    <a:lumMod val="65000"/>
-                    <a:lumOff val="35000"/>
-                  </a:schemeClr>
-                </a:solidFill>
-              </a:rPr>
-              <a:t>()</a:t>
-            </a:r>
-          </a:p>
-          <a:p>
-            <a:pPr marL="1160463" indent="-1160463">
-              <a:lnSpc>
-                <a:spcPct val="200000"/>
-              </a:lnSpc>
-              <a:spcBef>
-                <a:spcPct val="50000"/>
-              </a:spcBef>
-              <a:buClr>
-                <a:srgbClr val="5F5F5F"/>
-              </a:buClr>
-              <a:buSzPct val="100000"/>
-              <a:buFont typeface="+mj-lt"/>
-              <a:buAutoNum type="romanUcPeriod"/>
-              <a:defRPr/>
-            </a:pPr>
-            <a:r>
-              <a:rPr lang="de-DE" dirty="0">
-                <a:solidFill>
-                  <a:schemeClr val="accent4">
-                    <a:lumMod val="65000"/>
-                    <a:lumOff val="35000"/>
-                  </a:schemeClr>
-                </a:solidFill>
-              </a:rPr>
-              <a:t>Warteschlangenlogik</a:t>
-            </a:r>
-          </a:p>
-          <a:p>
-            <a:pPr marL="1160463" indent="-1160463">
-              <a:lnSpc>
-                <a:spcPct val="200000"/>
-              </a:lnSpc>
-              <a:spcBef>
-                <a:spcPct val="50000"/>
-              </a:spcBef>
-              <a:buClr>
-                <a:srgbClr val="5F5F5F"/>
-              </a:buClr>
-              <a:buSzPct val="100000"/>
-              <a:buFont typeface="+mj-lt"/>
-              <a:buAutoNum type="romanUcPeriod"/>
-              <a:defRPr/>
-            </a:pPr>
-            <a:r>
-              <a:rPr lang="de-DE" b="1" dirty="0">
-                <a:solidFill>
-                  <a:schemeClr val="accent4">
-                    <a:lumMod val="65000"/>
-                    <a:lumOff val="35000"/>
-                  </a:schemeClr>
-                </a:solidFill>
-              </a:rPr>
-              <a:t>Bewegungslogik</a:t>
-            </a:r>
-          </a:p>
-          <a:p>
-            <a:pPr marL="1160463" indent="-1160463">
-              <a:lnSpc>
-                <a:spcPct val="200000"/>
-              </a:lnSpc>
-              <a:spcBef>
-                <a:spcPct val="50000"/>
-              </a:spcBef>
-              <a:buClr>
-                <a:srgbClr val="5F5F5F"/>
-              </a:buClr>
-              <a:buSzPct val="100000"/>
-              <a:buFont typeface="+mj-lt"/>
-              <a:buAutoNum type="romanUcPeriod"/>
-              <a:defRPr/>
-            </a:pPr>
-            <a:r>
-              <a:rPr lang="de-DE" dirty="0" err="1">
-                <a:solidFill>
-                  <a:schemeClr val="accent4">
-                    <a:lumMod val="65000"/>
-                    <a:lumOff val="35000"/>
-                  </a:schemeClr>
-                </a:solidFill>
-              </a:rPr>
-              <a:t>Türlogik</a:t>
-            </a:r>
-            <a:endParaRPr lang="de-DE" dirty="0">
-              <a:solidFill>
-                <a:schemeClr val="accent4">
-                  <a:lumMod val="65000"/>
-                  <a:lumOff val="35000"/>
-                </a:schemeClr>
-              </a:solidFill>
-            </a:endParaRPr>
-          </a:p>
-          <a:p>
-            <a:pPr marL="1160463" indent="-1160463">
-              <a:lnSpc>
-                <a:spcPct val="200000"/>
-              </a:lnSpc>
-              <a:spcBef>
-                <a:spcPct val="50000"/>
-              </a:spcBef>
-              <a:buClr>
-                <a:srgbClr val="5F5F5F"/>
-              </a:buClr>
-              <a:buSzPct val="100000"/>
-              <a:buFont typeface="+mj-lt"/>
-              <a:buAutoNum type="romanUcPeriod"/>
-              <a:defRPr/>
-            </a:pPr>
-            <a:r>
-              <a:rPr lang="de-DE" dirty="0">
-                <a:solidFill>
-                  <a:schemeClr val="accent4">
-                    <a:lumMod val="65000"/>
-                    <a:lumOff val="35000"/>
-                  </a:schemeClr>
-                </a:solidFill>
-              </a:rPr>
-              <a:t>Fazit</a:t>
+              <a:t>III. Warteschlangenlogik</a:t>
             </a:r>
           </a:p>
         </p:txBody>
@@ -5020,7 +4496,7 @@
               <a:pPr>
                 <a:defRPr/>
               </a:pPr>
-              <a:t>12</a:t>
+              <a:t>10</a:t>
             </a:fld>
             <a:endParaRPr lang="de-DE" dirty="0"/>
           </a:p>
@@ -5038,7 +4514,7 @@
         </p:nvSpPr>
         <p:spPr bwMode="auto">
           <a:xfrm>
-            <a:off x="8633677" y="2259310"/>
+            <a:off x="8633677" y="1720893"/>
             <a:ext cx="180000" cy="487363"/>
           </a:xfrm>
           <a:prstGeom prst="roundRect">
@@ -5081,8 +4557,8 @@
         </p:nvSpPr>
         <p:spPr>
           <a:xfrm>
-            <a:off x="8553577" y="2346900"/>
-            <a:ext cx="409614" cy="307777"/>
+            <a:off x="8554874" y="1790614"/>
+            <a:ext cx="337606" cy="307777"/>
           </a:xfrm>
           <a:prstGeom prst="rect">
             <a:avLst/>
@@ -5101,16 +4577,40 @@
                   <a:schemeClr val="bg1"/>
                 </a:solidFill>
               </a:rPr>
-              <a:t>IV</a:t>
+              <a:t>III</a:t>
             </a:r>
             <a:endParaRPr lang="de-DE" dirty="0"/>
           </a:p>
         </p:txBody>
       </p:sp>
+      <p:pic>
+        <p:nvPicPr>
+          <p:cNvPr id="12" name="Grafik 11"/>
+          <p:cNvPicPr>
+            <a:picLocks noChangeAspect="1"/>
+          </p:cNvPicPr>
+          <p:nvPr/>
+        </p:nvPicPr>
+        <p:blipFill>
+          <a:blip r:embed="rId2"/>
+          <a:stretch>
+            <a:fillRect/>
+          </a:stretch>
+        </p:blipFill>
+        <p:spPr>
+          <a:xfrm>
+            <a:off x="2042413" y="1318872"/>
+            <a:ext cx="5059201" cy="4558400"/>
+          </a:xfrm>
+          <a:prstGeom prst="rect">
+            <a:avLst/>
+          </a:prstGeom>
+        </p:spPr>
+      </p:pic>
     </p:spTree>
     <p:extLst>
       <p:ext uri="{BB962C8B-B14F-4D97-AF65-F5344CB8AC3E}">
-        <p14:creationId xmlns:p14="http://schemas.microsoft.com/office/powerpoint/2010/main" val="3854351213"/>
+        <p14:creationId xmlns:p14="http://schemas.microsoft.com/office/powerpoint/2010/main" val="1366462204"/>
       </p:ext>
     </p:extLst>
   </p:cSld>
@@ -5120,7 +4620,7 @@
 </p:sld>
 </file>
 
-<file path=ppt/slides/slide13.xml><?xml version="1.0" encoding="utf-8"?>
+<file path=ppt/slides/slide11.xml><?xml version="1.0" encoding="utf-8"?>
 <p:sld xmlns:a="http://schemas.openxmlformats.org/drawingml/2006/main" xmlns:r="http://schemas.openxmlformats.org/officeDocument/2006/relationships" xmlns:p="http://schemas.openxmlformats.org/presentationml/2006/main">
   <p:cSld>
     <p:spTree>
@@ -5154,31 +4654,12 @@
           <a:p>
             <a:r>
               <a:rPr lang="de-DE" dirty="0"/>
-              <a:t>Bewegungslogik</a:t>
-            </a:r>
-          </a:p>
-        </p:txBody>
-      </p:sp>
-      <p:sp>
-        <p:nvSpPr>
-          <p:cNvPr id="3" name="Inhaltsplatzhalter 2"/>
-          <p:cNvSpPr>
-            <a:spLocks noGrp="1"/>
-          </p:cNvSpPr>
-          <p:nvPr>
-            <p:ph idx="1"/>
-          </p:nvPr>
-        </p:nvSpPr>
-        <p:spPr>
-          <a:xfrm>
-            <a:off x="738188" y="1401763"/>
-            <a:ext cx="7342187" cy="307777"/>
-          </a:xfrm>
-        </p:spPr>
-        <p:txBody>
-          <a:bodyPr/>
-          <a:lstStyle/>
-          <a:p>
+              <a:t>Warteschlangenlogik -&gt; </a:t>
+            </a:r>
+            <a:r>
+              <a:rPr lang="de-DE" dirty="0" err="1"/>
+              <a:t>control_input_lists</a:t>
+            </a:r>
             <a:endParaRPr lang="de-DE" dirty="0"/>
           </a:p>
         </p:txBody>
@@ -5206,7 +4687,7 @@
               <a:pPr>
                 <a:defRPr/>
               </a:pPr>
-              <a:t>13</a:t>
+              <a:t>11</a:t>
             </a:fld>
             <a:endParaRPr lang="de-DE" dirty="0"/>
           </a:p>
@@ -5214,7 +4695,7 @@
       </p:sp>
       <p:sp>
         <p:nvSpPr>
-          <p:cNvPr id="6" name="AutoShape 16">
+          <p:cNvPr id="5" name="AutoShape 16">
             <a:hlinkClick r:id="" action="ppaction://noaction"/>
           </p:cNvPr>
           <p:cNvSpPr>
@@ -5224,7 +4705,7 @@
         </p:nvSpPr>
         <p:spPr bwMode="auto">
           <a:xfrm>
-            <a:off x="8633677" y="2259310"/>
+            <a:off x="8633677" y="1720893"/>
             <a:ext cx="180000" cy="487363"/>
           </a:xfrm>
           <a:prstGeom prst="roundRect">
@@ -5261,14 +4742,14 @@
       </p:sp>
       <p:sp>
         <p:nvSpPr>
-          <p:cNvPr id="7" name="Textfeld 6"/>
+          <p:cNvPr id="6" name="Textfeld 5"/>
           <p:cNvSpPr txBox="1"/>
           <p:nvPr/>
         </p:nvSpPr>
         <p:spPr>
           <a:xfrm>
-            <a:off x="8553577" y="2346900"/>
-            <a:ext cx="409614" cy="307777"/>
+            <a:off x="8554874" y="1790614"/>
+            <a:ext cx="337606" cy="307777"/>
           </a:xfrm>
           <a:prstGeom prst="rect">
             <a:avLst/>
@@ -5287,7 +4768,7 @@
                   <a:schemeClr val="bg1"/>
                 </a:solidFill>
               </a:rPr>
-              <a:t>IV</a:t>
+              <a:t>III</a:t>
             </a:r>
             <a:endParaRPr lang="de-DE" dirty="0"/>
           </a:p>
@@ -5295,22 +4776,44 @@
       </p:sp>
       <p:pic>
         <p:nvPicPr>
-          <p:cNvPr id="12" name="Grafik 11"/>
+          <p:cNvPr id="3" name="Grafik 2"/>
           <p:cNvPicPr>
             <a:picLocks noChangeAspect="1"/>
           </p:cNvPicPr>
           <p:nvPr/>
         </p:nvPicPr>
-        <p:blipFill>
-          <a:blip r:embed="rId2"/>
-          <a:stretch>
-            <a:fillRect/>
-          </a:stretch>
+        <p:blipFill rotWithShape="1">
+          <a:blip r:embed="rId3"/>
+          <a:srcRect t="44071" b="-1"/>
+          <a:stretch/>
         </p:blipFill>
         <p:spPr>
           <a:xfrm>
-            <a:off x="2872425" y="2533159"/>
-            <a:ext cx="3399150" cy="2516000"/>
+            <a:off x="899592" y="3327400"/>
+            <a:ext cx="6863940" cy="2721200"/>
+          </a:xfrm>
+          <a:prstGeom prst="rect">
+            <a:avLst/>
+          </a:prstGeom>
+        </p:spPr>
+      </p:pic>
+      <p:pic>
+        <p:nvPicPr>
+          <p:cNvPr id="9" name="Grafik 8"/>
+          <p:cNvPicPr>
+            <a:picLocks noChangeAspect="1"/>
+          </p:cNvPicPr>
+          <p:nvPr/>
+        </p:nvPicPr>
+        <p:blipFill rotWithShape="1">
+          <a:blip r:embed="rId3"/>
+          <a:srcRect b="56020"/>
+          <a:stretch/>
+        </p:blipFill>
+        <p:spPr>
+          <a:xfrm>
+            <a:off x="899592" y="1187582"/>
+            <a:ext cx="6863940" cy="2139818"/>
           </a:xfrm>
           <a:prstGeom prst="rect">
             <a:avLst/>
@@ -5320,13 +4823,470 @@
     </p:spTree>
     <p:extLst>
       <p:ext uri="{BB962C8B-B14F-4D97-AF65-F5344CB8AC3E}">
-        <p14:creationId xmlns:p14="http://schemas.microsoft.com/office/powerpoint/2010/main" val="4216422739"/>
+        <p14:creationId xmlns:p14="http://schemas.microsoft.com/office/powerpoint/2010/main" val="456857022"/>
       </p:ext>
     </p:extLst>
   </p:cSld>
   <p:clrMapOvr>
     <a:masterClrMapping/>
   </p:clrMapOvr>
+</p:sld>
+</file>
+
+<file path=ppt/slides/slide12.xml><?xml version="1.0" encoding="utf-8"?>
+<p:sld xmlns:a="http://schemas.openxmlformats.org/drawingml/2006/main" xmlns:r="http://schemas.openxmlformats.org/officeDocument/2006/relationships" xmlns:p="http://schemas.openxmlformats.org/presentationml/2006/main" show="0">
+  <p:cSld>
+    <p:spTree>
+      <p:nvGrpSpPr>
+        <p:cNvPr id="1" name=""/>
+        <p:cNvGrpSpPr/>
+        <p:nvPr/>
+      </p:nvGrpSpPr>
+      <p:grpSpPr>
+        <a:xfrm>
+          <a:off x="0" y="0"/>
+          <a:ext cx="0" cy="0"/>
+          <a:chOff x="0" y="0"/>
+          <a:chExt cx="0" cy="0"/>
+        </a:xfrm>
+      </p:grpSpPr>
+      <p:sp>
+        <p:nvSpPr>
+          <p:cNvPr id="2" name="Titel 1"/>
+          <p:cNvSpPr>
+            <a:spLocks noGrp="1"/>
+          </p:cNvSpPr>
+          <p:nvPr>
+            <p:ph type="title"/>
+          </p:nvPr>
+        </p:nvSpPr>
+        <p:spPr/>
+        <p:txBody>
+          <a:bodyPr/>
+          <a:lstStyle/>
+          <a:p>
+            <a:r>
+              <a:rPr lang="de-DE" dirty="0"/>
+              <a:t>Notizen</a:t>
+            </a:r>
+          </a:p>
+        </p:txBody>
+      </p:sp>
+      <p:sp>
+        <p:nvSpPr>
+          <p:cNvPr id="3" name="Inhaltsplatzhalter 2"/>
+          <p:cNvSpPr>
+            <a:spLocks noGrp="1"/>
+          </p:cNvSpPr>
+          <p:nvPr>
+            <p:ph idx="1"/>
+          </p:nvPr>
+        </p:nvSpPr>
+        <p:spPr>
+          <a:xfrm>
+            <a:off x="738202" y="1401763"/>
+            <a:ext cx="7342187" cy="3570208"/>
+          </a:xfrm>
+        </p:spPr>
+        <p:txBody>
+          <a:bodyPr/>
+          <a:lstStyle/>
+          <a:p>
+            <a:r>
+              <a:rPr lang="de-DE" dirty="0"/>
+              <a:t>Warteschlangen: enthalten anzufahrende </a:t>
+            </a:r>
+            <a:r>
+              <a:rPr lang="de-DE" dirty="0" err="1"/>
+              <a:t>Fachrstuhlschachttaster</a:t>
+            </a:r>
+            <a:endParaRPr lang="de-DE" dirty="0"/>
+          </a:p>
+          <a:p>
+            <a:endParaRPr lang="de-DE" dirty="0"/>
+          </a:p>
+          <a:p>
+            <a:r>
+              <a:rPr lang="de-DE" dirty="0"/>
+              <a:t>Rufende Etage != </a:t>
+            </a:r>
+            <a:r>
+              <a:rPr lang="de-DE" dirty="0" err="1"/>
+              <a:t>TPMx</a:t>
+            </a:r>
+            <a:endParaRPr lang="de-DE" dirty="0"/>
+          </a:p>
+          <a:p>
+            <a:r>
+              <a:rPr lang="de-DE" dirty="0"/>
+              <a:t>Rufende Etage = </a:t>
+            </a:r>
+            <a:r>
+              <a:rPr lang="de-DE" dirty="0" err="1"/>
+              <a:t>TPUx</a:t>
+            </a:r>
+            <a:r>
+              <a:rPr lang="de-DE" dirty="0"/>
+              <a:t> oder </a:t>
+            </a:r>
+            <a:r>
+              <a:rPr lang="de-DE" dirty="0" err="1"/>
+              <a:t>TPOx</a:t>
+            </a:r>
+            <a:endParaRPr lang="de-DE" dirty="0"/>
+          </a:p>
+          <a:p>
+            <a:endParaRPr lang="de-DE" dirty="0"/>
+          </a:p>
+          <a:p>
+            <a:r>
+              <a:rPr lang="de-DE" dirty="0"/>
+              <a:t>Weitere </a:t>
+            </a:r>
+            <a:r>
+              <a:rPr lang="de-DE" dirty="0" err="1"/>
+              <a:t>If</a:t>
+            </a:r>
+            <a:r>
+              <a:rPr lang="de-DE" dirty="0"/>
+              <a:t>-Bedingungen zwecks Bugvermeidung</a:t>
+            </a:r>
+          </a:p>
+          <a:p>
+            <a:endParaRPr lang="de-DE" dirty="0"/>
+          </a:p>
+          <a:p>
+            <a:r>
+              <a:rPr lang="de-DE" dirty="0"/>
+              <a:t>Ergebnis: Änderung der Reihenfolgebestimmung der abzufahrenden Etagen vollständig über </a:t>
+            </a:r>
+            <a:r>
+              <a:rPr lang="de-DE" dirty="0" err="1"/>
+              <a:t>control_input_lists</a:t>
+            </a:r>
+            <a:r>
+              <a:rPr lang="de-DE" dirty="0"/>
+              <a:t> möglich</a:t>
+            </a:r>
+          </a:p>
+          <a:p>
+            <a:endParaRPr lang="de-DE" dirty="0"/>
+          </a:p>
+        </p:txBody>
+      </p:sp>
+      <p:sp>
+        <p:nvSpPr>
+          <p:cNvPr id="4" name="Foliennummernplatzhalter 3"/>
+          <p:cNvSpPr>
+            <a:spLocks noGrp="1"/>
+          </p:cNvSpPr>
+          <p:nvPr>
+            <p:ph type="sldNum" sz="quarter" idx="10"/>
+          </p:nvPr>
+        </p:nvSpPr>
+        <p:spPr/>
+        <p:txBody>
+          <a:bodyPr/>
+          <a:lstStyle/>
+          <a:p>
+            <a:pPr>
+              <a:defRPr/>
+            </a:pPr>
+            <a:fld id="{5F8FFA7F-0241-4901-8EB3-B5A2BF410D80}" type="slidenum">
+              <a:rPr lang="de-DE" smtClean="0"/>
+              <a:pPr>
+                <a:defRPr/>
+              </a:pPr>
+              <a:t>12</a:t>
+            </a:fld>
+            <a:endParaRPr lang="de-DE" dirty="0"/>
+          </a:p>
+        </p:txBody>
+      </p:sp>
+    </p:spTree>
+    <p:extLst>
+      <p:ext uri="{BB962C8B-B14F-4D97-AF65-F5344CB8AC3E}">
+        <p14:creationId xmlns:p14="http://schemas.microsoft.com/office/powerpoint/2010/main" val="275166036"/>
+      </p:ext>
+    </p:extLst>
+  </p:cSld>
+  <p:clrMapOvr>
+    <a:masterClrMapping/>
+  </p:clrMapOvr>
+  <p:transition/>
+</p:sld>
+</file>
+
+<file path=ppt/slides/slide13.xml><?xml version="1.0" encoding="utf-8"?>
+<p:sld xmlns:a="http://schemas.openxmlformats.org/drawingml/2006/main" xmlns:r="http://schemas.openxmlformats.org/officeDocument/2006/relationships" xmlns:p="http://schemas.openxmlformats.org/presentationml/2006/main" show="0">
+  <p:cSld>
+    <p:spTree>
+      <p:nvGrpSpPr>
+        <p:cNvPr id="1" name=""/>
+        <p:cNvGrpSpPr/>
+        <p:nvPr/>
+      </p:nvGrpSpPr>
+      <p:grpSpPr>
+        <a:xfrm>
+          <a:off x="0" y="0"/>
+          <a:ext cx="0" cy="0"/>
+          <a:chOff x="0" y="0"/>
+          <a:chExt cx="0" cy="0"/>
+        </a:xfrm>
+      </p:grpSpPr>
+      <p:sp>
+        <p:nvSpPr>
+          <p:cNvPr id="2" name="Titel 1"/>
+          <p:cNvSpPr>
+            <a:spLocks noGrp="1"/>
+          </p:cNvSpPr>
+          <p:nvPr>
+            <p:ph type="title"/>
+          </p:nvPr>
+        </p:nvSpPr>
+        <p:spPr/>
+        <p:txBody>
+          <a:bodyPr/>
+          <a:lstStyle/>
+          <a:p>
+            <a:r>
+              <a:rPr lang="de-DE" dirty="0"/>
+              <a:t>Probleme</a:t>
+            </a:r>
+          </a:p>
+        </p:txBody>
+      </p:sp>
+      <p:sp>
+        <p:nvSpPr>
+          <p:cNvPr id="3" name="Inhaltsplatzhalter 2"/>
+          <p:cNvSpPr>
+            <a:spLocks noGrp="1"/>
+          </p:cNvSpPr>
+          <p:nvPr>
+            <p:ph idx="1"/>
+          </p:nvPr>
+        </p:nvSpPr>
+        <p:spPr>
+          <a:xfrm>
+            <a:off x="738202" y="1401777"/>
+            <a:ext cx="7342187" cy="4370427"/>
+          </a:xfrm>
+        </p:spPr>
+        <p:txBody>
+          <a:bodyPr/>
+          <a:lstStyle/>
+          <a:p>
+            <a:r>
+              <a:rPr lang="de-DE" dirty="0"/>
+              <a:t>Doppeltes Anfahren der Etage</a:t>
+            </a:r>
+          </a:p>
+          <a:p>
+            <a:r>
+              <a:rPr lang="de-DE" dirty="0"/>
+              <a:t>Aufrufe werden nicht in die Warteschlangen aufgenommen</a:t>
+            </a:r>
+          </a:p>
+          <a:p>
+            <a:r>
+              <a:rPr lang="de-DE" dirty="0"/>
+              <a:t>Aufrufe werden in die falsche Warteschlange aufgenommen</a:t>
+            </a:r>
+          </a:p>
+          <a:p>
+            <a:r>
+              <a:rPr lang="de-DE" dirty="0"/>
+              <a:t>Kabine hält in voller Fahrt an</a:t>
+            </a:r>
+          </a:p>
+          <a:p>
+            <a:r>
+              <a:rPr lang="de-DE" dirty="0"/>
+              <a:t>Türe öffnen sich bei Vorbeifahrt der </a:t>
+            </a:r>
+            <a:r>
+              <a:rPr lang="de-DE" dirty="0" err="1"/>
+              <a:t>Kabne</a:t>
+            </a:r>
+            <a:endParaRPr lang="de-DE" dirty="0"/>
+          </a:p>
+          <a:p>
+            <a:endParaRPr lang="de-DE" dirty="0"/>
+          </a:p>
+          <a:p>
+            <a:r>
+              <a:rPr lang="de-DE" dirty="0"/>
+              <a:t>Lösung: </a:t>
+            </a:r>
+          </a:p>
+          <a:p>
+            <a:pPr lvl="1"/>
+            <a:r>
+              <a:rPr lang="de-DE" dirty="0"/>
+              <a:t>getrennte Betrachtung der Fälle bei Hoch- und Runterfahrt</a:t>
+            </a:r>
+          </a:p>
+          <a:p>
+            <a:pPr lvl="1"/>
+            <a:r>
+              <a:rPr lang="de-DE" dirty="0"/>
+              <a:t>Auffangen besonderer Extremsituationen durch </a:t>
+            </a:r>
+            <a:r>
+              <a:rPr lang="de-DE" dirty="0" err="1"/>
+              <a:t>If</a:t>
+            </a:r>
+            <a:r>
+              <a:rPr lang="de-DE" dirty="0"/>
+              <a:t>-Abfragen</a:t>
+            </a:r>
+          </a:p>
+          <a:p>
+            <a:pPr lvl="1"/>
+            <a:endParaRPr lang="de-DE" dirty="0"/>
+          </a:p>
+          <a:p>
+            <a:pPr marL="363538" lvl="1" indent="0">
+              <a:buNone/>
+            </a:pPr>
+            <a:r>
+              <a:rPr lang="de-DE" dirty="0">
+                <a:sym typeface="Wingdings" panose="05000000000000000000" pitchFamily="2" charset="2"/>
+              </a:rPr>
+              <a:t> </a:t>
+            </a:r>
+            <a:r>
+              <a:rPr lang="de-DE" dirty="0"/>
+              <a:t>Die meisten Bugs konnten hier behoben werden</a:t>
+            </a:r>
+          </a:p>
+          <a:p>
+            <a:pPr lvl="1"/>
+            <a:endParaRPr lang="de-DE" dirty="0"/>
+          </a:p>
+        </p:txBody>
+      </p:sp>
+      <p:sp>
+        <p:nvSpPr>
+          <p:cNvPr id="4" name="Foliennummernplatzhalter 3"/>
+          <p:cNvSpPr>
+            <a:spLocks noGrp="1"/>
+          </p:cNvSpPr>
+          <p:nvPr>
+            <p:ph type="sldNum" sz="quarter" idx="10"/>
+          </p:nvPr>
+        </p:nvSpPr>
+        <p:spPr/>
+        <p:txBody>
+          <a:bodyPr/>
+          <a:lstStyle/>
+          <a:p>
+            <a:pPr>
+              <a:defRPr/>
+            </a:pPr>
+            <a:fld id="{5F8FFA7F-0241-4901-8EB3-B5A2BF410D80}" type="slidenum">
+              <a:rPr lang="de-DE" smtClean="0"/>
+              <a:pPr>
+                <a:defRPr/>
+              </a:pPr>
+              <a:t>13</a:t>
+            </a:fld>
+            <a:endParaRPr lang="de-DE" dirty="0"/>
+          </a:p>
+        </p:txBody>
+      </p:sp>
+      <p:sp>
+        <p:nvSpPr>
+          <p:cNvPr id="5" name="AutoShape 16">
+            <a:hlinkClick r:id="" action="ppaction://noaction"/>
+          </p:cNvPr>
+          <p:cNvSpPr>
+            <a:spLocks noChangeArrowheads="1"/>
+          </p:cNvSpPr>
+          <p:nvPr/>
+        </p:nvSpPr>
+        <p:spPr bwMode="auto">
+          <a:xfrm>
+            <a:off x="8633677" y="1720893"/>
+            <a:ext cx="180000" cy="487363"/>
+          </a:xfrm>
+          <a:prstGeom prst="roundRect">
+            <a:avLst>
+              <a:gd name="adj" fmla="val 5356"/>
+            </a:avLst>
+          </a:prstGeom>
+          <a:solidFill>
+            <a:schemeClr val="tx1"/>
+          </a:solidFill>
+          <a:ln w="9525">
+            <a:noFill/>
+            <a:round/>
+            <a:headEnd/>
+            <a:tailEnd/>
+          </a:ln>
+        </p:spPr>
+        <p:txBody>
+          <a:bodyPr wrap="none" anchor="ctr"/>
+          <a:lstStyle/>
+          <a:p>
+            <a:pPr marL="268288" algn="r"/>
+            <a:r>
+              <a:rPr lang="en-US" dirty="0">
+                <a:solidFill>
+                  <a:schemeClr val="bg1"/>
+                </a:solidFill>
+                <a:latin typeface="+mj-lt"/>
+              </a:rPr>
+              <a:t>     </a:t>
+            </a:r>
+          </a:p>
+        </p:txBody>
+      </p:sp>
+      <p:sp>
+        <p:nvSpPr>
+          <p:cNvPr id="6" name="Textfeld 5"/>
+          <p:cNvSpPr txBox="1"/>
+          <p:nvPr/>
+        </p:nvSpPr>
+        <p:spPr>
+          <a:xfrm>
+            <a:off x="8554874" y="1790614"/>
+            <a:ext cx="337606" cy="307777"/>
+          </a:xfrm>
+          <a:prstGeom prst="rect">
+            <a:avLst/>
+          </a:prstGeom>
+          <a:noFill/>
+        </p:spPr>
+        <p:txBody>
+          <a:bodyPr wrap="square" rtlCol="0">
+            <a:spAutoFit/>
+          </a:bodyPr>
+          <a:lstStyle/>
+          <a:p>
+            <a:r>
+              <a:rPr lang="de-DE" dirty="0">
+                <a:solidFill>
+                  <a:schemeClr val="bg1"/>
+                </a:solidFill>
+              </a:rPr>
+              <a:t>III</a:t>
+            </a:r>
+            <a:endParaRPr lang="de-DE" dirty="0"/>
+          </a:p>
+        </p:txBody>
+      </p:sp>
+    </p:spTree>
+    <p:extLst>
+      <p:ext uri="{BB962C8B-B14F-4D97-AF65-F5344CB8AC3E}">
+        <p14:creationId xmlns:p14="http://schemas.microsoft.com/office/powerpoint/2010/main" val="2200522923"/>
+      </p:ext>
+    </p:extLst>
+  </p:cSld>
+  <p:clrMapOvr>
+    <a:masterClrMapping/>
+  </p:clrMapOvr>
+  <p:transition/>
 </p:sld>
 </file>
 
@@ -5349,319 +5309,14 @@
       </p:grpSpPr>
       <p:sp>
         <p:nvSpPr>
-          <p:cNvPr id="2" name="Titel 1"/>
-          <p:cNvSpPr>
-            <a:spLocks noGrp="1"/>
-          </p:cNvSpPr>
-          <p:nvPr>
-            <p:ph type="title"/>
-          </p:nvPr>
-        </p:nvSpPr>
-        <p:spPr/>
-        <p:txBody>
-          <a:bodyPr/>
-          <a:lstStyle/>
-          <a:p>
-            <a:r>
-              <a:rPr lang="de-DE" dirty="0"/>
-              <a:t>Bewegungssteuerung</a:t>
-            </a:r>
-          </a:p>
-        </p:txBody>
-      </p:sp>
-      <p:sp>
-        <p:nvSpPr>
-          <p:cNvPr id="5" name="Foliennummernplatzhalter 4"/>
-          <p:cNvSpPr>
-            <a:spLocks noGrp="1"/>
-          </p:cNvSpPr>
-          <p:nvPr>
-            <p:ph type="sldNum" sz="quarter" idx="10"/>
-          </p:nvPr>
-        </p:nvSpPr>
-        <p:spPr/>
-        <p:txBody>
-          <a:bodyPr/>
-          <a:lstStyle/>
-          <a:p>
-            <a:pPr>
-              <a:defRPr/>
-            </a:pPr>
-            <a:fld id="{92C1A08D-DCF5-4E05-8608-B0B9E112B436}" type="slidenum">
-              <a:rPr lang="de-DE" smtClean="0"/>
-              <a:pPr>
-                <a:defRPr/>
-              </a:pPr>
-              <a:t>14</a:t>
-            </a:fld>
-            <a:endParaRPr lang="de-DE" dirty="0"/>
-          </a:p>
-        </p:txBody>
-      </p:sp>
-      <p:sp>
-        <p:nvSpPr>
-          <p:cNvPr id="6" name="AutoShape 16">
-            <a:hlinkClick r:id="" action="ppaction://noaction"/>
-          </p:cNvPr>
-          <p:cNvSpPr>
-            <a:spLocks noChangeArrowheads="1"/>
-          </p:cNvSpPr>
-          <p:nvPr/>
-        </p:nvSpPr>
-        <p:spPr bwMode="auto">
-          <a:xfrm>
-            <a:off x="8633677" y="2259310"/>
-            <a:ext cx="180000" cy="487363"/>
-          </a:xfrm>
-          <a:prstGeom prst="roundRect">
-            <a:avLst>
-              <a:gd name="adj" fmla="val 5356"/>
-            </a:avLst>
-          </a:prstGeom>
-          <a:solidFill>
-            <a:schemeClr val="tx1"/>
-          </a:solidFill>
-          <a:ln w="9525">
-            <a:noFill/>
-            <a:round/>
-            <a:headEnd/>
-            <a:tailEnd/>
-          </a:ln>
-        </p:spPr>
-        <p:txBody>
-          <a:bodyPr wrap="none" anchor="ctr"/>
-          <a:lstStyle/>
-          <a:p>
-            <a:pPr marL="268288" algn="r"/>
-            <a:r>
-              <a:rPr lang="en-US" dirty="0">
-                <a:solidFill>
-                  <a:schemeClr val="bg1"/>
-                </a:solidFill>
-                <a:latin typeface="+mj-lt"/>
-              </a:rPr>
-              <a:t>     </a:t>
-            </a:r>
-          </a:p>
-        </p:txBody>
-      </p:sp>
-      <p:sp>
-        <p:nvSpPr>
-          <p:cNvPr id="7" name="Textfeld 6"/>
-          <p:cNvSpPr txBox="1"/>
-          <p:nvPr/>
-        </p:nvSpPr>
-        <p:spPr>
-          <a:xfrm>
-            <a:off x="8553577" y="2346900"/>
-            <a:ext cx="409614" cy="307777"/>
-          </a:xfrm>
-          <a:prstGeom prst="rect">
-            <a:avLst/>
-          </a:prstGeom>
-          <a:noFill/>
-        </p:spPr>
-        <p:txBody>
-          <a:bodyPr wrap="square" rtlCol="0">
-            <a:spAutoFit/>
-          </a:bodyPr>
-          <a:lstStyle/>
-          <a:p>
-            <a:r>
-              <a:rPr lang="de-DE" dirty="0">
-                <a:solidFill>
-                  <a:schemeClr val="bg1"/>
-                </a:solidFill>
-              </a:rPr>
-              <a:t>IV</a:t>
-            </a:r>
-            <a:endParaRPr lang="de-DE" dirty="0"/>
-          </a:p>
-        </p:txBody>
-      </p:sp>
-      <p:pic>
-        <p:nvPicPr>
-          <p:cNvPr id="8" name="Inhaltsplatzhalter 7"/>
-          <p:cNvPicPr>
-            <a:picLocks noGrp="1" noChangeAspect="1"/>
-          </p:cNvPicPr>
-          <p:nvPr>
-            <p:ph sz="half" idx="2"/>
-          </p:nvPr>
-        </p:nvPicPr>
-        <p:blipFill>
-          <a:blip r:embed="rId2"/>
-          <a:stretch>
-            <a:fillRect/>
-          </a:stretch>
-        </p:blipFill>
-        <p:spPr>
-          <a:xfrm>
-            <a:off x="1763688" y="1268759"/>
-            <a:ext cx="4777366" cy="4680521"/>
-          </a:xfrm>
-          <a:prstGeom prst="rect">
-            <a:avLst/>
-          </a:prstGeom>
-        </p:spPr>
-      </p:pic>
-    </p:spTree>
-    <p:extLst>
-      <p:ext uri="{BB962C8B-B14F-4D97-AF65-F5344CB8AC3E}">
-        <p14:creationId xmlns:p14="http://schemas.microsoft.com/office/powerpoint/2010/main" val="2650412750"/>
-      </p:ext>
-    </p:extLst>
-  </p:cSld>
-  <p:clrMapOvr>
-    <a:masterClrMapping/>
-  </p:clrMapOvr>
-</p:sld>
-</file>
-
-<file path=ppt/slides/slide15.xml><?xml version="1.0" encoding="utf-8"?>
-<p:sld xmlns:a="http://schemas.openxmlformats.org/drawingml/2006/main" xmlns:r="http://schemas.openxmlformats.org/officeDocument/2006/relationships" xmlns:p="http://schemas.openxmlformats.org/presentationml/2006/main">
-  <p:cSld>
-    <p:spTree>
-      <p:nvGrpSpPr>
-        <p:cNvPr id="1" name=""/>
-        <p:cNvGrpSpPr/>
-        <p:nvPr/>
-      </p:nvGrpSpPr>
-      <p:grpSpPr>
-        <a:xfrm>
-          <a:off x="0" y="0"/>
-          <a:ext cx="0" cy="0"/>
-          <a:chOff x="0" y="0"/>
-          <a:chExt cx="0" cy="0"/>
-        </a:xfrm>
-      </p:grpSpPr>
-      <p:sp>
-        <p:nvSpPr>
-          <p:cNvPr id="2" name="Titel 1"/>
-          <p:cNvSpPr>
-            <a:spLocks noGrp="1"/>
-          </p:cNvSpPr>
-          <p:nvPr>
-            <p:ph type="title"/>
-          </p:nvPr>
-        </p:nvSpPr>
-        <p:spPr/>
-        <p:txBody>
-          <a:bodyPr/>
-          <a:lstStyle/>
-          <a:p>
-            <a:r>
-              <a:rPr lang="de-DE" dirty="0"/>
-              <a:t>Probleme</a:t>
-            </a:r>
-          </a:p>
-        </p:txBody>
-      </p:sp>
-      <p:sp>
-        <p:nvSpPr>
-          <p:cNvPr id="3" name="Inhaltsplatzhalter 2"/>
-          <p:cNvSpPr>
-            <a:spLocks noGrp="1"/>
-          </p:cNvSpPr>
-          <p:nvPr>
-            <p:ph idx="1"/>
-          </p:nvPr>
-        </p:nvSpPr>
-        <p:spPr>
-          <a:xfrm>
-            <a:off x="738188" y="1401763"/>
-            <a:ext cx="7342187" cy="1046440"/>
-          </a:xfrm>
-        </p:spPr>
-        <p:txBody>
-          <a:bodyPr/>
-          <a:lstStyle/>
-          <a:p>
-            <a:r>
-              <a:rPr lang="de-DE" dirty="0"/>
-              <a:t>Umsetzung einer Anfahrautomatik</a:t>
-            </a:r>
-          </a:p>
-          <a:p>
-            <a:r>
-              <a:rPr lang="de-DE" dirty="0"/>
-              <a:t>Umsetzung einer Abbremsautomatik</a:t>
-            </a:r>
-          </a:p>
-          <a:p>
-            <a:endParaRPr lang="de-DE" dirty="0"/>
-          </a:p>
-        </p:txBody>
-      </p:sp>
-      <p:sp>
-        <p:nvSpPr>
-          <p:cNvPr id="4" name="Foliennummernplatzhalter 3"/>
-          <p:cNvSpPr>
-            <a:spLocks noGrp="1"/>
-          </p:cNvSpPr>
-          <p:nvPr>
-            <p:ph type="sldNum" sz="quarter" idx="10"/>
-          </p:nvPr>
-        </p:nvSpPr>
-        <p:spPr/>
-        <p:txBody>
-          <a:bodyPr/>
-          <a:lstStyle/>
-          <a:p>
-            <a:pPr>
-              <a:defRPr/>
-            </a:pPr>
-            <a:fld id="{5F8FFA7F-0241-4901-8EB3-B5A2BF410D80}" type="slidenum">
-              <a:rPr lang="de-DE" smtClean="0"/>
-              <a:pPr>
-                <a:defRPr/>
-              </a:pPr>
-              <a:t>15</a:t>
-            </a:fld>
-            <a:endParaRPr lang="de-DE" dirty="0"/>
-          </a:p>
-        </p:txBody>
-      </p:sp>
-    </p:spTree>
-    <p:extLst>
-      <p:ext uri="{BB962C8B-B14F-4D97-AF65-F5344CB8AC3E}">
-        <p14:creationId xmlns:p14="http://schemas.microsoft.com/office/powerpoint/2010/main" val="636071355"/>
-      </p:ext>
-    </p:extLst>
-  </p:cSld>
-  <p:clrMapOvr>
-    <a:masterClrMapping/>
-  </p:clrMapOvr>
-</p:sld>
-</file>
-
-<file path=ppt/slides/slide16.xml><?xml version="1.0" encoding="utf-8"?>
-<p:sld xmlns:a="http://schemas.openxmlformats.org/drawingml/2006/main" xmlns:r="http://schemas.openxmlformats.org/officeDocument/2006/relationships" xmlns:p="http://schemas.openxmlformats.org/presentationml/2006/main">
-  <p:cSld>
-    <p:spTree>
-      <p:nvGrpSpPr>
-        <p:cNvPr id="1" name=""/>
-        <p:cNvGrpSpPr/>
-        <p:nvPr/>
-      </p:nvGrpSpPr>
-      <p:grpSpPr>
-        <a:xfrm>
-          <a:off x="0" y="0"/>
-          <a:ext cx="0" cy="0"/>
-          <a:chOff x="0" y="0"/>
-          <a:chExt cx="0" cy="0"/>
-        </a:xfrm>
-      </p:grpSpPr>
-      <p:sp>
-        <p:nvSpPr>
-          <p:cNvPr id="17" name="Rechteck 16"/>
+          <p:cNvPr id="10" name="Rechteck 9"/>
           <p:cNvSpPr/>
           <p:nvPr/>
         </p:nvSpPr>
         <p:spPr bwMode="auto">
           <a:xfrm>
-            <a:off x="552093" y="4539600"/>
-            <a:ext cx="5400600" cy="576064"/>
+            <a:off x="565632" y="4005078"/>
+            <a:ext cx="8085762" cy="862481"/>
           </a:xfrm>
           <a:prstGeom prst="rect">
             <a:avLst/>
@@ -5704,32 +5359,8 @@
           </a:bodyPr>
           <a:lstStyle/>
           <a:p>
-            <a:pPr marL="0" marR="0" indent="0" algn="ctr" defTabSz="914400" rtl="0" eaLnBrk="1" fontAlgn="base" latinLnBrk="0" hangingPunct="1">
-              <a:lnSpc>
-                <a:spcPct val="100000"/>
-              </a:lnSpc>
-              <a:spcBef>
-                <a:spcPct val="0"/>
-              </a:spcBef>
-              <a:spcAft>
-                <a:spcPct val="0"/>
-              </a:spcAft>
-              <a:buClrTx/>
-              <a:buSzTx/>
-              <a:buFontTx/>
-              <a:buNone/>
-              <a:tabLst/>
-            </a:pPr>
-            <a:endParaRPr kumimoji="0" lang="de-DE" sz="1800" b="0" i="0" u="none" strike="noStrike" cap="none" normalizeH="0" baseline="0">
-              <a:ln>
-                <a:noFill/>
-              </a:ln>
-              <a:solidFill>
-                <a:schemeClr val="tx1"/>
-              </a:solidFill>
-              <a:effectLst/>
-              <a:latin typeface="Arial" charset="0"/>
-            </a:endParaRPr>
+            <a:pPr algn="ctr"/>
+            <a:endParaRPr lang="de-DE" sz="1800"/>
           </a:p>
         </p:txBody>
       </p:sp>
@@ -5750,227 +5381,7 @@
           <a:p>
             <a:r>
               <a:rPr lang="de-DE" dirty="0"/>
-              <a:t>Fachlabor IT</a:t>
-            </a:r>
-            <a:endParaRPr lang="de-DE" dirty="0"/>
-          </a:p>
-        </p:txBody>
-      </p:sp>
-      <p:sp>
-        <p:nvSpPr>
-          <p:cNvPr id="3" name="Inhaltsplatzhalter 2"/>
-          <p:cNvSpPr>
-            <a:spLocks noGrp="1"/>
-          </p:cNvSpPr>
-          <p:nvPr>
-            <p:ph idx="1"/>
-          </p:nvPr>
-        </p:nvSpPr>
-        <p:spPr>
-          <a:xfrm>
-            <a:off x="738188" y="1401763"/>
-            <a:ext cx="7342187" cy="4376583"/>
-          </a:xfrm>
-        </p:spPr>
-        <p:txBody>
-          <a:bodyPr/>
-          <a:lstStyle/>
-          <a:p>
-            <a:pPr marL="1160463" indent="-1160463">
-              <a:lnSpc>
-                <a:spcPct val="200000"/>
-              </a:lnSpc>
-              <a:spcBef>
-                <a:spcPct val="50000"/>
-              </a:spcBef>
-              <a:buClr>
-                <a:srgbClr val="5F5F5F"/>
-              </a:buClr>
-              <a:buSzPct val="100000"/>
-              <a:buFont typeface="+mj-lt"/>
-              <a:buAutoNum type="romanUcPeriod"/>
-              <a:defRPr/>
-            </a:pPr>
-            <a:r>
-              <a:rPr lang="de-DE" dirty="0">
-                <a:solidFill>
-                  <a:schemeClr val="accent4">
-                    <a:lumMod val="65000"/>
-                    <a:lumOff val="35000"/>
-                  </a:schemeClr>
-                </a:solidFill>
-              </a:rPr>
-              <a:t>Einleitung</a:t>
-            </a:r>
-          </a:p>
-          <a:p>
-            <a:pPr marL="1160463" indent="-1160463">
-              <a:lnSpc>
-                <a:spcPct val="200000"/>
-              </a:lnSpc>
-              <a:spcBef>
-                <a:spcPct val="50000"/>
-              </a:spcBef>
-              <a:buClr>
-                <a:srgbClr val="5F5F5F"/>
-              </a:buClr>
-              <a:buSzPct val="100000"/>
-              <a:buFont typeface="+mj-lt"/>
-              <a:buAutoNum type="romanUcPeriod"/>
-              <a:defRPr/>
-            </a:pPr>
-            <a:r>
-              <a:rPr lang="de-DE" dirty="0">
-                <a:solidFill>
-                  <a:schemeClr val="accent4">
-                    <a:lumMod val="65000"/>
-                    <a:lumOff val="35000"/>
-                  </a:schemeClr>
-                </a:solidFill>
-              </a:rPr>
-              <a:t>Klassenübersicht &amp; </a:t>
-            </a:r>
-            <a:r>
-              <a:rPr lang="de-DE" dirty="0" err="1">
-                <a:solidFill>
-                  <a:schemeClr val="accent4">
-                    <a:lumMod val="65000"/>
-                    <a:lumOff val="35000"/>
-                  </a:schemeClr>
-                </a:solidFill>
-              </a:rPr>
-              <a:t>main</a:t>
-            </a:r>
-            <a:r>
-              <a:rPr lang="de-DE" dirty="0">
-                <a:solidFill>
-                  <a:schemeClr val="accent4">
-                    <a:lumMod val="65000"/>
-                    <a:lumOff val="35000"/>
-                  </a:schemeClr>
-                </a:solidFill>
-              </a:rPr>
-              <a:t>()</a:t>
-            </a:r>
-          </a:p>
-          <a:p>
-            <a:pPr marL="1160463" indent="-1160463">
-              <a:lnSpc>
-                <a:spcPct val="200000"/>
-              </a:lnSpc>
-              <a:spcBef>
-                <a:spcPct val="50000"/>
-              </a:spcBef>
-              <a:buClr>
-                <a:srgbClr val="5F5F5F"/>
-              </a:buClr>
-              <a:buSzPct val="100000"/>
-              <a:buFont typeface="+mj-lt"/>
-              <a:buAutoNum type="romanUcPeriod"/>
-              <a:defRPr/>
-            </a:pPr>
-            <a:r>
-              <a:rPr lang="de-DE" dirty="0">
-                <a:solidFill>
-                  <a:schemeClr val="accent4">
-                    <a:lumMod val="65000"/>
-                    <a:lumOff val="35000"/>
-                  </a:schemeClr>
-                </a:solidFill>
-              </a:rPr>
-              <a:t>Warteschlangenlogik</a:t>
-            </a:r>
-          </a:p>
-          <a:p>
-            <a:pPr marL="1160463" indent="-1160463">
-              <a:lnSpc>
-                <a:spcPct val="200000"/>
-              </a:lnSpc>
-              <a:spcBef>
-                <a:spcPct val="50000"/>
-              </a:spcBef>
-              <a:buClr>
-                <a:srgbClr val="5F5F5F"/>
-              </a:buClr>
-              <a:buSzPct val="100000"/>
-              <a:buFont typeface="+mj-lt"/>
-              <a:buAutoNum type="romanUcPeriod"/>
-              <a:defRPr/>
-            </a:pPr>
-            <a:r>
-              <a:rPr lang="de-DE" dirty="0">
-                <a:solidFill>
-                  <a:schemeClr val="accent4">
-                    <a:lumMod val="65000"/>
-                    <a:lumOff val="35000"/>
-                  </a:schemeClr>
-                </a:solidFill>
-              </a:rPr>
-              <a:t>Bewegungslogik</a:t>
-            </a:r>
-          </a:p>
-          <a:p>
-            <a:pPr marL="1160463" indent="-1160463">
-              <a:lnSpc>
-                <a:spcPct val="200000"/>
-              </a:lnSpc>
-              <a:spcBef>
-                <a:spcPct val="50000"/>
-              </a:spcBef>
-              <a:buClr>
-                <a:srgbClr val="5F5F5F"/>
-              </a:buClr>
-              <a:buSzPct val="100000"/>
-              <a:buFont typeface="+mj-lt"/>
-              <a:buAutoNum type="romanUcPeriod"/>
-              <a:defRPr/>
-            </a:pPr>
-            <a:r>
-              <a:rPr lang="de-DE" b="1" dirty="0" err="1">
-                <a:solidFill>
-                  <a:schemeClr val="accent4">
-                    <a:lumMod val="65000"/>
-                    <a:lumOff val="35000"/>
-                  </a:schemeClr>
-                </a:solidFill>
-              </a:rPr>
-              <a:t>Türlogik</a:t>
-            </a:r>
-            <a:endParaRPr lang="de-DE" b="1" dirty="0">
-              <a:solidFill>
-                <a:schemeClr val="accent4">
-                  <a:lumMod val="65000"/>
-                  <a:lumOff val="35000"/>
-                </a:schemeClr>
-              </a:solidFill>
-            </a:endParaRPr>
-          </a:p>
-          <a:p>
-            <a:pPr marL="1160463" indent="-1160463">
-              <a:lnSpc>
-                <a:spcPct val="200000"/>
-              </a:lnSpc>
-              <a:spcBef>
-                <a:spcPct val="50000"/>
-              </a:spcBef>
-              <a:buClr>
-                <a:srgbClr val="5F5F5F"/>
-              </a:buClr>
-              <a:buSzPct val="100000"/>
-              <a:buFont typeface="+mj-lt"/>
-              <a:buAutoNum type="romanUcPeriod"/>
-              <a:defRPr/>
-            </a:pPr>
-            <a:r>
-              <a:rPr lang="de-DE" dirty="0">
-                <a:solidFill>
-                  <a:schemeClr val="accent4">
-                    <a:lumMod val="65000"/>
-                    <a:lumOff val="35000"/>
-                  </a:schemeClr>
-                </a:solidFill>
-              </a:rPr>
-              <a:t>Fazit</a:t>
+              <a:t>IV. Bewegungslogik</a:t>
             </a:r>
           </a:p>
         </p:txBody>
@@ -5998,7 +5409,7 @@
               <a:pPr>
                 <a:defRPr/>
               </a:pPr>
-              <a:t>16</a:t>
+              <a:t>14</a:t>
             </a:fld>
             <a:endParaRPr lang="de-DE" dirty="0"/>
           </a:p>
@@ -6006,7 +5417,7 @@
       </p:sp>
       <p:sp>
         <p:nvSpPr>
-          <p:cNvPr id="13" name="AutoShape 16">
+          <p:cNvPr id="12" name="AutoShape 16">
             <a:hlinkClick r:id="" action="ppaction://noaction"/>
           </p:cNvPr>
           <p:cNvSpPr>
@@ -6016,7 +5427,7 @@
         </p:nvSpPr>
         <p:spPr bwMode="auto">
           <a:xfrm>
-            <a:off x="8634974" y="2806769"/>
+            <a:off x="8633677" y="2259324"/>
             <a:ext cx="180000" cy="487363"/>
           </a:xfrm>
           <a:prstGeom prst="roundRect">
@@ -6053,13 +5464,13 @@
       </p:sp>
       <p:sp>
         <p:nvSpPr>
-          <p:cNvPr id="14" name="Textfeld 13"/>
+          <p:cNvPr id="13" name="Textfeld 12"/>
           <p:cNvSpPr txBox="1"/>
           <p:nvPr/>
         </p:nvSpPr>
         <p:spPr>
           <a:xfrm>
-            <a:off x="8580569" y="2894359"/>
+            <a:off x="8553577" y="2346914"/>
             <a:ext cx="409614" cy="307777"/>
           </a:xfrm>
           <a:prstGeom prst="rect">
@@ -6079,16 +5490,40 @@
                   <a:schemeClr val="bg1"/>
                 </a:solidFill>
               </a:rPr>
-              <a:t>V</a:t>
+              <a:t>IV</a:t>
             </a:r>
             <a:endParaRPr lang="de-DE" dirty="0"/>
           </a:p>
         </p:txBody>
       </p:sp>
+      <p:pic>
+        <p:nvPicPr>
+          <p:cNvPr id="8" name="Grafik 7"/>
+          <p:cNvPicPr>
+            <a:picLocks noChangeAspect="1"/>
+          </p:cNvPicPr>
+          <p:nvPr/>
+        </p:nvPicPr>
+        <p:blipFill>
+          <a:blip r:embed="rId2"/>
+          <a:stretch>
+            <a:fillRect/>
+          </a:stretch>
+        </p:blipFill>
+        <p:spPr>
+          <a:xfrm>
+            <a:off x="2042413" y="1318872"/>
+            <a:ext cx="5059201" cy="4558400"/>
+          </a:xfrm>
+          <a:prstGeom prst="rect">
+            <a:avLst/>
+          </a:prstGeom>
+        </p:spPr>
+      </p:pic>
     </p:spTree>
     <p:extLst>
       <p:ext uri="{BB962C8B-B14F-4D97-AF65-F5344CB8AC3E}">
-        <p14:creationId xmlns:p14="http://schemas.microsoft.com/office/powerpoint/2010/main" val="3046582676"/>
+        <p14:creationId xmlns:p14="http://schemas.microsoft.com/office/powerpoint/2010/main" val="2895349213"/>
       </p:ext>
     </p:extLst>
   </p:cSld>
@@ -6098,7 +5533,7 @@
 </p:sld>
 </file>
 
-<file path=ppt/slides/slide17.xml><?xml version="1.0" encoding="utf-8"?>
+<file path=ppt/slides/slide15.xml><?xml version="1.0" encoding="utf-8"?>
 <p:sld xmlns:a="http://schemas.openxmlformats.org/drawingml/2006/main" xmlns:r="http://schemas.openxmlformats.org/officeDocument/2006/relationships" xmlns:p="http://schemas.openxmlformats.org/presentationml/2006/main">
   <p:cSld>
     <p:spTree>
@@ -6117,187 +5552,14 @@
       </p:grpSpPr>
       <p:sp>
         <p:nvSpPr>
-          <p:cNvPr id="2" name="Titel 1"/>
-          <p:cNvSpPr>
-            <a:spLocks noGrp="1"/>
-          </p:cNvSpPr>
-          <p:nvPr>
-            <p:ph type="title"/>
-          </p:nvPr>
-        </p:nvSpPr>
-        <p:spPr/>
-        <p:txBody>
-          <a:bodyPr/>
-          <a:lstStyle/>
-          <a:p>
-            <a:endParaRPr lang="en-GB" dirty="0"/>
-          </a:p>
-        </p:txBody>
-      </p:sp>
-      <p:sp>
-        <p:nvSpPr>
-          <p:cNvPr id="4" name="Foliennummernplatzhalter 3"/>
-          <p:cNvSpPr>
-            <a:spLocks noGrp="1"/>
-          </p:cNvSpPr>
-          <p:nvPr>
-            <p:ph type="sldNum" sz="quarter" idx="10"/>
-          </p:nvPr>
-        </p:nvSpPr>
-        <p:spPr/>
-        <p:txBody>
-          <a:bodyPr/>
-          <a:lstStyle/>
-          <a:p>
-            <a:pPr>
-              <a:defRPr/>
-            </a:pPr>
-            <a:fld id="{5F8FFA7F-0241-4901-8EB3-B5A2BF410D80}" type="slidenum">
-              <a:rPr lang="de-DE" smtClean="0"/>
-              <a:pPr>
-                <a:defRPr/>
-              </a:pPr>
-              <a:t>17</a:t>
-            </a:fld>
-            <a:endParaRPr lang="de-DE" dirty="0"/>
-          </a:p>
-        </p:txBody>
-      </p:sp>
-      <p:sp>
-        <p:nvSpPr>
-          <p:cNvPr id="6" name="AutoShape 16">
-            <a:hlinkClick r:id="" action="ppaction://noaction"/>
-          </p:cNvPr>
-          <p:cNvSpPr>
-            <a:spLocks noChangeArrowheads="1"/>
-          </p:cNvSpPr>
-          <p:nvPr/>
-        </p:nvSpPr>
-        <p:spPr bwMode="auto">
-          <a:xfrm>
-            <a:off x="8634974" y="2806769"/>
-            <a:ext cx="180000" cy="487363"/>
-          </a:xfrm>
-          <a:prstGeom prst="roundRect">
-            <a:avLst>
-              <a:gd name="adj" fmla="val 5356"/>
-            </a:avLst>
-          </a:prstGeom>
-          <a:solidFill>
-            <a:schemeClr val="tx1"/>
-          </a:solidFill>
-          <a:ln w="9525">
-            <a:noFill/>
-            <a:round/>
-            <a:headEnd/>
-            <a:tailEnd/>
-          </a:ln>
-        </p:spPr>
-        <p:txBody>
-          <a:bodyPr wrap="none" anchor="ctr"/>
-          <a:lstStyle/>
-          <a:p>
-            <a:pPr marL="268288" algn="r"/>
-            <a:r>
-              <a:rPr lang="en-US" dirty="0">
-                <a:solidFill>
-                  <a:schemeClr val="bg1"/>
-                </a:solidFill>
-                <a:latin typeface="+mj-lt"/>
-              </a:rPr>
-              <a:t>     </a:t>
-            </a:r>
-          </a:p>
-        </p:txBody>
-      </p:sp>
-      <p:sp>
-        <p:nvSpPr>
-          <p:cNvPr id="7" name="Textfeld 6"/>
-          <p:cNvSpPr txBox="1"/>
-          <p:nvPr/>
-        </p:nvSpPr>
-        <p:spPr>
-          <a:xfrm>
-            <a:off x="8580569" y="2894359"/>
-            <a:ext cx="409614" cy="307777"/>
-          </a:xfrm>
-          <a:prstGeom prst="rect">
-            <a:avLst/>
-          </a:prstGeom>
-          <a:noFill/>
-        </p:spPr>
-        <p:txBody>
-          <a:bodyPr wrap="square" rtlCol="0">
-            <a:spAutoFit/>
-          </a:bodyPr>
-          <a:lstStyle/>
-          <a:p>
-            <a:r>
-              <a:rPr lang="de-DE" dirty="0">
-                <a:solidFill>
-                  <a:schemeClr val="bg1"/>
-                </a:solidFill>
-              </a:rPr>
-              <a:t>V</a:t>
-            </a:r>
-            <a:endParaRPr lang="de-DE" dirty="0"/>
-          </a:p>
-        </p:txBody>
-      </p:sp>
-      <p:sp>
-        <p:nvSpPr>
-          <p:cNvPr id="3" name="Inhaltsplatzhalter 2"/>
-          <p:cNvSpPr>
-            <a:spLocks noGrp="1"/>
-          </p:cNvSpPr>
-          <p:nvPr>
-            <p:ph idx="1"/>
-          </p:nvPr>
-        </p:nvSpPr>
-        <p:spPr/>
-        <p:txBody>
-          <a:bodyPr/>
-          <a:lstStyle/>
-          <a:p>
-            <a:endParaRPr lang="de-DE"/>
-          </a:p>
-        </p:txBody>
-      </p:sp>
-    </p:spTree>
-  </p:cSld>
-  <p:clrMapOvr>
-    <a:masterClrMapping/>
-  </p:clrMapOvr>
-</p:sld>
-</file>
-
-<file path=ppt/slides/slide18.xml><?xml version="1.0" encoding="utf-8"?>
-<p:sld xmlns:a="http://schemas.openxmlformats.org/drawingml/2006/main" xmlns:r="http://schemas.openxmlformats.org/officeDocument/2006/relationships" xmlns:p="http://schemas.openxmlformats.org/presentationml/2006/main">
-  <p:cSld>
-    <p:spTree>
-      <p:nvGrpSpPr>
-        <p:cNvPr id="1" name=""/>
-        <p:cNvGrpSpPr/>
-        <p:nvPr/>
-      </p:nvGrpSpPr>
-      <p:grpSpPr>
-        <a:xfrm>
-          <a:off x="0" y="0"/>
-          <a:ext cx="0" cy="0"/>
-          <a:chOff x="0" y="0"/>
-          <a:chExt cx="0" cy="0"/>
-        </a:xfrm>
-      </p:grpSpPr>
-      <p:sp>
-        <p:nvSpPr>
-          <p:cNvPr id="17" name="Rechteck 16"/>
+          <p:cNvPr id="9" name="Rechteck 8"/>
           <p:cNvSpPr/>
           <p:nvPr/>
         </p:nvSpPr>
         <p:spPr bwMode="auto">
           <a:xfrm>
-            <a:off x="555521" y="5291048"/>
-            <a:ext cx="5400600" cy="576064"/>
+            <a:off x="565632" y="2834264"/>
+            <a:ext cx="8085762" cy="2033282"/>
           </a:xfrm>
           <a:prstGeom prst="rect">
             <a:avLst/>
@@ -6340,32 +5602,8 @@
           </a:bodyPr>
           <a:lstStyle/>
           <a:p>
-            <a:pPr marL="0" marR="0" indent="0" algn="ctr" defTabSz="914400" rtl="0" eaLnBrk="1" fontAlgn="base" latinLnBrk="0" hangingPunct="1">
-              <a:lnSpc>
-                <a:spcPct val="100000"/>
-              </a:lnSpc>
-              <a:spcBef>
-                <a:spcPct val="0"/>
-              </a:spcBef>
-              <a:spcAft>
-                <a:spcPct val="0"/>
-              </a:spcAft>
-              <a:buClrTx/>
-              <a:buSzTx/>
-              <a:buFontTx/>
-              <a:buNone/>
-              <a:tabLst/>
-            </a:pPr>
-            <a:endParaRPr kumimoji="0" lang="de-DE" sz="1800" b="0" i="0" u="none" strike="noStrike" cap="none" normalizeH="0" baseline="0">
-              <a:ln>
-                <a:noFill/>
-              </a:ln>
-              <a:solidFill>
-                <a:schemeClr val="tx1"/>
-              </a:solidFill>
-              <a:effectLst/>
-              <a:latin typeface="Arial" charset="0"/>
-            </a:endParaRPr>
+            <a:pPr algn="ctr"/>
+            <a:endParaRPr lang="de-DE" sz="1800"/>
           </a:p>
         </p:txBody>
       </p:sp>
@@ -6386,231 +5624,8 @@
           <a:p>
             <a:r>
               <a:rPr lang="de-DE" dirty="0"/>
-              <a:t>Fachlabor IT</a:t>
-            </a:r>
-            <a:endParaRPr lang="de-DE" dirty="0"/>
-          </a:p>
-        </p:txBody>
-      </p:sp>
-      <p:sp>
-        <p:nvSpPr>
-          <p:cNvPr id="3" name="Inhaltsplatzhalter 2"/>
-          <p:cNvSpPr>
-            <a:spLocks noGrp="1"/>
-          </p:cNvSpPr>
-          <p:nvPr>
-            <p:ph idx="1"/>
-          </p:nvPr>
-        </p:nvSpPr>
-        <p:spPr>
-          <a:xfrm>
-            <a:off x="738188" y="1401763"/>
-            <a:ext cx="7342187" cy="4832092"/>
-          </a:xfrm>
-        </p:spPr>
-        <p:txBody>
-          <a:bodyPr/>
-          <a:lstStyle/>
-          <a:p>
-            <a:pPr marL="1160463" indent="-1160463">
-              <a:lnSpc>
-                <a:spcPct val="200000"/>
-              </a:lnSpc>
-              <a:spcBef>
-                <a:spcPct val="50000"/>
-              </a:spcBef>
-              <a:buClr>
-                <a:srgbClr val="5F5F5F"/>
-              </a:buClr>
-              <a:buSzPct val="100000"/>
-              <a:buFont typeface="+mj-lt"/>
-              <a:buAutoNum type="romanUcPeriod"/>
-              <a:defRPr/>
-            </a:pPr>
-            <a:r>
-              <a:rPr lang="de-DE" dirty="0">
-                <a:solidFill>
-                  <a:schemeClr val="accent4">
-                    <a:lumMod val="65000"/>
-                    <a:lumOff val="35000"/>
-                  </a:schemeClr>
-                </a:solidFill>
-              </a:rPr>
-              <a:t>Einleitung</a:t>
-            </a:r>
-          </a:p>
-          <a:p>
-            <a:pPr marL="1160463" indent="-1160463">
-              <a:lnSpc>
-                <a:spcPct val="200000"/>
-              </a:lnSpc>
-              <a:spcBef>
-                <a:spcPct val="50000"/>
-              </a:spcBef>
-              <a:buClr>
-                <a:srgbClr val="5F5F5F"/>
-              </a:buClr>
-              <a:buSzPct val="100000"/>
-              <a:buFont typeface="+mj-lt"/>
-              <a:buAutoNum type="romanUcPeriod"/>
-              <a:defRPr/>
-            </a:pPr>
-            <a:r>
-              <a:rPr lang="de-DE" dirty="0">
-                <a:solidFill>
-                  <a:schemeClr val="accent4">
-                    <a:lumMod val="65000"/>
-                    <a:lumOff val="35000"/>
-                  </a:schemeClr>
-                </a:solidFill>
-              </a:rPr>
-              <a:t>Klassenübersicht &amp; </a:t>
-            </a:r>
-            <a:r>
-              <a:rPr lang="de-DE" dirty="0" err="1">
-                <a:solidFill>
-                  <a:schemeClr val="accent4">
-                    <a:lumMod val="65000"/>
-                    <a:lumOff val="35000"/>
-                  </a:schemeClr>
-                </a:solidFill>
-              </a:rPr>
-              <a:t>main</a:t>
-            </a:r>
-            <a:r>
-              <a:rPr lang="de-DE" dirty="0">
-                <a:solidFill>
-                  <a:schemeClr val="accent4">
-                    <a:lumMod val="65000"/>
-                    <a:lumOff val="35000"/>
-                  </a:schemeClr>
-                </a:solidFill>
-              </a:rPr>
-              <a:t>()</a:t>
-            </a:r>
-          </a:p>
-          <a:p>
-            <a:pPr marL="1160463" indent="-1160463">
-              <a:lnSpc>
-                <a:spcPct val="200000"/>
-              </a:lnSpc>
-              <a:spcBef>
-                <a:spcPct val="50000"/>
-              </a:spcBef>
-              <a:buClr>
-                <a:srgbClr val="5F5F5F"/>
-              </a:buClr>
-              <a:buSzPct val="100000"/>
-              <a:buFont typeface="+mj-lt"/>
-              <a:buAutoNum type="romanUcPeriod"/>
-              <a:defRPr/>
-            </a:pPr>
-            <a:r>
-              <a:rPr lang="de-DE" dirty="0">
-                <a:solidFill>
-                  <a:schemeClr val="accent4">
-                    <a:lumMod val="65000"/>
-                    <a:lumOff val="35000"/>
-                  </a:schemeClr>
-                </a:solidFill>
-              </a:rPr>
-              <a:t>Warteschlangenlogik</a:t>
-            </a:r>
-          </a:p>
-          <a:p>
-            <a:pPr marL="1160463" indent="-1160463">
-              <a:lnSpc>
-                <a:spcPct val="200000"/>
-              </a:lnSpc>
-              <a:spcBef>
-                <a:spcPct val="50000"/>
-              </a:spcBef>
-              <a:buClr>
-                <a:srgbClr val="5F5F5F"/>
-              </a:buClr>
-              <a:buSzPct val="100000"/>
-              <a:buFont typeface="+mj-lt"/>
-              <a:buAutoNum type="romanUcPeriod"/>
-              <a:defRPr/>
-            </a:pPr>
-            <a:r>
-              <a:rPr lang="de-DE" dirty="0">
-                <a:solidFill>
-                  <a:schemeClr val="accent4">
-                    <a:lumMod val="65000"/>
-                    <a:lumOff val="35000"/>
-                  </a:schemeClr>
-                </a:solidFill>
-              </a:rPr>
-              <a:t>Bewegungslogik</a:t>
-            </a:r>
-          </a:p>
-          <a:p>
-            <a:pPr marL="1160463" indent="-1160463">
-              <a:lnSpc>
-                <a:spcPct val="200000"/>
-              </a:lnSpc>
-              <a:spcBef>
-                <a:spcPct val="50000"/>
-              </a:spcBef>
-              <a:buClr>
-                <a:srgbClr val="5F5F5F"/>
-              </a:buClr>
-              <a:buSzPct val="100000"/>
-              <a:buFont typeface="+mj-lt"/>
-              <a:buAutoNum type="romanUcPeriod"/>
-              <a:defRPr/>
-            </a:pPr>
-            <a:r>
-              <a:rPr lang="de-DE" dirty="0" err="1">
-                <a:solidFill>
-                  <a:schemeClr val="accent4">
-                    <a:lumMod val="65000"/>
-                    <a:lumOff val="35000"/>
-                  </a:schemeClr>
-                </a:solidFill>
-              </a:rPr>
-              <a:t>Türlogik</a:t>
-            </a:r>
-            <a:endParaRPr lang="de-DE" dirty="0">
-              <a:solidFill>
-                <a:schemeClr val="accent4">
-                  <a:lumMod val="65000"/>
-                  <a:lumOff val="35000"/>
-                </a:schemeClr>
-              </a:solidFill>
-            </a:endParaRPr>
-          </a:p>
-          <a:p>
-            <a:pPr marL="1160463" indent="-1160463">
-              <a:lnSpc>
-                <a:spcPct val="200000"/>
-              </a:lnSpc>
-              <a:spcBef>
-                <a:spcPct val="50000"/>
-              </a:spcBef>
-              <a:buClr>
-                <a:srgbClr val="5F5F5F"/>
-              </a:buClr>
-              <a:buSzPct val="100000"/>
-              <a:buFont typeface="+mj-lt"/>
-              <a:buAutoNum type="romanUcPeriod"/>
-              <a:defRPr/>
-            </a:pPr>
-            <a:r>
-              <a:rPr lang="de-DE" b="1" dirty="0">
-                <a:solidFill>
-                  <a:schemeClr val="accent4">
-                    <a:lumMod val="65000"/>
-                    <a:lumOff val="35000"/>
-                  </a:schemeClr>
-                </a:solidFill>
-              </a:rPr>
-              <a:t>Fazit</a:t>
-            </a:r>
-          </a:p>
-          <a:p>
-            <a:endParaRPr lang="de-DE" dirty="0"/>
+              <a:t>Main()</a:t>
+            </a:r>
           </a:p>
         </p:txBody>
       </p:sp>
@@ -6637,7 +5652,7 @@
               <a:pPr>
                 <a:defRPr/>
               </a:pPr>
-              <a:t>18</a:t>
+              <a:t>15</a:t>
             </a:fld>
             <a:endParaRPr lang="de-DE" dirty="0"/>
           </a:p>
@@ -6645,7 +5660,7 @@
       </p:sp>
       <p:sp>
         <p:nvSpPr>
-          <p:cNvPr id="15" name="AutoShape 16">
+          <p:cNvPr id="6" name="AutoShape 16">
             <a:hlinkClick r:id="" action="ppaction://noaction"/>
           </p:cNvPr>
           <p:cNvSpPr>
@@ -6655,7 +5670,7 @@
         </p:nvSpPr>
         <p:spPr bwMode="auto">
           <a:xfrm>
-            <a:off x="8645011" y="3349822"/>
+            <a:off x="8633677" y="2259324"/>
             <a:ext cx="180000" cy="487363"/>
           </a:xfrm>
           <a:prstGeom prst="roundRect">
@@ -6692,13 +5707,13 @@
       </p:sp>
       <p:sp>
         <p:nvSpPr>
-          <p:cNvPr id="16" name="Textfeld 15"/>
+          <p:cNvPr id="7" name="Textfeld 6"/>
           <p:cNvSpPr txBox="1"/>
           <p:nvPr/>
         </p:nvSpPr>
         <p:spPr>
           <a:xfrm>
-            <a:off x="8559942" y="3437412"/>
+            <a:off x="8553577" y="2346914"/>
             <a:ext cx="409614" cy="307777"/>
           </a:xfrm>
           <a:prstGeom prst="rect">
@@ -6718,22 +5733,582 @@
                   <a:schemeClr val="bg1"/>
                 </a:solidFill>
               </a:rPr>
-              <a:t>VI</a:t>
+              <a:t>IV</a:t>
             </a:r>
             <a:endParaRPr lang="de-DE" dirty="0"/>
           </a:p>
         </p:txBody>
       </p:sp>
+      <p:pic>
+        <p:nvPicPr>
+          <p:cNvPr id="5" name="Grafik 4"/>
+          <p:cNvPicPr>
+            <a:picLocks noChangeAspect="1"/>
+          </p:cNvPicPr>
+          <p:nvPr/>
+        </p:nvPicPr>
+        <p:blipFill rotWithShape="1">
+          <a:blip r:embed="rId3"/>
+          <a:srcRect t="26215"/>
+          <a:stretch/>
+        </p:blipFill>
+        <p:spPr>
+          <a:xfrm>
+            <a:off x="1232137" y="1628814"/>
+            <a:ext cx="6679726" cy="4244285"/>
+          </a:xfrm>
+          <a:prstGeom prst="rect">
+            <a:avLst/>
+          </a:prstGeom>
+        </p:spPr>
+      </p:pic>
     </p:spTree>
     <p:extLst>
       <p:ext uri="{BB962C8B-B14F-4D97-AF65-F5344CB8AC3E}">
-        <p14:creationId xmlns:p14="http://schemas.microsoft.com/office/powerpoint/2010/main" val="1550742323"/>
+        <p14:creationId xmlns:p14="http://schemas.microsoft.com/office/powerpoint/2010/main" val="4216422739"/>
       </p:ext>
     </p:extLst>
   </p:cSld>
   <p:clrMapOvr>
     <a:masterClrMapping/>
   </p:clrMapOvr>
+</p:sld>
+</file>
+
+<file path=ppt/slides/slide16.xml><?xml version="1.0" encoding="utf-8"?>
+<p:sld xmlns:a="http://schemas.openxmlformats.org/drawingml/2006/main" xmlns:r="http://schemas.openxmlformats.org/officeDocument/2006/relationships" xmlns:p="http://schemas.openxmlformats.org/presentationml/2006/main">
+  <p:cSld>
+    <p:spTree>
+      <p:nvGrpSpPr>
+        <p:cNvPr id="1" name=""/>
+        <p:cNvGrpSpPr/>
+        <p:nvPr/>
+      </p:nvGrpSpPr>
+      <p:grpSpPr>
+        <a:xfrm>
+          <a:off x="0" y="0"/>
+          <a:ext cx="0" cy="0"/>
+          <a:chOff x="0" y="0"/>
+          <a:chExt cx="0" cy="0"/>
+        </a:xfrm>
+      </p:grpSpPr>
+      <p:sp>
+        <p:nvSpPr>
+          <p:cNvPr id="2" name="Titel 1"/>
+          <p:cNvSpPr>
+            <a:spLocks noGrp="1"/>
+          </p:cNvSpPr>
+          <p:nvPr>
+            <p:ph type="title"/>
+          </p:nvPr>
+        </p:nvSpPr>
+        <p:spPr/>
+        <p:txBody>
+          <a:bodyPr/>
+          <a:lstStyle/>
+          <a:p>
+            <a:r>
+              <a:rPr lang="de-DE" dirty="0"/>
+              <a:t>Bewegungslogik -&gt; </a:t>
+            </a:r>
+            <a:r>
+              <a:rPr lang="de-DE" dirty="0" err="1"/>
+              <a:t>control_elevator_movement</a:t>
+            </a:r>
+            <a:endParaRPr lang="de-DE" dirty="0"/>
+          </a:p>
+        </p:txBody>
+      </p:sp>
+      <p:sp>
+        <p:nvSpPr>
+          <p:cNvPr id="4" name="Foliennummernplatzhalter 3"/>
+          <p:cNvSpPr>
+            <a:spLocks noGrp="1"/>
+          </p:cNvSpPr>
+          <p:nvPr>
+            <p:ph type="sldNum" sz="quarter" idx="10"/>
+          </p:nvPr>
+        </p:nvSpPr>
+        <p:spPr/>
+        <p:txBody>
+          <a:bodyPr/>
+          <a:lstStyle/>
+          <a:p>
+            <a:pPr>
+              <a:defRPr/>
+            </a:pPr>
+            <a:fld id="{5F8FFA7F-0241-4901-8EB3-B5A2BF410D80}" type="slidenum">
+              <a:rPr lang="de-DE" smtClean="0"/>
+              <a:pPr>
+                <a:defRPr/>
+              </a:pPr>
+              <a:t>16</a:t>
+            </a:fld>
+            <a:endParaRPr lang="de-DE" dirty="0"/>
+          </a:p>
+        </p:txBody>
+      </p:sp>
+      <p:sp>
+        <p:nvSpPr>
+          <p:cNvPr id="7" name="AutoShape 16">
+            <a:hlinkClick r:id="" action="ppaction://noaction"/>
+          </p:cNvPr>
+          <p:cNvSpPr>
+            <a:spLocks noChangeArrowheads="1"/>
+          </p:cNvSpPr>
+          <p:nvPr/>
+        </p:nvSpPr>
+        <p:spPr bwMode="auto">
+          <a:xfrm>
+            <a:off x="8633677" y="2259324"/>
+            <a:ext cx="180000" cy="487363"/>
+          </a:xfrm>
+          <a:prstGeom prst="roundRect">
+            <a:avLst>
+              <a:gd name="adj" fmla="val 5356"/>
+            </a:avLst>
+          </a:prstGeom>
+          <a:solidFill>
+            <a:schemeClr val="tx1"/>
+          </a:solidFill>
+          <a:ln w="9525">
+            <a:noFill/>
+            <a:round/>
+            <a:headEnd/>
+            <a:tailEnd/>
+          </a:ln>
+        </p:spPr>
+        <p:txBody>
+          <a:bodyPr wrap="none" anchor="ctr"/>
+          <a:lstStyle/>
+          <a:p>
+            <a:pPr marL="268288" algn="r"/>
+            <a:r>
+              <a:rPr lang="en-US" dirty="0">
+                <a:solidFill>
+                  <a:schemeClr val="bg1"/>
+                </a:solidFill>
+                <a:latin typeface="+mj-lt"/>
+              </a:rPr>
+              <a:t>     </a:t>
+            </a:r>
+          </a:p>
+        </p:txBody>
+      </p:sp>
+      <p:sp>
+        <p:nvSpPr>
+          <p:cNvPr id="8" name="Textfeld 7"/>
+          <p:cNvSpPr txBox="1"/>
+          <p:nvPr/>
+        </p:nvSpPr>
+        <p:spPr>
+          <a:xfrm>
+            <a:off x="8553577" y="2346914"/>
+            <a:ext cx="409614" cy="307777"/>
+          </a:xfrm>
+          <a:prstGeom prst="rect">
+            <a:avLst/>
+          </a:prstGeom>
+          <a:noFill/>
+        </p:spPr>
+        <p:txBody>
+          <a:bodyPr wrap="square" rtlCol="0">
+            <a:spAutoFit/>
+          </a:bodyPr>
+          <a:lstStyle/>
+          <a:p>
+            <a:r>
+              <a:rPr lang="de-DE" dirty="0">
+                <a:solidFill>
+                  <a:schemeClr val="bg1"/>
+                </a:solidFill>
+              </a:rPr>
+              <a:t>IV</a:t>
+            </a:r>
+            <a:endParaRPr lang="de-DE" dirty="0"/>
+          </a:p>
+        </p:txBody>
+      </p:sp>
+      <p:pic>
+        <p:nvPicPr>
+          <p:cNvPr id="9" name="Grafik 8"/>
+          <p:cNvPicPr>
+            <a:picLocks noChangeAspect="1"/>
+          </p:cNvPicPr>
+          <p:nvPr/>
+        </p:nvPicPr>
+        <p:blipFill>
+          <a:blip r:embed="rId2"/>
+          <a:stretch>
+            <a:fillRect/>
+          </a:stretch>
+        </p:blipFill>
+        <p:spPr>
+          <a:xfrm>
+            <a:off x="782540" y="1338619"/>
+            <a:ext cx="7578920" cy="4538667"/>
+          </a:xfrm>
+          <a:prstGeom prst="rect">
+            <a:avLst/>
+          </a:prstGeom>
+        </p:spPr>
+      </p:pic>
+    </p:spTree>
+    <p:extLst>
+      <p:ext uri="{BB962C8B-B14F-4D97-AF65-F5344CB8AC3E}">
+        <p14:creationId xmlns:p14="http://schemas.microsoft.com/office/powerpoint/2010/main" val="1466112408"/>
+      </p:ext>
+    </p:extLst>
+  </p:cSld>
+  <p:clrMapOvr>
+    <a:masterClrMapping/>
+  </p:clrMapOvr>
+</p:sld>
+</file>
+
+<file path=ppt/slides/slide17.xml><?xml version="1.0" encoding="utf-8"?>
+<p:sld xmlns:a="http://schemas.openxmlformats.org/drawingml/2006/main" xmlns:r="http://schemas.openxmlformats.org/officeDocument/2006/relationships" xmlns:p="http://schemas.openxmlformats.org/presentationml/2006/main">
+  <p:cSld>
+    <p:spTree>
+      <p:nvGrpSpPr>
+        <p:cNvPr id="1" name=""/>
+        <p:cNvGrpSpPr/>
+        <p:nvPr/>
+      </p:nvGrpSpPr>
+      <p:grpSpPr>
+        <a:xfrm>
+          <a:off x="0" y="0"/>
+          <a:ext cx="0" cy="0"/>
+          <a:chOff x="0" y="0"/>
+          <a:chExt cx="0" cy="0"/>
+        </a:xfrm>
+      </p:grpSpPr>
+      <p:sp>
+        <p:nvSpPr>
+          <p:cNvPr id="2" name="Titel 1"/>
+          <p:cNvSpPr>
+            <a:spLocks noGrp="1"/>
+          </p:cNvSpPr>
+          <p:nvPr>
+            <p:ph type="title"/>
+          </p:nvPr>
+        </p:nvSpPr>
+        <p:spPr/>
+        <p:txBody>
+          <a:bodyPr/>
+          <a:lstStyle/>
+          <a:p>
+            <a:r>
+              <a:rPr lang="de-DE" dirty="0"/>
+              <a:t>Zielsensor anfahren -&gt; </a:t>
+            </a:r>
+            <a:r>
+              <a:rPr lang="de-DE" dirty="0" err="1"/>
+              <a:t>elevator_engine_controler</a:t>
+            </a:r>
+            <a:endParaRPr lang="de-DE" dirty="0"/>
+          </a:p>
+        </p:txBody>
+      </p:sp>
+      <p:sp>
+        <p:nvSpPr>
+          <p:cNvPr id="5" name="Foliennummernplatzhalter 4"/>
+          <p:cNvSpPr>
+            <a:spLocks noGrp="1"/>
+          </p:cNvSpPr>
+          <p:nvPr>
+            <p:ph type="sldNum" sz="quarter" idx="10"/>
+          </p:nvPr>
+        </p:nvSpPr>
+        <p:spPr/>
+        <p:txBody>
+          <a:bodyPr/>
+          <a:lstStyle/>
+          <a:p>
+            <a:pPr>
+              <a:defRPr/>
+            </a:pPr>
+            <a:fld id="{92C1A08D-DCF5-4E05-8608-B0B9E112B436}" type="slidenum">
+              <a:rPr lang="de-DE" smtClean="0"/>
+              <a:pPr>
+                <a:defRPr/>
+              </a:pPr>
+              <a:t>17</a:t>
+            </a:fld>
+            <a:endParaRPr lang="de-DE" dirty="0"/>
+          </a:p>
+        </p:txBody>
+      </p:sp>
+      <p:sp>
+        <p:nvSpPr>
+          <p:cNvPr id="6" name="AutoShape 16">
+            <a:hlinkClick r:id="" action="ppaction://noaction"/>
+          </p:cNvPr>
+          <p:cNvSpPr>
+            <a:spLocks noChangeArrowheads="1"/>
+          </p:cNvSpPr>
+          <p:nvPr/>
+        </p:nvSpPr>
+        <p:spPr bwMode="auto">
+          <a:xfrm>
+            <a:off x="8633677" y="2259324"/>
+            <a:ext cx="180000" cy="487363"/>
+          </a:xfrm>
+          <a:prstGeom prst="roundRect">
+            <a:avLst>
+              <a:gd name="adj" fmla="val 5356"/>
+            </a:avLst>
+          </a:prstGeom>
+          <a:solidFill>
+            <a:schemeClr val="tx1"/>
+          </a:solidFill>
+          <a:ln w="9525">
+            <a:noFill/>
+            <a:round/>
+            <a:headEnd/>
+            <a:tailEnd/>
+          </a:ln>
+        </p:spPr>
+        <p:txBody>
+          <a:bodyPr wrap="none" anchor="ctr"/>
+          <a:lstStyle/>
+          <a:p>
+            <a:pPr marL="268288" algn="r"/>
+            <a:r>
+              <a:rPr lang="en-US" dirty="0">
+                <a:solidFill>
+                  <a:schemeClr val="bg1"/>
+                </a:solidFill>
+                <a:latin typeface="+mj-lt"/>
+              </a:rPr>
+              <a:t>     </a:t>
+            </a:r>
+          </a:p>
+        </p:txBody>
+      </p:sp>
+      <p:sp>
+        <p:nvSpPr>
+          <p:cNvPr id="7" name="Textfeld 6"/>
+          <p:cNvSpPr txBox="1"/>
+          <p:nvPr/>
+        </p:nvSpPr>
+        <p:spPr>
+          <a:xfrm>
+            <a:off x="8553577" y="2346914"/>
+            <a:ext cx="409614" cy="307777"/>
+          </a:xfrm>
+          <a:prstGeom prst="rect">
+            <a:avLst/>
+          </a:prstGeom>
+          <a:noFill/>
+        </p:spPr>
+        <p:txBody>
+          <a:bodyPr wrap="square" rtlCol="0">
+            <a:spAutoFit/>
+          </a:bodyPr>
+          <a:lstStyle/>
+          <a:p>
+            <a:r>
+              <a:rPr lang="de-DE" dirty="0">
+                <a:solidFill>
+                  <a:schemeClr val="bg1"/>
+                </a:solidFill>
+              </a:rPr>
+              <a:t>IV</a:t>
+            </a:r>
+            <a:endParaRPr lang="de-DE" dirty="0"/>
+          </a:p>
+        </p:txBody>
+      </p:sp>
+      <p:pic>
+        <p:nvPicPr>
+          <p:cNvPr id="4" name="Grafik 3"/>
+          <p:cNvPicPr>
+            <a:picLocks noChangeAspect="1"/>
+          </p:cNvPicPr>
+          <p:nvPr/>
+        </p:nvPicPr>
+        <p:blipFill>
+          <a:blip r:embed="rId2"/>
+          <a:stretch>
+            <a:fillRect/>
+          </a:stretch>
+        </p:blipFill>
+        <p:spPr>
+          <a:xfrm>
+            <a:off x="1831292" y="1268760"/>
+            <a:ext cx="5909060" cy="4657551"/>
+          </a:xfrm>
+          <a:prstGeom prst="rect">
+            <a:avLst/>
+          </a:prstGeom>
+        </p:spPr>
+      </p:pic>
+    </p:spTree>
+    <p:extLst>
+      <p:ext uri="{BB962C8B-B14F-4D97-AF65-F5344CB8AC3E}">
+        <p14:creationId xmlns:p14="http://schemas.microsoft.com/office/powerpoint/2010/main" val="2650412750"/>
+      </p:ext>
+    </p:extLst>
+  </p:cSld>
+  <p:clrMapOvr>
+    <a:masterClrMapping/>
+  </p:clrMapOvr>
+</p:sld>
+</file>
+
+<file path=ppt/slides/slide18.xml><?xml version="1.0" encoding="utf-8"?>
+<p:sld xmlns:a="http://schemas.openxmlformats.org/drawingml/2006/main" xmlns:r="http://schemas.openxmlformats.org/officeDocument/2006/relationships" xmlns:p="http://schemas.openxmlformats.org/presentationml/2006/main" show="0">
+  <p:cSld>
+    <p:spTree>
+      <p:nvGrpSpPr>
+        <p:cNvPr id="1" name=""/>
+        <p:cNvGrpSpPr/>
+        <p:nvPr/>
+      </p:nvGrpSpPr>
+      <p:grpSpPr>
+        <a:xfrm>
+          <a:off x="0" y="0"/>
+          <a:ext cx="0" cy="0"/>
+          <a:chOff x="0" y="0"/>
+          <a:chExt cx="0" cy="0"/>
+        </a:xfrm>
+      </p:grpSpPr>
+      <p:sp>
+        <p:nvSpPr>
+          <p:cNvPr id="2" name="Titel 1"/>
+          <p:cNvSpPr>
+            <a:spLocks noGrp="1"/>
+          </p:cNvSpPr>
+          <p:nvPr>
+            <p:ph type="title"/>
+          </p:nvPr>
+        </p:nvSpPr>
+        <p:spPr/>
+        <p:txBody>
+          <a:bodyPr/>
+          <a:lstStyle/>
+          <a:p>
+            <a:r>
+              <a:rPr lang="de-DE" dirty="0"/>
+              <a:t>Probleme</a:t>
+            </a:r>
+          </a:p>
+        </p:txBody>
+      </p:sp>
+      <p:sp>
+        <p:nvSpPr>
+          <p:cNvPr id="3" name="Inhaltsplatzhalter 2"/>
+          <p:cNvSpPr>
+            <a:spLocks noGrp="1"/>
+          </p:cNvSpPr>
+          <p:nvPr>
+            <p:ph idx="1"/>
+          </p:nvPr>
+        </p:nvSpPr>
+        <p:spPr>
+          <a:xfrm>
+            <a:off x="738202" y="1401763"/>
+            <a:ext cx="7342187" cy="3262432"/>
+          </a:xfrm>
+        </p:spPr>
+        <p:txBody>
+          <a:bodyPr/>
+          <a:lstStyle/>
+          <a:p>
+            <a:r>
+              <a:rPr lang="de-DE" dirty="0"/>
+              <a:t>Umsetzung einer Anfahrautomatik</a:t>
+            </a:r>
+          </a:p>
+          <a:p>
+            <a:r>
+              <a:rPr lang="de-DE" dirty="0"/>
+              <a:t>Umsetzung einer Abbremsautomatik</a:t>
+            </a:r>
+          </a:p>
+          <a:p>
+            <a:endParaRPr lang="de-DE" dirty="0"/>
+          </a:p>
+          <a:p>
+            <a:r>
+              <a:rPr lang="de-DE" dirty="0"/>
+              <a:t>Lösung durch Simulation einer Pulsweitenmodulation</a:t>
+            </a:r>
+          </a:p>
+          <a:p>
+            <a:pPr lvl="1"/>
+            <a:r>
+              <a:rPr lang="de-DE" dirty="0"/>
+              <a:t>Pulsweite wird mittels Zähler ermittelt</a:t>
+            </a:r>
+          </a:p>
+          <a:p>
+            <a:pPr lvl="1"/>
+            <a:r>
+              <a:rPr lang="de-DE" dirty="0"/>
+              <a:t>Je höher der Zähler, desto schneller	-&gt; Anfahren</a:t>
+            </a:r>
+          </a:p>
+          <a:p>
+            <a:pPr lvl="1"/>
+            <a:r>
+              <a:rPr lang="de-DE" dirty="0"/>
+              <a:t>Je höher der Zähler, desto langsamer	-&gt; Abbremsen</a:t>
+            </a:r>
+          </a:p>
+          <a:p>
+            <a:pPr lvl="1"/>
+            <a:r>
+              <a:rPr lang="de-DE" dirty="0"/>
+              <a:t>Aufruf der Funktion -&gt; Zähler + 1</a:t>
+            </a:r>
+          </a:p>
+          <a:p>
+            <a:endParaRPr lang="de-DE" dirty="0"/>
+          </a:p>
+        </p:txBody>
+      </p:sp>
+      <p:sp>
+        <p:nvSpPr>
+          <p:cNvPr id="4" name="Foliennummernplatzhalter 3"/>
+          <p:cNvSpPr>
+            <a:spLocks noGrp="1"/>
+          </p:cNvSpPr>
+          <p:nvPr>
+            <p:ph type="sldNum" sz="quarter" idx="10"/>
+          </p:nvPr>
+        </p:nvSpPr>
+        <p:spPr/>
+        <p:txBody>
+          <a:bodyPr/>
+          <a:lstStyle/>
+          <a:p>
+            <a:pPr>
+              <a:defRPr/>
+            </a:pPr>
+            <a:fld id="{5F8FFA7F-0241-4901-8EB3-B5A2BF410D80}" type="slidenum">
+              <a:rPr lang="de-DE" smtClean="0"/>
+              <a:pPr>
+                <a:defRPr/>
+              </a:pPr>
+              <a:t>18</a:t>
+            </a:fld>
+            <a:endParaRPr lang="de-DE" dirty="0"/>
+          </a:p>
+        </p:txBody>
+      </p:sp>
+    </p:spTree>
+    <p:extLst>
+      <p:ext uri="{BB962C8B-B14F-4D97-AF65-F5344CB8AC3E}">
+        <p14:creationId xmlns:p14="http://schemas.microsoft.com/office/powerpoint/2010/main" val="636071355"/>
+      </p:ext>
+    </p:extLst>
+  </p:cSld>
+  <p:clrMapOvr>
+    <a:masterClrMapping/>
+  </p:clrMapOvr>
+  <p:transition/>
 </p:sld>
 </file>
 
@@ -6756,195 +6331,14 @@
       </p:grpSpPr>
       <p:sp>
         <p:nvSpPr>
-          <p:cNvPr id="2" name="Titel 1"/>
-          <p:cNvSpPr>
-            <a:spLocks noGrp="1"/>
-          </p:cNvSpPr>
-          <p:nvPr>
-            <p:ph type="title"/>
-          </p:nvPr>
-        </p:nvSpPr>
-        <p:spPr/>
-        <p:txBody>
-          <a:bodyPr/>
-          <a:lstStyle/>
-          <a:p>
-            <a:r>
-              <a:rPr lang="de-DE" dirty="0"/>
-              <a:t>Erreichte Genauigkeit</a:t>
-            </a:r>
-          </a:p>
-        </p:txBody>
-      </p:sp>
-      <p:sp>
-        <p:nvSpPr>
-          <p:cNvPr id="4" name="Foliennummernplatzhalter 3"/>
-          <p:cNvSpPr>
-            <a:spLocks noGrp="1"/>
-          </p:cNvSpPr>
-          <p:nvPr>
-            <p:ph type="sldNum" sz="quarter" idx="10"/>
-          </p:nvPr>
-        </p:nvSpPr>
-        <p:spPr/>
-        <p:txBody>
-          <a:bodyPr/>
-          <a:lstStyle/>
-          <a:p>
-            <a:pPr>
-              <a:defRPr/>
-            </a:pPr>
-            <a:fld id="{5F8FFA7F-0241-4901-8EB3-B5A2BF410D80}" type="slidenum">
-              <a:rPr lang="de-DE" smtClean="0"/>
-              <a:pPr>
-                <a:defRPr/>
-              </a:pPr>
-              <a:t>19</a:t>
-            </a:fld>
-            <a:endParaRPr lang="de-DE" dirty="0"/>
-          </a:p>
-        </p:txBody>
-      </p:sp>
-      <p:sp>
-        <p:nvSpPr>
-          <p:cNvPr id="7" name="AutoShape 16">
-            <a:hlinkClick r:id="" action="ppaction://noaction"/>
-          </p:cNvPr>
-          <p:cNvSpPr>
-            <a:spLocks noChangeArrowheads="1"/>
-          </p:cNvSpPr>
-          <p:nvPr/>
-        </p:nvSpPr>
-        <p:spPr bwMode="auto">
-          <a:xfrm>
-            <a:off x="8645011" y="3349822"/>
-            <a:ext cx="180000" cy="487363"/>
-          </a:xfrm>
-          <a:prstGeom prst="roundRect">
-            <a:avLst>
-              <a:gd name="adj" fmla="val 5356"/>
-            </a:avLst>
-          </a:prstGeom>
-          <a:solidFill>
-            <a:schemeClr val="tx1"/>
-          </a:solidFill>
-          <a:ln w="9525">
-            <a:noFill/>
-            <a:round/>
-            <a:headEnd/>
-            <a:tailEnd/>
-          </a:ln>
-        </p:spPr>
-        <p:txBody>
-          <a:bodyPr wrap="none" anchor="ctr"/>
-          <a:lstStyle/>
-          <a:p>
-            <a:pPr marL="268288" algn="r"/>
-            <a:r>
-              <a:rPr lang="en-US" dirty="0">
-                <a:solidFill>
-                  <a:schemeClr val="bg1"/>
-                </a:solidFill>
-                <a:latin typeface="+mj-lt"/>
-              </a:rPr>
-              <a:t>     </a:t>
-            </a:r>
-          </a:p>
-        </p:txBody>
-      </p:sp>
-      <p:sp>
-        <p:nvSpPr>
-          <p:cNvPr id="8" name="Textfeld 7"/>
-          <p:cNvSpPr txBox="1"/>
-          <p:nvPr/>
-        </p:nvSpPr>
-        <p:spPr>
-          <a:xfrm>
-            <a:off x="8559942" y="3437412"/>
-            <a:ext cx="409614" cy="307777"/>
-          </a:xfrm>
-          <a:prstGeom prst="rect">
-            <a:avLst/>
-          </a:prstGeom>
-          <a:noFill/>
-        </p:spPr>
-        <p:txBody>
-          <a:bodyPr wrap="square" rtlCol="0">
-            <a:spAutoFit/>
-          </a:bodyPr>
-          <a:lstStyle/>
-          <a:p>
-            <a:r>
-              <a:rPr lang="de-DE" dirty="0">
-                <a:solidFill>
-                  <a:schemeClr val="bg1"/>
-                </a:solidFill>
-              </a:rPr>
-              <a:t>VI</a:t>
-            </a:r>
-            <a:endParaRPr lang="de-DE" dirty="0"/>
-          </a:p>
-        </p:txBody>
-      </p:sp>
-      <p:sp>
-        <p:nvSpPr>
-          <p:cNvPr id="3" name="Inhaltsplatzhalter 2"/>
-          <p:cNvSpPr>
-            <a:spLocks noGrp="1"/>
-          </p:cNvSpPr>
-          <p:nvPr>
-            <p:ph idx="1"/>
-          </p:nvPr>
-        </p:nvSpPr>
-        <p:spPr/>
-        <p:txBody>
-          <a:bodyPr/>
-          <a:lstStyle/>
-          <a:p>
-            <a:endParaRPr lang="de-DE" dirty="0"/>
-          </a:p>
-        </p:txBody>
-      </p:sp>
-    </p:spTree>
-    <p:extLst>
-      <p:ext uri="{BB962C8B-B14F-4D97-AF65-F5344CB8AC3E}">
-        <p14:creationId xmlns:p14="http://schemas.microsoft.com/office/powerpoint/2010/main" val="76012745"/>
-      </p:ext>
-    </p:extLst>
-  </p:cSld>
-  <p:clrMapOvr>
-    <a:masterClrMapping/>
-  </p:clrMapOvr>
-</p:sld>
-</file>
-
-<file path=ppt/slides/slide2.xml><?xml version="1.0" encoding="utf-8"?>
-<p:sld xmlns:a="http://schemas.openxmlformats.org/drawingml/2006/main" xmlns:r="http://schemas.openxmlformats.org/officeDocument/2006/relationships" xmlns:p="http://schemas.openxmlformats.org/presentationml/2006/main">
-  <p:cSld>
-    <p:spTree>
-      <p:nvGrpSpPr>
-        <p:cNvPr id="1" name=""/>
-        <p:cNvGrpSpPr/>
-        <p:nvPr/>
-      </p:nvGrpSpPr>
-      <p:grpSpPr>
-        <a:xfrm>
-          <a:off x="0" y="0"/>
-          <a:ext cx="0" cy="0"/>
-          <a:chOff x="0" y="0"/>
-          <a:chExt cx="0" cy="0"/>
-        </a:xfrm>
-      </p:grpSpPr>
-      <p:sp>
-        <p:nvSpPr>
-          <p:cNvPr id="17" name="Rechteck 16"/>
+          <p:cNvPr id="10" name="Rechteck 9"/>
           <p:cNvSpPr/>
           <p:nvPr/>
         </p:nvSpPr>
         <p:spPr bwMode="auto">
           <a:xfrm>
-            <a:off x="552093" y="1484784"/>
-            <a:ext cx="5400600" cy="576064"/>
+            <a:off x="565632" y="4896300"/>
+            <a:ext cx="8085762" cy="862481"/>
           </a:xfrm>
           <a:prstGeom prst="rect">
             <a:avLst/>
@@ -6987,32 +6381,8 @@
           </a:bodyPr>
           <a:lstStyle/>
           <a:p>
-            <a:pPr marL="0" marR="0" indent="0" algn="ctr" defTabSz="914400" rtl="0" eaLnBrk="1" fontAlgn="base" latinLnBrk="0" hangingPunct="1">
-              <a:lnSpc>
-                <a:spcPct val="100000"/>
-              </a:lnSpc>
-              <a:spcBef>
-                <a:spcPct val="0"/>
-              </a:spcBef>
-              <a:spcAft>
-                <a:spcPct val="0"/>
-              </a:spcAft>
-              <a:buClrTx/>
-              <a:buSzTx/>
-              <a:buFontTx/>
-              <a:buNone/>
-              <a:tabLst/>
-            </a:pPr>
-            <a:endParaRPr kumimoji="0" lang="de-DE" sz="1800" b="0" i="0" u="none" strike="noStrike" cap="none" normalizeH="0" baseline="0">
-              <a:ln>
-                <a:noFill/>
-              </a:ln>
-              <a:solidFill>
-                <a:schemeClr val="tx1"/>
-              </a:solidFill>
-              <a:effectLst/>
-              <a:latin typeface="Arial" charset="0"/>
-            </a:endParaRPr>
+            <a:pPr algn="ctr"/>
+            <a:endParaRPr lang="de-DE" sz="1800"/>
           </a:p>
         </p:txBody>
       </p:sp>
@@ -7032,6 +6402,253 @@
           <a:lstStyle/>
           <a:p>
             <a:r>
+              <a:rPr lang="de-DE" dirty="0" err="1"/>
+              <a:t>main</a:t>
+            </a:r>
+            <a:r>
+              <a:rPr lang="de-DE" dirty="0"/>
+              <a:t>()</a:t>
+            </a:r>
+          </a:p>
+        </p:txBody>
+      </p:sp>
+      <p:sp>
+        <p:nvSpPr>
+          <p:cNvPr id="4" name="Foliennummernplatzhalter 3"/>
+          <p:cNvSpPr>
+            <a:spLocks noGrp="1"/>
+          </p:cNvSpPr>
+          <p:nvPr>
+            <p:ph type="sldNum" sz="quarter" idx="10"/>
+          </p:nvPr>
+        </p:nvSpPr>
+        <p:spPr/>
+        <p:txBody>
+          <a:bodyPr/>
+          <a:lstStyle/>
+          <a:p>
+            <a:pPr>
+              <a:defRPr/>
+            </a:pPr>
+            <a:fld id="{5F8FFA7F-0241-4901-8EB3-B5A2BF410D80}" type="slidenum">
+              <a:rPr lang="de-DE" smtClean="0"/>
+              <a:pPr>
+                <a:defRPr/>
+              </a:pPr>
+              <a:t>19</a:t>
+            </a:fld>
+            <a:endParaRPr lang="de-DE" dirty="0"/>
+          </a:p>
+        </p:txBody>
+      </p:sp>
+      <p:sp>
+        <p:nvSpPr>
+          <p:cNvPr id="8" name="AutoShape 16">
+            <a:hlinkClick r:id="" action="ppaction://noaction"/>
+          </p:cNvPr>
+          <p:cNvSpPr>
+            <a:spLocks noChangeArrowheads="1"/>
+          </p:cNvSpPr>
+          <p:nvPr/>
+        </p:nvSpPr>
+        <p:spPr bwMode="auto">
+          <a:xfrm>
+            <a:off x="8634974" y="2806783"/>
+            <a:ext cx="180000" cy="487363"/>
+          </a:xfrm>
+          <a:prstGeom prst="roundRect">
+            <a:avLst>
+              <a:gd name="adj" fmla="val 5356"/>
+            </a:avLst>
+          </a:prstGeom>
+          <a:solidFill>
+            <a:schemeClr val="tx1"/>
+          </a:solidFill>
+          <a:ln w="9525">
+            <a:noFill/>
+            <a:round/>
+            <a:headEnd/>
+            <a:tailEnd/>
+          </a:ln>
+        </p:spPr>
+        <p:txBody>
+          <a:bodyPr wrap="none" anchor="ctr"/>
+          <a:lstStyle/>
+          <a:p>
+            <a:pPr marL="268288" algn="r"/>
+            <a:r>
+              <a:rPr lang="en-US" dirty="0">
+                <a:solidFill>
+                  <a:schemeClr val="bg1"/>
+                </a:solidFill>
+                <a:latin typeface="+mj-lt"/>
+              </a:rPr>
+              <a:t>     </a:t>
+            </a:r>
+          </a:p>
+        </p:txBody>
+      </p:sp>
+      <p:sp>
+        <p:nvSpPr>
+          <p:cNvPr id="11" name="Textfeld 10"/>
+          <p:cNvSpPr txBox="1"/>
+          <p:nvPr/>
+        </p:nvSpPr>
+        <p:spPr>
+          <a:xfrm>
+            <a:off x="8580569" y="2894373"/>
+            <a:ext cx="409614" cy="307777"/>
+          </a:xfrm>
+          <a:prstGeom prst="rect">
+            <a:avLst/>
+          </a:prstGeom>
+          <a:noFill/>
+        </p:spPr>
+        <p:txBody>
+          <a:bodyPr wrap="square" rtlCol="0">
+            <a:spAutoFit/>
+          </a:bodyPr>
+          <a:lstStyle/>
+          <a:p>
+            <a:r>
+              <a:rPr lang="de-DE" dirty="0">
+                <a:solidFill>
+                  <a:schemeClr val="bg1"/>
+                </a:solidFill>
+              </a:rPr>
+              <a:t>V</a:t>
+            </a:r>
+            <a:endParaRPr lang="de-DE" dirty="0"/>
+          </a:p>
+        </p:txBody>
+      </p:sp>
+      <p:pic>
+        <p:nvPicPr>
+          <p:cNvPr id="12" name="Grafik 11"/>
+          <p:cNvPicPr>
+            <a:picLocks noChangeAspect="1"/>
+          </p:cNvPicPr>
+          <p:nvPr/>
+        </p:nvPicPr>
+        <p:blipFill>
+          <a:blip r:embed="rId2"/>
+          <a:stretch>
+            <a:fillRect/>
+          </a:stretch>
+        </p:blipFill>
+        <p:spPr>
+          <a:xfrm>
+            <a:off x="2042413" y="1318872"/>
+            <a:ext cx="5059201" cy="4558400"/>
+          </a:xfrm>
+          <a:prstGeom prst="rect">
+            <a:avLst/>
+          </a:prstGeom>
+        </p:spPr>
+      </p:pic>
+    </p:spTree>
+    <p:extLst>
+      <p:ext uri="{BB962C8B-B14F-4D97-AF65-F5344CB8AC3E}">
+        <p14:creationId xmlns:p14="http://schemas.microsoft.com/office/powerpoint/2010/main" val="2630595883"/>
+      </p:ext>
+    </p:extLst>
+  </p:cSld>
+  <p:clrMapOvr>
+    <a:masterClrMapping/>
+  </p:clrMapOvr>
+</p:sld>
+</file>
+
+<file path=ppt/slides/slide2.xml><?xml version="1.0" encoding="utf-8"?>
+<p:sld xmlns:a="http://schemas.openxmlformats.org/drawingml/2006/main" xmlns:r="http://schemas.openxmlformats.org/officeDocument/2006/relationships" xmlns:p="http://schemas.openxmlformats.org/presentationml/2006/main">
+  <p:cSld>
+    <p:spTree>
+      <p:nvGrpSpPr>
+        <p:cNvPr id="1" name=""/>
+        <p:cNvGrpSpPr/>
+        <p:nvPr/>
+      </p:nvGrpSpPr>
+      <p:grpSpPr>
+        <a:xfrm>
+          <a:off x="0" y="0"/>
+          <a:ext cx="0" cy="0"/>
+          <a:chOff x="0" y="0"/>
+          <a:chExt cx="0" cy="0"/>
+        </a:xfrm>
+      </p:grpSpPr>
+      <p:sp>
+        <p:nvSpPr>
+          <p:cNvPr id="17" name="Rechteck 16"/>
+          <p:cNvSpPr/>
+          <p:nvPr/>
+        </p:nvSpPr>
+        <p:spPr bwMode="auto">
+          <a:xfrm>
+            <a:off x="552093" y="1484784"/>
+            <a:ext cx="5400600" cy="576064"/>
+          </a:xfrm>
+          <a:prstGeom prst="rect">
+            <a:avLst/>
+          </a:prstGeom>
+          <a:gradFill flip="none" rotWithShape="1">
+            <a:gsLst>
+              <a:gs pos="0">
+                <a:schemeClr val="tx1">
+                  <a:tint val="66000"/>
+                  <a:satMod val="160000"/>
+                </a:schemeClr>
+              </a:gs>
+              <a:gs pos="34000">
+                <a:schemeClr val="tx1">
+                  <a:tint val="44500"/>
+                  <a:satMod val="160000"/>
+                </a:schemeClr>
+              </a:gs>
+              <a:gs pos="100000">
+                <a:schemeClr val="bg1"/>
+              </a:gs>
+            </a:gsLst>
+            <a:lin ang="0" scaled="1"/>
+            <a:tileRect/>
+          </a:gradFill>
+          <a:ln w="9525" cap="flat" cmpd="sng" algn="ctr">
+            <a:noFill/>
+            <a:prstDash val="solid"/>
+            <a:round/>
+            <a:headEnd type="none" w="med" len="med"/>
+            <a:tailEnd type="none" w="med" len="med"/>
+          </a:ln>
+          <a:effectLst/>
+        </p:spPr>
+        <p:txBody>
+          <a:bodyPr vert="horz" wrap="none" lIns="91440" tIns="45720" rIns="91440" bIns="45720" numCol="1" rtlCol="0" anchor="ctr" anchorCtr="0" compatLnSpc="1">
+            <a:prstTxWarp prst="textNoShape">
+              <a:avLst/>
+            </a:prstTxWarp>
+          </a:bodyPr>
+          <a:lstStyle/>
+          <a:p>
+            <a:pPr algn="ctr"/>
+            <a:endParaRPr lang="de-DE" sz="1800"/>
+          </a:p>
+        </p:txBody>
+      </p:sp>
+      <p:sp>
+        <p:nvSpPr>
+          <p:cNvPr id="2" name="Titel 1"/>
+          <p:cNvSpPr>
+            <a:spLocks noGrp="1"/>
+          </p:cNvSpPr>
+          <p:nvPr>
+            <p:ph type="title"/>
+          </p:nvPr>
+        </p:nvSpPr>
+        <p:spPr/>
+        <p:txBody>
+          <a:bodyPr/>
+          <a:lstStyle/>
+          <a:p>
+            <a:r>
               <a:rPr lang="de-DE" dirty="0"/>
               <a:t>Fachlabor IT</a:t>
             </a:r>
@@ -7050,7 +6667,7 @@
         </p:nvSpPr>
         <p:spPr>
           <a:xfrm>
-            <a:off x="738188" y="1401763"/>
+            <a:off x="738202" y="1401763"/>
             <a:ext cx="7342187" cy="4832092"/>
           </a:xfrm>
         </p:spPr>
@@ -7309,7 +6926,7 @@
         </p:nvSpPr>
         <p:spPr bwMode="auto">
           <a:xfrm>
-            <a:off x="8637855" y="606711"/>
+            <a:off x="8637855" y="606725"/>
             <a:ext cx="180000" cy="487363"/>
           </a:xfrm>
           <a:prstGeom prst="roundRect">
@@ -7349,7 +6966,7 @@
         </p:nvSpPr>
         <p:spPr>
           <a:xfrm>
-            <a:off x="8607593" y="703731"/>
+            <a:off x="8607593" y="703745"/>
             <a:ext cx="237930" cy="307777"/>
           </a:xfrm>
           <a:prstGeom prst="rect">
@@ -7407,6 +7024,63 @@
       </p:grpSpPr>
       <p:sp>
         <p:nvSpPr>
+          <p:cNvPr id="17" name="Rechteck 16"/>
+          <p:cNvSpPr/>
+          <p:nvPr/>
+        </p:nvSpPr>
+        <p:spPr bwMode="auto">
+          <a:xfrm>
+            <a:off x="555521" y="5291048"/>
+            <a:ext cx="5400600" cy="576064"/>
+          </a:xfrm>
+          <a:prstGeom prst="rect">
+            <a:avLst/>
+          </a:prstGeom>
+          <a:gradFill flip="none" rotWithShape="1">
+            <a:gsLst>
+              <a:gs pos="0">
+                <a:schemeClr val="tx1">
+                  <a:tint val="66000"/>
+                  <a:satMod val="160000"/>
+                </a:schemeClr>
+              </a:gs>
+              <a:gs pos="34000">
+                <a:schemeClr val="tx1">
+                  <a:tint val="44500"/>
+                  <a:satMod val="160000"/>
+                </a:schemeClr>
+              </a:gs>
+              <a:gs pos="100000">
+                <a:schemeClr val="bg1"/>
+              </a:gs>
+            </a:gsLst>
+            <a:lin ang="0" scaled="1"/>
+            <a:tileRect/>
+          </a:gradFill>
+          <a:ln w="9525" cap="flat" cmpd="sng" algn="ctr">
+            <a:noFill/>
+            <a:prstDash val="solid"/>
+            <a:round/>
+            <a:headEnd type="none" w="med" len="med"/>
+            <a:tailEnd type="none" w="med" len="med"/>
+          </a:ln>
+          <a:effectLst/>
+        </p:spPr>
+        <p:txBody>
+          <a:bodyPr vert="horz" wrap="none" lIns="91440" tIns="45720" rIns="91440" bIns="45720" numCol="1" rtlCol="0" anchor="ctr" anchorCtr="0" compatLnSpc="1">
+            <a:prstTxWarp prst="textNoShape">
+              <a:avLst/>
+            </a:prstTxWarp>
+          </a:bodyPr>
+          <a:lstStyle/>
+          <a:p>
+            <a:pPr algn="ctr"/>
+            <a:endParaRPr lang="de-DE" sz="1800"/>
+          </a:p>
+        </p:txBody>
+      </p:sp>
+      <p:sp>
+        <p:nvSpPr>
           <p:cNvPr id="2" name="Titel 1"/>
           <p:cNvSpPr>
             <a:spLocks noGrp="1"/>
@@ -7422,7 +7096,7 @@
           <a:p>
             <a:r>
               <a:rPr lang="de-DE" dirty="0"/>
-              <a:t>Ausblick</a:t>
+              <a:t>Fachlabor IT</a:t>
             </a:r>
           </a:p>
         </p:txBody>
@@ -7439,15 +7113,212 @@
         </p:nvSpPr>
         <p:spPr>
           <a:xfrm>
-            <a:off x="738188" y="1401763"/>
-            <a:ext cx="7342187" cy="307777"/>
+            <a:off x="738202" y="1401763"/>
+            <a:ext cx="7342187" cy="4832092"/>
           </a:xfrm>
         </p:spPr>
         <p:txBody>
           <a:bodyPr/>
           <a:lstStyle/>
           <a:p>
-            <a:pPr lvl="1"/>
+            <a:pPr marL="1160463" indent="-1160463">
+              <a:lnSpc>
+                <a:spcPct val="200000"/>
+              </a:lnSpc>
+              <a:spcBef>
+                <a:spcPct val="50000"/>
+              </a:spcBef>
+              <a:buClr>
+                <a:srgbClr val="5F5F5F"/>
+              </a:buClr>
+              <a:buSzPct val="100000"/>
+              <a:buFont typeface="+mj-lt"/>
+              <a:buAutoNum type="romanUcPeriod"/>
+              <a:defRPr/>
+            </a:pPr>
+            <a:r>
+              <a:rPr lang="de-DE" dirty="0">
+                <a:solidFill>
+                  <a:schemeClr val="accent4">
+                    <a:lumMod val="65000"/>
+                    <a:lumOff val="35000"/>
+                  </a:schemeClr>
+                </a:solidFill>
+              </a:rPr>
+              <a:t>Einleitung</a:t>
+            </a:r>
+          </a:p>
+          <a:p>
+            <a:pPr marL="1160463" indent="-1160463">
+              <a:lnSpc>
+                <a:spcPct val="200000"/>
+              </a:lnSpc>
+              <a:spcBef>
+                <a:spcPct val="50000"/>
+              </a:spcBef>
+              <a:buClr>
+                <a:srgbClr val="5F5F5F"/>
+              </a:buClr>
+              <a:buSzPct val="100000"/>
+              <a:buFont typeface="+mj-lt"/>
+              <a:buAutoNum type="romanUcPeriod"/>
+              <a:defRPr/>
+            </a:pPr>
+            <a:r>
+              <a:rPr lang="de-DE" dirty="0">
+                <a:solidFill>
+                  <a:schemeClr val="accent4">
+                    <a:lumMod val="65000"/>
+                    <a:lumOff val="35000"/>
+                  </a:schemeClr>
+                </a:solidFill>
+              </a:rPr>
+              <a:t>Klassenübersicht &amp; </a:t>
+            </a:r>
+            <a:r>
+              <a:rPr lang="de-DE" dirty="0" err="1">
+                <a:solidFill>
+                  <a:schemeClr val="accent4">
+                    <a:lumMod val="65000"/>
+                    <a:lumOff val="35000"/>
+                  </a:schemeClr>
+                </a:solidFill>
+              </a:rPr>
+              <a:t>main</a:t>
+            </a:r>
+            <a:r>
+              <a:rPr lang="de-DE" dirty="0">
+                <a:solidFill>
+                  <a:schemeClr val="accent4">
+                    <a:lumMod val="65000"/>
+                    <a:lumOff val="35000"/>
+                  </a:schemeClr>
+                </a:solidFill>
+              </a:rPr>
+              <a:t>()</a:t>
+            </a:r>
+          </a:p>
+          <a:p>
+            <a:pPr marL="1160463" indent="-1160463">
+              <a:lnSpc>
+                <a:spcPct val="200000"/>
+              </a:lnSpc>
+              <a:spcBef>
+                <a:spcPct val="50000"/>
+              </a:spcBef>
+              <a:buClr>
+                <a:srgbClr val="5F5F5F"/>
+              </a:buClr>
+              <a:buSzPct val="100000"/>
+              <a:buFont typeface="+mj-lt"/>
+              <a:buAutoNum type="romanUcPeriod"/>
+              <a:defRPr/>
+            </a:pPr>
+            <a:r>
+              <a:rPr lang="de-DE" dirty="0">
+                <a:solidFill>
+                  <a:schemeClr val="accent4">
+                    <a:lumMod val="65000"/>
+                    <a:lumOff val="35000"/>
+                  </a:schemeClr>
+                </a:solidFill>
+              </a:rPr>
+              <a:t>Warteschlangenlogik</a:t>
+            </a:r>
+          </a:p>
+          <a:p>
+            <a:pPr marL="1160463" indent="-1160463">
+              <a:lnSpc>
+                <a:spcPct val="200000"/>
+              </a:lnSpc>
+              <a:spcBef>
+                <a:spcPct val="50000"/>
+              </a:spcBef>
+              <a:buClr>
+                <a:srgbClr val="5F5F5F"/>
+              </a:buClr>
+              <a:buSzPct val="100000"/>
+              <a:buFont typeface="+mj-lt"/>
+              <a:buAutoNum type="romanUcPeriod"/>
+              <a:defRPr/>
+            </a:pPr>
+            <a:r>
+              <a:rPr lang="de-DE" dirty="0">
+                <a:solidFill>
+                  <a:schemeClr val="accent4">
+                    <a:lumMod val="65000"/>
+                    <a:lumOff val="35000"/>
+                  </a:schemeClr>
+                </a:solidFill>
+              </a:rPr>
+              <a:t>Bewegungslogik</a:t>
+            </a:r>
+          </a:p>
+          <a:p>
+            <a:pPr marL="1160463" indent="-1160463">
+              <a:lnSpc>
+                <a:spcPct val="200000"/>
+              </a:lnSpc>
+              <a:spcBef>
+                <a:spcPct val="50000"/>
+              </a:spcBef>
+              <a:buClr>
+                <a:srgbClr val="5F5F5F"/>
+              </a:buClr>
+              <a:buSzPct val="100000"/>
+              <a:buFont typeface="+mj-lt"/>
+              <a:buAutoNum type="romanUcPeriod"/>
+              <a:defRPr/>
+            </a:pPr>
+            <a:r>
+              <a:rPr lang="de-DE" dirty="0" err="1">
+                <a:solidFill>
+                  <a:schemeClr val="accent4">
+                    <a:lumMod val="65000"/>
+                    <a:lumOff val="35000"/>
+                  </a:schemeClr>
+                </a:solidFill>
+              </a:rPr>
+              <a:t>Türlogik</a:t>
+            </a:r>
+            <a:endParaRPr lang="de-DE" dirty="0">
+              <a:solidFill>
+                <a:schemeClr val="accent4">
+                  <a:lumMod val="65000"/>
+                  <a:lumOff val="35000"/>
+                </a:schemeClr>
+              </a:solidFill>
+            </a:endParaRPr>
+          </a:p>
+          <a:p>
+            <a:pPr marL="1160463" indent="-1160463">
+              <a:lnSpc>
+                <a:spcPct val="200000"/>
+              </a:lnSpc>
+              <a:spcBef>
+                <a:spcPct val="50000"/>
+              </a:spcBef>
+              <a:buClr>
+                <a:srgbClr val="5F5F5F"/>
+              </a:buClr>
+              <a:buSzPct val="100000"/>
+              <a:buFont typeface="+mj-lt"/>
+              <a:buAutoNum type="romanUcPeriod"/>
+              <a:defRPr/>
+            </a:pPr>
+            <a:r>
+              <a:rPr lang="de-DE" b="1" dirty="0">
+                <a:solidFill>
+                  <a:schemeClr val="accent4">
+                    <a:lumMod val="65000"/>
+                    <a:lumOff val="35000"/>
+                  </a:schemeClr>
+                </a:solidFill>
+              </a:rPr>
+              <a:t>Fazit</a:t>
+            </a:r>
+          </a:p>
+          <a:p>
             <a:endParaRPr lang="de-DE" dirty="0"/>
           </a:p>
         </p:txBody>
@@ -7483,7 +7354,7 @@
       </p:sp>
       <p:sp>
         <p:nvSpPr>
-          <p:cNvPr id="5" name="AutoShape 16">
+          <p:cNvPr id="15" name="AutoShape 16">
             <a:hlinkClick r:id="" action="ppaction://noaction"/>
           </p:cNvPr>
           <p:cNvSpPr>
@@ -7493,7 +7364,7 @@
         </p:nvSpPr>
         <p:spPr bwMode="auto">
           <a:xfrm>
-            <a:off x="8645011" y="3349822"/>
+            <a:off x="8645011" y="3349836"/>
             <a:ext cx="180000" cy="487363"/>
           </a:xfrm>
           <a:prstGeom prst="roundRect">
@@ -7530,13 +7401,13 @@
       </p:sp>
       <p:sp>
         <p:nvSpPr>
-          <p:cNvPr id="6" name="Textfeld 5"/>
+          <p:cNvPr id="16" name="Textfeld 15"/>
           <p:cNvSpPr txBox="1"/>
           <p:nvPr/>
         </p:nvSpPr>
         <p:spPr>
           <a:xfrm>
-            <a:off x="8559942" y="3437412"/>
+            <a:off x="8559942" y="3437426"/>
             <a:ext cx="409614" cy="307777"/>
           </a:xfrm>
           <a:prstGeom prst="rect">
@@ -7565,7 +7436,7 @@
     </p:spTree>
     <p:extLst>
       <p:ext uri="{BB962C8B-B14F-4D97-AF65-F5344CB8AC3E}">
-        <p14:creationId xmlns:p14="http://schemas.microsoft.com/office/powerpoint/2010/main" val="3606055436"/>
+        <p14:creationId xmlns:p14="http://schemas.microsoft.com/office/powerpoint/2010/main" val="1550742323"/>
       </p:ext>
     </p:extLst>
   </p:cSld>
@@ -7594,6 +7465,439 @@
       </p:grpSpPr>
       <p:sp>
         <p:nvSpPr>
+          <p:cNvPr id="2" name="Titel 1"/>
+          <p:cNvSpPr>
+            <a:spLocks noGrp="1"/>
+          </p:cNvSpPr>
+          <p:nvPr>
+            <p:ph type="title"/>
+          </p:nvPr>
+        </p:nvSpPr>
+        <p:spPr/>
+        <p:txBody>
+          <a:bodyPr/>
+          <a:lstStyle/>
+          <a:p>
+            <a:r>
+              <a:rPr lang="de-DE" dirty="0"/>
+              <a:t>Erfüllte Ziele</a:t>
+            </a:r>
+          </a:p>
+        </p:txBody>
+      </p:sp>
+      <p:sp>
+        <p:nvSpPr>
+          <p:cNvPr id="4" name="Foliennummernplatzhalter 3"/>
+          <p:cNvSpPr>
+            <a:spLocks noGrp="1"/>
+          </p:cNvSpPr>
+          <p:nvPr>
+            <p:ph type="sldNum" sz="quarter" idx="10"/>
+          </p:nvPr>
+        </p:nvSpPr>
+        <p:spPr/>
+        <p:txBody>
+          <a:bodyPr/>
+          <a:lstStyle/>
+          <a:p>
+            <a:pPr>
+              <a:defRPr/>
+            </a:pPr>
+            <a:fld id="{5F8FFA7F-0241-4901-8EB3-B5A2BF410D80}" type="slidenum">
+              <a:rPr lang="de-DE" smtClean="0"/>
+              <a:pPr>
+                <a:defRPr/>
+              </a:pPr>
+              <a:t>21</a:t>
+            </a:fld>
+            <a:endParaRPr lang="de-DE" dirty="0"/>
+          </a:p>
+        </p:txBody>
+      </p:sp>
+      <p:sp>
+        <p:nvSpPr>
+          <p:cNvPr id="7" name="AutoShape 16">
+            <a:hlinkClick r:id="" action="ppaction://noaction"/>
+          </p:cNvPr>
+          <p:cNvSpPr>
+            <a:spLocks noChangeArrowheads="1"/>
+          </p:cNvSpPr>
+          <p:nvPr/>
+        </p:nvSpPr>
+        <p:spPr bwMode="auto">
+          <a:xfrm>
+            <a:off x="8645011" y="3349836"/>
+            <a:ext cx="180000" cy="487363"/>
+          </a:xfrm>
+          <a:prstGeom prst="roundRect">
+            <a:avLst>
+              <a:gd name="adj" fmla="val 5356"/>
+            </a:avLst>
+          </a:prstGeom>
+          <a:solidFill>
+            <a:schemeClr val="tx1"/>
+          </a:solidFill>
+          <a:ln w="9525">
+            <a:noFill/>
+            <a:round/>
+            <a:headEnd/>
+            <a:tailEnd/>
+          </a:ln>
+        </p:spPr>
+        <p:txBody>
+          <a:bodyPr wrap="none" anchor="ctr"/>
+          <a:lstStyle/>
+          <a:p>
+            <a:pPr marL="268288" algn="r"/>
+            <a:r>
+              <a:rPr lang="en-US" dirty="0">
+                <a:solidFill>
+                  <a:schemeClr val="bg1"/>
+                </a:solidFill>
+                <a:latin typeface="+mj-lt"/>
+              </a:rPr>
+              <a:t>     </a:t>
+            </a:r>
+          </a:p>
+        </p:txBody>
+      </p:sp>
+      <p:sp>
+        <p:nvSpPr>
+          <p:cNvPr id="8" name="Textfeld 7"/>
+          <p:cNvSpPr txBox="1"/>
+          <p:nvPr/>
+        </p:nvSpPr>
+        <p:spPr>
+          <a:xfrm>
+            <a:off x="8559942" y="3437426"/>
+            <a:ext cx="409614" cy="307777"/>
+          </a:xfrm>
+          <a:prstGeom prst="rect">
+            <a:avLst/>
+          </a:prstGeom>
+          <a:noFill/>
+        </p:spPr>
+        <p:txBody>
+          <a:bodyPr wrap="square" rtlCol="0">
+            <a:spAutoFit/>
+          </a:bodyPr>
+          <a:lstStyle/>
+          <a:p>
+            <a:r>
+              <a:rPr lang="de-DE" dirty="0">
+                <a:solidFill>
+                  <a:schemeClr val="bg1"/>
+                </a:solidFill>
+              </a:rPr>
+              <a:t>VI</a:t>
+            </a:r>
+            <a:endParaRPr lang="de-DE" dirty="0"/>
+          </a:p>
+        </p:txBody>
+      </p:sp>
+      <p:sp>
+        <p:nvSpPr>
+          <p:cNvPr id="3" name="Inhaltsplatzhalter 2"/>
+          <p:cNvSpPr>
+            <a:spLocks noGrp="1"/>
+          </p:cNvSpPr>
+          <p:nvPr>
+            <p:ph idx="1"/>
+          </p:nvPr>
+        </p:nvSpPr>
+        <p:spPr>
+          <a:xfrm>
+            <a:off x="738202" y="1401777"/>
+            <a:ext cx="7342187" cy="3631763"/>
+          </a:xfrm>
+        </p:spPr>
+        <p:txBody>
+          <a:bodyPr/>
+          <a:lstStyle/>
+          <a:p>
+            <a:r>
+              <a:rPr lang="de-DE" dirty="0"/>
+              <a:t>Anfahren der Etagen</a:t>
+            </a:r>
+          </a:p>
+          <a:p>
+            <a:r>
+              <a:rPr lang="de-DE" dirty="0"/>
+              <a:t>Abfahren einer intelligenten Warteschlange</a:t>
+            </a:r>
+          </a:p>
+          <a:p>
+            <a:pPr lvl="1"/>
+            <a:r>
+              <a:rPr lang="de-DE" dirty="0"/>
+              <a:t>Abarbeiten nach aktueller Fahrtrichtung</a:t>
+            </a:r>
+          </a:p>
+          <a:p>
+            <a:r>
+              <a:rPr lang="de-DE" dirty="0"/>
+              <a:t>Sanfte Beschleunigung und Verzögerung der Kabine</a:t>
+            </a:r>
+          </a:p>
+          <a:p>
+            <a:r>
+              <a:rPr lang="de-DE" dirty="0"/>
+              <a:t>Türsicherheit </a:t>
+            </a:r>
+          </a:p>
+          <a:p>
+            <a:r>
+              <a:rPr lang="de-DE" dirty="0"/>
+              <a:t>Visuelle Unterstützung durch Fahrtrichtungsanzeiger</a:t>
+            </a:r>
+          </a:p>
+          <a:p>
+            <a:endParaRPr lang="de-DE" dirty="0"/>
+          </a:p>
+          <a:p>
+            <a:r>
+              <a:rPr lang="de-DE" dirty="0"/>
+              <a:t>Logischere Umsetzung der </a:t>
+            </a:r>
+            <a:r>
+              <a:rPr lang="de-DE" dirty="0" err="1"/>
+              <a:t>Fahrtichtungsanzeiger</a:t>
+            </a:r>
+            <a:endParaRPr lang="de-DE" dirty="0"/>
+          </a:p>
+          <a:p>
+            <a:r>
+              <a:rPr lang="de-DE" dirty="0"/>
+              <a:t>Effizienz des Codes</a:t>
+            </a:r>
+          </a:p>
+          <a:p>
+            <a:r>
+              <a:rPr lang="de-DE" dirty="0"/>
+              <a:t>Lesbarer durch weitere Clean Code Umsetzungen</a:t>
+            </a:r>
+          </a:p>
+        </p:txBody>
+      </p:sp>
+    </p:spTree>
+    <p:extLst>
+      <p:ext uri="{BB962C8B-B14F-4D97-AF65-F5344CB8AC3E}">
+        <p14:creationId xmlns:p14="http://schemas.microsoft.com/office/powerpoint/2010/main" val="76012745"/>
+      </p:ext>
+    </p:extLst>
+  </p:cSld>
+  <p:clrMapOvr>
+    <a:masterClrMapping/>
+  </p:clrMapOvr>
+</p:sld>
+</file>
+
+<file path=ppt/slides/slide22.xml><?xml version="1.0" encoding="utf-8"?>
+<p:sld xmlns:a="http://schemas.openxmlformats.org/drawingml/2006/main" xmlns:r="http://schemas.openxmlformats.org/officeDocument/2006/relationships" xmlns:p="http://schemas.openxmlformats.org/presentationml/2006/main">
+  <p:cSld>
+    <p:spTree>
+      <p:nvGrpSpPr>
+        <p:cNvPr id="1" name=""/>
+        <p:cNvGrpSpPr/>
+        <p:nvPr/>
+      </p:nvGrpSpPr>
+      <p:grpSpPr>
+        <a:xfrm>
+          <a:off x="0" y="0"/>
+          <a:ext cx="0" cy="0"/>
+          <a:chOff x="0" y="0"/>
+          <a:chExt cx="0" cy="0"/>
+        </a:xfrm>
+      </p:grpSpPr>
+      <p:sp>
+        <p:nvSpPr>
+          <p:cNvPr id="2" name="Titel 1"/>
+          <p:cNvSpPr>
+            <a:spLocks noGrp="1"/>
+          </p:cNvSpPr>
+          <p:nvPr>
+            <p:ph type="title"/>
+          </p:nvPr>
+        </p:nvSpPr>
+        <p:spPr/>
+        <p:txBody>
+          <a:bodyPr/>
+          <a:lstStyle/>
+          <a:p>
+            <a:r>
+              <a:rPr lang="de-DE" dirty="0"/>
+              <a:t>Ausblick</a:t>
+            </a:r>
+          </a:p>
+        </p:txBody>
+      </p:sp>
+      <p:sp>
+        <p:nvSpPr>
+          <p:cNvPr id="3" name="Inhaltsplatzhalter 2"/>
+          <p:cNvSpPr>
+            <a:spLocks noGrp="1"/>
+          </p:cNvSpPr>
+          <p:nvPr>
+            <p:ph idx="1"/>
+          </p:nvPr>
+        </p:nvSpPr>
+        <p:spPr>
+          <a:xfrm>
+            <a:off x="738202" y="1401777"/>
+            <a:ext cx="7342187" cy="307777"/>
+          </a:xfrm>
+        </p:spPr>
+        <p:txBody>
+          <a:bodyPr/>
+          <a:lstStyle/>
+          <a:p>
+            <a:pPr lvl="1"/>
+            <a:endParaRPr lang="de-DE" dirty="0"/>
+          </a:p>
+        </p:txBody>
+      </p:sp>
+      <p:sp>
+        <p:nvSpPr>
+          <p:cNvPr id="4" name="Foliennummernplatzhalter 3"/>
+          <p:cNvSpPr>
+            <a:spLocks noGrp="1"/>
+          </p:cNvSpPr>
+          <p:nvPr>
+            <p:ph type="sldNum" sz="quarter" idx="10"/>
+          </p:nvPr>
+        </p:nvSpPr>
+        <p:spPr/>
+        <p:txBody>
+          <a:bodyPr/>
+          <a:lstStyle/>
+          <a:p>
+            <a:pPr>
+              <a:defRPr/>
+            </a:pPr>
+            <a:fld id="{5F8FFA7F-0241-4901-8EB3-B5A2BF410D80}" type="slidenum">
+              <a:rPr lang="de-DE" smtClean="0"/>
+              <a:pPr>
+                <a:defRPr/>
+              </a:pPr>
+              <a:t>22</a:t>
+            </a:fld>
+            <a:endParaRPr lang="de-DE" dirty="0"/>
+          </a:p>
+        </p:txBody>
+      </p:sp>
+      <p:sp>
+        <p:nvSpPr>
+          <p:cNvPr id="5" name="AutoShape 16">
+            <a:hlinkClick r:id="" action="ppaction://noaction"/>
+          </p:cNvPr>
+          <p:cNvSpPr>
+            <a:spLocks noChangeArrowheads="1"/>
+          </p:cNvSpPr>
+          <p:nvPr/>
+        </p:nvSpPr>
+        <p:spPr bwMode="auto">
+          <a:xfrm>
+            <a:off x="8645011" y="3349836"/>
+            <a:ext cx="180000" cy="487363"/>
+          </a:xfrm>
+          <a:prstGeom prst="roundRect">
+            <a:avLst>
+              <a:gd name="adj" fmla="val 5356"/>
+            </a:avLst>
+          </a:prstGeom>
+          <a:solidFill>
+            <a:schemeClr val="tx1"/>
+          </a:solidFill>
+          <a:ln w="9525">
+            <a:noFill/>
+            <a:round/>
+            <a:headEnd/>
+            <a:tailEnd/>
+          </a:ln>
+        </p:spPr>
+        <p:txBody>
+          <a:bodyPr wrap="none" anchor="ctr"/>
+          <a:lstStyle/>
+          <a:p>
+            <a:pPr marL="268288" algn="r"/>
+            <a:r>
+              <a:rPr lang="en-US" dirty="0">
+                <a:solidFill>
+                  <a:schemeClr val="bg1"/>
+                </a:solidFill>
+                <a:latin typeface="+mj-lt"/>
+              </a:rPr>
+              <a:t>     </a:t>
+            </a:r>
+          </a:p>
+        </p:txBody>
+      </p:sp>
+      <p:sp>
+        <p:nvSpPr>
+          <p:cNvPr id="6" name="Textfeld 5"/>
+          <p:cNvSpPr txBox="1"/>
+          <p:nvPr/>
+        </p:nvSpPr>
+        <p:spPr>
+          <a:xfrm>
+            <a:off x="8559942" y="3437426"/>
+            <a:ext cx="409614" cy="307777"/>
+          </a:xfrm>
+          <a:prstGeom prst="rect">
+            <a:avLst/>
+          </a:prstGeom>
+          <a:noFill/>
+        </p:spPr>
+        <p:txBody>
+          <a:bodyPr wrap="square" rtlCol="0">
+            <a:spAutoFit/>
+          </a:bodyPr>
+          <a:lstStyle/>
+          <a:p>
+            <a:r>
+              <a:rPr lang="de-DE" dirty="0">
+                <a:solidFill>
+                  <a:schemeClr val="bg1"/>
+                </a:solidFill>
+              </a:rPr>
+              <a:t>VI</a:t>
+            </a:r>
+            <a:endParaRPr lang="de-DE" dirty="0"/>
+          </a:p>
+        </p:txBody>
+      </p:sp>
+    </p:spTree>
+    <p:extLst>
+      <p:ext uri="{BB962C8B-B14F-4D97-AF65-F5344CB8AC3E}">
+        <p14:creationId xmlns:p14="http://schemas.microsoft.com/office/powerpoint/2010/main" val="3606055436"/>
+      </p:ext>
+    </p:extLst>
+  </p:cSld>
+  <p:clrMapOvr>
+    <a:masterClrMapping/>
+  </p:clrMapOvr>
+</p:sld>
+</file>
+
+<file path=ppt/slides/slide23.xml><?xml version="1.0" encoding="utf-8"?>
+<p:sld xmlns:a="http://schemas.openxmlformats.org/drawingml/2006/main" xmlns:r="http://schemas.openxmlformats.org/officeDocument/2006/relationships" xmlns:p="http://schemas.openxmlformats.org/presentationml/2006/main">
+  <p:cSld>
+    <p:spTree>
+      <p:nvGrpSpPr>
+        <p:cNvPr id="1" name=""/>
+        <p:cNvGrpSpPr/>
+        <p:nvPr/>
+      </p:nvGrpSpPr>
+      <p:grpSpPr>
+        <a:xfrm>
+          <a:off x="0" y="0"/>
+          <a:ext cx="0" cy="0"/>
+          <a:chOff x="0" y="0"/>
+          <a:chExt cx="0" cy="0"/>
+        </a:xfrm>
+      </p:grpSpPr>
+      <p:sp>
+        <p:nvSpPr>
           <p:cNvPr id="3075" name="Rectangle 5"/>
           <p:cNvSpPr>
             <a:spLocks noChangeArrowheads="1"/>
@@ -7730,7 +8034,7 @@
         </p:blipFill>
         <p:spPr bwMode="auto">
           <a:xfrm>
-            <a:off x="755576" y="5373216"/>
+            <a:off x="755590" y="5373216"/>
             <a:ext cx="2428875" cy="390526"/>
           </a:xfrm>
           <a:prstGeom prst="rect">
@@ -7790,8 +8094,8 @@
         </p:nvSpPr>
         <p:spPr>
           <a:xfrm>
-            <a:off x="457200" y="3933056"/>
-            <a:ext cx="8229599" cy="454227"/>
+            <a:off x="457214" y="3933056"/>
+            <a:ext cx="8229599" cy="471026"/>
           </a:xfrm>
           <a:prstGeom prst="rect">
             <a:avLst/>
@@ -7803,7 +8107,7 @@
           </a:bodyPr>
           <a:lstStyle/>
           <a:p>
-            <a:pPr lvl="0" algn="ctr">
+            <a:pPr algn="ctr">
               <a:lnSpc>
                 <a:spcPct val="107000"/>
               </a:lnSpc>
@@ -7941,7 +8245,7 @@
         </p:nvSpPr>
         <p:spPr bwMode="auto">
           <a:xfrm>
-            <a:off x="8637855" y="606711"/>
+            <a:off x="8637855" y="606725"/>
             <a:ext cx="180000" cy="487363"/>
           </a:xfrm>
           <a:prstGeom prst="roundRect">
@@ -7981,7 +8285,7 @@
         </p:nvSpPr>
         <p:spPr>
           <a:xfrm>
-            <a:off x="8607593" y="703731"/>
+            <a:off x="8607593" y="703745"/>
             <a:ext cx="237930" cy="307777"/>
           </a:xfrm>
           <a:prstGeom prst="rect">
@@ -8019,8 +8323,8 @@
         </p:nvSpPr>
         <p:spPr>
           <a:xfrm>
-            <a:off x="738188" y="1401763"/>
-            <a:ext cx="7342187" cy="3447098"/>
+            <a:off x="738202" y="1401777"/>
+            <a:ext cx="7342187" cy="4555093"/>
           </a:xfrm>
         </p:spPr>
         <p:txBody>
@@ -8051,7 +8355,6 @@
               <a:rPr lang="de-DE" dirty="0"/>
               <a:t>…</a:t>
             </a:r>
-            <a:endParaRPr lang="de-DE" dirty="0"/>
           </a:p>
           <a:p>
             <a:endParaRPr lang="de-DE" dirty="0"/>
@@ -8077,6 +8380,22 @@
             <a:r>
               <a:rPr lang="de-DE" dirty="0"/>
               <a:t>Dokumentation</a:t>
+            </a:r>
+          </a:p>
+          <a:p>
+            <a:endParaRPr lang="de-DE" dirty="0"/>
+          </a:p>
+          <a:p>
+            <a:r>
+              <a:rPr lang="de-DE" dirty="0"/>
+              <a:t>Ziele: Einfacher, verständlicher Code</a:t>
+            </a:r>
+          </a:p>
+          <a:p>
+            <a:pPr lvl="1"/>
+            <a:r>
+              <a:rPr lang="de-DE" dirty="0"/>
+              <a:t>Einzelne Funktionen übernehmen nur eine kleine Aufgabe</a:t>
             </a:r>
           </a:p>
         </p:txBody>
@@ -8095,6 +8414,161 @@
 </file>
 
 <file path=ppt/slides/slide4.xml><?xml version="1.0" encoding="utf-8"?>
+<p:sld xmlns:a="http://schemas.openxmlformats.org/drawingml/2006/main" xmlns:r="http://schemas.openxmlformats.org/officeDocument/2006/relationships" xmlns:p="http://schemas.openxmlformats.org/presentationml/2006/main">
+  <p:cSld>
+    <p:spTree>
+      <p:nvGrpSpPr>
+        <p:cNvPr id="1" name=""/>
+        <p:cNvGrpSpPr/>
+        <p:nvPr/>
+      </p:nvGrpSpPr>
+      <p:grpSpPr>
+        <a:xfrm>
+          <a:off x="0" y="0"/>
+          <a:ext cx="0" cy="0"/>
+          <a:chOff x="0" y="0"/>
+          <a:chExt cx="0" cy="0"/>
+        </a:xfrm>
+      </p:grpSpPr>
+      <p:sp>
+        <p:nvSpPr>
+          <p:cNvPr id="2" name="Titel 1"/>
+          <p:cNvSpPr>
+            <a:spLocks noGrp="1"/>
+          </p:cNvSpPr>
+          <p:nvPr>
+            <p:ph type="title"/>
+          </p:nvPr>
+        </p:nvSpPr>
+        <p:spPr/>
+        <p:txBody>
+          <a:bodyPr/>
+          <a:lstStyle/>
+          <a:p>
+            <a:r>
+              <a:rPr lang="de-DE" dirty="0"/>
+              <a:t>Features</a:t>
+            </a:r>
+          </a:p>
+        </p:txBody>
+      </p:sp>
+      <p:sp>
+        <p:nvSpPr>
+          <p:cNvPr id="3" name="Inhaltsplatzhalter 2"/>
+          <p:cNvSpPr>
+            <a:spLocks noGrp="1"/>
+          </p:cNvSpPr>
+          <p:nvPr>
+            <p:ph idx="1"/>
+          </p:nvPr>
+        </p:nvSpPr>
+        <p:spPr>
+          <a:xfrm>
+            <a:off x="738202" y="1401763"/>
+            <a:ext cx="7342187" cy="2893100"/>
+          </a:xfrm>
+        </p:spPr>
+        <p:txBody>
+          <a:bodyPr/>
+          <a:lstStyle/>
+          <a:p>
+            <a:r>
+              <a:rPr lang="de-DE" dirty="0"/>
+              <a:t>Intelligent: Abarbeitung der Aufrufe nach Fahrtrichtung</a:t>
+            </a:r>
+          </a:p>
+          <a:p>
+            <a:r>
+              <a:rPr lang="de-DE" dirty="0"/>
+              <a:t>Komfortabel: sanftes Anfahren und Abbremsen</a:t>
+            </a:r>
+          </a:p>
+          <a:p>
+            <a:r>
+              <a:rPr lang="de-DE" dirty="0"/>
+              <a:t>Anpassbar: Einfache Erweiterung mit weiteren Etagen</a:t>
+            </a:r>
+          </a:p>
+          <a:p>
+            <a:r>
+              <a:rPr lang="de-DE" dirty="0"/>
+              <a:t>Sicher: Überwachung der Türen </a:t>
+            </a:r>
+          </a:p>
+          <a:p>
+            <a:r>
+              <a:rPr lang="de-DE" dirty="0"/>
+              <a:t>Ausfallgesichert: Starten aus jeder Position möglich</a:t>
+            </a:r>
+          </a:p>
+          <a:p>
+            <a:r>
+              <a:rPr lang="de-DE" dirty="0"/>
+              <a:t>Fehlerfrei: keine Fehlfunktionen </a:t>
+            </a:r>
+          </a:p>
+          <a:p>
+            <a:r>
+              <a:rPr lang="de-DE" dirty="0"/>
+              <a:t>Dokumentation: Dokumentierung mittels </a:t>
+            </a:r>
+            <a:r>
+              <a:rPr lang="de-DE" dirty="0" err="1"/>
+              <a:t>DoxDingens</a:t>
+            </a:r>
+            <a:endParaRPr lang="de-DE" dirty="0"/>
+          </a:p>
+          <a:p>
+            <a:r>
+              <a:rPr lang="de-DE" dirty="0"/>
+              <a:t>Clean: …</a:t>
+            </a:r>
+          </a:p>
+        </p:txBody>
+      </p:sp>
+      <p:sp>
+        <p:nvSpPr>
+          <p:cNvPr id="4" name="Foliennummernplatzhalter 3"/>
+          <p:cNvSpPr>
+            <a:spLocks noGrp="1"/>
+          </p:cNvSpPr>
+          <p:nvPr>
+            <p:ph type="sldNum" sz="quarter" idx="10"/>
+          </p:nvPr>
+        </p:nvSpPr>
+        <p:spPr/>
+        <p:txBody>
+          <a:bodyPr/>
+          <a:lstStyle/>
+          <a:p>
+            <a:pPr>
+              <a:defRPr/>
+            </a:pPr>
+            <a:fld id="{5F8FFA7F-0241-4901-8EB3-B5A2BF410D80}" type="slidenum">
+              <a:rPr lang="de-DE" smtClean="0"/>
+              <a:pPr>
+                <a:defRPr/>
+              </a:pPr>
+              <a:t>4</a:t>
+            </a:fld>
+            <a:endParaRPr lang="de-DE" dirty="0"/>
+          </a:p>
+        </p:txBody>
+      </p:sp>
+    </p:spTree>
+    <p:extLst>
+      <p:ext uri="{BB962C8B-B14F-4D97-AF65-F5344CB8AC3E}">
+        <p14:creationId xmlns:p14="http://schemas.microsoft.com/office/powerpoint/2010/main" val="1893387264"/>
+      </p:ext>
+    </p:extLst>
+  </p:cSld>
+  <p:clrMapOvr>
+    <a:masterClrMapping/>
+  </p:clrMapOvr>
+</p:sld>
+</file>
+
+<file path=ppt/slides/slide5.xml><?xml version="1.0" encoding="utf-8"?>
 <p:sld xmlns:a="http://schemas.openxmlformats.org/drawingml/2006/main" xmlns:r="http://schemas.openxmlformats.org/officeDocument/2006/relationships" xmlns:p="http://schemas.openxmlformats.org/presentationml/2006/main">
   <p:cSld>
     <p:spTree>
@@ -8163,32 +8637,8 @@
           </a:bodyPr>
           <a:lstStyle/>
           <a:p>
-            <a:pPr marL="0" marR="0" indent="0" algn="ctr" defTabSz="914400" rtl="0" eaLnBrk="1" fontAlgn="base" latinLnBrk="0" hangingPunct="1">
-              <a:lnSpc>
-                <a:spcPct val="100000"/>
-              </a:lnSpc>
-              <a:spcBef>
-                <a:spcPct val="0"/>
-              </a:spcBef>
-              <a:spcAft>
-                <a:spcPct val="0"/>
-              </a:spcAft>
-              <a:buClrTx/>
-              <a:buSzTx/>
-              <a:buFontTx/>
-              <a:buNone/>
-              <a:tabLst/>
-            </a:pPr>
-            <a:endParaRPr kumimoji="0" lang="de-DE" sz="1800" b="0" i="0" u="none" strike="noStrike" cap="none" normalizeH="0" baseline="0">
-              <a:ln>
-                <a:noFill/>
-              </a:ln>
-              <a:solidFill>
-                <a:schemeClr val="tx1"/>
-              </a:solidFill>
-              <a:effectLst/>
-              <a:latin typeface="Arial" charset="0"/>
-            </a:endParaRPr>
+            <a:pPr algn="ctr"/>
+            <a:endParaRPr lang="de-DE" sz="1800"/>
           </a:p>
         </p:txBody>
       </p:sp>
@@ -8211,7 +8661,6 @@
               <a:rPr lang="de-DE" dirty="0"/>
               <a:t>Fachlabor IT</a:t>
             </a:r>
-            <a:endParaRPr lang="de-DE" dirty="0"/>
           </a:p>
         </p:txBody>
       </p:sp>
@@ -8227,8 +8676,8 @@
         </p:nvSpPr>
         <p:spPr>
           <a:xfrm>
-            <a:off x="738188" y="1401763"/>
-            <a:ext cx="7342187" cy="4376583"/>
+            <a:off x="738202" y="1401763"/>
+            <a:ext cx="7342187" cy="4462760"/>
           </a:xfrm>
         </p:spPr>
         <p:txBody>
@@ -8457,7 +8906,7 @@
               <a:pPr>
                 <a:defRPr/>
               </a:pPr>
-              <a:t>4</a:t>
+              <a:t>5</a:t>
             </a:fld>
             <a:endParaRPr lang="de-DE" dirty="0"/>
           </a:p>
@@ -8475,7 +8924,7 @@
         </p:nvSpPr>
         <p:spPr bwMode="auto">
           <a:xfrm>
-            <a:off x="8637855" y="1163795"/>
+            <a:off x="8637855" y="1163809"/>
             <a:ext cx="180000" cy="487363"/>
           </a:xfrm>
           <a:prstGeom prst="roundRect">
@@ -8518,7 +8967,7 @@
         </p:nvSpPr>
         <p:spPr>
           <a:xfrm>
-            <a:off x="8582542" y="1253589"/>
+            <a:off x="8582542" y="1253603"/>
             <a:ext cx="309938" cy="307777"/>
           </a:xfrm>
           <a:prstGeom prst="rect">
@@ -8548,192 +8997,6 @@
     <p:extLst>
       <p:ext uri="{BB962C8B-B14F-4D97-AF65-F5344CB8AC3E}">
         <p14:creationId xmlns:p14="http://schemas.microsoft.com/office/powerpoint/2010/main" val="3395949267"/>
-      </p:ext>
-    </p:extLst>
-  </p:cSld>
-  <p:clrMapOvr>
-    <a:masterClrMapping/>
-  </p:clrMapOvr>
-</p:sld>
-</file>
-
-<file path=ppt/slides/slide5.xml><?xml version="1.0" encoding="utf-8"?>
-<p:sld xmlns:a="http://schemas.openxmlformats.org/drawingml/2006/main" xmlns:r="http://schemas.openxmlformats.org/officeDocument/2006/relationships" xmlns:p="http://schemas.openxmlformats.org/presentationml/2006/main">
-  <p:cSld>
-    <p:spTree>
-      <p:nvGrpSpPr>
-        <p:cNvPr id="1" name=""/>
-        <p:cNvGrpSpPr/>
-        <p:nvPr/>
-      </p:nvGrpSpPr>
-      <p:grpSpPr>
-        <a:xfrm>
-          <a:off x="0" y="0"/>
-          <a:ext cx="0" cy="0"/>
-          <a:chOff x="0" y="0"/>
-          <a:chExt cx="0" cy="0"/>
-        </a:xfrm>
-      </p:grpSpPr>
-      <p:sp>
-        <p:nvSpPr>
-          <p:cNvPr id="2" name="Titel 1"/>
-          <p:cNvSpPr>
-            <a:spLocks noGrp="1"/>
-          </p:cNvSpPr>
-          <p:nvPr>
-            <p:ph type="title"/>
-          </p:nvPr>
-        </p:nvSpPr>
-        <p:spPr/>
-        <p:txBody>
-          <a:bodyPr/>
-          <a:lstStyle/>
-          <a:p>
-            <a:r>
-              <a:rPr lang="de-DE" dirty="0"/>
-              <a:t>Klassenübersicht</a:t>
-            </a:r>
-          </a:p>
-        </p:txBody>
-      </p:sp>
-      <p:sp>
-        <p:nvSpPr>
-          <p:cNvPr id="4" name="Foliennummernplatzhalter 3"/>
-          <p:cNvSpPr>
-            <a:spLocks noGrp="1"/>
-          </p:cNvSpPr>
-          <p:nvPr>
-            <p:ph type="sldNum" sz="quarter" idx="10"/>
-          </p:nvPr>
-        </p:nvSpPr>
-        <p:spPr/>
-        <p:txBody>
-          <a:bodyPr/>
-          <a:lstStyle/>
-          <a:p>
-            <a:pPr>
-              <a:defRPr/>
-            </a:pPr>
-            <a:fld id="{5F8FFA7F-0241-4901-8EB3-B5A2BF410D80}" type="slidenum">
-              <a:rPr lang="de-DE" smtClean="0"/>
-              <a:pPr>
-                <a:defRPr/>
-              </a:pPr>
-              <a:t>5</a:t>
-            </a:fld>
-            <a:endParaRPr lang="de-DE" dirty="0"/>
-          </a:p>
-        </p:txBody>
-      </p:sp>
-      <p:sp>
-        <p:nvSpPr>
-          <p:cNvPr id="5" name="AutoShape 16">
-            <a:hlinkClick r:id="" action="ppaction://noaction"/>
-          </p:cNvPr>
-          <p:cNvSpPr>
-            <a:spLocks noChangeArrowheads="1"/>
-          </p:cNvSpPr>
-          <p:nvPr/>
-        </p:nvSpPr>
-        <p:spPr bwMode="auto">
-          <a:xfrm>
-            <a:off x="8637855" y="1163795"/>
-            <a:ext cx="180000" cy="487363"/>
-          </a:xfrm>
-          <a:prstGeom prst="roundRect">
-            <a:avLst>
-              <a:gd name="adj" fmla="val 5356"/>
-            </a:avLst>
-          </a:prstGeom>
-          <a:solidFill>
-            <a:schemeClr val="tx1"/>
-          </a:solidFill>
-          <a:ln w="9525">
-            <a:noFill/>
-            <a:round/>
-            <a:headEnd/>
-            <a:tailEnd/>
-          </a:ln>
-        </p:spPr>
-        <p:txBody>
-          <a:bodyPr wrap="none" anchor="ctr"/>
-          <a:lstStyle/>
-          <a:p>
-            <a:pPr marL="268288" algn="r"/>
-            <a:r>
-              <a:rPr lang="en-US" dirty="0">
-                <a:solidFill>
-                  <a:schemeClr val="bg1"/>
-                </a:solidFill>
-                <a:latin typeface="+mj-lt"/>
-              </a:rPr>
-              <a:t>     </a:t>
-            </a:r>
-          </a:p>
-        </p:txBody>
-      </p:sp>
-      <p:sp>
-        <p:nvSpPr>
-          <p:cNvPr id="6" name="Textfeld 5"/>
-          <p:cNvSpPr txBox="1"/>
-          <p:nvPr/>
-        </p:nvSpPr>
-        <p:spPr>
-          <a:xfrm>
-            <a:off x="8582542" y="1253589"/>
-            <a:ext cx="309938" cy="307777"/>
-          </a:xfrm>
-          <a:prstGeom prst="rect">
-            <a:avLst/>
-          </a:prstGeom>
-          <a:noFill/>
-        </p:spPr>
-        <p:txBody>
-          <a:bodyPr wrap="square" rtlCol="0">
-            <a:spAutoFit/>
-          </a:bodyPr>
-          <a:lstStyle/>
-          <a:p>
-            <a:r>
-              <a:rPr lang="de-DE" dirty="0">
-                <a:solidFill>
-                  <a:schemeClr val="bg1"/>
-                </a:solidFill>
-              </a:rPr>
-              <a:t>II</a:t>
-            </a:r>
-            <a:endParaRPr lang="de-DE" dirty="0"/>
-          </a:p>
-        </p:txBody>
-      </p:sp>
-      <p:pic>
-        <p:nvPicPr>
-          <p:cNvPr id="9" name="Grafik 8"/>
-          <p:cNvPicPr>
-            <a:picLocks noChangeAspect="1"/>
-          </p:cNvPicPr>
-          <p:nvPr/>
-        </p:nvPicPr>
-        <p:blipFill>
-          <a:blip r:embed="rId2"/>
-          <a:stretch>
-            <a:fillRect/>
-          </a:stretch>
-        </p:blipFill>
-        <p:spPr>
-          <a:xfrm>
-            <a:off x="1547664" y="1268760"/>
-            <a:ext cx="6331828" cy="4660387"/>
-          </a:xfrm>
-          <a:prstGeom prst="rect">
-            <a:avLst/>
-          </a:prstGeom>
-        </p:spPr>
-      </p:pic>
-    </p:spTree>
-    <p:extLst>
-      <p:ext uri="{BB962C8B-B14F-4D97-AF65-F5344CB8AC3E}">
-        <p14:creationId xmlns:p14="http://schemas.microsoft.com/office/powerpoint/2010/main" val="1036794897"/>
       </p:ext>
     </p:extLst>
   </p:cSld>
@@ -8776,6 +9039,10 @@
           <a:lstStyle/>
           <a:p>
             <a:r>
+              <a:rPr lang="de-DE" dirty="0"/>
+              <a:t>II. Klassenübersicht &amp; </a:t>
+            </a:r>
+            <a:r>
               <a:rPr lang="de-DE" dirty="0" err="1"/>
               <a:t>main</a:t>
             </a:r>
@@ -8815,30 +9082,6 @@
           </a:p>
         </p:txBody>
       </p:sp>
-      <p:pic>
-        <p:nvPicPr>
-          <p:cNvPr id="5" name="Grafik 4"/>
-          <p:cNvPicPr>
-            <a:picLocks noChangeAspect="1"/>
-          </p:cNvPicPr>
-          <p:nvPr/>
-        </p:nvPicPr>
-        <p:blipFill>
-          <a:blip r:embed="rId2"/>
-          <a:stretch>
-            <a:fillRect/>
-          </a:stretch>
-        </p:blipFill>
-        <p:spPr>
-          <a:xfrm>
-            <a:off x="2051720" y="1340768"/>
-            <a:ext cx="5035797" cy="4651237"/>
-          </a:xfrm>
-          <a:prstGeom prst="rect">
-            <a:avLst/>
-          </a:prstGeom>
-        </p:spPr>
-      </p:pic>
       <p:sp>
         <p:nvSpPr>
           <p:cNvPr id="6" name="AutoShape 16">
@@ -8851,7 +9094,7 @@
         </p:nvSpPr>
         <p:spPr bwMode="auto">
           <a:xfrm>
-            <a:off x="8637855" y="1163795"/>
+            <a:off x="8637855" y="1163809"/>
             <a:ext cx="180000" cy="487363"/>
           </a:xfrm>
           <a:prstGeom prst="roundRect">
@@ -8894,7 +9137,7 @@
         </p:nvSpPr>
         <p:spPr>
           <a:xfrm>
-            <a:off x="8582542" y="1253589"/>
+            <a:off x="8582542" y="1253603"/>
             <a:ext cx="309938" cy="307777"/>
           </a:xfrm>
           <a:prstGeom prst="rect">
@@ -8920,6 +9163,30 @@
           </a:p>
         </p:txBody>
       </p:sp>
+      <p:pic>
+        <p:nvPicPr>
+          <p:cNvPr id="8" name="Grafik 7"/>
+          <p:cNvPicPr>
+            <a:picLocks noChangeAspect="1"/>
+          </p:cNvPicPr>
+          <p:nvPr/>
+        </p:nvPicPr>
+        <p:blipFill>
+          <a:blip r:embed="rId2"/>
+          <a:stretch>
+            <a:fillRect/>
+          </a:stretch>
+        </p:blipFill>
+        <p:spPr>
+          <a:xfrm>
+            <a:off x="2042413" y="1318872"/>
+            <a:ext cx="5059201" cy="4558400"/>
+          </a:xfrm>
+          <a:prstGeom prst="rect">
+            <a:avLst/>
+          </a:prstGeom>
+        </p:spPr>
+      </p:pic>
     </p:spTree>
     <p:extLst>
       <p:ext uri="{BB962C8B-B14F-4D97-AF65-F5344CB8AC3E}">
@@ -8967,46 +9234,7 @@
           <a:p>
             <a:r>
               <a:rPr lang="de-DE" dirty="0"/>
-              <a:t>Notizen</a:t>
-            </a:r>
-          </a:p>
-        </p:txBody>
-      </p:sp>
-      <p:sp>
-        <p:nvSpPr>
-          <p:cNvPr id="3" name="Inhaltsplatzhalter 2"/>
-          <p:cNvSpPr>
-            <a:spLocks noGrp="1"/>
-          </p:cNvSpPr>
-          <p:nvPr>
-            <p:ph idx="1"/>
-          </p:nvPr>
-        </p:nvSpPr>
-        <p:spPr>
-          <a:xfrm>
-            <a:off x="738188" y="1401763"/>
-            <a:ext cx="7342187" cy="1354217"/>
-          </a:xfrm>
-        </p:spPr>
-        <p:txBody>
-          <a:bodyPr/>
-          <a:lstStyle/>
-          <a:p>
-            <a:r>
-              <a:rPr lang="de-DE" dirty="0"/>
-              <a:t>Main() ruft nur Funktionen der Klasse Elevator auf</a:t>
-            </a:r>
-          </a:p>
-          <a:p>
-            <a:r>
-              <a:rPr lang="de-DE" dirty="0"/>
-              <a:t>Warteschlangenlogik und Bewegungslogik in Klasse Elevator enthalten</a:t>
-            </a:r>
-          </a:p>
-          <a:p>
-            <a:r>
-              <a:rPr lang="de-DE" dirty="0"/>
-              <a:t>Etagenlogik wird durch die Klasse Elevator initialisiert</a:t>
+              <a:t>Klassenübersicht</a:t>
             </a:r>
           </a:p>
         </p:txBody>
@@ -9040,10 +9268,115 @@
           </a:p>
         </p:txBody>
       </p:sp>
+      <p:sp>
+        <p:nvSpPr>
+          <p:cNvPr id="5" name="AutoShape 16">
+            <a:hlinkClick r:id="" action="ppaction://noaction"/>
+          </p:cNvPr>
+          <p:cNvSpPr>
+            <a:spLocks noChangeArrowheads="1"/>
+          </p:cNvSpPr>
+          <p:nvPr/>
+        </p:nvSpPr>
+        <p:spPr bwMode="auto">
+          <a:xfrm>
+            <a:off x="8637855" y="1163809"/>
+            <a:ext cx="180000" cy="487363"/>
+          </a:xfrm>
+          <a:prstGeom prst="roundRect">
+            <a:avLst>
+              <a:gd name="adj" fmla="val 5356"/>
+            </a:avLst>
+          </a:prstGeom>
+          <a:solidFill>
+            <a:schemeClr val="tx1"/>
+          </a:solidFill>
+          <a:ln w="9525">
+            <a:noFill/>
+            <a:round/>
+            <a:headEnd/>
+            <a:tailEnd/>
+          </a:ln>
+        </p:spPr>
+        <p:txBody>
+          <a:bodyPr wrap="none" anchor="ctr"/>
+          <a:lstStyle/>
+          <a:p>
+            <a:pPr marL="268288" algn="r"/>
+            <a:r>
+              <a:rPr lang="en-US" dirty="0">
+                <a:solidFill>
+                  <a:schemeClr val="bg1"/>
+                </a:solidFill>
+                <a:latin typeface="+mj-lt"/>
+              </a:rPr>
+              <a:t>     </a:t>
+            </a:r>
+          </a:p>
+        </p:txBody>
+      </p:sp>
+      <p:sp>
+        <p:nvSpPr>
+          <p:cNvPr id="6" name="Textfeld 5"/>
+          <p:cNvSpPr txBox="1"/>
+          <p:nvPr/>
+        </p:nvSpPr>
+        <p:spPr>
+          <a:xfrm>
+            <a:off x="8582542" y="1253603"/>
+            <a:ext cx="309938" cy="307777"/>
+          </a:xfrm>
+          <a:prstGeom prst="rect">
+            <a:avLst/>
+          </a:prstGeom>
+          <a:noFill/>
+        </p:spPr>
+        <p:txBody>
+          <a:bodyPr wrap="square" rtlCol="0">
+            <a:spAutoFit/>
+          </a:bodyPr>
+          <a:lstStyle/>
+          <a:p>
+            <a:r>
+              <a:rPr lang="de-DE" dirty="0">
+                <a:solidFill>
+                  <a:schemeClr val="bg1"/>
+                </a:solidFill>
+              </a:rPr>
+              <a:t>II</a:t>
+            </a:r>
+            <a:endParaRPr lang="de-DE" dirty="0"/>
+          </a:p>
+        </p:txBody>
+      </p:sp>
+      <p:pic>
+        <p:nvPicPr>
+          <p:cNvPr id="7" name="Grafik 6"/>
+          <p:cNvPicPr>
+            <a:picLocks noChangeAspect="1"/>
+          </p:cNvPicPr>
+          <p:nvPr/>
+        </p:nvPicPr>
+        <p:blipFill>
+          <a:blip r:embed="rId2"/>
+          <a:stretch>
+            <a:fillRect/>
+          </a:stretch>
+        </p:blipFill>
+        <p:spPr>
+          <a:xfrm>
+            <a:off x="1261781" y="1428448"/>
+            <a:ext cx="6620438" cy="4232800"/>
+          </a:xfrm>
+          <a:prstGeom prst="rect">
+            <a:avLst/>
+          </a:prstGeom>
+        </p:spPr>
+      </p:pic>
     </p:spTree>
     <p:extLst>
       <p:ext uri="{BB962C8B-B14F-4D97-AF65-F5344CB8AC3E}">
-        <p14:creationId xmlns:p14="http://schemas.microsoft.com/office/powerpoint/2010/main" val="3266891189"/>
+        <p14:creationId xmlns:p14="http://schemas.microsoft.com/office/powerpoint/2010/main" val="1036794897"/>
       </p:ext>
     </p:extLst>
   </p:cSld>
@@ -9054,7 +9387,7 @@
 </file>
 
 <file path=ppt/slides/slide8.xml><?xml version="1.0" encoding="utf-8"?>
-<p:sld xmlns:a="http://schemas.openxmlformats.org/drawingml/2006/main" xmlns:r="http://schemas.openxmlformats.org/officeDocument/2006/relationships" xmlns:p="http://schemas.openxmlformats.org/presentationml/2006/main">
+<p:sld xmlns:a="http://schemas.openxmlformats.org/drawingml/2006/main" xmlns:r="http://schemas.openxmlformats.org/officeDocument/2006/relationships" xmlns:p="http://schemas.openxmlformats.org/presentationml/2006/main" show="0">
   <p:cSld>
     <p:spTree>
       <p:nvGrpSpPr>
@@ -9087,7 +9420,7 @@
           <a:p>
             <a:r>
               <a:rPr lang="de-DE" dirty="0"/>
-              <a:t>Probleme</a:t>
+              <a:t>Notizen</a:t>
             </a:r>
           </a:p>
         </p:txBody>
@@ -9104,8 +9437,8 @@
         </p:nvSpPr>
         <p:spPr>
           <a:xfrm>
-            <a:off x="738188" y="1401763"/>
-            <a:ext cx="7342187" cy="677108"/>
+            <a:off x="738202" y="1401777"/>
+            <a:ext cx="7342187" cy="4247317"/>
           </a:xfrm>
         </p:spPr>
         <p:txBody>
@@ -9114,14 +9447,112 @@
           <a:p>
             <a:r>
               <a:rPr lang="de-DE" dirty="0"/>
-              <a:t>Vererbung oder Referenz?</a:t>
-            </a:r>
-          </a:p>
-          <a:p>
+              <a:t>Main() ruft Funktionen der Klasse </a:t>
+            </a:r>
+            <a:r>
+              <a:rPr lang="de-DE" dirty="0" err="1"/>
+              <a:t>ElevatorController</a:t>
+            </a:r>
             <a:r>
               <a:rPr lang="de-DE" dirty="0"/>
-              <a:t>Abfrage der Sensoren</a:t>
-            </a:r>
+              <a:t> auf</a:t>
+            </a:r>
+          </a:p>
+          <a:p>
+            <a:r>
+              <a:rPr lang="de-DE" dirty="0"/>
+              <a:t>Warteschlangenlogik und Bewegungslogik in Klasse </a:t>
+            </a:r>
+            <a:r>
+              <a:rPr lang="de-DE" dirty="0" err="1"/>
+              <a:t>ElevatorController</a:t>
+            </a:r>
+            <a:r>
+              <a:rPr lang="de-DE" dirty="0"/>
+              <a:t> enthalten</a:t>
+            </a:r>
+          </a:p>
+          <a:p>
+            <a:r>
+              <a:rPr lang="de-DE" dirty="0"/>
+              <a:t>Etagenlogik wird durch die Klasse Elevator initialisiert</a:t>
+            </a:r>
+          </a:p>
+          <a:p>
+            <a:r>
+              <a:rPr lang="de-DE" dirty="0"/>
+              <a:t>Anfahrsteuerung in Klasse </a:t>
+            </a:r>
+            <a:r>
+              <a:rPr lang="de-DE" dirty="0" err="1"/>
+              <a:t>Cabin</a:t>
+            </a:r>
+            <a:r>
+              <a:rPr lang="de-DE" dirty="0"/>
+              <a:t> enthalten</a:t>
+            </a:r>
+          </a:p>
+          <a:p>
+            <a:r>
+              <a:rPr lang="de-DE" dirty="0"/>
+              <a:t>Positionsüberwachung in Klasse </a:t>
+            </a:r>
+            <a:r>
+              <a:rPr lang="de-DE" dirty="0" err="1"/>
+              <a:t>Cabin</a:t>
+            </a:r>
+            <a:r>
+              <a:rPr lang="de-DE" dirty="0"/>
+              <a:t> enthalten</a:t>
+            </a:r>
+          </a:p>
+          <a:p>
+            <a:endParaRPr lang="de-DE" dirty="0"/>
+          </a:p>
+          <a:p>
+            <a:r>
+              <a:rPr lang="de-DE" dirty="0" err="1"/>
+              <a:t>Cabin</a:t>
+            </a:r>
+            <a:r>
+              <a:rPr lang="de-DE" dirty="0"/>
+              <a:t> nutzt </a:t>
+            </a:r>
+            <a:r>
+              <a:rPr lang="de-DE" dirty="0" err="1"/>
+              <a:t>Fahrmodi</a:t>
+            </a:r>
+            <a:r>
+              <a:rPr lang="de-DE" dirty="0"/>
+              <a:t> von </a:t>
+            </a:r>
+            <a:r>
+              <a:rPr lang="de-DE" dirty="0" err="1"/>
+              <a:t>CabinEngine</a:t>
+            </a:r>
+            <a:endParaRPr lang="de-DE" dirty="0"/>
+          </a:p>
+          <a:p>
+            <a:r>
+              <a:rPr lang="de-DE" dirty="0"/>
+              <a:t>Elevator setzt die Zielpositionen</a:t>
+            </a:r>
+          </a:p>
+          <a:p>
+            <a:r>
+              <a:rPr lang="de-DE" dirty="0" err="1"/>
+              <a:t>Elevator_client</a:t>
+            </a:r>
+            <a:r>
+              <a:rPr lang="de-DE" dirty="0"/>
+              <a:t> enthält Funktionen zum Zugriff auf Sensoren und Aktoren</a:t>
+            </a:r>
+          </a:p>
+          <a:p>
+            <a:pPr marL="0" indent="0">
+              <a:buNone/>
+            </a:pPr>
+            <a:endParaRPr lang="de-DE" dirty="0"/>
           </a:p>
         </p:txBody>
       </p:sp>
@@ -9157,18 +9588,19 @@
     </p:spTree>
     <p:extLst>
       <p:ext uri="{BB962C8B-B14F-4D97-AF65-F5344CB8AC3E}">
-        <p14:creationId xmlns:p14="http://schemas.microsoft.com/office/powerpoint/2010/main" val="3823722845"/>
+        <p14:creationId xmlns:p14="http://schemas.microsoft.com/office/powerpoint/2010/main" val="3266891189"/>
       </p:ext>
     </p:extLst>
   </p:cSld>
   <p:clrMapOvr>
     <a:masterClrMapping/>
   </p:clrMapOvr>
+  <p:transition/>
 </p:sld>
 </file>
 
 <file path=ppt/slides/slide9.xml><?xml version="1.0" encoding="utf-8"?>
-<p:sld xmlns:a="http://schemas.openxmlformats.org/drawingml/2006/main" xmlns:r="http://schemas.openxmlformats.org/officeDocument/2006/relationships" xmlns:p="http://schemas.openxmlformats.org/presentationml/2006/main">
+<p:sld xmlns:a="http://schemas.openxmlformats.org/drawingml/2006/main" xmlns:r="http://schemas.openxmlformats.org/officeDocument/2006/relationships" xmlns:p="http://schemas.openxmlformats.org/presentationml/2006/main" show="0">
   <p:cSld>
     <p:spTree>
       <p:nvGrpSpPr>
@@ -9186,87 +9618,6 @@
       </p:grpSpPr>
       <p:sp>
         <p:nvSpPr>
-          <p:cNvPr id="17" name="Rechteck 16"/>
-          <p:cNvSpPr/>
-          <p:nvPr/>
-        </p:nvSpPr>
-        <p:spPr bwMode="auto">
-          <a:xfrm>
-            <a:off x="552093" y="2996952"/>
-            <a:ext cx="5400600" cy="576064"/>
-          </a:xfrm>
-          <a:prstGeom prst="rect">
-            <a:avLst/>
-          </a:prstGeom>
-          <a:gradFill flip="none" rotWithShape="1">
-            <a:gsLst>
-              <a:gs pos="0">
-                <a:schemeClr val="tx1">
-                  <a:tint val="66000"/>
-                  <a:satMod val="160000"/>
-                </a:schemeClr>
-              </a:gs>
-              <a:gs pos="34000">
-                <a:schemeClr val="tx1">
-                  <a:tint val="44500"/>
-                  <a:satMod val="160000"/>
-                </a:schemeClr>
-              </a:gs>
-              <a:gs pos="100000">
-                <a:schemeClr val="bg1"/>
-              </a:gs>
-            </a:gsLst>
-            <a:lin ang="0" scaled="1"/>
-            <a:tileRect/>
-          </a:gradFill>
-          <a:ln w="9525" cap="flat" cmpd="sng" algn="ctr">
-            <a:noFill/>
-            <a:prstDash val="solid"/>
-            <a:round/>
-            <a:headEnd type="none" w="med" len="med"/>
-            <a:tailEnd type="none" w="med" len="med"/>
-          </a:ln>
-          <a:effectLst/>
-        </p:spPr>
-        <p:txBody>
-          <a:bodyPr vert="horz" wrap="none" lIns="91440" tIns="45720" rIns="91440" bIns="45720" numCol="1" rtlCol="0" anchor="ctr" anchorCtr="0" compatLnSpc="1">
-            <a:prstTxWarp prst="textNoShape">
-              <a:avLst/>
-            </a:prstTxWarp>
-          </a:bodyPr>
-          <a:lstStyle/>
-          <a:p>
-            <a:pPr marL="0" marR="0" indent="0" algn="ctr" defTabSz="914400" rtl="0" eaLnBrk="1" fontAlgn="base" latinLnBrk="0" hangingPunct="1">
-              <a:lnSpc>
-                <a:spcPct val="100000"/>
-              </a:lnSpc>
-              <a:spcBef>
-                <a:spcPct val="0"/>
-              </a:spcBef>
-              <a:spcAft>
-                <a:spcPct val="0"/>
-              </a:spcAft>
-              <a:buClrTx/>
-              <a:buSzTx/>
-              <a:buFontTx/>
-              <a:buNone/>
-              <a:tabLst/>
-            </a:pPr>
-            <a:endParaRPr kumimoji="0" lang="de-DE" sz="1800" b="0" i="0" u="none" strike="noStrike" cap="none" normalizeH="0" baseline="0">
-              <a:ln>
-                <a:noFill/>
-              </a:ln>
-              <a:solidFill>
-                <a:schemeClr val="tx1"/>
-              </a:solidFill>
-              <a:effectLst/>
-              <a:latin typeface="Arial" charset="0"/>
-            </a:endParaRPr>
-          </a:p>
-        </p:txBody>
-      </p:sp>
-      <p:sp>
-        <p:nvSpPr>
           <p:cNvPr id="2" name="Titel 1"/>
           <p:cNvSpPr>
             <a:spLocks noGrp="1"/>
@@ -9282,9 +9633,8 @@
           <a:p>
             <a:r>
               <a:rPr lang="de-DE" dirty="0"/>
-              <a:t>Fachlabor IT</a:t>
-            </a:r>
-            <a:endParaRPr lang="de-DE" dirty="0"/>
+              <a:t>Probleme</a:t>
+            </a:r>
           </a:p>
         </p:txBody>
       </p:sp>
@@ -9300,209 +9650,23 @@
         </p:nvSpPr>
         <p:spPr>
           <a:xfrm>
-            <a:off x="738188" y="1401763"/>
-            <a:ext cx="7342187" cy="4376583"/>
+            <a:off x="738202" y="1401763"/>
+            <a:ext cx="7342187" cy="677108"/>
           </a:xfrm>
         </p:spPr>
         <p:txBody>
           <a:bodyPr/>
           <a:lstStyle/>
           <a:p>
-            <a:pPr marL="1160463" indent="-1160463">
-              <a:lnSpc>
-                <a:spcPct val="200000"/>
-              </a:lnSpc>
-              <a:spcBef>
-                <a:spcPct val="50000"/>
-              </a:spcBef>
-              <a:buClr>
-                <a:srgbClr val="5F5F5F"/>
-              </a:buClr>
-              <a:buSzPct val="100000"/>
-              <a:buFont typeface="+mj-lt"/>
-              <a:buAutoNum type="romanUcPeriod"/>
-              <a:defRPr/>
-            </a:pPr>
-            <a:r>
-              <a:rPr lang="de-DE" dirty="0">
-                <a:solidFill>
-                  <a:schemeClr val="accent4">
-                    <a:lumMod val="65000"/>
-                    <a:lumOff val="35000"/>
-                  </a:schemeClr>
-                </a:solidFill>
-              </a:rPr>
-              <a:t>Einleitung</a:t>
-            </a:r>
-          </a:p>
-          <a:p>
-            <a:pPr marL="1160463" indent="-1160463">
-              <a:lnSpc>
-                <a:spcPct val="200000"/>
-              </a:lnSpc>
-              <a:spcBef>
-                <a:spcPct val="50000"/>
-              </a:spcBef>
-              <a:buClr>
-                <a:srgbClr val="5F5F5F"/>
-              </a:buClr>
-              <a:buSzPct val="100000"/>
-              <a:buFont typeface="+mj-lt"/>
-              <a:buAutoNum type="romanUcPeriod"/>
-              <a:defRPr/>
-            </a:pPr>
-            <a:r>
-              <a:rPr lang="de-DE" dirty="0">
-                <a:solidFill>
-                  <a:schemeClr val="accent4">
-                    <a:lumMod val="65000"/>
-                    <a:lumOff val="35000"/>
-                  </a:schemeClr>
-                </a:solidFill>
-              </a:rPr>
-              <a:t>Klassenübersicht &amp; </a:t>
-            </a:r>
-            <a:r>
-              <a:rPr lang="de-DE" dirty="0" err="1">
-                <a:solidFill>
-                  <a:schemeClr val="accent4">
-                    <a:lumMod val="65000"/>
-                    <a:lumOff val="35000"/>
-                  </a:schemeClr>
-                </a:solidFill>
-              </a:rPr>
-              <a:t>main</a:t>
-            </a:r>
-            <a:r>
-              <a:rPr lang="de-DE" dirty="0">
-                <a:solidFill>
-                  <a:schemeClr val="accent4">
-                    <a:lumMod val="65000"/>
-                    <a:lumOff val="35000"/>
-                  </a:schemeClr>
-                </a:solidFill>
-              </a:rPr>
-              <a:t>()</a:t>
-            </a:r>
-          </a:p>
-          <a:p>
-            <a:pPr marL="1160463" indent="-1160463">
-              <a:lnSpc>
-                <a:spcPct val="200000"/>
-              </a:lnSpc>
-              <a:spcBef>
-                <a:spcPct val="50000"/>
-              </a:spcBef>
-              <a:buClr>
-                <a:srgbClr val="5F5F5F"/>
-              </a:buClr>
-              <a:buSzPct val="100000"/>
-              <a:buFont typeface="+mj-lt"/>
-              <a:buAutoNum type="romanUcPeriod"/>
-              <a:defRPr/>
-            </a:pPr>
-            <a:r>
-              <a:rPr lang="de-DE" b="1" dirty="0">
-                <a:solidFill>
-                  <a:schemeClr val="accent4">
-                    <a:lumMod val="65000"/>
-                    <a:lumOff val="35000"/>
-                  </a:schemeClr>
-                </a:solidFill>
-              </a:rPr>
-              <a:t>Warteschlangenlogik</a:t>
-            </a:r>
-          </a:p>
-          <a:p>
-            <a:pPr marL="1160463" indent="-1160463">
-              <a:lnSpc>
-                <a:spcPct val="200000"/>
-              </a:lnSpc>
-              <a:spcBef>
-                <a:spcPct val="50000"/>
-              </a:spcBef>
-              <a:buClr>
-                <a:srgbClr val="5F5F5F"/>
-              </a:buClr>
-              <a:buSzPct val="100000"/>
-              <a:buFont typeface="+mj-lt"/>
-              <a:buAutoNum type="romanUcPeriod"/>
-              <a:defRPr/>
-            </a:pPr>
-            <a:r>
-              <a:rPr lang="de-DE" dirty="0">
-                <a:solidFill>
-                  <a:schemeClr val="accent4">
-                    <a:lumMod val="65000"/>
-                    <a:lumOff val="35000"/>
-                  </a:schemeClr>
-                </a:solidFill>
-              </a:rPr>
-              <a:t>Bewegungslogik</a:t>
-            </a:r>
-          </a:p>
-          <a:p>
-            <a:pPr marL="1160463" indent="-1160463">
-              <a:lnSpc>
-                <a:spcPct val="200000"/>
-              </a:lnSpc>
-              <a:spcBef>
-                <a:spcPct val="50000"/>
-              </a:spcBef>
-              <a:buClr>
-                <a:srgbClr val="5F5F5F"/>
-              </a:buClr>
-              <a:buSzPct val="100000"/>
-              <a:buFont typeface="+mj-lt"/>
-              <a:buAutoNum type="romanUcPeriod"/>
-              <a:defRPr/>
-            </a:pPr>
-            <a:r>
-              <a:rPr lang="de-DE" dirty="0" err="1">
-                <a:solidFill>
-                  <a:schemeClr val="accent4">
-                    <a:lumMod val="65000"/>
-                    <a:lumOff val="35000"/>
-                  </a:schemeClr>
-                </a:solidFill>
-              </a:rPr>
-              <a:t>Türlogik</a:t>
-            </a:r>
-            <a:endParaRPr lang="de-DE" dirty="0">
-              <a:solidFill>
-                <a:schemeClr val="accent4">
-                  <a:lumMod val="65000"/>
-                  <a:lumOff val="35000"/>
-                </a:schemeClr>
-              </a:solidFill>
-            </a:endParaRPr>
-          </a:p>
-          <a:p>
-            <a:pPr marL="1160463" indent="-1160463">
-              <a:lnSpc>
-                <a:spcPct val="200000"/>
-              </a:lnSpc>
-              <a:spcBef>
-                <a:spcPct val="50000"/>
-              </a:spcBef>
-              <a:buClr>
-                <a:srgbClr val="5F5F5F"/>
-              </a:buClr>
-              <a:buSzPct val="100000"/>
-              <a:buFont typeface="+mj-lt"/>
-              <a:buAutoNum type="romanUcPeriod"/>
-              <a:defRPr/>
-            </a:pPr>
-            <a:r>
-              <a:rPr lang="de-DE" dirty="0">
-                <a:solidFill>
-                  <a:schemeClr val="accent4">
-                    <a:lumMod val="65000"/>
-                    <a:lumOff val="35000"/>
-                  </a:schemeClr>
-                </a:solidFill>
-              </a:rPr>
-              <a:t>Fazit</a:t>
+            <a:r>
+              <a:rPr lang="de-DE" dirty="0"/>
+              <a:t>Vererbung oder Referenz?</a:t>
+            </a:r>
+          </a:p>
+          <a:p>
+            <a:r>
+              <a:rPr lang="de-DE" dirty="0"/>
+              <a:t>Abfrage der Sensoren</a:t>
             </a:r>
           </a:p>
         </p:txBody>
@@ -9536,97 +9700,17 @@
           </a:p>
         </p:txBody>
       </p:sp>
-      <p:sp>
-        <p:nvSpPr>
-          <p:cNvPr id="8" name="AutoShape 16">
-            <a:hlinkClick r:id="" action="ppaction://noaction"/>
-          </p:cNvPr>
-          <p:cNvSpPr>
-            <a:spLocks noChangeArrowheads="1"/>
-          </p:cNvSpPr>
-          <p:nvPr/>
-        </p:nvSpPr>
-        <p:spPr bwMode="auto">
-          <a:xfrm>
-            <a:off x="8633677" y="1720879"/>
-            <a:ext cx="180000" cy="487363"/>
-          </a:xfrm>
-          <a:prstGeom prst="roundRect">
-            <a:avLst>
-              <a:gd name="adj" fmla="val 5356"/>
-            </a:avLst>
-          </a:prstGeom>
-          <a:solidFill>
-            <a:schemeClr val="tx1"/>
-          </a:solidFill>
-          <a:ln w="9525">
-            <a:noFill/>
-            <a:round/>
-            <a:headEnd/>
-            <a:tailEnd/>
-          </a:ln>
-        </p:spPr>
-        <p:txBody>
-          <a:bodyPr wrap="none" anchor="ctr"/>
-          <a:lstStyle/>
-          <a:p>
-            <a:pPr marL="268288" algn="r"/>
-            <a:r>
-              <a:rPr lang="en-US" dirty="0">
-                <a:solidFill>
-                  <a:schemeClr val="bg1"/>
-                </a:solidFill>
-                <a:latin typeface="+mj-lt"/>
-              </a:rPr>
-              <a:t>     </a:t>
-            </a:r>
-          </a:p>
-        </p:txBody>
-      </p:sp>
-      <p:sp>
-        <p:nvSpPr>
-          <p:cNvPr id="11" name="Textfeld 10"/>
-          <p:cNvSpPr txBox="1"/>
-          <p:nvPr/>
-        </p:nvSpPr>
-        <p:spPr>
-          <a:xfrm>
-            <a:off x="8554874" y="1790600"/>
-            <a:ext cx="337606" cy="307777"/>
-          </a:xfrm>
-          <a:prstGeom prst="rect">
-            <a:avLst/>
-          </a:prstGeom>
-          <a:noFill/>
-        </p:spPr>
-        <p:txBody>
-          <a:bodyPr wrap="square" rtlCol="0">
-            <a:spAutoFit/>
-          </a:bodyPr>
-          <a:lstStyle/>
-          <a:p>
-            <a:r>
-              <a:rPr lang="de-DE" dirty="0">
-                <a:solidFill>
-                  <a:schemeClr val="bg1"/>
-                </a:solidFill>
-              </a:rPr>
-              <a:t>III</a:t>
-            </a:r>
-            <a:endParaRPr lang="de-DE" dirty="0"/>
-          </a:p>
-        </p:txBody>
-      </p:sp>
     </p:spTree>
     <p:extLst>
       <p:ext uri="{BB962C8B-B14F-4D97-AF65-F5344CB8AC3E}">
-        <p14:creationId xmlns:p14="http://schemas.microsoft.com/office/powerpoint/2010/main" val="3981454006"/>
+        <p14:creationId xmlns:p14="http://schemas.microsoft.com/office/powerpoint/2010/main" val="3823722845"/>
       </p:ext>
     </p:extLst>
   </p:cSld>
   <p:clrMapOvr>
     <a:masterClrMapping/>
   </p:clrMapOvr>
+  <p:transition/>
 </p:sld>
 </file>
 

--- a/Präsentation.pptx
+++ b/Präsentation.pptx
@@ -164,7 +164,7 @@
   </p:defaultTextStyle>
   <p:extLst>
     <p:ext uri="{521415D9-36F7-43E2-AB2F-B90AF26B5E84}">
-      <p14:sectionLst xmlns:p14="http://schemas.microsoft.com/office/powerpoint/2010/main">
+      <p14:sectionLst xmlns:p14="http://schemas.microsoft.com/office/powerpoint/2010/main" xmlns="">
         <p14:section name="Fachlabor IT" id="{DED19D9C-E72F-4B67-BED8-A255EA795F3F}">
           <p14:sldIdLst>
             <p14:sldId id="256"/>
@@ -219,7 +219,7 @@
       </p14:sectionLst>
     </p:ext>
     <p:ext uri="{EFAFB233-063F-42B5-8137-9DF3F51BA10A}">
-      <p15:sldGuideLst xmlns:p15="http://schemas.microsoft.com/office/powerpoint/2012/main">
+      <p15:sldGuideLst xmlns:p15="http://schemas.microsoft.com/office/powerpoint/2012/main" xmlns="">
         <p15:guide id="1" orient="horz" pos="935" userDrawn="1">
           <p15:clr>
             <a:srgbClr val="A4A3A4"/>
@@ -233,7 +233,7 @@
       </p15:sldGuideLst>
     </p:ext>
     <p:ext uri="{2D200454-40CA-4A62-9FC3-DE9A4176ACB9}">
-      <p15:notesGuideLst xmlns:p15="http://schemas.microsoft.com/office/powerpoint/2012/main">
+      <p15:notesGuideLst xmlns:p15="http://schemas.microsoft.com/office/powerpoint/2012/main" xmlns="">
         <p15:guide id="1" orient="horz" pos="3132">
           <p15:clr>
             <a:srgbClr val="A4A3A4"/>
@@ -473,7 +473,7 @@
     </p:spTree>
     <p:extLst>
       <p:ext uri="{BB962C8B-B14F-4D97-AF65-F5344CB8AC3E}">
-        <p14:creationId xmlns:p14="http://schemas.microsoft.com/office/powerpoint/2010/main" val="2340697763"/>
+        <p14:creationId xmlns:p14="http://schemas.microsoft.com/office/powerpoint/2010/main" xmlns="" val="2340697763"/>
       </p:ext>
     </p:extLst>
   </p:cSld>
@@ -803,7 +803,7 @@
     </p:spTree>
     <p:extLst>
       <p:ext uri="{BB962C8B-B14F-4D97-AF65-F5344CB8AC3E}">
-        <p14:creationId xmlns:p14="http://schemas.microsoft.com/office/powerpoint/2010/main" val="3722097906"/>
+        <p14:creationId xmlns:p14="http://schemas.microsoft.com/office/powerpoint/2010/main" xmlns="" val="3722097906"/>
       </p:ext>
     </p:extLst>
   </p:cSld>
@@ -1027,7 +1027,7 @@
     </p:spTree>
     <p:extLst>
       <p:ext uri="{BB962C8B-B14F-4D97-AF65-F5344CB8AC3E}">
-        <p14:creationId xmlns:p14="http://schemas.microsoft.com/office/powerpoint/2010/main" val="3197195781"/>
+        <p14:creationId xmlns:p14="http://schemas.microsoft.com/office/powerpoint/2010/main" xmlns="" val="3197195781"/>
       </p:ext>
     </p:extLst>
   </p:cSld>
@@ -1064,12 +1064,7 @@
             <p:ph type="sldImg"/>
           </p:nvPr>
         </p:nvSpPr>
-        <p:spPr>
-          <a:xfrm>
-            <a:off x="896938" y="747713"/>
-            <a:ext cx="4968875" cy="3725862"/>
-          </a:xfrm>
-        </p:spPr>
+        <p:spPr/>
       </p:sp>
       <p:sp>
         <p:nvSpPr>
@@ -1083,21 +1078,28 @@
         </p:nvSpPr>
         <p:spPr/>
         <p:txBody>
-          <a:bodyPr/>
-          <a:lstStyle/>
-          <a:p>
-            <a:r>
-              <a:rPr lang="de-DE" dirty="0"/>
-              <a:t>Aufruf in Warteschlange</a:t>
-            </a:r>
-            <a:r>
-              <a:rPr lang="de-DE" baseline="0" dirty="0"/>
-              <a:t> abhängig von Fahrtrichtung: </a:t>
-            </a:r>
-            <a:r>
-              <a:rPr lang="de-DE" dirty="0"/>
-              <a:t>Wenn hoch gefahren wird, wird in die Abwärtswarteschlange einsortieren, et v.v.</a:t>
-            </a:r>
+          <a:bodyPr>
+            <a:normAutofit/>
+          </a:bodyPr>
+          <a:lstStyle/>
+          <a:p>
+            <a:r>
+              <a:rPr lang="de-DE" dirty="0" smtClean="0"/>
+              <a:t>Hier Vorführen der Features Intelligent</a:t>
+            </a:r>
+            <a:r>
+              <a:rPr lang="de-DE" baseline="0" dirty="0" smtClean="0"/>
+              <a:t> und Komfortabel an der Simulation, sowie Aufzeigen der </a:t>
+            </a:r>
+            <a:r>
+              <a:rPr lang="de-DE" baseline="0" dirty="0" err="1" smtClean="0"/>
+              <a:t>allgm</a:t>
+            </a:r>
+            <a:r>
+              <a:rPr lang="de-DE" baseline="0" dirty="0" smtClean="0"/>
+              <a:t>. Funktionsweise der Positions- und Richtungsleuchten</a:t>
+            </a:r>
+            <a:endParaRPr lang="de-DE" dirty="0"/>
           </a:p>
         </p:txBody>
       </p:sp>
@@ -1124,18 +1126,13 @@
               <a:pPr>
                 <a:defRPr/>
               </a:pPr>
-              <a:t>11</a:t>
+              <a:t>4</a:t>
             </a:fld>
             <a:endParaRPr lang="de-DE"/>
           </a:p>
         </p:txBody>
       </p:sp>
     </p:spTree>
-    <p:extLst>
-      <p:ext uri="{BB962C8B-B14F-4D97-AF65-F5344CB8AC3E}">
-        <p14:creationId xmlns:p14="http://schemas.microsoft.com/office/powerpoint/2010/main" val="2132037008"/>
-      </p:ext>
-    </p:extLst>
   </p:cSld>
   <p:clrMapOvr>
     <a:masterClrMapping/>
@@ -1192,7 +1189,18 @@
           <a:bodyPr/>
           <a:lstStyle/>
           <a:p>
-            <a:endParaRPr lang="de-DE" dirty="0"/>
+            <a:r>
+              <a:rPr lang="de-DE" dirty="0"/>
+              <a:t>Aufruf in Warteschlange</a:t>
+            </a:r>
+            <a:r>
+              <a:rPr lang="de-DE" baseline="0" dirty="0"/>
+              <a:t> abhängig von Fahrtrichtung: </a:t>
+            </a:r>
+            <a:r>
+              <a:rPr lang="de-DE" dirty="0"/>
+              <a:t>Wenn hoch gefahren wird, wird in die Abwärtswarteschlange einsortieren, et v.v.</a:t>
+            </a:r>
           </a:p>
         </p:txBody>
       </p:sp>
@@ -1219,7 +1227,7 @@
               <a:pPr>
                 <a:defRPr/>
               </a:pPr>
-              <a:t>15</a:t>
+              <a:t>11</a:t>
             </a:fld>
             <a:endParaRPr lang="de-DE"/>
           </a:p>
@@ -1228,7 +1236,7 @@
     </p:spTree>
     <p:extLst>
       <p:ext uri="{BB962C8B-B14F-4D97-AF65-F5344CB8AC3E}">
-        <p14:creationId xmlns:p14="http://schemas.microsoft.com/office/powerpoint/2010/main" val="3022281367"/>
+        <p14:creationId xmlns:p14="http://schemas.microsoft.com/office/powerpoint/2010/main" xmlns="" val="2132037008"/>
       </p:ext>
     </p:extLst>
   </p:cSld>
@@ -1257,6 +1265,101 @@
       </p:grpSpPr>
       <p:sp>
         <p:nvSpPr>
+          <p:cNvPr id="2" name="Folienbildplatzhalter 1"/>
+          <p:cNvSpPr>
+            <a:spLocks noGrp="1" noRot="1" noChangeAspect="1"/>
+          </p:cNvSpPr>
+          <p:nvPr>
+            <p:ph type="sldImg"/>
+          </p:nvPr>
+        </p:nvSpPr>
+        <p:spPr>
+          <a:xfrm>
+            <a:off x="896938" y="747713"/>
+            <a:ext cx="4968875" cy="3725862"/>
+          </a:xfrm>
+        </p:spPr>
+      </p:sp>
+      <p:sp>
+        <p:nvSpPr>
+          <p:cNvPr id="3" name="Notizenplatzhalter 2"/>
+          <p:cNvSpPr>
+            <a:spLocks noGrp="1"/>
+          </p:cNvSpPr>
+          <p:nvPr>
+            <p:ph type="body" idx="1"/>
+          </p:nvPr>
+        </p:nvSpPr>
+        <p:spPr/>
+        <p:txBody>
+          <a:bodyPr/>
+          <a:lstStyle/>
+          <a:p>
+            <a:endParaRPr lang="de-DE" dirty="0"/>
+          </a:p>
+        </p:txBody>
+      </p:sp>
+      <p:sp>
+        <p:nvSpPr>
+          <p:cNvPr id="4" name="Foliennummernplatzhalter 3"/>
+          <p:cNvSpPr>
+            <a:spLocks noGrp="1"/>
+          </p:cNvSpPr>
+          <p:nvPr>
+            <p:ph type="sldNum" sz="quarter" idx="10"/>
+          </p:nvPr>
+        </p:nvSpPr>
+        <p:spPr/>
+        <p:txBody>
+          <a:bodyPr/>
+          <a:lstStyle/>
+          <a:p>
+            <a:pPr>
+              <a:defRPr/>
+            </a:pPr>
+            <a:fld id="{D0E03ECB-004C-4CA3-8342-0B234B233A94}" type="slidenum">
+              <a:rPr lang="de-DE" smtClean="0"/>
+              <a:pPr>
+                <a:defRPr/>
+              </a:pPr>
+              <a:t>15</a:t>
+            </a:fld>
+            <a:endParaRPr lang="de-DE"/>
+          </a:p>
+        </p:txBody>
+      </p:sp>
+    </p:spTree>
+    <p:extLst>
+      <p:ext uri="{BB962C8B-B14F-4D97-AF65-F5344CB8AC3E}">
+        <p14:creationId xmlns:p14="http://schemas.microsoft.com/office/powerpoint/2010/main" xmlns="" val="3022281367"/>
+      </p:ext>
+    </p:extLst>
+  </p:cSld>
+  <p:clrMapOvr>
+    <a:masterClrMapping/>
+  </p:clrMapOvr>
+</p:notes>
+</file>
+
+<file path=ppt/notesSlides/notesSlide5.xml><?xml version="1.0" encoding="utf-8"?>
+<p:notes xmlns:a="http://schemas.openxmlformats.org/drawingml/2006/main" xmlns:r="http://schemas.openxmlformats.org/officeDocument/2006/relationships" xmlns:p="http://schemas.openxmlformats.org/presentationml/2006/main">
+  <p:cSld>
+    <p:spTree>
+      <p:nvGrpSpPr>
+        <p:cNvPr id="1" name=""/>
+        <p:cNvGrpSpPr/>
+        <p:nvPr/>
+      </p:nvGrpSpPr>
+      <p:grpSpPr>
+        <a:xfrm>
+          <a:off x="0" y="0"/>
+          <a:ext cx="0" cy="0"/>
+          <a:chOff x="0" y="0"/>
+          <a:chExt cx="0" cy="0"/>
+        </a:xfrm>
+      </p:grpSpPr>
+      <p:sp>
+        <p:nvSpPr>
           <p:cNvPr id="29698" name="Rectangle 7"/>
           <p:cNvSpPr>
             <a:spLocks noGrp="1" noChangeArrowheads="1"/>
@@ -1332,7 +1435,7 @@
     </p:spTree>
     <p:extLst>
       <p:ext uri="{BB962C8B-B14F-4D97-AF65-F5344CB8AC3E}">
-        <p14:creationId xmlns:p14="http://schemas.microsoft.com/office/powerpoint/2010/main" val="3140753640"/>
+        <p14:creationId xmlns:p14="http://schemas.microsoft.com/office/powerpoint/2010/main" xmlns="" val="3140753640"/>
       </p:ext>
     </p:extLst>
   </p:cSld>
@@ -1456,7 +1559,7 @@
         </p:blipFill>
         <p:spPr bwMode="auto">
           <a:xfrm>
-            <a:off x="385764" y="330214"/>
+            <a:off x="385764" y="330215"/>
             <a:ext cx="8291512" cy="5756275"/>
           </a:xfrm>
           <a:prstGeom prst="rect">
@@ -1481,7 +1584,7 @@
         </p:nvSpPr>
         <p:spPr bwMode="auto">
           <a:xfrm>
-            <a:off x="536582" y="3967163"/>
+            <a:off x="536584" y="3967163"/>
             <a:ext cx="8099425" cy="792000"/>
           </a:xfrm>
           <a:prstGeom prst="rect">
@@ -1523,7 +1626,7 @@
         </p:nvSpPr>
         <p:spPr>
           <a:xfrm>
-            <a:off x="8028383" y="6238875"/>
+            <a:off x="8028385" y="6238875"/>
             <a:ext cx="787647" cy="228600"/>
           </a:xfrm>
           <a:prstGeom prst="rect">
@@ -1590,7 +1693,7 @@
         </p:nvSpPr>
         <p:spPr>
           <a:xfrm>
-            <a:off x="722313" y="669180"/>
+            <a:off x="722313" y="669181"/>
             <a:ext cx="7772400" cy="353943"/>
           </a:xfrm>
         </p:spPr>
@@ -1630,7 +1733,7 @@
         </p:nvSpPr>
         <p:spPr>
           <a:xfrm>
-            <a:off x="738195" y="1401763"/>
+            <a:off x="738197" y="1401763"/>
             <a:ext cx="7342187" cy="2154436"/>
           </a:xfrm>
         </p:spPr>
@@ -1772,7 +1875,7 @@
   </p:clrMapOvr>
   <p:extLst mod="1">
     <p:ext uri="{DCECCB84-F9BA-43D5-87BE-67443E8EF086}">
-      <p15:sldGuideLst xmlns:p15="http://schemas.microsoft.com/office/powerpoint/2012/main">
+      <p15:sldGuideLst xmlns:p15="http://schemas.microsoft.com/office/powerpoint/2012/main" xmlns="">
         <p15:guide id="1" orient="horz" pos="2160" userDrawn="1">
           <p15:clr>
             <a:srgbClr val="FBAE40"/>
@@ -1849,7 +1952,7 @@
         </p:nvSpPr>
         <p:spPr>
           <a:xfrm>
-            <a:off x="722313" y="4099136"/>
+            <a:off x="722313" y="4099137"/>
             <a:ext cx="7772400" cy="307777"/>
           </a:xfrm>
         </p:spPr>
@@ -2003,7 +2106,7 @@
         </p:nvSpPr>
         <p:spPr>
           <a:xfrm>
-            <a:off x="738189" y="1401770"/>
+            <a:off x="738189" y="1401771"/>
             <a:ext cx="3594100" cy="2769989"/>
           </a:xfrm>
         </p:spPr>
@@ -2087,7 +2190,7 @@
         </p:nvSpPr>
         <p:spPr>
           <a:xfrm>
-            <a:off x="4484695" y="1401770"/>
+            <a:off x="4484697" y="1401771"/>
             <a:ext cx="3595687" cy="2769989"/>
           </a:xfrm>
         </p:spPr>
@@ -2238,7 +2341,7 @@
         </p:nvSpPr>
         <p:spPr>
           <a:xfrm>
-            <a:off x="457200" y="669179"/>
+            <a:off x="457200" y="669180"/>
             <a:ext cx="8229600" cy="353943"/>
           </a:xfrm>
         </p:spPr>
@@ -2334,7 +2437,7 @@
         </p:nvSpPr>
         <p:spPr>
           <a:xfrm>
-            <a:off x="457200" y="2174888"/>
+            <a:off x="457200" y="2174889"/>
             <a:ext cx="4040188" cy="2031325"/>
           </a:xfrm>
         </p:spPr>
@@ -2418,7 +2521,7 @@
         </p:nvSpPr>
         <p:spPr>
           <a:xfrm>
-            <a:off x="4645032" y="1436211"/>
+            <a:off x="4645033" y="1436211"/>
             <a:ext cx="4041775" cy="738664"/>
           </a:xfrm>
         </p:spPr>
@@ -2483,7 +2586,7 @@
         </p:nvSpPr>
         <p:spPr>
           <a:xfrm>
-            <a:off x="4645032" y="2174888"/>
+            <a:off x="4645033" y="2174889"/>
             <a:ext cx="4041775" cy="2031325"/>
           </a:xfrm>
         </p:spPr>
@@ -2798,7 +2901,7 @@
         </p:nvSpPr>
         <p:spPr bwMode="auto">
           <a:xfrm>
-            <a:off x="8636031" y="609614"/>
+            <a:off x="8636031" y="609615"/>
             <a:ext cx="180000" cy="487363"/>
           </a:xfrm>
           <a:prstGeom prst="roundRect">
@@ -2848,7 +2951,7 @@
         </p:nvSpPr>
         <p:spPr bwMode="auto">
           <a:xfrm>
-            <a:off x="8636031" y="1162064"/>
+            <a:off x="8636031" y="1162065"/>
             <a:ext cx="180000" cy="487363"/>
           </a:xfrm>
           <a:prstGeom prst="roundRect">
@@ -2891,7 +2994,7 @@
         </p:nvSpPr>
         <p:spPr bwMode="auto">
           <a:xfrm>
-            <a:off x="8636031" y="1714503"/>
+            <a:off x="8636031" y="1714504"/>
             <a:ext cx="180000" cy="487363"/>
           </a:xfrm>
           <a:prstGeom prst="roundRect">
@@ -2934,8 +3037,8 @@
         </p:nvSpPr>
         <p:spPr bwMode="auto">
           <a:xfrm>
-            <a:off x="8648374" y="904875"/>
-            <a:ext cx="247184" cy="230832"/>
+            <a:off x="8648376" y="904875"/>
+            <a:ext cx="247183" cy="230832"/>
           </a:xfrm>
           <a:prstGeom prst="rect">
             <a:avLst/>
@@ -2981,8 +3084,8 @@
         </p:nvSpPr>
         <p:spPr bwMode="auto">
           <a:xfrm>
-            <a:off x="8648374" y="1457325"/>
-            <a:ext cx="247184" cy="230832"/>
+            <a:off x="8648376" y="1457325"/>
+            <a:ext cx="247183" cy="230832"/>
           </a:xfrm>
           <a:prstGeom prst="rect">
             <a:avLst/>
@@ -3028,8 +3131,8 @@
         </p:nvSpPr>
         <p:spPr bwMode="auto">
           <a:xfrm>
-            <a:off x="8648374" y="2014538"/>
-            <a:ext cx="247184" cy="230832"/>
+            <a:off x="8648376" y="2014539"/>
+            <a:ext cx="247183" cy="230832"/>
           </a:xfrm>
           <a:prstGeom prst="rect">
             <a:avLst/>
@@ -3150,7 +3253,7 @@
         </p:nvSpPr>
         <p:spPr bwMode="auto">
           <a:xfrm>
-            <a:off x="722313" y="669180"/>
+            <a:off x="722313" y="669181"/>
             <a:ext cx="7772400" cy="353943"/>
           </a:xfrm>
           <a:prstGeom prst="rect">
@@ -3193,7 +3296,7 @@
         </p:nvSpPr>
         <p:spPr bwMode="auto">
           <a:xfrm>
-            <a:off x="738195" y="1401763"/>
+            <a:off x="738197" y="1401763"/>
             <a:ext cx="7342187" cy="1341906"/>
           </a:xfrm>
           <a:prstGeom prst="rect">
@@ -3333,7 +3436,7 @@
         </p:nvSpPr>
         <p:spPr>
           <a:xfrm>
-            <a:off x="8028383" y="6238875"/>
+            <a:off x="8028385" y="6238875"/>
             <a:ext cx="787647" cy="228600"/>
           </a:xfrm>
           <a:prstGeom prst="rect">
@@ -3389,7 +3492,7 @@
           </a:ln>
           <a:extLst>
             <a:ext uri="{91240B29-F687-4F45-9708-019B960494DF}">
-              <a14:hiddenLine xmlns:a14="http://schemas.microsoft.com/office/drawing/2010/main" w="9525">
+              <a14:hiddenLine xmlns:a14="http://schemas.microsoft.com/office/drawing/2010/main" xmlns="" w="9525">
                 <a:solidFill>
                   <a:srgbClr val="000000"/>
                 </a:solidFill>
@@ -3424,7 +3527,7 @@
         </p:blipFill>
         <p:spPr>
           <a:xfrm>
-            <a:off x="7729372" y="116646"/>
+            <a:off x="7729374" y="116647"/>
             <a:ext cx="875083" cy="315789"/>
           </a:xfrm>
           <a:prstGeom prst="rect">
@@ -3442,8 +3545,8 @@
         </p:nvSpPr>
         <p:spPr bwMode="auto">
           <a:xfrm>
-            <a:off x="8645296" y="2564904"/>
-            <a:ext cx="247184" cy="230832"/>
+            <a:off x="8645298" y="2564904"/>
+            <a:ext cx="247183" cy="230832"/>
           </a:xfrm>
           <a:prstGeom prst="rect">
             <a:avLst/>
@@ -3489,7 +3592,7 @@
         </p:nvSpPr>
         <p:spPr bwMode="auto">
           <a:xfrm>
-            <a:off x="8636643" y="2808599"/>
+            <a:off x="8636643" y="2808600"/>
             <a:ext cx="179388" cy="487363"/>
           </a:xfrm>
           <a:prstGeom prst="roundRect">
@@ -3505,7 +3608,7 @@
           </a:ln>
           <a:extLst>
             <a:ext uri="{91240B29-F687-4F45-9708-019B960494DF}">
-              <a14:hiddenLine xmlns:a14="http://schemas.microsoft.com/office/drawing/2010/main" w="9525">
+              <a14:hiddenLine xmlns:a14="http://schemas.microsoft.com/office/drawing/2010/main" xmlns="" w="9525">
                 <a:solidFill>
                   <a:srgbClr val="000000"/>
                 </a:solidFill>
@@ -3537,8 +3640,8 @@
         </p:nvSpPr>
         <p:spPr bwMode="auto">
           <a:xfrm>
-            <a:off x="8645941" y="3109714"/>
-            <a:ext cx="247184" cy="230832"/>
+            <a:off x="8645943" y="3109715"/>
+            <a:ext cx="247183" cy="230832"/>
           </a:xfrm>
           <a:prstGeom prst="rect">
             <a:avLst/>
@@ -3600,7 +3703,7 @@
           </a:ln>
           <a:extLst>
             <a:ext uri="{91240B29-F687-4F45-9708-019B960494DF}">
-              <a14:hiddenLine xmlns:a14="http://schemas.microsoft.com/office/drawing/2010/main" w="9525">
+              <a14:hiddenLine xmlns:a14="http://schemas.microsoft.com/office/drawing/2010/main" xmlns="" w="9525">
                 <a:solidFill>
                   <a:srgbClr val="000000"/>
                 </a:solidFill>
@@ -3632,8 +3735,8 @@
         </p:nvSpPr>
         <p:spPr bwMode="auto">
           <a:xfrm>
-            <a:off x="8646190" y="3649390"/>
-            <a:ext cx="247184" cy="230832"/>
+            <a:off x="8646192" y="3649391"/>
+            <a:ext cx="247183" cy="230832"/>
           </a:xfrm>
           <a:prstGeom prst="rect">
             <a:avLst/>
@@ -4118,7 +4221,7 @@
         </p:nvSpPr>
         <p:spPr bwMode="auto">
           <a:xfrm>
-            <a:off x="365727" y="620702"/>
+            <a:off x="365727" y="620704"/>
             <a:ext cx="8229600" cy="1684337"/>
           </a:xfrm>
           <a:prstGeom prst="rect">
@@ -4160,8 +4263,8 @@
         </p:nvSpPr>
         <p:spPr bwMode="auto">
           <a:xfrm>
-            <a:off x="553027" y="3740710"/>
-            <a:ext cx="8229600" cy="1269130"/>
+            <a:off x="553027" y="3740709"/>
+            <a:ext cx="8229600" cy="1269131"/>
           </a:xfrm>
           <a:prstGeom prst="rect">
             <a:avLst/>
@@ -4207,8 +4310,8 @@
         </p:blipFill>
         <p:spPr bwMode="auto">
           <a:xfrm>
-            <a:off x="755590" y="5373216"/>
-            <a:ext cx="2428875" cy="390526"/>
+            <a:off x="755592" y="5373217"/>
+            <a:ext cx="2428875" cy="390527"/>
           </a:xfrm>
           <a:prstGeom prst="rect">
             <a:avLst/>
@@ -4226,8 +4329,8 @@
         </p:nvSpPr>
         <p:spPr bwMode="auto">
           <a:xfrm>
-            <a:off x="637187" y="3742982"/>
-            <a:ext cx="7974552" cy="1269130"/>
+            <a:off x="637187" y="3742981"/>
+            <a:ext cx="7974552" cy="1269131"/>
           </a:xfrm>
           <a:prstGeom prst="rect">
             <a:avLst/>
@@ -4267,7 +4370,7 @@
         </p:nvSpPr>
         <p:spPr>
           <a:xfrm>
-            <a:off x="457214" y="3933056"/>
+            <a:off x="457216" y="3933056"/>
             <a:ext cx="8229599" cy="849720"/>
           </a:xfrm>
           <a:prstGeom prst="rect">
@@ -4337,7 +4440,7 @@
         </p:blipFill>
         <p:spPr>
           <a:xfrm>
-            <a:off x="7668344" y="5315845"/>
+            <a:off x="7668344" y="5315846"/>
             <a:ext cx="808562" cy="543876"/>
           </a:xfrm>
           <a:prstGeom prst="rect">
@@ -4402,7 +4505,7 @@
         </p:nvSpPr>
         <p:spPr bwMode="auto">
           <a:xfrm>
-            <a:off x="552093" y="2276886"/>
+            <a:off x="552093" y="2276888"/>
             <a:ext cx="8085762" cy="862481"/>
           </a:xfrm>
           <a:prstGeom prst="rect">
@@ -4557,7 +4660,7 @@
         </p:nvSpPr>
         <p:spPr>
           <a:xfrm>
-            <a:off x="8554874" y="1790614"/>
+            <a:off x="8554874" y="1790616"/>
             <a:ext cx="337606" cy="307777"/>
           </a:xfrm>
           <a:prstGeom prst="rect">
@@ -4599,7 +4702,7 @@
         </p:blipFill>
         <p:spPr>
           <a:xfrm>
-            <a:off x="2042413" y="1318872"/>
+            <a:off x="2042415" y="1318872"/>
             <a:ext cx="5059201" cy="4558400"/>
           </a:xfrm>
           <a:prstGeom prst="rect">
@@ -4610,7 +4713,7 @@
     </p:spTree>
     <p:extLst>
       <p:ext uri="{BB962C8B-B14F-4D97-AF65-F5344CB8AC3E}">
-        <p14:creationId xmlns:p14="http://schemas.microsoft.com/office/powerpoint/2010/main" val="1366462204"/>
+        <p14:creationId xmlns:p14="http://schemas.microsoft.com/office/powerpoint/2010/main" xmlns="" val="1366462204"/>
       </p:ext>
     </p:extLst>
   </p:cSld>
@@ -4748,7 +4851,7 @@
         </p:nvSpPr>
         <p:spPr>
           <a:xfrm>
-            <a:off x="8554874" y="1790614"/>
+            <a:off x="8554874" y="1790616"/>
             <a:ext cx="337606" cy="307777"/>
           </a:xfrm>
           <a:prstGeom prst="rect">
@@ -4812,8 +4915,8 @@
         </p:blipFill>
         <p:spPr>
           <a:xfrm>
-            <a:off x="899592" y="1187582"/>
-            <a:ext cx="6863940" cy="2139818"/>
+            <a:off x="899592" y="1187581"/>
+            <a:ext cx="6863940" cy="2139819"/>
           </a:xfrm>
           <a:prstGeom prst="rect">
             <a:avLst/>
@@ -4823,7 +4926,7 @@
     </p:spTree>
     <p:extLst>
       <p:ext uri="{BB962C8B-B14F-4D97-AF65-F5344CB8AC3E}">
-        <p14:creationId xmlns:p14="http://schemas.microsoft.com/office/powerpoint/2010/main" val="456857022"/>
+        <p14:creationId xmlns:p14="http://schemas.microsoft.com/office/powerpoint/2010/main" xmlns="" val="456857022"/>
       </p:ext>
     </p:extLst>
   </p:cSld>
@@ -4884,7 +4987,7 @@
         </p:nvSpPr>
         <p:spPr>
           <a:xfrm>
-            <a:off x="738202" y="1401763"/>
+            <a:off x="738204" y="1401763"/>
             <a:ext cx="7342187" cy="3570208"/>
           </a:xfrm>
         </p:spPr>
@@ -5006,7 +5109,7 @@
     </p:spTree>
     <p:extLst>
       <p:ext uri="{BB962C8B-B14F-4D97-AF65-F5344CB8AC3E}">
-        <p14:creationId xmlns:p14="http://schemas.microsoft.com/office/powerpoint/2010/main" val="275166036"/>
+        <p14:creationId xmlns:p14="http://schemas.microsoft.com/office/powerpoint/2010/main" xmlns="" val="275166036"/>
       </p:ext>
     </p:extLst>
   </p:cSld>
@@ -5068,7 +5171,7 @@
         </p:nvSpPr>
         <p:spPr>
           <a:xfrm>
-            <a:off x="738202" y="1401777"/>
+            <a:off x="738204" y="1401778"/>
             <a:ext cx="7342187" cy="4370427"/>
           </a:xfrm>
         </p:spPr>
@@ -5250,7 +5353,7 @@
         </p:nvSpPr>
         <p:spPr>
           <a:xfrm>
-            <a:off x="8554874" y="1790614"/>
+            <a:off x="8554874" y="1790616"/>
             <a:ext cx="337606" cy="307777"/>
           </a:xfrm>
           <a:prstGeom prst="rect">
@@ -5279,7 +5382,7 @@
     </p:spTree>
     <p:extLst>
       <p:ext uri="{BB962C8B-B14F-4D97-AF65-F5344CB8AC3E}">
-        <p14:creationId xmlns:p14="http://schemas.microsoft.com/office/powerpoint/2010/main" val="2200522923"/>
+        <p14:creationId xmlns:p14="http://schemas.microsoft.com/office/powerpoint/2010/main" xmlns="" val="2200522923"/>
       </p:ext>
     </p:extLst>
   </p:cSld>
@@ -5315,7 +5418,7 @@
         </p:nvSpPr>
         <p:spPr bwMode="auto">
           <a:xfrm>
-            <a:off x="565632" y="4005078"/>
+            <a:off x="565632" y="4005080"/>
             <a:ext cx="8085762" cy="862481"/>
           </a:xfrm>
           <a:prstGeom prst="rect">
@@ -5427,7 +5530,7 @@
         </p:nvSpPr>
         <p:spPr bwMode="auto">
           <a:xfrm>
-            <a:off x="8633677" y="2259324"/>
+            <a:off x="8633677" y="2259325"/>
             <a:ext cx="180000" cy="487363"/>
           </a:xfrm>
           <a:prstGeom prst="roundRect">
@@ -5470,7 +5573,7 @@
         </p:nvSpPr>
         <p:spPr>
           <a:xfrm>
-            <a:off x="8553577" y="2346914"/>
+            <a:off x="8553577" y="2346916"/>
             <a:ext cx="409614" cy="307777"/>
           </a:xfrm>
           <a:prstGeom prst="rect">
@@ -5512,7 +5615,7 @@
         </p:blipFill>
         <p:spPr>
           <a:xfrm>
-            <a:off x="2042413" y="1318872"/>
+            <a:off x="2042415" y="1318872"/>
             <a:ext cx="5059201" cy="4558400"/>
           </a:xfrm>
           <a:prstGeom prst="rect">
@@ -5523,7 +5626,7 @@
     </p:spTree>
     <p:extLst>
       <p:ext uri="{BB962C8B-B14F-4D97-AF65-F5344CB8AC3E}">
-        <p14:creationId xmlns:p14="http://schemas.microsoft.com/office/powerpoint/2010/main" val="2895349213"/>
+        <p14:creationId xmlns:p14="http://schemas.microsoft.com/office/powerpoint/2010/main" xmlns="" val="2895349213"/>
       </p:ext>
     </p:extLst>
   </p:cSld>
@@ -5559,7 +5662,7 @@
         <p:spPr bwMode="auto">
           <a:xfrm>
             <a:off x="565632" y="2834264"/>
-            <a:ext cx="8085762" cy="2033282"/>
+            <a:ext cx="8085762" cy="2033283"/>
           </a:xfrm>
           <a:prstGeom prst="rect">
             <a:avLst/>
@@ -5670,7 +5773,7 @@
         </p:nvSpPr>
         <p:spPr bwMode="auto">
           <a:xfrm>
-            <a:off x="8633677" y="2259324"/>
+            <a:off x="8633677" y="2259325"/>
             <a:ext cx="180000" cy="487363"/>
           </a:xfrm>
           <a:prstGeom prst="roundRect">
@@ -5713,7 +5816,7 @@
         </p:nvSpPr>
         <p:spPr>
           <a:xfrm>
-            <a:off x="8553577" y="2346914"/>
+            <a:off x="8553577" y="2346916"/>
             <a:ext cx="409614" cy="307777"/>
           </a:xfrm>
           <a:prstGeom prst="rect">
@@ -5754,7 +5857,7 @@
         </p:blipFill>
         <p:spPr>
           <a:xfrm>
-            <a:off x="1232137" y="1628814"/>
+            <a:off x="1232137" y="1628815"/>
             <a:ext cx="6679726" cy="4244285"/>
           </a:xfrm>
           <a:prstGeom prst="rect">
@@ -5765,7 +5868,7 @@
     </p:spTree>
     <p:extLst>
       <p:ext uri="{BB962C8B-B14F-4D97-AF65-F5344CB8AC3E}">
-        <p14:creationId xmlns:p14="http://schemas.microsoft.com/office/powerpoint/2010/main" val="4216422739"/>
+        <p14:creationId xmlns:p14="http://schemas.microsoft.com/office/powerpoint/2010/main" xmlns="" val="4216422739"/>
       </p:ext>
     </p:extLst>
   </p:cSld>
@@ -5860,7 +5963,7 @@
         </p:nvSpPr>
         <p:spPr bwMode="auto">
           <a:xfrm>
-            <a:off x="8633677" y="2259324"/>
+            <a:off x="8633677" y="2259325"/>
             <a:ext cx="180000" cy="487363"/>
           </a:xfrm>
           <a:prstGeom prst="roundRect">
@@ -5903,7 +6006,7 @@
         </p:nvSpPr>
         <p:spPr>
           <a:xfrm>
-            <a:off x="8553577" y="2346914"/>
+            <a:off x="8553577" y="2346916"/>
             <a:ext cx="409614" cy="307777"/>
           </a:xfrm>
           <a:prstGeom prst="rect">
@@ -5945,7 +6048,7 @@
         </p:blipFill>
         <p:spPr>
           <a:xfrm>
-            <a:off x="782540" y="1338619"/>
+            <a:off x="782540" y="1338620"/>
             <a:ext cx="7578920" cy="4538667"/>
           </a:xfrm>
           <a:prstGeom prst="rect">
@@ -5956,7 +6059,7 @@
     </p:spTree>
     <p:extLst>
       <p:ext uri="{BB962C8B-B14F-4D97-AF65-F5344CB8AC3E}">
-        <p14:creationId xmlns:p14="http://schemas.microsoft.com/office/powerpoint/2010/main" val="1466112408"/>
+        <p14:creationId xmlns:p14="http://schemas.microsoft.com/office/powerpoint/2010/main" xmlns="" val="1466112408"/>
       </p:ext>
     </p:extLst>
   </p:cSld>
@@ -6051,7 +6154,7 @@
         </p:nvSpPr>
         <p:spPr bwMode="auto">
           <a:xfrm>
-            <a:off x="8633677" y="2259324"/>
+            <a:off x="8633677" y="2259325"/>
             <a:ext cx="180000" cy="487363"/>
           </a:xfrm>
           <a:prstGeom prst="roundRect">
@@ -6094,7 +6197,7 @@
         </p:nvSpPr>
         <p:spPr>
           <a:xfrm>
-            <a:off x="8553577" y="2346914"/>
+            <a:off x="8553577" y="2346916"/>
             <a:ext cx="409614" cy="307777"/>
           </a:xfrm>
           <a:prstGeom prst="rect">
@@ -6136,7 +6239,7 @@
         </p:blipFill>
         <p:spPr>
           <a:xfrm>
-            <a:off x="1831292" y="1268760"/>
+            <a:off x="1831292" y="1268762"/>
             <a:ext cx="5909060" cy="4657551"/>
           </a:xfrm>
           <a:prstGeom prst="rect">
@@ -6147,7 +6250,7 @@
     </p:spTree>
     <p:extLst>
       <p:ext uri="{BB962C8B-B14F-4D97-AF65-F5344CB8AC3E}">
-        <p14:creationId xmlns:p14="http://schemas.microsoft.com/office/powerpoint/2010/main" val="2650412750"/>
+        <p14:creationId xmlns:p14="http://schemas.microsoft.com/office/powerpoint/2010/main" xmlns="" val="2650412750"/>
       </p:ext>
     </p:extLst>
   </p:cSld>
@@ -6208,7 +6311,7 @@
         </p:nvSpPr>
         <p:spPr>
           <a:xfrm>
-            <a:off x="738202" y="1401763"/>
+            <a:off x="738204" y="1401763"/>
             <a:ext cx="7342187" cy="3262432"/>
           </a:xfrm>
         </p:spPr>
@@ -6301,7 +6404,7 @@
     </p:spTree>
     <p:extLst>
       <p:ext uri="{BB962C8B-B14F-4D97-AF65-F5344CB8AC3E}">
-        <p14:creationId xmlns:p14="http://schemas.microsoft.com/office/powerpoint/2010/main" val="636071355"/>
+        <p14:creationId xmlns:p14="http://schemas.microsoft.com/office/powerpoint/2010/main" xmlns="" val="636071355"/>
       </p:ext>
     </p:extLst>
   </p:cSld>
@@ -6337,7 +6440,7 @@
         </p:nvSpPr>
         <p:spPr bwMode="auto">
           <a:xfrm>
-            <a:off x="565632" y="4896300"/>
+            <a:off x="565632" y="4896301"/>
             <a:ext cx="8085762" cy="862481"/>
           </a:xfrm>
           <a:prstGeom prst="rect">
@@ -6453,7 +6556,7 @@
         </p:nvSpPr>
         <p:spPr bwMode="auto">
           <a:xfrm>
-            <a:off x="8634974" y="2806783"/>
+            <a:off x="8634974" y="2806784"/>
             <a:ext cx="180000" cy="487363"/>
           </a:xfrm>
           <a:prstGeom prst="roundRect">
@@ -6496,7 +6599,7 @@
         </p:nvSpPr>
         <p:spPr>
           <a:xfrm>
-            <a:off x="8580569" y="2894373"/>
+            <a:off x="8580569" y="2894374"/>
             <a:ext cx="409614" cy="307777"/>
           </a:xfrm>
           <a:prstGeom prst="rect">
@@ -6538,7 +6641,7 @@
         </p:blipFill>
         <p:spPr>
           <a:xfrm>
-            <a:off x="2042413" y="1318872"/>
+            <a:off x="2042415" y="1318872"/>
             <a:ext cx="5059201" cy="4558400"/>
           </a:xfrm>
           <a:prstGeom prst="rect">
@@ -6549,7 +6652,7 @@
     </p:spTree>
     <p:extLst>
       <p:ext uri="{BB962C8B-B14F-4D97-AF65-F5344CB8AC3E}">
-        <p14:creationId xmlns:p14="http://schemas.microsoft.com/office/powerpoint/2010/main" val="2630595883"/>
+        <p14:creationId xmlns:p14="http://schemas.microsoft.com/office/powerpoint/2010/main" xmlns="" val="2630595883"/>
       </p:ext>
     </p:extLst>
   </p:cSld>
@@ -6667,7 +6770,7 @@
         </p:nvSpPr>
         <p:spPr>
           <a:xfrm>
-            <a:off x="738202" y="1401763"/>
+            <a:off x="738204" y="1401763"/>
             <a:ext cx="7342187" cy="4832092"/>
           </a:xfrm>
         </p:spPr>
@@ -6691,7 +6794,7 @@
               <a:defRPr/>
             </a:pPr>
             <a:r>
-              <a:rPr lang="de-DE" b="1" dirty="0">
+              <a:rPr lang="de-DE" b="1" dirty="0" smtClean="0">
                 <a:solidFill>
                   <a:schemeClr val="accent4">
                     <a:lumMod val="65000"/>
@@ -6699,8 +6802,16 @@
                   </a:schemeClr>
                 </a:solidFill>
               </a:rPr>
-              <a:t>Einleitung</a:t>
-            </a:r>
+              <a:t>Vorgehensweise und Features</a:t>
+            </a:r>
+            <a:endParaRPr lang="de-DE" b="1" dirty="0">
+              <a:solidFill>
+                <a:schemeClr val="accent4">
+                  <a:lumMod val="65000"/>
+                  <a:lumOff val="35000"/>
+                </a:schemeClr>
+              </a:solidFill>
+            </a:endParaRPr>
           </a:p>
           <a:p>
             <a:pPr marL="1160463" indent="-1160463">
@@ -6966,7 +7077,7 @@
         </p:nvSpPr>
         <p:spPr>
           <a:xfrm>
-            <a:off x="8607593" y="703745"/>
+            <a:off x="8607593" y="703746"/>
             <a:ext cx="237930" cy="307777"/>
           </a:xfrm>
           <a:prstGeom prst="rect">
@@ -6995,7 +7106,7 @@
     </p:spTree>
     <p:extLst>
       <p:ext uri="{BB962C8B-B14F-4D97-AF65-F5344CB8AC3E}">
-        <p14:creationId xmlns:p14="http://schemas.microsoft.com/office/powerpoint/2010/main" val="309100733"/>
+        <p14:creationId xmlns:p14="http://schemas.microsoft.com/office/powerpoint/2010/main" xmlns="" val="309100733"/>
       </p:ext>
     </p:extLst>
   </p:cSld>
@@ -7113,7 +7224,7 @@
         </p:nvSpPr>
         <p:spPr>
           <a:xfrm>
-            <a:off x="738202" y="1401763"/>
+            <a:off x="738204" y="1401763"/>
             <a:ext cx="7342187" cy="4832092"/>
           </a:xfrm>
         </p:spPr>
@@ -7137,7 +7248,7 @@
               <a:defRPr/>
             </a:pPr>
             <a:r>
-              <a:rPr lang="de-DE" dirty="0">
+              <a:rPr lang="de-DE" dirty="0" smtClean="0">
                 <a:solidFill>
                   <a:schemeClr val="accent4">
                     <a:lumMod val="65000"/>
@@ -7145,8 +7256,27 @@
                   </a:schemeClr>
                 </a:solidFill>
               </a:rPr>
-              <a:t>Einleitung</a:t>
-            </a:r>
+              <a:t>Vorgehensweise und </a:t>
+            </a:r>
+            <a:r>
+              <a:rPr lang="de-DE" dirty="0" smtClean="0">
+                <a:solidFill>
+                  <a:schemeClr val="accent4">
+                    <a:lumMod val="65000"/>
+                    <a:lumOff val="35000"/>
+                  </a:schemeClr>
+                </a:solidFill>
+              </a:rPr>
+              <a:t>Features</a:t>
+            </a:r>
+            <a:endParaRPr lang="de-DE" dirty="0">
+              <a:solidFill>
+                <a:schemeClr val="accent4">
+                  <a:lumMod val="65000"/>
+                  <a:lumOff val="35000"/>
+                </a:schemeClr>
+              </a:solidFill>
+            </a:endParaRPr>
           </a:p>
           <a:p>
             <a:pPr marL="1160463" indent="-1160463">
@@ -7364,7 +7494,7 @@
         </p:nvSpPr>
         <p:spPr bwMode="auto">
           <a:xfrm>
-            <a:off x="8645011" y="3349836"/>
+            <a:off x="8645011" y="3349837"/>
             <a:ext cx="180000" cy="487363"/>
           </a:xfrm>
           <a:prstGeom prst="roundRect">
@@ -7407,7 +7537,7 @@
         </p:nvSpPr>
         <p:spPr>
           <a:xfrm>
-            <a:off x="8559942" y="3437426"/>
+            <a:off x="8559942" y="3437428"/>
             <a:ext cx="409614" cy="307777"/>
           </a:xfrm>
           <a:prstGeom prst="rect">
@@ -7436,7 +7566,7 @@
     </p:spTree>
     <p:extLst>
       <p:ext uri="{BB962C8B-B14F-4D97-AF65-F5344CB8AC3E}">
-        <p14:creationId xmlns:p14="http://schemas.microsoft.com/office/powerpoint/2010/main" val="1550742323"/>
+        <p14:creationId xmlns:p14="http://schemas.microsoft.com/office/powerpoint/2010/main" xmlns="" val="1550742323"/>
       </p:ext>
     </p:extLst>
   </p:cSld>
@@ -7526,7 +7656,7 @@
         </p:nvSpPr>
         <p:spPr bwMode="auto">
           <a:xfrm>
-            <a:off x="8645011" y="3349836"/>
+            <a:off x="8645011" y="3349837"/>
             <a:ext cx="180000" cy="487363"/>
           </a:xfrm>
           <a:prstGeom prst="roundRect">
@@ -7569,7 +7699,7 @@
         </p:nvSpPr>
         <p:spPr>
           <a:xfrm>
-            <a:off x="8559942" y="3437426"/>
+            <a:off x="8559942" y="3437428"/>
             <a:ext cx="409614" cy="307777"/>
           </a:xfrm>
           <a:prstGeom prst="rect">
@@ -7607,7 +7737,7 @@
         </p:nvSpPr>
         <p:spPr>
           <a:xfrm>
-            <a:off x="738202" y="1401777"/>
+            <a:off x="738204" y="1401778"/>
             <a:ext cx="7342187" cy="3631763"/>
           </a:xfrm>
         </p:spPr>
@@ -7682,7 +7812,7 @@
     </p:spTree>
     <p:extLst>
       <p:ext uri="{BB962C8B-B14F-4D97-AF65-F5344CB8AC3E}">
-        <p14:creationId xmlns:p14="http://schemas.microsoft.com/office/powerpoint/2010/main" val="76012745"/>
+        <p14:creationId xmlns:p14="http://schemas.microsoft.com/office/powerpoint/2010/main" xmlns="" val="76012745"/>
       </p:ext>
     </p:extLst>
   </p:cSld>
@@ -7743,7 +7873,7 @@
         </p:nvSpPr>
         <p:spPr>
           <a:xfrm>
-            <a:off x="738202" y="1401777"/>
+            <a:off x="738204" y="1401778"/>
             <a:ext cx="7342187" cy="307777"/>
           </a:xfrm>
         </p:spPr>
@@ -7797,7 +7927,7 @@
         </p:nvSpPr>
         <p:spPr bwMode="auto">
           <a:xfrm>
-            <a:off x="8645011" y="3349836"/>
+            <a:off x="8645011" y="3349837"/>
             <a:ext cx="180000" cy="487363"/>
           </a:xfrm>
           <a:prstGeom prst="roundRect">
@@ -7840,7 +7970,7 @@
         </p:nvSpPr>
         <p:spPr>
           <a:xfrm>
-            <a:off x="8559942" y="3437426"/>
+            <a:off x="8559942" y="3437428"/>
             <a:ext cx="409614" cy="307777"/>
           </a:xfrm>
           <a:prstGeom prst="rect">
@@ -7869,7 +7999,7 @@
     </p:spTree>
     <p:extLst>
       <p:ext uri="{BB962C8B-B14F-4D97-AF65-F5344CB8AC3E}">
-        <p14:creationId xmlns:p14="http://schemas.microsoft.com/office/powerpoint/2010/main" val="3606055436"/>
+        <p14:creationId xmlns:p14="http://schemas.microsoft.com/office/powerpoint/2010/main" xmlns="" val="3606055436"/>
       </p:ext>
     </p:extLst>
   </p:cSld>
@@ -7907,7 +8037,7 @@
         <p:spPr bwMode="auto">
           <a:xfrm>
             <a:off x="365727" y="753011"/>
-            <a:ext cx="8229600" cy="2758918"/>
+            <a:ext cx="8229600" cy="2758919"/>
           </a:xfrm>
           <a:prstGeom prst="rect">
             <a:avLst/>
@@ -7987,8 +8117,8 @@
         </p:nvSpPr>
         <p:spPr bwMode="auto">
           <a:xfrm>
-            <a:off x="553027" y="3740710"/>
-            <a:ext cx="8229600" cy="1269130"/>
+            <a:off x="553027" y="3740709"/>
+            <a:ext cx="8229600" cy="1269131"/>
           </a:xfrm>
           <a:prstGeom prst="rect">
             <a:avLst/>
@@ -8034,8 +8164,8 @@
         </p:blipFill>
         <p:spPr bwMode="auto">
           <a:xfrm>
-            <a:off x="755590" y="5373216"/>
-            <a:ext cx="2428875" cy="390526"/>
+            <a:off x="755592" y="5373217"/>
+            <a:ext cx="2428875" cy="390527"/>
           </a:xfrm>
           <a:prstGeom prst="rect">
             <a:avLst/>
@@ -8053,8 +8183,8 @@
         </p:nvSpPr>
         <p:spPr bwMode="auto">
           <a:xfrm>
-            <a:off x="637187" y="3742982"/>
-            <a:ext cx="7974552" cy="1269130"/>
+            <a:off x="637187" y="3742981"/>
+            <a:ext cx="7974552" cy="1269131"/>
           </a:xfrm>
           <a:prstGeom prst="rect">
             <a:avLst/>
@@ -8094,7 +8224,7 @@
         </p:nvSpPr>
         <p:spPr>
           <a:xfrm>
-            <a:off x="457214" y="3933056"/>
+            <a:off x="457216" y="3933056"/>
             <a:ext cx="8229599" cy="471026"/>
           </a:xfrm>
           <a:prstGeom prst="rect">
@@ -8143,7 +8273,7 @@
         </p:blipFill>
         <p:spPr>
           <a:xfrm>
-            <a:off x="7668344" y="5315845"/>
+            <a:off x="7668344" y="5315846"/>
             <a:ext cx="808562" cy="543876"/>
           </a:xfrm>
           <a:prstGeom prst="rect">
@@ -8154,7 +8284,7 @@
     </p:spTree>
     <p:extLst>
       <p:ext uri="{BB962C8B-B14F-4D97-AF65-F5344CB8AC3E}">
-        <p14:creationId xmlns:p14="http://schemas.microsoft.com/office/powerpoint/2010/main" val="1684480284"/>
+        <p14:creationId xmlns:p14="http://schemas.microsoft.com/office/powerpoint/2010/main" xmlns="" val="1684480284"/>
       </p:ext>
     </p:extLst>
   </p:cSld>
@@ -8198,9 +8328,10 @@
           <a:lstStyle/>
           <a:p>
             <a:r>
-              <a:rPr lang="de-DE" dirty="0"/>
-              <a:t>Einleitung</a:t>
-            </a:r>
+              <a:rPr lang="de-DE" dirty="0" smtClean="0"/>
+              <a:t>Vorgehensweise  bei der Entwicklung</a:t>
+            </a:r>
+            <a:endParaRPr lang="de-DE" dirty="0"/>
           </a:p>
         </p:txBody>
       </p:sp>
@@ -8285,7 +8416,7 @@
         </p:nvSpPr>
         <p:spPr>
           <a:xfrm>
-            <a:off x="8607593" y="703745"/>
+            <a:off x="8607593" y="703746"/>
             <a:ext cx="237930" cy="307777"/>
           </a:xfrm>
           <a:prstGeom prst="rect">
@@ -8323,8 +8454,8 @@
         </p:nvSpPr>
         <p:spPr>
           <a:xfrm>
-            <a:off x="738202" y="1401777"/>
-            <a:ext cx="7342187" cy="4555093"/>
+            <a:off x="738204" y="1401778"/>
+            <a:ext cx="7342187" cy="3139321"/>
           </a:xfrm>
         </p:spPr>
         <p:txBody>
@@ -8332,78 +8463,204 @@
           <a:lstStyle/>
           <a:p>
             <a:r>
+              <a:rPr lang="de-DE" dirty="0" smtClean="0"/>
+              <a:t>Konzeptentwicklung in </a:t>
+            </a:r>
+            <a:r>
+              <a:rPr lang="de-DE" dirty="0" smtClean="0"/>
+              <a:t>UML</a:t>
+            </a:r>
+          </a:p>
+          <a:p>
+            <a:pPr lvl="1"/>
+            <a:r>
+              <a:rPr lang="de-DE" dirty="0" smtClean="0"/>
+              <a:t>Arbeitsaufteilung nach </a:t>
+            </a:r>
+            <a:r>
+              <a:rPr lang="de-DE" dirty="0" smtClean="0"/>
+              <a:t>Klassen und </a:t>
+            </a:r>
+            <a:r>
+              <a:rPr lang="de-DE" dirty="0" smtClean="0"/>
+              <a:t>Festlegen der </a:t>
+            </a:r>
+            <a:r>
+              <a:rPr lang="de-DE" dirty="0" smtClean="0"/>
+              <a:t>Schnittstellen</a:t>
+            </a:r>
+            <a:endParaRPr lang="de-DE" dirty="0" smtClean="0"/>
+          </a:p>
+          <a:p>
+            <a:pPr lvl="1"/>
+            <a:r>
+              <a:rPr lang="de-DE" dirty="0" smtClean="0"/>
+              <a:t>Einheitliche Definition wichtiger Methoden- und Variablennamen</a:t>
+            </a:r>
+          </a:p>
+          <a:p>
+            <a:r>
+              <a:rPr lang="de-DE" dirty="0" smtClean="0"/>
+              <a:t>Einsatz der Programmiersprache C++ in der</a:t>
+            </a:r>
+            <a:br>
+              <a:rPr lang="de-DE" dirty="0" smtClean="0"/>
+            </a:br>
+            <a:r>
+              <a:rPr lang="de-DE" dirty="0" smtClean="0"/>
+              <a:t>Entwicklungsumgebung Code::Blocks</a:t>
+            </a:r>
+          </a:p>
+          <a:p>
+            <a:r>
+              <a:rPr lang="de-DE" dirty="0" smtClean="0"/>
+              <a:t>Gemeinsame Verwendung des Version </a:t>
+            </a:r>
+            <a:r>
+              <a:rPr lang="de-DE" dirty="0" err="1" smtClean="0"/>
+              <a:t>Control</a:t>
+            </a:r>
+            <a:r>
+              <a:rPr lang="de-DE" dirty="0" smtClean="0"/>
+              <a:t> </a:t>
+            </a:r>
+            <a:r>
+              <a:rPr lang="de-DE" dirty="0" smtClean="0"/>
+              <a:t>Systems </a:t>
+            </a:r>
+            <a:r>
+              <a:rPr lang="de-DE" dirty="0" err="1" smtClean="0"/>
+              <a:t>Git</a:t>
+            </a:r>
+            <a:endParaRPr lang="de-DE" dirty="0" smtClean="0"/>
+          </a:p>
+          <a:p>
+            <a:r>
+              <a:rPr lang="de-DE" dirty="0" smtClean="0"/>
+              <a:t>Automatische Dokumentation der Software mit </a:t>
+            </a:r>
+            <a:r>
+              <a:rPr lang="de-DE" dirty="0" err="1" smtClean="0"/>
+              <a:t>Doxygen</a:t>
+            </a:r>
+            <a:endParaRPr lang="de-DE" dirty="0" smtClean="0"/>
+          </a:p>
+          <a:p>
+            <a:r>
+              <a:rPr lang="de-DE" dirty="0" smtClean="0"/>
+              <a:t>Ziele</a:t>
+            </a:r>
+            <a:r>
               <a:rPr lang="de-DE" dirty="0"/>
-              <a:t>Allgemeine Fragen an Betreuer:</a:t>
-            </a:r>
-          </a:p>
-          <a:p>
-            <a:r>
-              <a:rPr lang="de-DE" dirty="0"/>
-              <a:t>Muss erläutert werden wie genau Sachen umgesetzt wurden funktioniert, </a:t>
-            </a:r>
-            <a:br>
-              <a:rPr lang="de-DE" dirty="0"/>
-            </a:br>
-            <a:r>
-              <a:rPr lang="de-DE" dirty="0"/>
-              <a:t>Stichpunkt: Modus 1 und 2 und Zurücksetzen des Counters</a:t>
-            </a:r>
-            <a:br>
-              <a:rPr lang="de-DE" dirty="0"/>
-            </a:br>
-            <a:r>
-              <a:rPr lang="de-DE" dirty="0"/>
-              <a:t>…</a:t>
-            </a:r>
-          </a:p>
-          <a:p>
-            <a:endParaRPr lang="de-DE" dirty="0"/>
-          </a:p>
-          <a:p>
-            <a:r>
-              <a:rPr lang="de-DE" dirty="0"/>
-              <a:t>Konzeptentwicklung in UML</a:t>
-            </a:r>
-          </a:p>
-          <a:p>
-            <a:pPr lvl="1"/>
-            <a:r>
-              <a:rPr lang="de-DE" dirty="0"/>
-              <a:t>Arbeitsaufteilung nach Klassen</a:t>
-            </a:r>
-          </a:p>
-          <a:p>
-            <a:pPr lvl="1"/>
-            <a:endParaRPr lang="de-DE" dirty="0"/>
-          </a:p>
-          <a:p>
-            <a:r>
-              <a:rPr lang="de-DE" dirty="0"/>
-              <a:t>Dokumentation</a:t>
-            </a:r>
-          </a:p>
-          <a:p>
-            <a:endParaRPr lang="de-DE" dirty="0"/>
-          </a:p>
-          <a:p>
-            <a:r>
-              <a:rPr lang="de-DE" dirty="0"/>
-              <a:t>Ziele: Einfacher, verständlicher Code</a:t>
-            </a:r>
-          </a:p>
-          <a:p>
-            <a:pPr lvl="1"/>
-            <a:r>
-              <a:rPr lang="de-DE" dirty="0"/>
-              <a:t>Einzelne Funktionen übernehmen nur eine kleine Aufgabe</a:t>
-            </a:r>
-          </a:p>
-        </p:txBody>
-      </p:sp>
+              <a:t>: Einfacher, verständlicher </a:t>
+            </a:r>
+            <a:r>
+              <a:rPr lang="de-DE" dirty="0" smtClean="0"/>
+              <a:t>Code</a:t>
+            </a:r>
+          </a:p>
+        </p:txBody>
+      </p:sp>
+      <p:pic>
+        <p:nvPicPr>
+          <p:cNvPr id="8" name="Grafik 7" descr="StarUML_logo.png"/>
+          <p:cNvPicPr>
+            <a:picLocks noChangeAspect="1"/>
+          </p:cNvPicPr>
+          <p:nvPr/>
+        </p:nvPicPr>
+        <p:blipFill>
+          <a:blip r:embed="rId2"/>
+          <a:stretch>
+            <a:fillRect/>
+          </a:stretch>
+        </p:blipFill>
+        <p:spPr>
+          <a:xfrm>
+            <a:off x="722313" y="4848550"/>
+            <a:ext cx="800877" cy="762434"/>
+          </a:xfrm>
+          <a:prstGeom prst="rect">
+            <a:avLst/>
+          </a:prstGeom>
+        </p:spPr>
+      </p:pic>
+      <p:pic>
+        <p:nvPicPr>
+          <p:cNvPr id="9" name="Grafik 8" descr="git_logo.png"/>
+          <p:cNvPicPr>
+            <a:picLocks noChangeAspect="1"/>
+          </p:cNvPicPr>
+          <p:nvPr/>
+        </p:nvPicPr>
+        <p:blipFill>
+          <a:blip r:embed="rId3"/>
+          <a:stretch>
+            <a:fillRect/>
+          </a:stretch>
+        </p:blipFill>
+        <p:spPr>
+          <a:xfrm>
+            <a:off x="3417954" y="4963365"/>
+            <a:ext cx="1584176" cy="662474"/>
+          </a:xfrm>
+          <a:prstGeom prst="rect">
+            <a:avLst/>
+          </a:prstGeom>
+        </p:spPr>
+      </p:pic>
+      <p:pic>
+        <p:nvPicPr>
+          <p:cNvPr id="10" name="Grafik 9" descr="doxygen_logo.png"/>
+          <p:cNvPicPr>
+            <a:picLocks noChangeAspect="1"/>
+          </p:cNvPicPr>
+          <p:nvPr/>
+        </p:nvPicPr>
+        <p:blipFill>
+          <a:blip r:embed="rId4"/>
+          <a:stretch>
+            <a:fillRect/>
+          </a:stretch>
+        </p:blipFill>
+        <p:spPr>
+          <a:xfrm>
+            <a:off x="5293307" y="4963365"/>
+            <a:ext cx="3314286" cy="647619"/>
+          </a:xfrm>
+          <a:prstGeom prst="rect">
+            <a:avLst/>
+          </a:prstGeom>
+        </p:spPr>
+      </p:pic>
+      <p:pic>
+        <p:nvPicPr>
+          <p:cNvPr id="11" name="Grafik 10" descr="Codeblocks_logo.png"/>
+          <p:cNvPicPr>
+            <a:picLocks noChangeAspect="1"/>
+          </p:cNvPicPr>
+          <p:nvPr/>
+        </p:nvPicPr>
+        <p:blipFill>
+          <a:blip r:embed="rId5"/>
+          <a:stretch>
+            <a:fillRect/>
+          </a:stretch>
+        </p:blipFill>
+        <p:spPr>
+          <a:xfrm>
+            <a:off x="2123728" y="4848550"/>
+            <a:ext cx="812698" cy="812698"/>
+          </a:xfrm>
+          <a:prstGeom prst="rect">
+            <a:avLst/>
+          </a:prstGeom>
+        </p:spPr>
+      </p:pic>
     </p:spTree>
     <p:extLst>
       <p:ext uri="{BB962C8B-B14F-4D97-AF65-F5344CB8AC3E}">
-        <p14:creationId xmlns:p14="http://schemas.microsoft.com/office/powerpoint/2010/main" val="4221714953"/>
+        <p14:creationId xmlns:p14="http://schemas.microsoft.com/office/powerpoint/2010/main" xmlns="" val="4221714953"/>
       </p:ext>
     </p:extLst>
   </p:cSld>
@@ -8446,15 +8703,16 @@
           <a:lstStyle/>
           <a:p>
             <a:r>
-              <a:rPr lang="de-DE" dirty="0"/>
-              <a:t>Features</a:t>
-            </a:r>
-          </a:p>
-        </p:txBody>
-      </p:sp>
-      <p:sp>
-        <p:nvSpPr>
-          <p:cNvPr id="3" name="Inhaltsplatzhalter 2"/>
+              <a:rPr lang="de-DE" dirty="0" smtClean="0"/>
+              <a:t>Features der Software</a:t>
+            </a:r>
+            <a:endParaRPr lang="de-DE" dirty="0"/>
+          </a:p>
+        </p:txBody>
+      </p:sp>
+      <p:sp>
+        <p:nvSpPr>
+          <p:cNvPr id="7" name="Inhaltsplatzhalter 6"/>
           <p:cNvSpPr>
             <a:spLocks noGrp="1"/>
           </p:cNvSpPr>
@@ -8464,7 +8722,7 @@
         </p:nvSpPr>
         <p:spPr>
           <a:xfrm>
-            <a:off x="738202" y="1401763"/>
+            <a:off x="738197" y="1401763"/>
             <a:ext cx="7342187" cy="2893100"/>
           </a:xfrm>
         </p:spPr>
@@ -8472,57 +8730,103 @@
           <a:bodyPr/>
           <a:lstStyle/>
           <a:p>
-            <a:r>
-              <a:rPr lang="de-DE" dirty="0"/>
+            <a:pPr lvl="0"/>
+            <a:r>
+              <a:rPr lang="de-DE" dirty="0" smtClean="0">
+                <a:cs typeface="Calibri" pitchFamily="34" charset="0"/>
+              </a:rPr>
               <a:t>Intelligent: Abarbeitung der Aufrufe nach Fahrtrichtung</a:t>
             </a:r>
           </a:p>
           <a:p>
-            <a:r>
-              <a:rPr lang="de-DE" dirty="0"/>
+            <a:pPr lvl="0"/>
+            <a:r>
+              <a:rPr lang="de-DE" dirty="0" smtClean="0">
+                <a:cs typeface="Calibri" pitchFamily="34" charset="0"/>
+              </a:rPr>
               <a:t>Komfortabel: sanftes Anfahren und Abbremsen</a:t>
             </a:r>
           </a:p>
           <a:p>
-            <a:r>
-              <a:rPr lang="de-DE" dirty="0"/>
+            <a:pPr lvl="0"/>
+            <a:r>
+              <a:rPr lang="de-DE" dirty="0" smtClean="0">
+                <a:cs typeface="Calibri" pitchFamily="34" charset="0"/>
+              </a:rPr>
               <a:t>Anpassbar: Einfache Erweiterung mit weiteren Etagen</a:t>
             </a:r>
           </a:p>
           <a:p>
-            <a:r>
-              <a:rPr lang="de-DE" dirty="0"/>
+            <a:pPr lvl="0"/>
+            <a:r>
+              <a:rPr lang="de-DE" dirty="0" smtClean="0">
+                <a:cs typeface="Calibri" pitchFamily="34" charset="0"/>
+              </a:rPr>
               <a:t>Sicher: Überwachung der Türen </a:t>
             </a:r>
           </a:p>
           <a:p>
-            <a:r>
-              <a:rPr lang="de-DE" dirty="0"/>
+            <a:pPr lvl="0"/>
+            <a:r>
+              <a:rPr lang="de-DE" dirty="0" smtClean="0">
+                <a:cs typeface="Calibri" pitchFamily="34" charset="0"/>
+              </a:rPr>
               <a:t>Ausfallgesichert: Starten aus jeder Position möglich</a:t>
             </a:r>
           </a:p>
           <a:p>
-            <a:r>
-              <a:rPr lang="de-DE" dirty="0"/>
-              <a:t>Fehlerfrei: keine Fehlfunktionen </a:t>
-            </a:r>
-          </a:p>
-          <a:p>
-            <a:r>
-              <a:rPr lang="de-DE" dirty="0"/>
-              <a:t>Dokumentation: Dokumentierung mittels </a:t>
-            </a:r>
-            <a:r>
-              <a:rPr lang="de-DE" dirty="0" err="1"/>
-              <a:t>DoxDingens</a:t>
-            </a:r>
+            <a:pPr lvl="0"/>
+            <a:r>
+              <a:rPr lang="de-DE" dirty="0" smtClean="0">
+                <a:cs typeface="Calibri" pitchFamily="34" charset="0"/>
+              </a:rPr>
+              <a:t>Fehlerfrei: keine Fehlfunktionen</a:t>
+            </a:r>
+          </a:p>
+          <a:p>
+            <a:pPr lvl="0"/>
+            <a:r>
+              <a:rPr lang="de-DE" dirty="0" smtClean="0">
+                <a:cs typeface="Calibri" pitchFamily="34" charset="0"/>
+              </a:rPr>
+              <a:t>Clean: </a:t>
+            </a:r>
+            <a:r>
+              <a:rPr lang="de-DE" dirty="0" smtClean="0">
+                <a:cs typeface="Calibri" pitchFamily="34" charset="0"/>
+              </a:rPr>
+              <a:t>Verwendung </a:t>
+            </a:r>
+            <a:r>
+              <a:rPr lang="de-DE" dirty="0" smtClean="0">
+                <a:cs typeface="Calibri" pitchFamily="34" charset="0"/>
+              </a:rPr>
+              <a:t>sprechender </a:t>
+            </a:r>
+            <a:r>
+              <a:rPr lang="de-DE" dirty="0" smtClean="0">
+                <a:cs typeface="Calibri" pitchFamily="34" charset="0"/>
+              </a:rPr>
+              <a:t>Methoden- </a:t>
+            </a:r>
+            <a:r>
+              <a:rPr lang="de-DE" dirty="0" smtClean="0">
+                <a:cs typeface="Calibri" pitchFamily="34" charset="0"/>
+              </a:rPr>
+              <a:t>und </a:t>
+            </a:r>
+            <a:r>
+              <a:rPr lang="de-DE" dirty="0" smtClean="0">
+                <a:cs typeface="Calibri" pitchFamily="34" charset="0"/>
+              </a:rPr>
+              <a:t>Variablennamen</a:t>
+            </a:r>
+            <a:endParaRPr lang="de-DE" dirty="0" smtClean="0">
+              <a:cs typeface="Calibri" pitchFamily="34" charset="0"/>
+            </a:endParaRPr>
+          </a:p>
+          <a:p>
             <a:endParaRPr lang="de-DE" dirty="0"/>
-          </a:p>
-          <a:p>
-            <a:r>
-              <a:rPr lang="de-DE" dirty="0"/>
-              <a:t>Clean: …</a:t>
-            </a:r>
           </a:p>
         </p:txBody>
       </p:sp>
@@ -8558,7 +8862,7 @@
     </p:spTree>
     <p:extLst>
       <p:ext uri="{BB962C8B-B14F-4D97-AF65-F5344CB8AC3E}">
-        <p14:creationId xmlns:p14="http://schemas.microsoft.com/office/powerpoint/2010/main" val="1893387264"/>
+        <p14:creationId xmlns:p14="http://schemas.microsoft.com/office/powerpoint/2010/main" xmlns="" val="1893387264"/>
       </p:ext>
     </p:extLst>
   </p:cSld>
@@ -8676,7 +8980,7 @@
         </p:nvSpPr>
         <p:spPr>
           <a:xfrm>
-            <a:off x="738202" y="1401763"/>
+            <a:off x="738204" y="1401763"/>
             <a:ext cx="7342187" cy="4462760"/>
           </a:xfrm>
         </p:spPr>
@@ -8700,7 +9004,7 @@
               <a:defRPr/>
             </a:pPr>
             <a:r>
-              <a:rPr lang="de-DE" dirty="0">
+              <a:rPr lang="de-DE" dirty="0" smtClean="0">
                 <a:solidFill>
                   <a:schemeClr val="accent4">
                     <a:lumMod val="65000"/>
@@ -8708,7 +9012,7 @@
                   </a:schemeClr>
                 </a:solidFill>
               </a:rPr>
-              <a:t>Einleitung</a:t>
+              <a:t>Vorgehensweise und Features</a:t>
             </a:r>
           </a:p>
           <a:p>
@@ -8728,6 +9032,17 @@
               <a:defRPr/>
             </a:pPr>
             <a:r>
+              <a:rPr lang="de-DE" b="1" dirty="0" smtClean="0">
+                <a:solidFill>
+                  <a:schemeClr val="accent4">
+                    <a:lumMod val="65000"/>
+                    <a:lumOff val="35000"/>
+                  </a:schemeClr>
+                </a:solidFill>
+              </a:rPr>
+              <a:t>Klassenübersicht </a:t>
+            </a:r>
+            <a:r>
               <a:rPr lang="de-DE" b="1" dirty="0">
                 <a:solidFill>
                   <a:schemeClr val="accent4">
@@ -8736,7 +9051,7 @@
                   </a:schemeClr>
                 </a:solidFill>
               </a:rPr>
-              <a:t>Klassenübersicht &amp; </a:t>
+              <a:t>&amp; </a:t>
             </a:r>
             <a:r>
               <a:rPr lang="de-DE" b="1" dirty="0" err="1">
@@ -8967,7 +9282,7 @@
         </p:nvSpPr>
         <p:spPr>
           <a:xfrm>
-            <a:off x="8582542" y="1253603"/>
+            <a:off x="8582542" y="1253605"/>
             <a:ext cx="309938" cy="307777"/>
           </a:xfrm>
           <a:prstGeom prst="rect">
@@ -8996,7 +9311,7 @@
     </p:spTree>
     <p:extLst>
       <p:ext uri="{BB962C8B-B14F-4D97-AF65-F5344CB8AC3E}">
-        <p14:creationId xmlns:p14="http://schemas.microsoft.com/office/powerpoint/2010/main" val="3395949267"/>
+        <p14:creationId xmlns:p14="http://schemas.microsoft.com/office/powerpoint/2010/main" xmlns="" val="3395949267"/>
       </p:ext>
     </p:extLst>
   </p:cSld>
@@ -9137,7 +9452,7 @@
         </p:nvSpPr>
         <p:spPr>
           <a:xfrm>
-            <a:off x="8582542" y="1253603"/>
+            <a:off x="8582542" y="1253605"/>
             <a:ext cx="309938" cy="307777"/>
           </a:xfrm>
           <a:prstGeom prst="rect">
@@ -9179,7 +9494,7 @@
         </p:blipFill>
         <p:spPr>
           <a:xfrm>
-            <a:off x="2042413" y="1318872"/>
+            <a:off x="2042415" y="1318872"/>
             <a:ext cx="5059201" cy="4558400"/>
           </a:xfrm>
           <a:prstGeom prst="rect">
@@ -9190,7 +9505,7 @@
     </p:spTree>
     <p:extLst>
       <p:ext uri="{BB962C8B-B14F-4D97-AF65-F5344CB8AC3E}">
-        <p14:creationId xmlns:p14="http://schemas.microsoft.com/office/powerpoint/2010/main" val="3427100782"/>
+        <p14:creationId xmlns:p14="http://schemas.microsoft.com/office/powerpoint/2010/main" xmlns="" val="3427100782"/>
       </p:ext>
     </p:extLst>
   </p:cSld>
@@ -9323,7 +9638,7 @@
         </p:nvSpPr>
         <p:spPr>
           <a:xfrm>
-            <a:off x="8582542" y="1253603"/>
+            <a:off x="8582542" y="1253605"/>
             <a:ext cx="309938" cy="307777"/>
           </a:xfrm>
           <a:prstGeom prst="rect">
@@ -9376,7 +9691,7 @@
     </p:spTree>
     <p:extLst>
       <p:ext uri="{BB962C8B-B14F-4D97-AF65-F5344CB8AC3E}">
-        <p14:creationId xmlns:p14="http://schemas.microsoft.com/office/powerpoint/2010/main" val="1036794897"/>
+        <p14:creationId xmlns:p14="http://schemas.microsoft.com/office/powerpoint/2010/main" xmlns="" val="1036794897"/>
       </p:ext>
     </p:extLst>
   </p:cSld>
@@ -9437,7 +9752,7 @@
         </p:nvSpPr>
         <p:spPr>
           <a:xfrm>
-            <a:off x="738202" y="1401777"/>
+            <a:off x="738204" y="1401778"/>
             <a:ext cx="7342187" cy="4247317"/>
           </a:xfrm>
         </p:spPr>
@@ -9588,7 +9903,7 @@
     </p:spTree>
     <p:extLst>
       <p:ext uri="{BB962C8B-B14F-4D97-AF65-F5344CB8AC3E}">
-        <p14:creationId xmlns:p14="http://schemas.microsoft.com/office/powerpoint/2010/main" val="3266891189"/>
+        <p14:creationId xmlns:p14="http://schemas.microsoft.com/office/powerpoint/2010/main" xmlns="" val="3266891189"/>
       </p:ext>
     </p:extLst>
   </p:cSld>
@@ -9650,7 +9965,7 @@
         </p:nvSpPr>
         <p:spPr>
           <a:xfrm>
-            <a:off x="738202" y="1401763"/>
+            <a:off x="738204" y="1401763"/>
             <a:ext cx="7342187" cy="677108"/>
           </a:xfrm>
         </p:spPr>
@@ -9703,7 +10018,7 @@
     </p:spTree>
     <p:extLst>
       <p:ext uri="{BB962C8B-B14F-4D97-AF65-F5344CB8AC3E}">
-        <p14:creationId xmlns:p14="http://schemas.microsoft.com/office/powerpoint/2010/main" val="3823722845"/>
+        <p14:creationId xmlns:p14="http://schemas.microsoft.com/office/powerpoint/2010/main" xmlns="" val="3823722845"/>
       </p:ext>
     </p:extLst>
   </p:cSld>

--- a/Präsentation.pptx
+++ b/Präsentation.pptx
@@ -3514,27 +3514,6 @@
           </a:p>
         </p:txBody>
       </p:sp>
-      <p:pic>
-        <p:nvPicPr>
-          <p:cNvPr id="18" name="Grafik 17"/>
-          <p:cNvPicPr/>
-          <p:nvPr userDrawn="1"/>
-        </p:nvPicPr>
-        <p:blipFill rotWithShape="1">
-          <a:blip r:embed="rId12"/>
-          <a:srcRect b="21693"/>
-          <a:stretch/>
-        </p:blipFill>
-        <p:spPr>
-          <a:xfrm>
-            <a:off x="7729374" y="116647"/>
-            <a:ext cx="875083" cy="315789"/>
-          </a:xfrm>
-          <a:prstGeom prst="rect">
-            <a:avLst/>
-          </a:prstGeom>
-        </p:spPr>
-      </p:pic>
       <p:sp>
         <p:nvSpPr>
           <p:cNvPr id="19" name="Text Box 57"/>
@@ -3772,6 +3751,28 @@
           </a:p>
         </p:txBody>
       </p:sp>
+      <p:pic>
+        <p:nvPicPr>
+          <p:cNvPr id="25" name="Grafik 24"/>
+          <p:cNvPicPr/>
+          <p:nvPr userDrawn="1"/>
+        </p:nvPicPr>
+        <p:blipFill>
+          <a:blip r:embed="rId12"/>
+          <a:stretch>
+            <a:fillRect/>
+          </a:stretch>
+        </p:blipFill>
+        <p:spPr>
+          <a:xfrm>
+            <a:off x="7884368" y="44624"/>
+            <a:ext cx="682353" cy="390811"/>
+          </a:xfrm>
+          <a:prstGeom prst="rect">
+            <a:avLst/>
+          </a:prstGeom>
+        </p:spPr>
+      </p:pic>
     </p:spTree>
   </p:cSld>
   <p:clrMap bg1="lt1" tx1="dk1" bg2="lt2" tx2="dk2" accent1="accent1" accent2="accent2" accent3="accent3" accent4="accent4" accent5="accent5" accent6="accent6" hlink="hlink" folHlink="folHlink"/>
@@ -4371,7 +4372,7 @@
         <p:spPr>
           <a:xfrm>
             <a:off x="457216" y="3933056"/>
-            <a:ext cx="8229599" cy="849720"/>
+            <a:ext cx="8229599" cy="816506"/>
           </a:xfrm>
           <a:prstGeom prst="rect">
             <a:avLst/>
@@ -4392,7 +4393,7 @@
               </a:spcAft>
             </a:pPr>
             <a:r>
-              <a:rPr lang="de-DE" sz="2300" dirty="0">
+              <a:rPr lang="de-DE" sz="2200" dirty="0">
                 <a:solidFill>
                   <a:schemeClr val="bg1"/>
                 </a:solidFill>
@@ -4400,10 +4401,43 @@
                 <a:ea typeface="Calibri" panose="020F0502020204030204" pitchFamily="34" charset="0"/>
                 <a:cs typeface="Times New Roman" panose="02020603050405020304" pitchFamily="18" charset="0"/>
               </a:rPr>
-              <a:t>Entwicklung und Umsetzung eines Aufzugsmodell mittels C++</a:t>
+              <a:t>Entwicklung und </a:t>
+            </a:r>
+            <a:r>
+              <a:rPr lang="de-DE" sz="2200" dirty="0" smtClean="0">
+                <a:solidFill>
+                  <a:schemeClr val="bg1"/>
+                </a:solidFill>
+                <a:latin typeface="Calibri" panose="020F0502020204030204" pitchFamily="34" charset="0"/>
+                <a:ea typeface="Calibri" panose="020F0502020204030204" pitchFamily="34" charset="0"/>
+                <a:cs typeface="Times New Roman" panose="02020603050405020304" pitchFamily="18" charset="0"/>
+              </a:rPr>
+              <a:t>Implementierung </a:t>
+            </a:r>
+            <a:r>
+              <a:rPr lang="de-DE" sz="2200" dirty="0" smtClean="0">
+                <a:solidFill>
+                  <a:schemeClr val="bg1"/>
+                </a:solidFill>
+                <a:latin typeface="Calibri" panose="020F0502020204030204" pitchFamily="34" charset="0"/>
+                <a:ea typeface="Calibri" panose="020F0502020204030204" pitchFamily="34" charset="0"/>
+                <a:cs typeface="Times New Roman" panose="02020603050405020304" pitchFamily="18" charset="0"/>
+              </a:rPr>
+              <a:t>einer Aufzugssteuerung </a:t>
+            </a:r>
+            <a:r>
+              <a:rPr lang="de-DE" sz="2200" dirty="0">
+                <a:solidFill>
+                  <a:schemeClr val="bg1"/>
+                </a:solidFill>
+                <a:latin typeface="Calibri" panose="020F0502020204030204" pitchFamily="34" charset="0"/>
+                <a:ea typeface="Calibri" panose="020F0502020204030204" pitchFamily="34" charset="0"/>
+                <a:cs typeface="Times New Roman" panose="02020603050405020304" pitchFamily="18" charset="0"/>
+              </a:rPr>
+              <a:t>mittels C++</a:t>
             </a:r>
             <a:br>
-              <a:rPr lang="de-DE" sz="2300" dirty="0">
+              <a:rPr lang="de-DE" sz="2200" dirty="0">
                 <a:solidFill>
                   <a:schemeClr val="bg1"/>
                 </a:solidFill>
@@ -4413,7 +4447,7 @@
               </a:rPr>
             </a:br>
             <a:r>
-              <a:rPr lang="de-DE" sz="2300" dirty="0">
+              <a:rPr lang="de-DE" sz="2200" dirty="0">
                 <a:solidFill>
                   <a:schemeClr val="bg1"/>
                 </a:solidFill>
@@ -4720,6 +4754,13 @@
   <p:clrMapOvr>
     <a:masterClrMapping/>
   </p:clrMapOvr>
+  <p:timing>
+    <p:tnLst>
+      <p:par>
+        <p:cTn id="1" dur="indefinite" restart="never" nodeType="tmRoot"/>
+      </p:par>
+    </p:tnLst>
+  </p:timing>
 </p:sld>
 </file>
 
@@ -4933,6 +4974,13 @@
   <p:clrMapOvr>
     <a:masterClrMapping/>
   </p:clrMapOvr>
+  <p:timing>
+    <p:tnLst>
+      <p:par>
+        <p:cTn id="1" dur="indefinite" restart="never" nodeType="tmRoot"/>
+      </p:par>
+    </p:tnLst>
+  </p:timing>
 </p:sld>
 </file>
 
@@ -5633,6 +5681,13 @@
   <p:clrMapOvr>
     <a:masterClrMapping/>
   </p:clrMapOvr>
+  <p:timing>
+    <p:tnLst>
+      <p:par>
+        <p:cTn id="1" dur="indefinite" restart="never" nodeType="tmRoot"/>
+      </p:par>
+    </p:tnLst>
+  </p:timing>
 </p:sld>
 </file>
 
@@ -5875,6 +5930,13 @@
   <p:clrMapOvr>
     <a:masterClrMapping/>
   </p:clrMapOvr>
+  <p:timing>
+    <p:tnLst>
+      <p:par>
+        <p:cTn id="1" dur="indefinite" restart="never" nodeType="tmRoot"/>
+      </p:par>
+    </p:tnLst>
+  </p:timing>
 </p:sld>
 </file>
 
@@ -6066,6 +6128,13 @@
   <p:clrMapOvr>
     <a:masterClrMapping/>
   </p:clrMapOvr>
+  <p:timing>
+    <p:tnLst>
+      <p:par>
+        <p:cTn id="1" dur="indefinite" restart="never" nodeType="tmRoot"/>
+      </p:par>
+    </p:tnLst>
+  </p:timing>
 </p:sld>
 </file>
 
@@ -6257,6 +6326,13 @@
   <p:clrMapOvr>
     <a:masterClrMapping/>
   </p:clrMapOvr>
+  <p:timing>
+    <p:tnLst>
+      <p:par>
+        <p:cTn id="1" dur="indefinite" restart="never" nodeType="tmRoot"/>
+      </p:par>
+    </p:tnLst>
+  </p:timing>
 </p:sld>
 </file>
 
@@ -6659,6 +6735,13 @@
   <p:clrMapOvr>
     <a:masterClrMapping/>
   </p:clrMapOvr>
+  <p:timing>
+    <p:tnLst>
+      <p:par>
+        <p:cTn id="1" dur="indefinite" restart="never" nodeType="tmRoot"/>
+      </p:par>
+    </p:tnLst>
+  </p:timing>
 </p:sld>
 </file>
 
@@ -6802,7 +6885,7 @@
                   </a:schemeClr>
                 </a:solidFill>
               </a:rPr>
-              <a:t>Vorgehensweise und Features</a:t>
+              <a:t>Vorgehensweise &amp; Features</a:t>
             </a:r>
             <a:endParaRPr lang="de-DE" b="1" dirty="0">
               <a:solidFill>
@@ -7256,18 +7339,7 @@
                   </a:schemeClr>
                 </a:solidFill>
               </a:rPr>
-              <a:t>Vorgehensweise und </a:t>
-            </a:r>
-            <a:r>
-              <a:rPr lang="de-DE" dirty="0" smtClean="0">
-                <a:solidFill>
-                  <a:schemeClr val="accent4">
-                    <a:lumMod val="65000"/>
-                    <a:lumOff val="35000"/>
-                  </a:schemeClr>
-                </a:solidFill>
-              </a:rPr>
-              <a:t>Features</a:t>
+              <a:t>Vorgehensweise &amp; Features</a:t>
             </a:r>
             <a:endParaRPr lang="de-DE" dirty="0">
               <a:solidFill>
@@ -7573,6 +7645,13 @@
   <p:clrMapOvr>
     <a:masterClrMapping/>
   </p:clrMapOvr>
+  <p:timing>
+    <p:tnLst>
+      <p:par>
+        <p:cTn id="1" dur="indefinite" restart="never" nodeType="tmRoot"/>
+      </p:par>
+    </p:tnLst>
+  </p:timing>
 </p:sld>
 </file>
 
@@ -7819,6 +7898,13 @@
   <p:clrMapOvr>
     <a:masterClrMapping/>
   </p:clrMapOvr>
+  <p:timing>
+    <p:tnLst>
+      <p:par>
+        <p:cTn id="1" dur="indefinite" restart="never" nodeType="tmRoot"/>
+      </p:par>
+    </p:tnLst>
+  </p:timing>
 </p:sld>
 </file>
 
@@ -8224,8 +8310,8 @@
         </p:nvSpPr>
         <p:spPr>
           <a:xfrm>
-            <a:off x="457216" y="3933056"/>
-            <a:ext cx="8229599" cy="471026"/>
+            <a:off x="457216" y="4142546"/>
+            <a:ext cx="8229599" cy="438582"/>
           </a:xfrm>
           <a:prstGeom prst="rect">
             <a:avLst/>
@@ -8246,7 +8332,7 @@
               </a:spcAft>
             </a:pPr>
             <a:r>
-              <a:rPr lang="de-DE" sz="2300" dirty="0">
+              <a:rPr lang="de-DE" sz="2200" dirty="0">
                 <a:solidFill>
                   <a:schemeClr val="bg1"/>
                 </a:solidFill>
@@ -8254,7 +8340,29 @@
                 <a:ea typeface="Calibri" panose="020F0502020204030204" pitchFamily="34" charset="0"/>
                 <a:cs typeface="Times New Roman" panose="02020603050405020304" pitchFamily="18" charset="0"/>
               </a:rPr>
-              <a:t>Entwicklung und Umsetzung eines Aufzugsmodell mittels C++</a:t>
+              <a:t>Entwicklung und </a:t>
+            </a:r>
+            <a:r>
+              <a:rPr lang="de-DE" sz="2200" dirty="0" smtClean="0">
+                <a:solidFill>
+                  <a:schemeClr val="bg1"/>
+                </a:solidFill>
+                <a:latin typeface="Calibri" panose="020F0502020204030204" pitchFamily="34" charset="0"/>
+                <a:ea typeface="Calibri" panose="020F0502020204030204" pitchFamily="34" charset="0"/>
+                <a:cs typeface="Times New Roman" panose="02020603050405020304" pitchFamily="18" charset="0"/>
+              </a:rPr>
+              <a:t>Implementierung einer Aufzugsteuerung </a:t>
+            </a:r>
+            <a:r>
+              <a:rPr lang="de-DE" sz="2200" dirty="0">
+                <a:solidFill>
+                  <a:schemeClr val="bg1"/>
+                </a:solidFill>
+                <a:latin typeface="Calibri" panose="020F0502020204030204" pitchFamily="34" charset="0"/>
+                <a:ea typeface="Calibri" panose="020F0502020204030204" pitchFamily="34" charset="0"/>
+                <a:cs typeface="Times New Roman" panose="02020603050405020304" pitchFamily="18" charset="0"/>
+              </a:rPr>
+              <a:t>mittels C++</a:t>
             </a:r>
           </a:p>
         </p:txBody>
@@ -8464,32 +8572,15 @@
           <a:p>
             <a:r>
               <a:rPr lang="de-DE" dirty="0" smtClean="0"/>
-              <a:t>Konzeptentwicklung in </a:t>
-            </a:r>
+              <a:t>Konzeptentwicklung in UML</a:t>
+            </a:r>
+          </a:p>
+          <a:p>
+            <a:pPr lvl="1"/>
             <a:r>
               <a:rPr lang="de-DE" dirty="0" smtClean="0"/>
-              <a:t>UML</a:t>
-            </a:r>
-          </a:p>
-          <a:p>
-            <a:pPr lvl="1"/>
-            <a:r>
-              <a:rPr lang="de-DE" dirty="0" smtClean="0"/>
-              <a:t>Arbeitsaufteilung nach </a:t>
-            </a:r>
-            <a:r>
-              <a:rPr lang="de-DE" dirty="0" smtClean="0"/>
-              <a:t>Klassen und </a:t>
-            </a:r>
-            <a:r>
-              <a:rPr lang="de-DE" dirty="0" smtClean="0"/>
-              <a:t>Festlegen der </a:t>
-            </a:r>
-            <a:r>
-              <a:rPr lang="de-DE" dirty="0" smtClean="0"/>
-              <a:t>Schnittstellen</a:t>
-            </a:r>
-            <a:endParaRPr lang="de-DE" dirty="0" smtClean="0"/>
+              <a:t>Arbeitsaufteilung nach Klassen und Festlegen der Schnittstellen</a:t>
+            </a:r>
           </a:p>
           <a:p>
             <a:pPr lvl="1"/>
@@ -8522,11 +8613,7 @@
             </a:r>
             <a:r>
               <a:rPr lang="de-DE" dirty="0" smtClean="0"/>
-              <a:t> </a:t>
-            </a:r>
-            <a:r>
-              <a:rPr lang="de-DE" dirty="0" smtClean="0"/>
-              <a:t>Systems </a:t>
+              <a:t> Systems </a:t>
             </a:r>
             <a:r>
               <a:rPr lang="de-DE" dirty="0" err="1" smtClean="0"/>
@@ -8789,41 +8876,8 @@
               <a:rPr lang="de-DE" dirty="0" smtClean="0">
                 <a:cs typeface="Calibri" pitchFamily="34" charset="0"/>
               </a:rPr>
-              <a:t>Clean: </a:t>
-            </a:r>
-            <a:r>
-              <a:rPr lang="de-DE" dirty="0" smtClean="0">
-                <a:cs typeface="Calibri" pitchFamily="34" charset="0"/>
-              </a:rPr>
-              <a:t>Verwendung </a:t>
-            </a:r>
-            <a:r>
-              <a:rPr lang="de-DE" dirty="0" smtClean="0">
-                <a:cs typeface="Calibri" pitchFamily="34" charset="0"/>
-              </a:rPr>
-              <a:t>sprechender </a:t>
-            </a:r>
-            <a:r>
-              <a:rPr lang="de-DE" dirty="0" smtClean="0">
-                <a:cs typeface="Calibri" pitchFamily="34" charset="0"/>
-              </a:rPr>
-              <a:t>Methoden- </a:t>
-            </a:r>
-            <a:r>
-              <a:rPr lang="de-DE" dirty="0" smtClean="0">
-                <a:cs typeface="Calibri" pitchFamily="34" charset="0"/>
-              </a:rPr>
-              <a:t>und </a:t>
-            </a:r>
-            <a:r>
-              <a:rPr lang="de-DE" dirty="0" smtClean="0">
-                <a:cs typeface="Calibri" pitchFamily="34" charset="0"/>
-              </a:rPr>
-              <a:t>Variablennamen</a:t>
-            </a:r>
-            <a:endParaRPr lang="de-DE" dirty="0" smtClean="0">
-              <a:cs typeface="Calibri" pitchFamily="34" charset="0"/>
-            </a:endParaRPr>
+              <a:t>Clean: Verwendung sprechender Methoden- und Variablennamen</a:t>
+            </a:r>
           </a:p>
           <a:p>
             <a:endParaRPr lang="de-DE" dirty="0"/>
@@ -8869,6 +8923,13 @@
   <p:clrMapOvr>
     <a:masterClrMapping/>
   </p:clrMapOvr>
+  <p:timing>
+    <p:tnLst>
+      <p:par>
+        <p:cTn id="1" dur="indefinite" restart="never" nodeType="tmRoot"/>
+      </p:par>
+    </p:tnLst>
+  </p:timing>
 </p:sld>
 </file>
 
@@ -9012,7 +9073,7 @@
                   </a:schemeClr>
                 </a:solidFill>
               </a:rPr>
-              <a:t>Vorgehensweise und Features</a:t>
+              <a:t>Vorgehensweise &amp; Features</a:t>
             </a:r>
           </a:p>
           <a:p>
@@ -9040,21 +9101,10 @@
                   </a:schemeClr>
                 </a:solidFill>
               </a:rPr>
-              <a:t>Klassenübersicht </a:t>
-            </a:r>
-            <a:r>
-              <a:rPr lang="de-DE" b="1" dirty="0">
-                <a:solidFill>
-                  <a:schemeClr val="accent4">
-                    <a:lumMod val="65000"/>
-                    <a:lumOff val="35000"/>
-                  </a:schemeClr>
-                </a:solidFill>
-              </a:rPr>
-              <a:t>&amp; </a:t>
-            </a:r>
-            <a:r>
-              <a:rPr lang="de-DE" b="1" dirty="0" err="1">
+              <a:t>Klassenübersicht &amp; </a:t>
+            </a:r>
+            <a:r>
+              <a:rPr lang="de-DE" b="1" dirty="0" err="1" smtClean="0">
                 <a:solidFill>
                   <a:schemeClr val="accent4">
                     <a:lumMod val="65000"/>
@@ -9318,6 +9368,13 @@
   <p:clrMapOvr>
     <a:masterClrMapping/>
   </p:clrMapOvr>
+  <p:timing>
+    <p:tnLst>
+      <p:par>
+        <p:cTn id="1" dur="indefinite" restart="never" nodeType="tmRoot"/>
+      </p:par>
+    </p:tnLst>
+  </p:timing>
 </p:sld>
 </file>
 
@@ -9512,6 +9569,13 @@
   <p:clrMapOvr>
     <a:masterClrMapping/>
   </p:clrMapOvr>
+  <p:timing>
+    <p:tnLst>
+      <p:par>
+        <p:cTn id="1" dur="indefinite" restart="never" nodeType="tmRoot"/>
+      </p:par>
+    </p:tnLst>
+  </p:timing>
 </p:sld>
 </file>
 
@@ -9666,26 +9730,34 @@
       </p:sp>
       <p:pic>
         <p:nvPicPr>
-          <p:cNvPr id="7" name="Grafik 6"/>
+          <p:cNvPr id="1026" name="Picture 2"/>
           <p:cNvPicPr>
-            <a:picLocks noChangeAspect="1"/>
+            <a:picLocks noChangeAspect="1" noChangeArrowheads="1"/>
           </p:cNvPicPr>
           <p:nvPr/>
         </p:nvPicPr>
         <p:blipFill>
           <a:blip r:embed="rId2"/>
+          <a:srcRect/>
           <a:stretch>
             <a:fillRect/>
           </a:stretch>
         </p:blipFill>
-        <p:spPr>
-          <a:xfrm>
-            <a:off x="1261781" y="1428448"/>
-            <a:ext cx="6620438" cy="4232800"/>
+        <p:spPr bwMode="auto">
+          <a:xfrm>
+            <a:off x="845077" y="1409700"/>
+            <a:ext cx="7232797" cy="4611588"/>
           </a:xfrm>
           <a:prstGeom prst="rect">
             <a:avLst/>
           </a:prstGeom>
+          <a:noFill/>
+          <a:ln w="9525">
+            <a:noFill/>
+            <a:miter lim="800000"/>
+            <a:headEnd/>
+            <a:tailEnd/>
+          </a:ln>
         </p:spPr>
       </p:pic>
     </p:spTree>
@@ -9698,6 +9770,13 @@
   <p:clrMapOvr>
     <a:masterClrMapping/>
   </p:clrMapOvr>
+  <p:timing>
+    <p:tnLst>
+      <p:par>
+        <p:cTn id="1" dur="indefinite" restart="never" nodeType="tmRoot"/>
+      </p:par>
+    </p:tnLst>
+  </p:timing>
 </p:sld>
 </file>
 
@@ -9947,9 +10026,10 @@
           <a:lstStyle/>
           <a:p>
             <a:r>
-              <a:rPr lang="de-DE" dirty="0"/>
-              <a:t>Probleme</a:t>
-            </a:r>
+              <a:rPr lang="de-DE" dirty="0" smtClean="0"/>
+              <a:t>Herausforderungen</a:t>
+            </a:r>
+            <a:endParaRPr lang="de-DE" dirty="0"/>
           </a:p>
         </p:txBody>
       </p:sp>

--- a/Präsentation.pptx
+++ b/Präsentation.pptx
@@ -5,10 +5,10 @@
     <p:sldMasterId id="2147483922" r:id="rId1"/>
   </p:sldMasterIdLst>
   <p:notesMasterIdLst>
-    <p:notesMasterId r:id="rId25"/>
+    <p:notesMasterId r:id="rId29"/>
   </p:notesMasterIdLst>
   <p:handoutMasterIdLst>
-    <p:handoutMasterId r:id="rId26"/>
+    <p:handoutMasterId r:id="rId30"/>
   </p:handoutMasterIdLst>
   <p:sldIdLst>
     <p:sldId id="256" r:id="rId2"/>
@@ -29,11 +29,15 @@
     <p:sldId id="648" r:id="rId17"/>
     <p:sldId id="642" r:id="rId18"/>
     <p:sldId id="641" r:id="rId19"/>
-    <p:sldId id="647" r:id="rId20"/>
-    <p:sldId id="606" r:id="rId21"/>
-    <p:sldId id="621" r:id="rId22"/>
-    <p:sldId id="632" r:id="rId23"/>
-    <p:sldId id="633" r:id="rId24"/>
+    <p:sldId id="649" r:id="rId20"/>
+    <p:sldId id="650" r:id="rId21"/>
+    <p:sldId id="651" r:id="rId22"/>
+    <p:sldId id="652" r:id="rId23"/>
+    <p:sldId id="653" r:id="rId24"/>
+    <p:sldId id="606" r:id="rId25"/>
+    <p:sldId id="621" r:id="rId26"/>
+    <p:sldId id="632" r:id="rId27"/>
+    <p:sldId id="633" r:id="rId28"/>
   </p:sldIdLst>
   <p:sldSz cx="9144000" cy="6858000" type="screen4x3"/>
   <p:notesSz cx="6761163" cy="9942513"/>
@@ -164,7 +168,7 @@
   </p:defaultTextStyle>
   <p:extLst>
     <p:ext uri="{521415D9-36F7-43E2-AB2F-B90AF26B5E84}">
-      <p14:sectionLst xmlns:p14="http://schemas.microsoft.com/office/powerpoint/2010/main" xmlns="">
+      <p14:sectionLst xmlns:p14="http://schemas.microsoft.com/office/powerpoint/2010/main">
         <p14:section name="Fachlabor IT" id="{DED19D9C-E72F-4B67-BED8-A255EA795F3F}">
           <p14:sldIdLst>
             <p14:sldId id="256"/>
@@ -205,7 +209,11 @@
         </p14:section>
         <p14:section name="Etagenlogik" id="{0F13A16D-6D64-4F95-B84F-AE0BB6F6EC2F}">
           <p14:sldIdLst>
-            <p14:sldId id="647"/>
+            <p14:sldId id="649"/>
+            <p14:sldId id="650"/>
+            <p14:sldId id="651"/>
+            <p14:sldId id="652"/>
+            <p14:sldId id="653"/>
           </p14:sldIdLst>
         </p14:section>
         <p14:section name="Fazit" id="{E938E27B-0A2A-4F23-8AEA-D2E66A2FE406}">
@@ -219,7 +227,7 @@
       </p14:sectionLst>
     </p:ext>
     <p:ext uri="{EFAFB233-063F-42B5-8137-9DF3F51BA10A}">
-      <p15:sldGuideLst xmlns:p15="http://schemas.microsoft.com/office/powerpoint/2012/main" xmlns="">
+      <p15:sldGuideLst xmlns="" xmlns:p15="http://schemas.microsoft.com/office/powerpoint/2012/main">
         <p15:guide id="1" orient="horz" pos="935" userDrawn="1">
           <p15:clr>
             <a:srgbClr val="A4A3A4"/>
@@ -233,7 +241,7 @@
       </p15:sldGuideLst>
     </p:ext>
     <p:ext uri="{2D200454-40CA-4A62-9FC3-DE9A4176ACB9}">
-      <p15:notesGuideLst xmlns:p15="http://schemas.microsoft.com/office/powerpoint/2012/main" xmlns="">
+      <p15:notesGuideLst xmlns="" xmlns:p15="http://schemas.microsoft.com/office/powerpoint/2012/main">
         <p15:guide id="1" orient="horz" pos="3132">
           <p15:clr>
             <a:srgbClr val="A4A3A4"/>
@@ -473,7 +481,7 @@
     </p:spTree>
     <p:extLst>
       <p:ext uri="{BB962C8B-B14F-4D97-AF65-F5344CB8AC3E}">
-        <p14:creationId xmlns:p14="http://schemas.microsoft.com/office/powerpoint/2010/main" xmlns="" val="2340697763"/>
+        <p14:creationId xmlns:p14="http://schemas.microsoft.com/office/powerpoint/2010/main" val="2340697763"/>
       </p:ext>
     </p:extLst>
   </p:cSld>
@@ -803,7 +811,7 @@
     </p:spTree>
     <p:extLst>
       <p:ext uri="{BB962C8B-B14F-4D97-AF65-F5344CB8AC3E}">
-        <p14:creationId xmlns:p14="http://schemas.microsoft.com/office/powerpoint/2010/main" xmlns="" val="3722097906"/>
+        <p14:creationId xmlns:p14="http://schemas.microsoft.com/office/powerpoint/2010/main" val="3722097906"/>
       </p:ext>
     </p:extLst>
   </p:cSld>
@@ -1027,7 +1035,7 @@
     </p:spTree>
     <p:extLst>
       <p:ext uri="{BB962C8B-B14F-4D97-AF65-F5344CB8AC3E}">
-        <p14:creationId xmlns:p14="http://schemas.microsoft.com/office/powerpoint/2010/main" xmlns="" val="3197195781"/>
+        <p14:creationId xmlns:p14="http://schemas.microsoft.com/office/powerpoint/2010/main" val="3197195781"/>
       </p:ext>
     </p:extLst>
   </p:cSld>
@@ -1236,7 +1244,7 @@
     </p:spTree>
     <p:extLst>
       <p:ext uri="{BB962C8B-B14F-4D97-AF65-F5344CB8AC3E}">
-        <p14:creationId xmlns:p14="http://schemas.microsoft.com/office/powerpoint/2010/main" xmlns="" val="2132037008"/>
+        <p14:creationId xmlns:p14="http://schemas.microsoft.com/office/powerpoint/2010/main" val="2132037008"/>
       </p:ext>
     </p:extLst>
   </p:cSld>
@@ -1331,7 +1339,7 @@
     </p:spTree>
     <p:extLst>
       <p:ext uri="{BB962C8B-B14F-4D97-AF65-F5344CB8AC3E}">
-        <p14:creationId xmlns:p14="http://schemas.microsoft.com/office/powerpoint/2010/main" xmlns="" val="3022281367"/>
+        <p14:creationId xmlns:p14="http://schemas.microsoft.com/office/powerpoint/2010/main" val="3022281367"/>
       </p:ext>
     </p:extLst>
   </p:cSld>
@@ -1381,7 +1389,7 @@
               <a:pPr>
                 <a:defRPr/>
               </a:pPr>
-              <a:t>23</a:t>
+              <a:t>27</a:t>
             </a:fld>
             <a:endParaRPr lang="de-DE"/>
           </a:p>
@@ -1435,7 +1443,7 @@
     </p:spTree>
     <p:extLst>
       <p:ext uri="{BB962C8B-B14F-4D97-AF65-F5344CB8AC3E}">
-        <p14:creationId xmlns:p14="http://schemas.microsoft.com/office/powerpoint/2010/main" xmlns="" val="3140753640"/>
+        <p14:creationId xmlns:p14="http://schemas.microsoft.com/office/powerpoint/2010/main" val="3140753640"/>
       </p:ext>
     </p:extLst>
   </p:cSld>
@@ -1875,7 +1883,7 @@
   </p:clrMapOvr>
   <p:extLst mod="1">
     <p:ext uri="{DCECCB84-F9BA-43D5-87BE-67443E8EF086}">
-      <p15:sldGuideLst xmlns:p15="http://schemas.microsoft.com/office/powerpoint/2012/main" xmlns="">
+      <p15:sldGuideLst xmlns="" xmlns:p15="http://schemas.microsoft.com/office/powerpoint/2012/main">
         <p15:guide id="1" orient="horz" pos="2160" userDrawn="1">
           <p15:clr>
             <a:srgbClr val="FBAE40"/>
@@ -3492,7 +3500,7 @@
           </a:ln>
           <a:extLst>
             <a:ext uri="{91240B29-F687-4F45-9708-019B960494DF}">
-              <a14:hiddenLine xmlns:a14="http://schemas.microsoft.com/office/drawing/2010/main" xmlns="" w="9525">
+              <a14:hiddenLine xmlns:a14="http://schemas.microsoft.com/office/drawing/2010/main" w="9525">
                 <a:solidFill>
                   <a:srgbClr val="000000"/>
                 </a:solidFill>
@@ -3587,7 +3595,7 @@
           </a:ln>
           <a:extLst>
             <a:ext uri="{91240B29-F687-4F45-9708-019B960494DF}">
-              <a14:hiddenLine xmlns:a14="http://schemas.microsoft.com/office/drawing/2010/main" xmlns="" w="9525">
+              <a14:hiddenLine xmlns:a14="http://schemas.microsoft.com/office/drawing/2010/main" w="9525">
                 <a:solidFill>
                   <a:srgbClr val="000000"/>
                 </a:solidFill>
@@ -3682,7 +3690,7 @@
           </a:ln>
           <a:extLst>
             <a:ext uri="{91240B29-F687-4F45-9708-019B960494DF}">
-              <a14:hiddenLine xmlns:a14="http://schemas.microsoft.com/office/drawing/2010/main" xmlns="" w="9525">
+              <a14:hiddenLine xmlns:a14="http://schemas.microsoft.com/office/drawing/2010/main" w="9525">
                 <a:solidFill>
                   <a:srgbClr val="000000"/>
                 </a:solidFill>
@@ -4412,18 +4420,7 @@
                 <a:ea typeface="Calibri" panose="020F0502020204030204" pitchFamily="34" charset="0"/>
                 <a:cs typeface="Times New Roman" panose="02020603050405020304" pitchFamily="18" charset="0"/>
               </a:rPr>
-              <a:t>Implementierung </a:t>
-            </a:r>
-            <a:r>
-              <a:rPr lang="de-DE" sz="2200" dirty="0" smtClean="0">
-                <a:solidFill>
-                  <a:schemeClr val="bg1"/>
-                </a:solidFill>
-                <a:latin typeface="Calibri" panose="020F0502020204030204" pitchFamily="34" charset="0"/>
-                <a:ea typeface="Calibri" panose="020F0502020204030204" pitchFamily="34" charset="0"/>
-                <a:cs typeface="Times New Roman" panose="02020603050405020304" pitchFamily="18" charset="0"/>
-              </a:rPr>
-              <a:t>einer Aufzugssteuerung </a:t>
+              <a:t>Implementierung einer Aufzugssteuerung </a:t>
             </a:r>
             <a:r>
               <a:rPr lang="de-DE" sz="2200" dirty="0">
@@ -4747,7 +4744,7 @@
     </p:spTree>
     <p:extLst>
       <p:ext uri="{BB962C8B-B14F-4D97-AF65-F5344CB8AC3E}">
-        <p14:creationId xmlns:p14="http://schemas.microsoft.com/office/powerpoint/2010/main" xmlns="" val="1366462204"/>
+        <p14:creationId xmlns:p14="http://schemas.microsoft.com/office/powerpoint/2010/main" val="1366462204"/>
       </p:ext>
     </p:extLst>
   </p:cSld>
@@ -4967,7 +4964,7 @@
     </p:spTree>
     <p:extLst>
       <p:ext uri="{BB962C8B-B14F-4D97-AF65-F5344CB8AC3E}">
-        <p14:creationId xmlns:p14="http://schemas.microsoft.com/office/powerpoint/2010/main" xmlns="" val="456857022"/>
+        <p14:creationId xmlns:p14="http://schemas.microsoft.com/office/powerpoint/2010/main" val="456857022"/>
       </p:ext>
     </p:extLst>
   </p:cSld>
@@ -5157,7 +5154,7 @@
     </p:spTree>
     <p:extLst>
       <p:ext uri="{BB962C8B-B14F-4D97-AF65-F5344CB8AC3E}">
-        <p14:creationId xmlns:p14="http://schemas.microsoft.com/office/powerpoint/2010/main" xmlns="" val="275166036"/>
+        <p14:creationId xmlns:p14="http://schemas.microsoft.com/office/powerpoint/2010/main" val="275166036"/>
       </p:ext>
     </p:extLst>
   </p:cSld>
@@ -5430,7 +5427,7 @@
     </p:spTree>
     <p:extLst>
       <p:ext uri="{BB962C8B-B14F-4D97-AF65-F5344CB8AC3E}">
-        <p14:creationId xmlns:p14="http://schemas.microsoft.com/office/powerpoint/2010/main" xmlns="" val="2200522923"/>
+        <p14:creationId xmlns:p14="http://schemas.microsoft.com/office/powerpoint/2010/main" val="2200522923"/>
       </p:ext>
     </p:extLst>
   </p:cSld>
@@ -5674,7 +5671,7 @@
     </p:spTree>
     <p:extLst>
       <p:ext uri="{BB962C8B-B14F-4D97-AF65-F5344CB8AC3E}">
-        <p14:creationId xmlns:p14="http://schemas.microsoft.com/office/powerpoint/2010/main" xmlns="" val="2895349213"/>
+        <p14:creationId xmlns:p14="http://schemas.microsoft.com/office/powerpoint/2010/main" val="2895349213"/>
       </p:ext>
     </p:extLst>
   </p:cSld>
@@ -5923,7 +5920,7 @@
     </p:spTree>
     <p:extLst>
       <p:ext uri="{BB962C8B-B14F-4D97-AF65-F5344CB8AC3E}">
-        <p14:creationId xmlns:p14="http://schemas.microsoft.com/office/powerpoint/2010/main" xmlns="" val="4216422739"/>
+        <p14:creationId xmlns:p14="http://schemas.microsoft.com/office/powerpoint/2010/main" val="4216422739"/>
       </p:ext>
     </p:extLst>
   </p:cSld>
@@ -6121,7 +6118,7 @@
     </p:spTree>
     <p:extLst>
       <p:ext uri="{BB962C8B-B14F-4D97-AF65-F5344CB8AC3E}">
-        <p14:creationId xmlns:p14="http://schemas.microsoft.com/office/powerpoint/2010/main" xmlns="" val="1466112408"/>
+        <p14:creationId xmlns:p14="http://schemas.microsoft.com/office/powerpoint/2010/main" val="1466112408"/>
       </p:ext>
     </p:extLst>
   </p:cSld>
@@ -6319,7 +6316,7 @@
     </p:spTree>
     <p:extLst>
       <p:ext uri="{BB962C8B-B14F-4D97-AF65-F5344CB8AC3E}">
-        <p14:creationId xmlns:p14="http://schemas.microsoft.com/office/powerpoint/2010/main" xmlns="" val="2650412750"/>
+        <p14:creationId xmlns:p14="http://schemas.microsoft.com/office/powerpoint/2010/main" val="2650412750"/>
       </p:ext>
     </p:extLst>
   </p:cSld>
@@ -6480,7 +6477,7 @@
     </p:spTree>
     <p:extLst>
       <p:ext uri="{BB962C8B-B14F-4D97-AF65-F5344CB8AC3E}">
-        <p14:creationId xmlns:p14="http://schemas.microsoft.com/office/powerpoint/2010/main" xmlns="" val="636071355"/>
+        <p14:creationId xmlns:p14="http://schemas.microsoft.com/office/powerpoint/2010/main" val="636071355"/>
       </p:ext>
     </p:extLst>
   </p:cSld>
@@ -6510,14 +6507,14 @@
       </p:grpSpPr>
       <p:sp>
         <p:nvSpPr>
-          <p:cNvPr id="10" name="Rechteck 9"/>
+          <p:cNvPr id="17" name="Rechteck 16"/>
           <p:cNvSpPr/>
           <p:nvPr/>
         </p:nvSpPr>
         <p:spPr bwMode="auto">
           <a:xfrm>
-            <a:off x="565632" y="4896301"/>
-            <a:ext cx="8085762" cy="862481"/>
+            <a:off x="555521" y="4509120"/>
+            <a:ext cx="5400600" cy="576064"/>
           </a:xfrm>
           <a:prstGeom prst="rect">
             <a:avLst/>
@@ -6581,13 +6578,239 @@
           <a:lstStyle/>
           <a:p>
             <a:r>
-              <a:rPr lang="de-DE" dirty="0" err="1"/>
+              <a:rPr lang="de-DE"/>
+              <a:t>Fachlabor IT</a:t>
+            </a:r>
+          </a:p>
+        </p:txBody>
+      </p:sp>
+      <p:sp>
+        <p:nvSpPr>
+          <p:cNvPr id="3" name="Inhaltsplatzhalter 2"/>
+          <p:cNvSpPr>
+            <a:spLocks noGrp="1"/>
+          </p:cNvSpPr>
+          <p:nvPr>
+            <p:ph idx="1"/>
+          </p:nvPr>
+        </p:nvSpPr>
+        <p:spPr>
+          <a:xfrm>
+            <a:off x="738204" y="1401763"/>
+            <a:ext cx="7342187" cy="4832092"/>
+          </a:xfrm>
+        </p:spPr>
+        <p:txBody>
+          <a:bodyPr/>
+          <a:lstStyle/>
+          <a:p>
+            <a:pPr marL="1160463" indent="-1160463">
+              <a:lnSpc>
+                <a:spcPct val="200000"/>
+              </a:lnSpc>
+              <a:spcBef>
+                <a:spcPct val="50000"/>
+              </a:spcBef>
+              <a:buClr>
+                <a:srgbClr val="5F5F5F"/>
+              </a:buClr>
+              <a:buSzPct val="100000"/>
+              <a:buFont typeface="+mj-lt"/>
+              <a:buAutoNum type="romanUcPeriod"/>
+              <a:defRPr/>
+            </a:pPr>
+            <a:r>
+              <a:rPr lang="de-DE" smtClean="0">
+                <a:solidFill>
+                  <a:schemeClr val="accent4">
+                    <a:lumMod val="65000"/>
+                    <a:lumOff val="35000"/>
+                  </a:schemeClr>
+                </a:solidFill>
+              </a:rPr>
+              <a:t>Vorgehensweise und Features</a:t>
+            </a:r>
+            <a:endParaRPr lang="de-DE">
+              <a:solidFill>
+                <a:schemeClr val="accent4">
+                  <a:lumMod val="65000"/>
+                  <a:lumOff val="35000"/>
+                </a:schemeClr>
+              </a:solidFill>
+            </a:endParaRPr>
+          </a:p>
+          <a:p>
+            <a:pPr marL="1160463" indent="-1160463">
+              <a:lnSpc>
+                <a:spcPct val="200000"/>
+              </a:lnSpc>
+              <a:spcBef>
+                <a:spcPct val="50000"/>
+              </a:spcBef>
+              <a:buClr>
+                <a:srgbClr val="5F5F5F"/>
+              </a:buClr>
+              <a:buSzPct val="100000"/>
+              <a:buFont typeface="+mj-lt"/>
+              <a:buAutoNum type="romanUcPeriod"/>
+              <a:defRPr/>
+            </a:pPr>
+            <a:r>
+              <a:rPr lang="de-DE">
+                <a:solidFill>
+                  <a:schemeClr val="accent4">
+                    <a:lumMod val="65000"/>
+                    <a:lumOff val="35000"/>
+                  </a:schemeClr>
+                </a:solidFill>
+              </a:rPr>
+              <a:t>Klassenübersicht &amp; </a:t>
+            </a:r>
+            <a:r>
+              <a:rPr lang="de-DE" err="1">
+                <a:solidFill>
+                  <a:schemeClr val="accent4">
+                    <a:lumMod val="65000"/>
+                    <a:lumOff val="35000"/>
+                  </a:schemeClr>
+                </a:solidFill>
+              </a:rPr>
               <a:t>main</a:t>
             </a:r>
             <a:r>
-              <a:rPr lang="de-DE" dirty="0"/>
+              <a:rPr lang="de-DE">
+                <a:solidFill>
+                  <a:schemeClr val="accent4">
+                    <a:lumMod val="65000"/>
+                    <a:lumOff val="35000"/>
+                  </a:schemeClr>
+                </a:solidFill>
+              </a:rPr>
               <a:t>()</a:t>
             </a:r>
+          </a:p>
+          <a:p>
+            <a:pPr marL="1160463" indent="-1160463">
+              <a:lnSpc>
+                <a:spcPct val="200000"/>
+              </a:lnSpc>
+              <a:spcBef>
+                <a:spcPct val="50000"/>
+              </a:spcBef>
+              <a:buClr>
+                <a:srgbClr val="5F5F5F"/>
+              </a:buClr>
+              <a:buSzPct val="100000"/>
+              <a:buFont typeface="+mj-lt"/>
+              <a:buAutoNum type="romanUcPeriod"/>
+              <a:defRPr/>
+            </a:pPr>
+            <a:r>
+              <a:rPr lang="de-DE">
+                <a:solidFill>
+                  <a:schemeClr val="accent4">
+                    <a:lumMod val="65000"/>
+                    <a:lumOff val="35000"/>
+                  </a:schemeClr>
+                </a:solidFill>
+              </a:rPr>
+              <a:t>Warteschlangenlogik</a:t>
+            </a:r>
+          </a:p>
+          <a:p>
+            <a:pPr marL="1160463" indent="-1160463">
+              <a:lnSpc>
+                <a:spcPct val="200000"/>
+              </a:lnSpc>
+              <a:spcBef>
+                <a:spcPct val="50000"/>
+              </a:spcBef>
+              <a:buClr>
+                <a:srgbClr val="5F5F5F"/>
+              </a:buClr>
+              <a:buSzPct val="100000"/>
+              <a:buFont typeface="+mj-lt"/>
+              <a:buAutoNum type="romanUcPeriod"/>
+              <a:defRPr/>
+            </a:pPr>
+            <a:r>
+              <a:rPr lang="de-DE">
+                <a:solidFill>
+                  <a:schemeClr val="accent4">
+                    <a:lumMod val="65000"/>
+                    <a:lumOff val="35000"/>
+                  </a:schemeClr>
+                </a:solidFill>
+              </a:rPr>
+              <a:t>Bewegungslogik</a:t>
+            </a:r>
+          </a:p>
+          <a:p>
+            <a:pPr marL="1160463" indent="-1160463">
+              <a:lnSpc>
+                <a:spcPct val="200000"/>
+              </a:lnSpc>
+              <a:spcBef>
+                <a:spcPct val="50000"/>
+              </a:spcBef>
+              <a:buClr>
+                <a:srgbClr val="5F5F5F"/>
+              </a:buClr>
+              <a:buSzPct val="100000"/>
+              <a:buFont typeface="+mj-lt"/>
+              <a:buAutoNum type="romanUcPeriod"/>
+              <a:defRPr/>
+            </a:pPr>
+            <a:r>
+              <a:rPr lang="de-DE" b="1" smtClean="0">
+                <a:solidFill>
+                  <a:schemeClr val="accent4">
+                    <a:lumMod val="65000"/>
+                    <a:lumOff val="35000"/>
+                  </a:schemeClr>
+                </a:solidFill>
+              </a:rPr>
+              <a:t>Etagenlogik</a:t>
+            </a:r>
+            <a:endParaRPr lang="de-DE" b="1">
+              <a:solidFill>
+                <a:schemeClr val="accent4">
+                  <a:lumMod val="65000"/>
+                  <a:lumOff val="35000"/>
+                </a:schemeClr>
+              </a:solidFill>
+            </a:endParaRPr>
+          </a:p>
+          <a:p>
+            <a:pPr marL="1160463" indent="-1160463">
+              <a:lnSpc>
+                <a:spcPct val="200000"/>
+              </a:lnSpc>
+              <a:spcBef>
+                <a:spcPct val="50000"/>
+              </a:spcBef>
+              <a:buClr>
+                <a:srgbClr val="5F5F5F"/>
+              </a:buClr>
+              <a:buSzPct val="100000"/>
+              <a:buFont typeface="+mj-lt"/>
+              <a:buAutoNum type="romanUcPeriod"/>
+              <a:defRPr/>
+            </a:pPr>
+            <a:r>
+              <a:rPr lang="de-DE">
+                <a:solidFill>
+                  <a:schemeClr val="accent4">
+                    <a:lumMod val="65000"/>
+                    <a:lumOff val="35000"/>
+                  </a:schemeClr>
+                </a:solidFill>
+              </a:rPr>
+              <a:t>Fazit</a:t>
+            </a:r>
+          </a:p>
+          <a:p>
+            <a:endParaRPr lang="de-DE"/>
           </a:p>
         </p:txBody>
       </p:sp>
@@ -6616,13 +6839,13 @@
               </a:pPr>
               <a:t>19</a:t>
             </a:fld>
-            <a:endParaRPr lang="de-DE" dirty="0"/>
-          </a:p>
-        </p:txBody>
-      </p:sp>
-      <p:sp>
-        <p:nvSpPr>
-          <p:cNvPr id="8" name="AutoShape 16">
+            <a:endParaRPr lang="de-DE"/>
+          </a:p>
+        </p:txBody>
+      </p:sp>
+      <p:sp>
+        <p:nvSpPr>
+          <p:cNvPr id="15" name="AutoShape 16">
             <a:hlinkClick r:id="" action="ppaction://noaction"/>
           </p:cNvPr>
           <p:cNvSpPr>
@@ -6632,8 +6855,8 @@
         </p:nvSpPr>
         <p:spPr bwMode="auto">
           <a:xfrm>
-            <a:off x="8634974" y="2806784"/>
-            <a:ext cx="180000" cy="487363"/>
+            <a:off x="8653171" y="2804717"/>
+            <a:ext cx="167301" cy="487363"/>
           </a:xfrm>
           <a:prstGeom prst="roundRect">
             <a:avLst>
@@ -6656,7 +6879,7 @@
           <a:p>
             <a:pPr marL="268288" algn="r"/>
             <a:r>
-              <a:rPr lang="en-US" dirty="0">
+              <a:rPr lang="en-US">
                 <a:solidFill>
                   <a:schemeClr val="bg1"/>
                 </a:solidFill>
@@ -6669,7 +6892,7 @@
       </p:sp>
       <p:sp>
         <p:nvSpPr>
-          <p:cNvPr id="11" name="Textfeld 10"/>
+          <p:cNvPr id="9" name="Textfeld 8"/>
           <p:cNvSpPr txBox="1"/>
           <p:nvPr/>
         </p:nvSpPr>
@@ -6690,45 +6913,21 @@
           <a:lstStyle/>
           <a:p>
             <a:r>
-              <a:rPr lang="de-DE" dirty="0">
+              <a:rPr lang="de-DE">
                 <a:solidFill>
                   <a:schemeClr val="bg1"/>
                 </a:solidFill>
               </a:rPr>
               <a:t>V</a:t>
             </a:r>
-            <a:endParaRPr lang="de-DE" dirty="0"/>
-          </a:p>
-        </p:txBody>
-      </p:sp>
-      <p:pic>
-        <p:nvPicPr>
-          <p:cNvPr id="12" name="Grafik 11"/>
-          <p:cNvPicPr>
-            <a:picLocks noChangeAspect="1"/>
-          </p:cNvPicPr>
-          <p:nvPr/>
-        </p:nvPicPr>
-        <p:blipFill>
-          <a:blip r:embed="rId2"/>
-          <a:stretch>
-            <a:fillRect/>
-          </a:stretch>
-        </p:blipFill>
-        <p:spPr>
-          <a:xfrm>
-            <a:off x="2042415" y="1318872"/>
-            <a:ext cx="5059201" cy="4558400"/>
-          </a:xfrm>
-          <a:prstGeom prst="rect">
-            <a:avLst/>
-          </a:prstGeom>
-        </p:spPr>
-      </p:pic>
+            <a:endParaRPr lang="de-DE"/>
+          </a:p>
+        </p:txBody>
+      </p:sp>
     </p:spTree>
     <p:extLst>
       <p:ext uri="{BB962C8B-B14F-4D97-AF65-F5344CB8AC3E}">
-        <p14:creationId xmlns:p14="http://schemas.microsoft.com/office/powerpoint/2010/main" xmlns="" val="2630595883"/>
+        <p14:creationId xmlns:p14="http://schemas.microsoft.com/office/powerpoint/2010/main" val="3226363554"/>
       </p:ext>
     </p:extLst>
   </p:cSld>
@@ -7189,7 +7388,7 @@
     </p:spTree>
     <p:extLst>
       <p:ext uri="{BB962C8B-B14F-4D97-AF65-F5344CB8AC3E}">
-        <p14:creationId xmlns:p14="http://schemas.microsoft.com/office/powerpoint/2010/main" xmlns="" val="309100733"/>
+        <p14:creationId xmlns:p14="http://schemas.microsoft.com/office/powerpoint/2010/main" val="309100733"/>
       </p:ext>
     </p:extLst>
   </p:cSld>
@@ -7218,14 +7417,14 @@
       </p:grpSpPr>
       <p:sp>
         <p:nvSpPr>
-          <p:cNvPr id="17" name="Rechteck 16"/>
+          <p:cNvPr id="10" name="Rechteck 9"/>
           <p:cNvSpPr/>
           <p:nvPr/>
         </p:nvSpPr>
         <p:spPr bwMode="auto">
           <a:xfrm>
-            <a:off x="555521" y="5291048"/>
-            <a:ext cx="5400600" cy="576064"/>
+            <a:off x="565632" y="4896301"/>
+            <a:ext cx="8085762" cy="862481"/>
           </a:xfrm>
           <a:prstGeom prst="rect">
             <a:avLst/>
@@ -7289,239 +7488,13 @@
           <a:lstStyle/>
           <a:p>
             <a:r>
-              <a:rPr lang="de-DE" dirty="0"/>
-              <a:t>Fachlabor IT</a:t>
-            </a:r>
-          </a:p>
-        </p:txBody>
-      </p:sp>
-      <p:sp>
-        <p:nvSpPr>
-          <p:cNvPr id="3" name="Inhaltsplatzhalter 2"/>
-          <p:cNvSpPr>
-            <a:spLocks noGrp="1"/>
-          </p:cNvSpPr>
-          <p:nvPr>
-            <p:ph idx="1"/>
-          </p:nvPr>
-        </p:nvSpPr>
-        <p:spPr>
-          <a:xfrm>
-            <a:off x="738204" y="1401763"/>
-            <a:ext cx="7342187" cy="4832092"/>
-          </a:xfrm>
-        </p:spPr>
-        <p:txBody>
-          <a:bodyPr/>
-          <a:lstStyle/>
-          <a:p>
-            <a:pPr marL="1160463" indent="-1160463">
-              <a:lnSpc>
-                <a:spcPct val="200000"/>
-              </a:lnSpc>
-              <a:spcBef>
-                <a:spcPct val="50000"/>
-              </a:spcBef>
-              <a:buClr>
-                <a:srgbClr val="5F5F5F"/>
-              </a:buClr>
-              <a:buSzPct val="100000"/>
-              <a:buFont typeface="+mj-lt"/>
-              <a:buAutoNum type="romanUcPeriod"/>
-              <a:defRPr/>
-            </a:pPr>
-            <a:r>
-              <a:rPr lang="de-DE" dirty="0" smtClean="0">
-                <a:solidFill>
-                  <a:schemeClr val="accent4">
-                    <a:lumMod val="65000"/>
-                    <a:lumOff val="35000"/>
-                  </a:schemeClr>
-                </a:solidFill>
-              </a:rPr>
-              <a:t>Vorgehensweise &amp; Features</a:t>
-            </a:r>
-            <a:endParaRPr lang="de-DE" dirty="0">
-              <a:solidFill>
-                <a:schemeClr val="accent4">
-                  <a:lumMod val="65000"/>
-                  <a:lumOff val="35000"/>
-                </a:schemeClr>
-              </a:solidFill>
-            </a:endParaRPr>
-          </a:p>
-          <a:p>
-            <a:pPr marL="1160463" indent="-1160463">
-              <a:lnSpc>
-                <a:spcPct val="200000"/>
-              </a:lnSpc>
-              <a:spcBef>
-                <a:spcPct val="50000"/>
-              </a:spcBef>
-              <a:buClr>
-                <a:srgbClr val="5F5F5F"/>
-              </a:buClr>
-              <a:buSzPct val="100000"/>
-              <a:buFont typeface="+mj-lt"/>
-              <a:buAutoNum type="romanUcPeriod"/>
-              <a:defRPr/>
-            </a:pPr>
-            <a:r>
-              <a:rPr lang="de-DE" dirty="0">
-                <a:solidFill>
-                  <a:schemeClr val="accent4">
-                    <a:lumMod val="65000"/>
-                    <a:lumOff val="35000"/>
-                  </a:schemeClr>
-                </a:solidFill>
-              </a:rPr>
-              <a:t>Klassenübersicht &amp; </a:t>
-            </a:r>
-            <a:r>
-              <a:rPr lang="de-DE" dirty="0" err="1">
-                <a:solidFill>
-                  <a:schemeClr val="accent4">
-                    <a:lumMod val="65000"/>
-                    <a:lumOff val="35000"/>
-                  </a:schemeClr>
-                </a:solidFill>
-              </a:rPr>
+              <a:rPr lang="de-DE" err="1"/>
               <a:t>main</a:t>
             </a:r>
             <a:r>
-              <a:rPr lang="de-DE" dirty="0">
-                <a:solidFill>
-                  <a:schemeClr val="accent4">
-                    <a:lumMod val="65000"/>
-                    <a:lumOff val="35000"/>
-                  </a:schemeClr>
-                </a:solidFill>
-              </a:rPr>
+              <a:rPr lang="de-DE"/>
               <a:t>()</a:t>
             </a:r>
-          </a:p>
-          <a:p>
-            <a:pPr marL="1160463" indent="-1160463">
-              <a:lnSpc>
-                <a:spcPct val="200000"/>
-              </a:lnSpc>
-              <a:spcBef>
-                <a:spcPct val="50000"/>
-              </a:spcBef>
-              <a:buClr>
-                <a:srgbClr val="5F5F5F"/>
-              </a:buClr>
-              <a:buSzPct val="100000"/>
-              <a:buFont typeface="+mj-lt"/>
-              <a:buAutoNum type="romanUcPeriod"/>
-              <a:defRPr/>
-            </a:pPr>
-            <a:r>
-              <a:rPr lang="de-DE" dirty="0">
-                <a:solidFill>
-                  <a:schemeClr val="accent4">
-                    <a:lumMod val="65000"/>
-                    <a:lumOff val="35000"/>
-                  </a:schemeClr>
-                </a:solidFill>
-              </a:rPr>
-              <a:t>Warteschlangenlogik</a:t>
-            </a:r>
-          </a:p>
-          <a:p>
-            <a:pPr marL="1160463" indent="-1160463">
-              <a:lnSpc>
-                <a:spcPct val="200000"/>
-              </a:lnSpc>
-              <a:spcBef>
-                <a:spcPct val="50000"/>
-              </a:spcBef>
-              <a:buClr>
-                <a:srgbClr val="5F5F5F"/>
-              </a:buClr>
-              <a:buSzPct val="100000"/>
-              <a:buFont typeface="+mj-lt"/>
-              <a:buAutoNum type="romanUcPeriod"/>
-              <a:defRPr/>
-            </a:pPr>
-            <a:r>
-              <a:rPr lang="de-DE" dirty="0">
-                <a:solidFill>
-                  <a:schemeClr val="accent4">
-                    <a:lumMod val="65000"/>
-                    <a:lumOff val="35000"/>
-                  </a:schemeClr>
-                </a:solidFill>
-              </a:rPr>
-              <a:t>Bewegungslogik</a:t>
-            </a:r>
-          </a:p>
-          <a:p>
-            <a:pPr marL="1160463" indent="-1160463">
-              <a:lnSpc>
-                <a:spcPct val="200000"/>
-              </a:lnSpc>
-              <a:spcBef>
-                <a:spcPct val="50000"/>
-              </a:spcBef>
-              <a:buClr>
-                <a:srgbClr val="5F5F5F"/>
-              </a:buClr>
-              <a:buSzPct val="100000"/>
-              <a:buFont typeface="+mj-lt"/>
-              <a:buAutoNum type="romanUcPeriod"/>
-              <a:defRPr/>
-            </a:pPr>
-            <a:r>
-              <a:rPr lang="de-DE" dirty="0" err="1">
-                <a:solidFill>
-                  <a:schemeClr val="accent4">
-                    <a:lumMod val="65000"/>
-                    <a:lumOff val="35000"/>
-                  </a:schemeClr>
-                </a:solidFill>
-              </a:rPr>
-              <a:t>Türlogik</a:t>
-            </a:r>
-            <a:endParaRPr lang="de-DE" dirty="0">
-              <a:solidFill>
-                <a:schemeClr val="accent4">
-                  <a:lumMod val="65000"/>
-                  <a:lumOff val="35000"/>
-                </a:schemeClr>
-              </a:solidFill>
-            </a:endParaRPr>
-          </a:p>
-          <a:p>
-            <a:pPr marL="1160463" indent="-1160463">
-              <a:lnSpc>
-                <a:spcPct val="200000"/>
-              </a:lnSpc>
-              <a:spcBef>
-                <a:spcPct val="50000"/>
-              </a:spcBef>
-              <a:buClr>
-                <a:srgbClr val="5F5F5F"/>
-              </a:buClr>
-              <a:buSzPct val="100000"/>
-              <a:buFont typeface="+mj-lt"/>
-              <a:buAutoNum type="romanUcPeriod"/>
-              <a:defRPr/>
-            </a:pPr>
-            <a:r>
-              <a:rPr lang="de-DE" b="1" dirty="0">
-                <a:solidFill>
-                  <a:schemeClr val="accent4">
-                    <a:lumMod val="65000"/>
-                    <a:lumOff val="35000"/>
-                  </a:schemeClr>
-                </a:solidFill>
-              </a:rPr>
-              <a:t>Fazit</a:t>
-            </a:r>
-          </a:p>
-          <a:p>
-            <a:endParaRPr lang="de-DE" dirty="0"/>
           </a:p>
         </p:txBody>
       </p:sp>
@@ -7550,13 +7523,13 @@
               </a:pPr>
               <a:t>20</a:t>
             </a:fld>
-            <a:endParaRPr lang="de-DE" dirty="0"/>
-          </a:p>
-        </p:txBody>
-      </p:sp>
-      <p:sp>
-        <p:nvSpPr>
-          <p:cNvPr id="15" name="AutoShape 16">
+            <a:endParaRPr lang="de-DE"/>
+          </a:p>
+        </p:txBody>
+      </p:sp>
+      <p:sp>
+        <p:nvSpPr>
+          <p:cNvPr id="8" name="AutoShape 16">
             <a:hlinkClick r:id="" action="ppaction://noaction"/>
           </p:cNvPr>
           <p:cNvSpPr>
@@ -7566,7 +7539,7 @@
         </p:nvSpPr>
         <p:spPr bwMode="auto">
           <a:xfrm>
-            <a:off x="8645011" y="3349837"/>
+            <a:off x="8634974" y="2806784"/>
             <a:ext cx="180000" cy="487363"/>
           </a:xfrm>
           <a:prstGeom prst="roundRect">
@@ -7590,7 +7563,7 @@
           <a:p>
             <a:pPr marL="268288" algn="r"/>
             <a:r>
-              <a:rPr lang="en-US" dirty="0">
+              <a:rPr lang="en-US">
                 <a:solidFill>
                   <a:schemeClr val="bg1"/>
                 </a:solidFill>
@@ -7603,13 +7576,13 @@
       </p:sp>
       <p:sp>
         <p:nvSpPr>
-          <p:cNvPr id="16" name="Textfeld 15"/>
+          <p:cNvPr id="11" name="Textfeld 10"/>
           <p:cNvSpPr txBox="1"/>
           <p:nvPr/>
         </p:nvSpPr>
         <p:spPr>
           <a:xfrm>
-            <a:off x="8559942" y="3437428"/>
+            <a:off x="8580569" y="2894374"/>
             <a:ext cx="409614" cy="307777"/>
           </a:xfrm>
           <a:prstGeom prst="rect">
@@ -7624,21 +7597,45 @@
           <a:lstStyle/>
           <a:p>
             <a:r>
-              <a:rPr lang="de-DE" dirty="0">
+              <a:rPr lang="de-DE">
                 <a:solidFill>
                   <a:schemeClr val="bg1"/>
                 </a:solidFill>
               </a:rPr>
-              <a:t>VI</a:t>
-            </a:r>
-            <a:endParaRPr lang="de-DE" dirty="0"/>
-          </a:p>
-        </p:txBody>
-      </p:sp>
+              <a:t>V</a:t>
+            </a:r>
+            <a:endParaRPr lang="de-DE"/>
+          </a:p>
+        </p:txBody>
+      </p:sp>
+      <p:pic>
+        <p:nvPicPr>
+          <p:cNvPr id="12" name="Grafik 11"/>
+          <p:cNvPicPr>
+            <a:picLocks noChangeAspect="1"/>
+          </p:cNvPicPr>
+          <p:nvPr/>
+        </p:nvPicPr>
+        <p:blipFill>
+          <a:blip r:embed="rId2"/>
+          <a:stretch>
+            <a:fillRect/>
+          </a:stretch>
+        </p:blipFill>
+        <p:spPr>
+          <a:xfrm>
+            <a:off x="2042415" y="1318872"/>
+            <a:ext cx="5059201" cy="4558400"/>
+          </a:xfrm>
+          <a:prstGeom prst="rect">
+            <a:avLst/>
+          </a:prstGeom>
+        </p:spPr>
+      </p:pic>
     </p:spTree>
     <p:extLst>
       <p:ext uri="{BB962C8B-B14F-4D97-AF65-F5344CB8AC3E}">
-        <p14:creationId xmlns:p14="http://schemas.microsoft.com/office/powerpoint/2010/main" xmlns="" val="1550742323"/>
+        <p14:creationId xmlns:p14="http://schemas.microsoft.com/office/powerpoint/2010/main" val="1836390994"/>
       </p:ext>
     </p:extLst>
   </p:cSld>
@@ -7688,9 +7685,10 @@
           <a:lstStyle/>
           <a:p>
             <a:r>
-              <a:rPr lang="de-DE" dirty="0"/>
-              <a:t>Erfüllte Ziele</a:t>
-            </a:r>
+              <a:rPr lang="de-DE" smtClean="0"/>
+              <a:t>Etagenlogik</a:t>
+            </a:r>
+            <a:endParaRPr lang="de-DE"/>
           </a:p>
         </p:txBody>
       </p:sp>
@@ -7719,13 +7717,13 @@
               </a:pPr>
               <a:t>21</a:t>
             </a:fld>
-            <a:endParaRPr lang="de-DE" dirty="0"/>
-          </a:p>
-        </p:txBody>
-      </p:sp>
-      <p:sp>
-        <p:nvSpPr>
-          <p:cNvPr id="7" name="AutoShape 16">
+            <a:endParaRPr lang="de-DE"/>
+          </a:p>
+        </p:txBody>
+      </p:sp>
+      <p:sp>
+        <p:nvSpPr>
+          <p:cNvPr id="8" name="AutoShape 16">
             <a:hlinkClick r:id="" action="ppaction://noaction"/>
           </p:cNvPr>
           <p:cNvSpPr>
@@ -7735,7 +7733,7 @@
         </p:nvSpPr>
         <p:spPr bwMode="auto">
           <a:xfrm>
-            <a:off x="8645011" y="3349837"/>
+            <a:off x="8634974" y="2806784"/>
             <a:ext cx="180000" cy="487363"/>
           </a:xfrm>
           <a:prstGeom prst="roundRect">
@@ -7759,7 +7757,7 @@
           <a:p>
             <a:pPr marL="268288" algn="r"/>
             <a:r>
-              <a:rPr lang="en-US" dirty="0">
+              <a:rPr lang="en-US">
                 <a:solidFill>
                   <a:schemeClr val="bg1"/>
                 </a:solidFill>
@@ -7772,13 +7770,13 @@
       </p:sp>
       <p:sp>
         <p:nvSpPr>
-          <p:cNvPr id="8" name="Textfeld 7"/>
+          <p:cNvPr id="11" name="Textfeld 10"/>
           <p:cNvSpPr txBox="1"/>
           <p:nvPr/>
         </p:nvSpPr>
         <p:spPr>
           <a:xfrm>
-            <a:off x="8559942" y="3437428"/>
+            <a:off x="8580569" y="2894374"/>
             <a:ext cx="409614" cy="307777"/>
           </a:xfrm>
           <a:prstGeom prst="rect">
@@ -7793,20 +7791,20 @@
           <a:lstStyle/>
           <a:p>
             <a:r>
-              <a:rPr lang="de-DE" dirty="0">
+              <a:rPr lang="de-DE">
                 <a:solidFill>
                   <a:schemeClr val="bg1"/>
                 </a:solidFill>
               </a:rPr>
-              <a:t>VI</a:t>
-            </a:r>
-            <a:endParaRPr lang="de-DE" dirty="0"/>
-          </a:p>
-        </p:txBody>
-      </p:sp>
-      <p:sp>
-        <p:nvSpPr>
-          <p:cNvPr id="3" name="Inhaltsplatzhalter 2"/>
+              <a:t>V</a:t>
+            </a:r>
+            <a:endParaRPr lang="de-DE"/>
+          </a:p>
+        </p:txBody>
+      </p:sp>
+      <p:sp>
+        <p:nvSpPr>
+          <p:cNvPr id="9" name="Inhaltsplatzhalter 2"/>
           <p:cNvSpPr>
             <a:spLocks noGrp="1"/>
           </p:cNvSpPr>
@@ -7816,82 +7814,232 @@
         </p:nvSpPr>
         <p:spPr>
           <a:xfrm>
-            <a:off x="738204" y="1401778"/>
-            <a:ext cx="7342187" cy="3631763"/>
+            <a:off x="738204" y="1401763"/>
+            <a:ext cx="7342187" cy="2462213"/>
           </a:xfrm>
         </p:spPr>
         <p:txBody>
           <a:bodyPr/>
           <a:lstStyle/>
           <a:p>
-            <a:r>
-              <a:rPr lang="de-DE" dirty="0"/>
-              <a:t>Anfahren der Etagen</a:t>
-            </a:r>
-          </a:p>
-          <a:p>
-            <a:r>
-              <a:rPr lang="de-DE" dirty="0"/>
-              <a:t>Abfahren einer intelligenten Warteschlange</a:t>
-            </a:r>
-          </a:p>
-          <a:p>
-            <a:pPr lvl="1"/>
-            <a:r>
-              <a:rPr lang="de-DE" dirty="0"/>
-              <a:t>Abarbeiten nach aktueller Fahrtrichtung</a:t>
-            </a:r>
-          </a:p>
-          <a:p>
-            <a:r>
-              <a:rPr lang="de-DE" dirty="0"/>
-              <a:t>Sanfte Beschleunigung und Verzögerung der Kabine</a:t>
-            </a:r>
-          </a:p>
-          <a:p>
-            <a:r>
-              <a:rPr lang="de-DE" dirty="0"/>
-              <a:t>Türsicherheit </a:t>
-            </a:r>
-          </a:p>
-          <a:p>
-            <a:r>
-              <a:rPr lang="de-DE" dirty="0"/>
-              <a:t>Visuelle Unterstützung durch Fahrtrichtungsanzeiger</a:t>
-            </a:r>
-          </a:p>
-          <a:p>
-            <a:endParaRPr lang="de-DE" dirty="0"/>
-          </a:p>
-          <a:p>
-            <a:r>
-              <a:rPr lang="de-DE" dirty="0"/>
-              <a:t>Logischere Umsetzung der </a:t>
-            </a:r>
-            <a:r>
-              <a:rPr lang="de-DE" dirty="0" err="1"/>
-              <a:t>Fahrtichtungsanzeiger</a:t>
-            </a:r>
-            <a:endParaRPr lang="de-DE" dirty="0"/>
-          </a:p>
-          <a:p>
-            <a:r>
-              <a:rPr lang="de-DE" dirty="0"/>
-              <a:t>Effizienz des Codes</a:t>
-            </a:r>
-          </a:p>
-          <a:p>
-            <a:r>
-              <a:rPr lang="de-DE" dirty="0"/>
-              <a:t>Lesbarer durch weitere Clean Code Umsetzungen</a:t>
-            </a:r>
+            <a:pPr marL="0" indent="0">
+              <a:buNone/>
+            </a:pPr>
+            <a:r>
+              <a:rPr lang="de-DE" smtClean="0"/>
+              <a:t>Probleme</a:t>
+            </a:r>
+          </a:p>
+          <a:p>
+            <a:r>
+              <a:rPr lang="de-DE" smtClean="0"/>
+              <a:t>Keine elegante Umsetzung durch verschachtelte while-Schleifen</a:t>
+            </a:r>
+          </a:p>
+          <a:p>
+            <a:pPr marL="342900" lvl="1" indent="-342900">
+              <a:buSzPct val="120000"/>
+            </a:pPr>
+            <a:r>
+              <a:rPr lang="de-DE" smtClean="0"/>
+              <a:t>Wenn auf einer Etage angekommen: </a:t>
+            </a:r>
+            <a:r>
+              <a:rPr lang="de-DE"/>
+              <a:t>Tür soll öffnen -&gt; while-Schleife wartet </a:t>
+            </a:r>
+          </a:p>
+          <a:p>
+            <a:endParaRPr lang="de-DE" smtClean="0"/>
+          </a:p>
+          <a:p>
+            <a:pPr marL="363538" lvl="1" indent="0">
+              <a:buNone/>
+            </a:pPr>
+            <a:r>
+              <a:rPr lang="de-DE" smtClean="0"/>
+              <a:t>	</a:t>
+            </a:r>
+            <a:endParaRPr lang="de-DE"/>
+          </a:p>
+          <a:p>
+            <a:pPr marL="0" indent="0">
+              <a:buNone/>
+            </a:pPr>
+            <a:endParaRPr lang="de-DE"/>
+          </a:p>
+        </p:txBody>
+      </p:sp>
+      <p:pic>
+        <p:nvPicPr>
+          <p:cNvPr id="1026" name="Picture 2"/>
+          <p:cNvPicPr>
+            <a:picLocks noChangeAspect="1" noChangeArrowheads="1"/>
+          </p:cNvPicPr>
+          <p:nvPr/>
+        </p:nvPicPr>
+        <p:blipFill>
+          <a:blip r:embed="rId2">
+            <a:extLst>
+              <a:ext uri="{28A0092B-C50C-407E-A947-70E740481C1C}">
+                <a14:useLocalDpi xmlns:a14="http://schemas.microsoft.com/office/drawing/2010/main" val="0"/>
+              </a:ext>
+            </a:extLst>
+          </a:blip>
+          <a:srcRect/>
+          <a:stretch>
+            <a:fillRect/>
+          </a:stretch>
+        </p:blipFill>
+        <p:spPr bwMode="auto">
+          <a:xfrm>
+            <a:off x="1187624" y="2806784"/>
+            <a:ext cx="6243247" cy="1800200"/>
+          </a:xfrm>
+          <a:prstGeom prst="rect">
+            <a:avLst/>
+          </a:prstGeom>
+          <a:noFill/>
+          <a:ln>
+            <a:noFill/>
+          </a:ln>
+          <a:extLst>
+            <a:ext uri="{909E8E84-426E-40DD-AFC4-6F175D3DCCD1}">
+              <a14:hiddenFill xmlns:a14="http://schemas.microsoft.com/office/drawing/2010/main">
+                <a:solidFill>
+                  <a:schemeClr val="accent1"/>
+                </a:solidFill>
+              </a14:hiddenFill>
+            </a:ext>
+            <a:ext uri="{91240B29-F687-4F45-9708-019B960494DF}">
+              <a14:hiddenLine xmlns:a14="http://schemas.microsoft.com/office/drawing/2010/main" w="9525">
+                <a:solidFill>
+                  <a:schemeClr val="tx1"/>
+                </a:solidFill>
+                <a:miter lim="800000"/>
+                <a:headEnd/>
+                <a:tailEnd/>
+              </a14:hiddenLine>
+            </a:ext>
+          </a:extLst>
+        </p:spPr>
+      </p:pic>
+      <p:cxnSp>
+        <p:nvCxnSpPr>
+          <p:cNvPr id="5" name="Gerade Verbindung 4"/>
+          <p:cNvCxnSpPr/>
+          <p:nvPr/>
+        </p:nvCxnSpPr>
+        <p:spPr bwMode="auto">
+          <a:xfrm>
+            <a:off x="1259632" y="3501008"/>
+            <a:ext cx="6264696" cy="1368152"/>
+          </a:xfrm>
+          <a:prstGeom prst="line">
+            <a:avLst/>
+          </a:prstGeom>
+          <a:ln>
+            <a:solidFill>
+              <a:srgbClr val="FF0000"/>
+            </a:solidFill>
+            <a:headEnd type="none" w="med" len="med"/>
+            <a:tailEnd type="none" w="med" len="med"/>
+          </a:ln>
+        </p:spPr>
+        <p:style>
+          <a:lnRef idx="3">
+            <a:schemeClr val="accent6"/>
+          </a:lnRef>
+          <a:fillRef idx="0">
+            <a:schemeClr val="accent6"/>
+          </a:fillRef>
+          <a:effectRef idx="2">
+            <a:schemeClr val="accent6"/>
+          </a:effectRef>
+          <a:fontRef idx="minor">
+            <a:schemeClr val="tx1"/>
+          </a:fontRef>
+        </p:style>
+      </p:cxnSp>
+      <p:cxnSp>
+        <p:nvCxnSpPr>
+          <p:cNvPr id="13" name="Gerade Verbindung 12"/>
+          <p:cNvCxnSpPr/>
+          <p:nvPr/>
+        </p:nvCxnSpPr>
+        <p:spPr bwMode="auto">
+          <a:xfrm flipV="1">
+            <a:off x="1259632" y="3501008"/>
+            <a:ext cx="6171239" cy="1152130"/>
+          </a:xfrm>
+          <a:prstGeom prst="line">
+            <a:avLst/>
+          </a:prstGeom>
+          <a:ln>
+            <a:solidFill>
+              <a:srgbClr val="FF0000"/>
+            </a:solidFill>
+            <a:headEnd type="none" w="med" len="med"/>
+            <a:tailEnd type="none" w="med" len="med"/>
+          </a:ln>
+        </p:spPr>
+        <p:style>
+          <a:lnRef idx="3">
+            <a:schemeClr val="accent6"/>
+          </a:lnRef>
+          <a:fillRef idx="0">
+            <a:schemeClr val="accent6"/>
+          </a:fillRef>
+          <a:effectRef idx="2">
+            <a:schemeClr val="accent6"/>
+          </a:effectRef>
+          <a:fontRef idx="minor">
+            <a:schemeClr val="tx1"/>
+          </a:fontRef>
+        </p:style>
+      </p:cxnSp>
+      <p:sp>
+        <p:nvSpPr>
+          <p:cNvPr id="20" name="Textfeld 19"/>
+          <p:cNvSpPr txBox="1"/>
+          <p:nvPr/>
+        </p:nvSpPr>
+        <p:spPr>
+          <a:xfrm>
+            <a:off x="1403648" y="5013176"/>
+            <a:ext cx="5688632" cy="523220"/>
+          </a:xfrm>
+          <a:prstGeom prst="rect">
+            <a:avLst/>
+          </a:prstGeom>
+          <a:noFill/>
+        </p:spPr>
+        <p:txBody>
+          <a:bodyPr wrap="square" rtlCol="0">
+            <a:spAutoFit/>
+          </a:bodyPr>
+          <a:lstStyle/>
+          <a:p>
+            <a:r>
+              <a:rPr lang="de-DE" smtClean="0">
+                <a:solidFill>
+                  <a:srgbClr val="FF0000"/>
+                </a:solidFill>
+              </a:rPr>
+              <a:t>So keine parallele Erkennung von z.B. weiteren Ruftastereingaben möglich, das Programm ist lokal „pausiert“</a:t>
+            </a:r>
+            <a:endParaRPr lang="de-DE">
+              <a:solidFill>
+                <a:srgbClr val="FF0000"/>
+              </a:solidFill>
+            </a:endParaRPr>
           </a:p>
         </p:txBody>
       </p:sp>
     </p:spTree>
     <p:extLst>
       <p:ext uri="{BB962C8B-B14F-4D97-AF65-F5344CB8AC3E}">
-        <p14:creationId xmlns:p14="http://schemas.microsoft.com/office/powerpoint/2010/main" xmlns="" val="76012745"/>
+        <p14:creationId xmlns:p14="http://schemas.microsoft.com/office/powerpoint/2010/main" val="4058165542"/>
       </p:ext>
     </p:extLst>
   </p:cSld>
@@ -7901,9 +8049,134 @@
   <p:timing>
     <p:tnLst>
       <p:par>
-        <p:cTn id="1" dur="indefinite" restart="never" nodeType="tmRoot"/>
+        <p:cTn id="1" dur="indefinite" restart="never" nodeType="tmRoot">
+          <p:childTnLst>
+            <p:seq concurrent="1" nextAc="seek">
+              <p:cTn id="2" dur="indefinite" nodeType="mainSeq">
+                <p:childTnLst>
+                  <p:par>
+                    <p:cTn id="3" fill="hold">
+                      <p:stCondLst>
+                        <p:cond delay="indefinite"/>
+                      </p:stCondLst>
+                      <p:childTnLst>
+                        <p:par>
+                          <p:cTn id="4" fill="hold">
+                            <p:stCondLst>
+                              <p:cond delay="0"/>
+                            </p:stCondLst>
+                            <p:childTnLst>
+                              <p:par>
+                                <p:cTn id="5" presetID="1" presetClass="entr" presetSubtype="0" fill="hold" nodeType="clickEffect">
+                                  <p:stCondLst>
+                                    <p:cond delay="0"/>
+                                  </p:stCondLst>
+                                  <p:childTnLst>
+                                    <p:set>
+                                      <p:cBhvr>
+                                        <p:cTn id="6" dur="1" fill="hold">
+                                          <p:stCondLst>
+                                            <p:cond delay="0"/>
+                                          </p:stCondLst>
+                                        </p:cTn>
+                                        <p:tgtEl>
+                                          <p:spTgt spid="5"/>
+                                        </p:tgtEl>
+                                        <p:attrNameLst>
+                                          <p:attrName>style.visibility</p:attrName>
+                                        </p:attrNameLst>
+                                      </p:cBhvr>
+                                      <p:to>
+                                        <p:strVal val="visible"/>
+                                      </p:to>
+                                    </p:set>
+                                  </p:childTnLst>
+                                </p:cTn>
+                              </p:par>
+                              <p:par>
+                                <p:cTn id="7" presetID="1" presetClass="entr" presetSubtype="0" fill="hold" nodeType="withEffect">
+                                  <p:stCondLst>
+                                    <p:cond delay="0"/>
+                                  </p:stCondLst>
+                                  <p:childTnLst>
+                                    <p:set>
+                                      <p:cBhvr>
+                                        <p:cTn id="8" dur="1" fill="hold">
+                                          <p:stCondLst>
+                                            <p:cond delay="0"/>
+                                          </p:stCondLst>
+                                        </p:cTn>
+                                        <p:tgtEl>
+                                          <p:spTgt spid="13"/>
+                                        </p:tgtEl>
+                                        <p:attrNameLst>
+                                          <p:attrName>style.visibility</p:attrName>
+                                        </p:attrNameLst>
+                                      </p:cBhvr>
+                                      <p:to>
+                                        <p:strVal val="visible"/>
+                                      </p:to>
+                                    </p:set>
+                                  </p:childTnLst>
+                                </p:cTn>
+                              </p:par>
+                              <p:par>
+                                <p:cTn id="9" presetID="1" presetClass="entr" presetSubtype="0" fill="hold" grpId="0" nodeType="withEffect">
+                                  <p:stCondLst>
+                                    <p:cond delay="0"/>
+                                  </p:stCondLst>
+                                  <p:childTnLst>
+                                    <p:set>
+                                      <p:cBhvr>
+                                        <p:cTn id="10" dur="1" fill="hold">
+                                          <p:stCondLst>
+                                            <p:cond delay="0"/>
+                                          </p:stCondLst>
+                                        </p:cTn>
+                                        <p:tgtEl>
+                                          <p:spTgt spid="20"/>
+                                        </p:tgtEl>
+                                        <p:attrNameLst>
+                                          <p:attrName>style.visibility</p:attrName>
+                                        </p:attrNameLst>
+                                      </p:cBhvr>
+                                      <p:to>
+                                        <p:strVal val="visible"/>
+                                      </p:to>
+                                    </p:set>
+                                  </p:childTnLst>
+                                </p:cTn>
+                              </p:par>
+                            </p:childTnLst>
+                          </p:cTn>
+                        </p:par>
+                      </p:childTnLst>
+                    </p:cTn>
+                  </p:par>
+                </p:childTnLst>
+              </p:cTn>
+              <p:prevCondLst>
+                <p:cond evt="onPrev" delay="0">
+                  <p:tgtEl>
+                    <p:sldTgt/>
+                  </p:tgtEl>
+                </p:cond>
+              </p:prevCondLst>
+              <p:nextCondLst>
+                <p:cond evt="onNext" delay="0">
+                  <p:tgtEl>
+                    <p:sldTgt/>
+                  </p:tgtEl>
+                </p:cond>
+              </p:nextCondLst>
+            </p:seq>
+          </p:childTnLst>
+        </p:cTn>
       </p:par>
     </p:tnLst>
+    <p:bldLst>
+      <p:bldP spid="20" grpId="0"/>
+    </p:bldLst>
   </p:timing>
 </p:sld>
 </file>
@@ -7941,34 +8214,10 @@
           <a:lstStyle/>
           <a:p>
             <a:r>
-              <a:rPr lang="de-DE" dirty="0"/>
-              <a:t>Ausblick</a:t>
-            </a:r>
-          </a:p>
-        </p:txBody>
-      </p:sp>
-      <p:sp>
-        <p:nvSpPr>
-          <p:cNvPr id="3" name="Inhaltsplatzhalter 2"/>
-          <p:cNvSpPr>
-            <a:spLocks noGrp="1"/>
-          </p:cNvSpPr>
-          <p:nvPr>
-            <p:ph idx="1"/>
-          </p:nvPr>
-        </p:nvSpPr>
-        <p:spPr>
-          <a:xfrm>
-            <a:off x="738204" y="1401778"/>
-            <a:ext cx="7342187" cy="307777"/>
-          </a:xfrm>
-        </p:spPr>
-        <p:txBody>
-          <a:bodyPr/>
-          <a:lstStyle/>
-          <a:p>
-            <a:pPr lvl="1"/>
-            <a:endParaRPr lang="de-DE" dirty="0"/>
+              <a:rPr lang="de-DE" smtClean="0"/>
+              <a:t>Etagenlogik</a:t>
+            </a:r>
+            <a:endParaRPr lang="de-DE"/>
           </a:p>
         </p:txBody>
       </p:sp>
@@ -7997,13 +8246,13 @@
               </a:pPr>
               <a:t>22</a:t>
             </a:fld>
-            <a:endParaRPr lang="de-DE" dirty="0"/>
-          </a:p>
-        </p:txBody>
-      </p:sp>
-      <p:sp>
-        <p:nvSpPr>
-          <p:cNvPr id="5" name="AutoShape 16">
+            <a:endParaRPr lang="de-DE"/>
+          </a:p>
+        </p:txBody>
+      </p:sp>
+      <p:sp>
+        <p:nvSpPr>
+          <p:cNvPr id="8" name="AutoShape 16">
             <a:hlinkClick r:id="" action="ppaction://noaction"/>
           </p:cNvPr>
           <p:cNvSpPr>
@@ -8013,7 +8262,7 @@
         </p:nvSpPr>
         <p:spPr bwMode="auto">
           <a:xfrm>
-            <a:off x="8645011" y="3349837"/>
+            <a:off x="8634974" y="2806784"/>
             <a:ext cx="180000" cy="487363"/>
           </a:xfrm>
           <a:prstGeom prst="roundRect">
@@ -8037,7 +8286,7 @@
           <a:p>
             <a:pPr marL="268288" algn="r"/>
             <a:r>
-              <a:rPr lang="en-US" dirty="0">
+              <a:rPr lang="en-US">
                 <a:solidFill>
                   <a:schemeClr val="bg1"/>
                 </a:solidFill>
@@ -8050,13 +8299,13 @@
       </p:sp>
       <p:sp>
         <p:nvSpPr>
-          <p:cNvPr id="6" name="Textfeld 5"/>
+          <p:cNvPr id="11" name="Textfeld 10"/>
           <p:cNvSpPr txBox="1"/>
           <p:nvPr/>
         </p:nvSpPr>
         <p:spPr>
           <a:xfrm>
-            <a:off x="8559942" y="3437428"/>
+            <a:off x="8580569" y="2894374"/>
             <a:ext cx="409614" cy="307777"/>
           </a:xfrm>
           <a:prstGeom prst="rect">
@@ -8071,27 +8320,93 @@
           <a:lstStyle/>
           <a:p>
             <a:r>
-              <a:rPr lang="de-DE" dirty="0">
+              <a:rPr lang="de-DE">
                 <a:solidFill>
                   <a:schemeClr val="bg1"/>
                 </a:solidFill>
               </a:rPr>
-              <a:t>VI</a:t>
-            </a:r>
-            <a:endParaRPr lang="de-DE" dirty="0"/>
+              <a:t>V</a:t>
+            </a:r>
+            <a:endParaRPr lang="de-DE"/>
+          </a:p>
+        </p:txBody>
+      </p:sp>
+      <p:sp>
+        <p:nvSpPr>
+          <p:cNvPr id="9" name="Inhaltsplatzhalter 2"/>
+          <p:cNvSpPr>
+            <a:spLocks noGrp="1"/>
+          </p:cNvSpPr>
+          <p:nvPr>
+            <p:ph idx="1"/>
+          </p:nvPr>
+        </p:nvSpPr>
+        <p:spPr>
+          <a:xfrm>
+            <a:off x="738204" y="1401763"/>
+            <a:ext cx="7342187" cy="2462213"/>
+          </a:xfrm>
+        </p:spPr>
+        <p:txBody>
+          <a:bodyPr/>
+          <a:lstStyle/>
+          <a:p>
+            <a:pPr marL="0" indent="0">
+              <a:buNone/>
+            </a:pPr>
+            <a:r>
+              <a:rPr lang="de-DE" smtClean="0"/>
+              <a:t>Lösung</a:t>
+            </a:r>
+          </a:p>
+          <a:p>
+            <a:r>
+              <a:rPr lang="de-DE" smtClean="0"/>
+              <a:t>Ständiges „Hineinspringen“ aus der main()</a:t>
+            </a:r>
+          </a:p>
+          <a:p>
+            <a:r>
+              <a:rPr lang="de-DE" smtClean="0"/>
+              <a:t>Ausführungslogik über Klassenvariable FloorStatus</a:t>
+            </a:r>
+          </a:p>
+          <a:p>
+            <a:pPr lvl="1"/>
+            <a:r>
+              <a:rPr lang="de-DE" smtClean="0"/>
+              <a:t>Nur aktueller Schritt wird durchgeführt und zurückspringen in die main</a:t>
+            </a:r>
+            <a:endParaRPr lang="de-DE"/>
+          </a:p>
+          <a:p>
+            <a:endParaRPr lang="de-DE"/>
+          </a:p>
+          <a:p>
+            <a:pPr marL="0" indent="0">
+              <a:buNone/>
+            </a:pPr>
+            <a:endParaRPr lang="de-DE"/>
           </a:p>
         </p:txBody>
       </p:sp>
     </p:spTree>
     <p:extLst>
       <p:ext uri="{BB962C8B-B14F-4D97-AF65-F5344CB8AC3E}">
-        <p14:creationId xmlns:p14="http://schemas.microsoft.com/office/powerpoint/2010/main" xmlns="" val="3606055436"/>
+        <p14:creationId xmlns:p14="http://schemas.microsoft.com/office/powerpoint/2010/main" val="2383928734"/>
       </p:ext>
     </p:extLst>
   </p:cSld>
   <p:clrMapOvr>
     <a:masterClrMapping/>
   </p:clrMapOvr>
+  <p:timing>
+    <p:tnLst>
+      <p:par>
+        <p:cTn id="1" dur="indefinite" restart="never" nodeType="tmRoot"/>
+      </p:par>
+    </p:tnLst>
+  </p:timing>
 </p:sld>
 </file>
 
@@ -8114,6 +8429,1126 @@
       </p:grpSpPr>
       <p:sp>
         <p:nvSpPr>
+          <p:cNvPr id="2" name="Titel 1"/>
+          <p:cNvSpPr>
+            <a:spLocks noGrp="1"/>
+          </p:cNvSpPr>
+          <p:nvPr>
+            <p:ph type="title"/>
+          </p:nvPr>
+        </p:nvSpPr>
+        <p:spPr/>
+        <p:txBody>
+          <a:bodyPr/>
+          <a:lstStyle/>
+          <a:p>
+            <a:r>
+              <a:rPr lang="de-DE" smtClean="0"/>
+              <a:t>Etagenlogik</a:t>
+            </a:r>
+            <a:endParaRPr lang="de-DE"/>
+          </a:p>
+        </p:txBody>
+      </p:sp>
+      <p:sp>
+        <p:nvSpPr>
+          <p:cNvPr id="4" name="Foliennummernplatzhalter 3"/>
+          <p:cNvSpPr>
+            <a:spLocks noGrp="1"/>
+          </p:cNvSpPr>
+          <p:nvPr>
+            <p:ph type="sldNum" sz="quarter" idx="10"/>
+          </p:nvPr>
+        </p:nvSpPr>
+        <p:spPr/>
+        <p:txBody>
+          <a:bodyPr/>
+          <a:lstStyle/>
+          <a:p>
+            <a:pPr>
+              <a:defRPr/>
+            </a:pPr>
+            <a:fld id="{5F8FFA7F-0241-4901-8EB3-B5A2BF410D80}" type="slidenum">
+              <a:rPr lang="de-DE" smtClean="0"/>
+              <a:pPr>
+                <a:defRPr/>
+              </a:pPr>
+              <a:t>23</a:t>
+            </a:fld>
+            <a:endParaRPr lang="de-DE"/>
+          </a:p>
+        </p:txBody>
+      </p:sp>
+      <p:sp>
+        <p:nvSpPr>
+          <p:cNvPr id="8" name="AutoShape 16">
+            <a:hlinkClick r:id="" action="ppaction://noaction"/>
+          </p:cNvPr>
+          <p:cNvSpPr>
+            <a:spLocks noChangeArrowheads="1"/>
+          </p:cNvSpPr>
+          <p:nvPr/>
+        </p:nvSpPr>
+        <p:spPr bwMode="auto">
+          <a:xfrm>
+            <a:off x="8634974" y="2806784"/>
+            <a:ext cx="180000" cy="487363"/>
+          </a:xfrm>
+          <a:prstGeom prst="roundRect">
+            <a:avLst>
+              <a:gd name="adj" fmla="val 5356"/>
+            </a:avLst>
+          </a:prstGeom>
+          <a:solidFill>
+            <a:schemeClr val="tx1"/>
+          </a:solidFill>
+          <a:ln w="9525">
+            <a:noFill/>
+            <a:round/>
+            <a:headEnd/>
+            <a:tailEnd/>
+          </a:ln>
+        </p:spPr>
+        <p:txBody>
+          <a:bodyPr wrap="none" anchor="ctr"/>
+          <a:lstStyle/>
+          <a:p>
+            <a:pPr marL="268288" algn="r"/>
+            <a:r>
+              <a:rPr lang="en-US">
+                <a:solidFill>
+                  <a:schemeClr val="bg1"/>
+                </a:solidFill>
+                <a:latin typeface="+mj-lt"/>
+              </a:rPr>
+              <a:t>     </a:t>
+            </a:r>
+          </a:p>
+        </p:txBody>
+      </p:sp>
+      <p:sp>
+        <p:nvSpPr>
+          <p:cNvPr id="11" name="Textfeld 10"/>
+          <p:cNvSpPr txBox="1"/>
+          <p:nvPr/>
+        </p:nvSpPr>
+        <p:spPr>
+          <a:xfrm>
+            <a:off x="8580569" y="2894374"/>
+            <a:ext cx="409614" cy="307777"/>
+          </a:xfrm>
+          <a:prstGeom prst="rect">
+            <a:avLst/>
+          </a:prstGeom>
+          <a:noFill/>
+        </p:spPr>
+        <p:txBody>
+          <a:bodyPr wrap="square" rtlCol="0">
+            <a:spAutoFit/>
+          </a:bodyPr>
+          <a:lstStyle/>
+          <a:p>
+            <a:r>
+              <a:rPr lang="de-DE">
+                <a:solidFill>
+                  <a:schemeClr val="bg1"/>
+                </a:solidFill>
+              </a:rPr>
+              <a:t>V</a:t>
+            </a:r>
+            <a:endParaRPr lang="de-DE"/>
+          </a:p>
+        </p:txBody>
+      </p:sp>
+      <p:pic>
+        <p:nvPicPr>
+          <p:cNvPr id="2050" name="Picture 2"/>
+          <p:cNvPicPr>
+            <a:picLocks noChangeAspect="1" noChangeArrowheads="1"/>
+          </p:cNvPicPr>
+          <p:nvPr/>
+        </p:nvPicPr>
+        <p:blipFill>
+          <a:blip r:embed="rId2">
+            <a:extLst>
+              <a:ext uri="{28A0092B-C50C-407E-A947-70E740481C1C}">
+                <a14:useLocalDpi xmlns:a14="http://schemas.microsoft.com/office/drawing/2010/main" val="0"/>
+              </a:ext>
+            </a:extLst>
+          </a:blip>
+          <a:srcRect/>
+          <a:stretch>
+            <a:fillRect/>
+          </a:stretch>
+        </p:blipFill>
+        <p:spPr bwMode="auto">
+          <a:xfrm>
+            <a:off x="804863" y="1412775"/>
+            <a:ext cx="7534275" cy="4536505"/>
+          </a:xfrm>
+          <a:prstGeom prst="rect">
+            <a:avLst/>
+          </a:prstGeom>
+          <a:noFill/>
+          <a:ln>
+            <a:noFill/>
+          </a:ln>
+          <a:extLst>
+            <a:ext uri="{909E8E84-426E-40DD-AFC4-6F175D3DCCD1}">
+              <a14:hiddenFill xmlns:a14="http://schemas.microsoft.com/office/drawing/2010/main">
+                <a:solidFill>
+                  <a:schemeClr val="accent1"/>
+                </a:solidFill>
+              </a14:hiddenFill>
+            </a:ext>
+            <a:ext uri="{91240B29-F687-4F45-9708-019B960494DF}">
+              <a14:hiddenLine xmlns:a14="http://schemas.microsoft.com/office/drawing/2010/main" w="9525">
+                <a:solidFill>
+                  <a:schemeClr val="tx1"/>
+                </a:solidFill>
+                <a:miter lim="800000"/>
+                <a:headEnd/>
+                <a:tailEnd/>
+              </a14:hiddenLine>
+            </a:ext>
+          </a:extLst>
+        </p:spPr>
+      </p:pic>
+    </p:spTree>
+    <p:extLst>
+      <p:ext uri="{BB962C8B-B14F-4D97-AF65-F5344CB8AC3E}">
+        <p14:creationId xmlns:p14="http://schemas.microsoft.com/office/powerpoint/2010/main" val="1075400916"/>
+      </p:ext>
+    </p:extLst>
+  </p:cSld>
+  <p:clrMapOvr>
+    <a:masterClrMapping/>
+  </p:clrMapOvr>
+  <p:timing>
+    <p:tnLst>
+      <p:par>
+        <p:cTn id="1" dur="indefinite" restart="never" nodeType="tmRoot"/>
+      </p:par>
+    </p:tnLst>
+  </p:timing>
+</p:sld>
+</file>
+
+<file path=ppt/slides/slide24.xml><?xml version="1.0" encoding="utf-8"?>
+<p:sld xmlns:a="http://schemas.openxmlformats.org/drawingml/2006/main" xmlns:r="http://schemas.openxmlformats.org/officeDocument/2006/relationships" xmlns:p="http://schemas.openxmlformats.org/presentationml/2006/main">
+  <p:cSld>
+    <p:spTree>
+      <p:nvGrpSpPr>
+        <p:cNvPr id="1" name=""/>
+        <p:cNvGrpSpPr/>
+        <p:nvPr/>
+      </p:nvGrpSpPr>
+      <p:grpSpPr>
+        <a:xfrm>
+          <a:off x="0" y="0"/>
+          <a:ext cx="0" cy="0"/>
+          <a:chOff x="0" y="0"/>
+          <a:chExt cx="0" cy="0"/>
+        </a:xfrm>
+      </p:grpSpPr>
+      <p:sp>
+        <p:nvSpPr>
+          <p:cNvPr id="17" name="Rechteck 16"/>
+          <p:cNvSpPr/>
+          <p:nvPr/>
+        </p:nvSpPr>
+        <p:spPr bwMode="auto">
+          <a:xfrm>
+            <a:off x="555521" y="5291048"/>
+            <a:ext cx="5400600" cy="576064"/>
+          </a:xfrm>
+          <a:prstGeom prst="rect">
+            <a:avLst/>
+          </a:prstGeom>
+          <a:gradFill flip="none" rotWithShape="1">
+            <a:gsLst>
+              <a:gs pos="0">
+                <a:schemeClr val="tx1">
+                  <a:tint val="66000"/>
+                  <a:satMod val="160000"/>
+                </a:schemeClr>
+              </a:gs>
+              <a:gs pos="34000">
+                <a:schemeClr val="tx1">
+                  <a:tint val="44500"/>
+                  <a:satMod val="160000"/>
+                </a:schemeClr>
+              </a:gs>
+              <a:gs pos="100000">
+                <a:schemeClr val="bg1"/>
+              </a:gs>
+            </a:gsLst>
+            <a:lin ang="0" scaled="1"/>
+            <a:tileRect/>
+          </a:gradFill>
+          <a:ln w="9525" cap="flat" cmpd="sng" algn="ctr">
+            <a:noFill/>
+            <a:prstDash val="solid"/>
+            <a:round/>
+            <a:headEnd type="none" w="med" len="med"/>
+            <a:tailEnd type="none" w="med" len="med"/>
+          </a:ln>
+          <a:effectLst/>
+        </p:spPr>
+        <p:txBody>
+          <a:bodyPr vert="horz" wrap="none" lIns="91440" tIns="45720" rIns="91440" bIns="45720" numCol="1" rtlCol="0" anchor="ctr" anchorCtr="0" compatLnSpc="1">
+            <a:prstTxWarp prst="textNoShape">
+              <a:avLst/>
+            </a:prstTxWarp>
+          </a:bodyPr>
+          <a:lstStyle/>
+          <a:p>
+            <a:pPr algn="ctr"/>
+            <a:endParaRPr lang="de-DE" sz="1800"/>
+          </a:p>
+        </p:txBody>
+      </p:sp>
+      <p:sp>
+        <p:nvSpPr>
+          <p:cNvPr id="2" name="Titel 1"/>
+          <p:cNvSpPr>
+            <a:spLocks noGrp="1"/>
+          </p:cNvSpPr>
+          <p:nvPr>
+            <p:ph type="title"/>
+          </p:nvPr>
+        </p:nvSpPr>
+        <p:spPr/>
+        <p:txBody>
+          <a:bodyPr/>
+          <a:lstStyle/>
+          <a:p>
+            <a:r>
+              <a:rPr lang="de-DE" dirty="0"/>
+              <a:t>Fachlabor IT</a:t>
+            </a:r>
+          </a:p>
+        </p:txBody>
+      </p:sp>
+      <p:sp>
+        <p:nvSpPr>
+          <p:cNvPr id="3" name="Inhaltsplatzhalter 2"/>
+          <p:cNvSpPr>
+            <a:spLocks noGrp="1"/>
+          </p:cNvSpPr>
+          <p:nvPr>
+            <p:ph idx="1"/>
+          </p:nvPr>
+        </p:nvSpPr>
+        <p:spPr>
+          <a:xfrm>
+            <a:off x="738204" y="1401763"/>
+            <a:ext cx="7342187" cy="4832092"/>
+          </a:xfrm>
+        </p:spPr>
+        <p:txBody>
+          <a:bodyPr/>
+          <a:lstStyle/>
+          <a:p>
+            <a:pPr marL="1160463" indent="-1160463">
+              <a:lnSpc>
+                <a:spcPct val="200000"/>
+              </a:lnSpc>
+              <a:spcBef>
+                <a:spcPct val="50000"/>
+              </a:spcBef>
+              <a:buClr>
+                <a:srgbClr val="5F5F5F"/>
+              </a:buClr>
+              <a:buSzPct val="100000"/>
+              <a:buFont typeface="+mj-lt"/>
+              <a:buAutoNum type="romanUcPeriod"/>
+              <a:defRPr/>
+            </a:pPr>
+            <a:r>
+              <a:rPr lang="de-DE" dirty="0" smtClean="0">
+                <a:solidFill>
+                  <a:schemeClr val="accent4">
+                    <a:lumMod val="65000"/>
+                    <a:lumOff val="35000"/>
+                  </a:schemeClr>
+                </a:solidFill>
+              </a:rPr>
+              <a:t>Vorgehensweise &amp; Features</a:t>
+            </a:r>
+            <a:endParaRPr lang="de-DE" dirty="0">
+              <a:solidFill>
+                <a:schemeClr val="accent4">
+                  <a:lumMod val="65000"/>
+                  <a:lumOff val="35000"/>
+                </a:schemeClr>
+              </a:solidFill>
+            </a:endParaRPr>
+          </a:p>
+          <a:p>
+            <a:pPr marL="1160463" indent="-1160463">
+              <a:lnSpc>
+                <a:spcPct val="200000"/>
+              </a:lnSpc>
+              <a:spcBef>
+                <a:spcPct val="50000"/>
+              </a:spcBef>
+              <a:buClr>
+                <a:srgbClr val="5F5F5F"/>
+              </a:buClr>
+              <a:buSzPct val="100000"/>
+              <a:buFont typeface="+mj-lt"/>
+              <a:buAutoNum type="romanUcPeriod"/>
+              <a:defRPr/>
+            </a:pPr>
+            <a:r>
+              <a:rPr lang="de-DE" dirty="0">
+                <a:solidFill>
+                  <a:schemeClr val="accent4">
+                    <a:lumMod val="65000"/>
+                    <a:lumOff val="35000"/>
+                  </a:schemeClr>
+                </a:solidFill>
+              </a:rPr>
+              <a:t>Klassenübersicht &amp; </a:t>
+            </a:r>
+            <a:r>
+              <a:rPr lang="de-DE" dirty="0" err="1">
+                <a:solidFill>
+                  <a:schemeClr val="accent4">
+                    <a:lumMod val="65000"/>
+                    <a:lumOff val="35000"/>
+                  </a:schemeClr>
+                </a:solidFill>
+              </a:rPr>
+              <a:t>main</a:t>
+            </a:r>
+            <a:r>
+              <a:rPr lang="de-DE" dirty="0">
+                <a:solidFill>
+                  <a:schemeClr val="accent4">
+                    <a:lumMod val="65000"/>
+                    <a:lumOff val="35000"/>
+                  </a:schemeClr>
+                </a:solidFill>
+              </a:rPr>
+              <a:t>()</a:t>
+            </a:r>
+          </a:p>
+          <a:p>
+            <a:pPr marL="1160463" indent="-1160463">
+              <a:lnSpc>
+                <a:spcPct val="200000"/>
+              </a:lnSpc>
+              <a:spcBef>
+                <a:spcPct val="50000"/>
+              </a:spcBef>
+              <a:buClr>
+                <a:srgbClr val="5F5F5F"/>
+              </a:buClr>
+              <a:buSzPct val="100000"/>
+              <a:buFont typeface="+mj-lt"/>
+              <a:buAutoNum type="romanUcPeriod"/>
+              <a:defRPr/>
+            </a:pPr>
+            <a:r>
+              <a:rPr lang="de-DE" dirty="0">
+                <a:solidFill>
+                  <a:schemeClr val="accent4">
+                    <a:lumMod val="65000"/>
+                    <a:lumOff val="35000"/>
+                  </a:schemeClr>
+                </a:solidFill>
+              </a:rPr>
+              <a:t>Warteschlangenlogik</a:t>
+            </a:r>
+          </a:p>
+          <a:p>
+            <a:pPr marL="1160463" indent="-1160463">
+              <a:lnSpc>
+                <a:spcPct val="200000"/>
+              </a:lnSpc>
+              <a:spcBef>
+                <a:spcPct val="50000"/>
+              </a:spcBef>
+              <a:buClr>
+                <a:srgbClr val="5F5F5F"/>
+              </a:buClr>
+              <a:buSzPct val="100000"/>
+              <a:buFont typeface="+mj-lt"/>
+              <a:buAutoNum type="romanUcPeriod"/>
+              <a:defRPr/>
+            </a:pPr>
+            <a:r>
+              <a:rPr lang="de-DE" dirty="0">
+                <a:solidFill>
+                  <a:schemeClr val="accent4">
+                    <a:lumMod val="65000"/>
+                    <a:lumOff val="35000"/>
+                  </a:schemeClr>
+                </a:solidFill>
+              </a:rPr>
+              <a:t>Bewegungslogik</a:t>
+            </a:r>
+          </a:p>
+          <a:p>
+            <a:pPr marL="1160463" indent="-1160463">
+              <a:lnSpc>
+                <a:spcPct val="200000"/>
+              </a:lnSpc>
+              <a:spcBef>
+                <a:spcPct val="50000"/>
+              </a:spcBef>
+              <a:buClr>
+                <a:srgbClr val="5F5F5F"/>
+              </a:buClr>
+              <a:buSzPct val="100000"/>
+              <a:buFont typeface="+mj-lt"/>
+              <a:buAutoNum type="romanUcPeriod"/>
+              <a:defRPr/>
+            </a:pPr>
+            <a:r>
+              <a:rPr lang="de-DE" dirty="0" err="1">
+                <a:solidFill>
+                  <a:schemeClr val="accent4">
+                    <a:lumMod val="65000"/>
+                    <a:lumOff val="35000"/>
+                  </a:schemeClr>
+                </a:solidFill>
+              </a:rPr>
+              <a:t>Türlogik</a:t>
+            </a:r>
+            <a:endParaRPr lang="de-DE" dirty="0">
+              <a:solidFill>
+                <a:schemeClr val="accent4">
+                  <a:lumMod val="65000"/>
+                  <a:lumOff val="35000"/>
+                </a:schemeClr>
+              </a:solidFill>
+            </a:endParaRPr>
+          </a:p>
+          <a:p>
+            <a:pPr marL="1160463" indent="-1160463">
+              <a:lnSpc>
+                <a:spcPct val="200000"/>
+              </a:lnSpc>
+              <a:spcBef>
+                <a:spcPct val="50000"/>
+              </a:spcBef>
+              <a:buClr>
+                <a:srgbClr val="5F5F5F"/>
+              </a:buClr>
+              <a:buSzPct val="100000"/>
+              <a:buFont typeface="+mj-lt"/>
+              <a:buAutoNum type="romanUcPeriod"/>
+              <a:defRPr/>
+            </a:pPr>
+            <a:r>
+              <a:rPr lang="de-DE" b="1" dirty="0">
+                <a:solidFill>
+                  <a:schemeClr val="accent4">
+                    <a:lumMod val="65000"/>
+                    <a:lumOff val="35000"/>
+                  </a:schemeClr>
+                </a:solidFill>
+              </a:rPr>
+              <a:t>Fazit</a:t>
+            </a:r>
+          </a:p>
+          <a:p>
+            <a:endParaRPr lang="de-DE" dirty="0"/>
+          </a:p>
+        </p:txBody>
+      </p:sp>
+      <p:sp>
+        <p:nvSpPr>
+          <p:cNvPr id="4" name="Foliennummernplatzhalter 3"/>
+          <p:cNvSpPr>
+            <a:spLocks noGrp="1"/>
+          </p:cNvSpPr>
+          <p:nvPr>
+            <p:ph type="sldNum" sz="quarter" idx="10"/>
+          </p:nvPr>
+        </p:nvSpPr>
+        <p:spPr/>
+        <p:txBody>
+          <a:bodyPr/>
+          <a:lstStyle/>
+          <a:p>
+            <a:pPr>
+              <a:defRPr/>
+            </a:pPr>
+            <a:fld id="{5F8FFA7F-0241-4901-8EB3-B5A2BF410D80}" type="slidenum">
+              <a:rPr lang="de-DE" smtClean="0"/>
+              <a:pPr>
+                <a:defRPr/>
+              </a:pPr>
+              <a:t>24</a:t>
+            </a:fld>
+            <a:endParaRPr lang="de-DE" dirty="0"/>
+          </a:p>
+        </p:txBody>
+      </p:sp>
+      <p:sp>
+        <p:nvSpPr>
+          <p:cNvPr id="15" name="AutoShape 16">
+            <a:hlinkClick r:id="" action="ppaction://noaction"/>
+          </p:cNvPr>
+          <p:cNvSpPr>
+            <a:spLocks noChangeArrowheads="1"/>
+          </p:cNvSpPr>
+          <p:nvPr/>
+        </p:nvSpPr>
+        <p:spPr bwMode="auto">
+          <a:xfrm>
+            <a:off x="8645011" y="3349837"/>
+            <a:ext cx="180000" cy="487363"/>
+          </a:xfrm>
+          <a:prstGeom prst="roundRect">
+            <a:avLst>
+              <a:gd name="adj" fmla="val 5356"/>
+            </a:avLst>
+          </a:prstGeom>
+          <a:solidFill>
+            <a:schemeClr val="tx1"/>
+          </a:solidFill>
+          <a:ln w="9525">
+            <a:noFill/>
+            <a:round/>
+            <a:headEnd/>
+            <a:tailEnd/>
+          </a:ln>
+        </p:spPr>
+        <p:txBody>
+          <a:bodyPr wrap="none" anchor="ctr"/>
+          <a:lstStyle/>
+          <a:p>
+            <a:pPr marL="268288" algn="r"/>
+            <a:r>
+              <a:rPr lang="en-US" dirty="0">
+                <a:solidFill>
+                  <a:schemeClr val="bg1"/>
+                </a:solidFill>
+                <a:latin typeface="+mj-lt"/>
+              </a:rPr>
+              <a:t>     </a:t>
+            </a:r>
+          </a:p>
+        </p:txBody>
+      </p:sp>
+      <p:sp>
+        <p:nvSpPr>
+          <p:cNvPr id="16" name="Textfeld 15"/>
+          <p:cNvSpPr txBox="1"/>
+          <p:nvPr/>
+        </p:nvSpPr>
+        <p:spPr>
+          <a:xfrm>
+            <a:off x="8559942" y="3437428"/>
+            <a:ext cx="409614" cy="307777"/>
+          </a:xfrm>
+          <a:prstGeom prst="rect">
+            <a:avLst/>
+          </a:prstGeom>
+          <a:noFill/>
+        </p:spPr>
+        <p:txBody>
+          <a:bodyPr wrap="square" rtlCol="0">
+            <a:spAutoFit/>
+          </a:bodyPr>
+          <a:lstStyle/>
+          <a:p>
+            <a:r>
+              <a:rPr lang="de-DE" dirty="0">
+                <a:solidFill>
+                  <a:schemeClr val="bg1"/>
+                </a:solidFill>
+              </a:rPr>
+              <a:t>VI</a:t>
+            </a:r>
+            <a:endParaRPr lang="de-DE" dirty="0"/>
+          </a:p>
+        </p:txBody>
+      </p:sp>
+    </p:spTree>
+    <p:extLst>
+      <p:ext uri="{BB962C8B-B14F-4D97-AF65-F5344CB8AC3E}">
+        <p14:creationId xmlns:p14="http://schemas.microsoft.com/office/powerpoint/2010/main" val="1550742323"/>
+      </p:ext>
+    </p:extLst>
+  </p:cSld>
+  <p:clrMapOvr>
+    <a:masterClrMapping/>
+  </p:clrMapOvr>
+  <p:timing>
+    <p:tnLst>
+      <p:par>
+        <p:cTn id="1" dur="indefinite" restart="never" nodeType="tmRoot"/>
+      </p:par>
+    </p:tnLst>
+  </p:timing>
+</p:sld>
+</file>
+
+<file path=ppt/slides/slide25.xml><?xml version="1.0" encoding="utf-8"?>
+<p:sld xmlns:a="http://schemas.openxmlformats.org/drawingml/2006/main" xmlns:r="http://schemas.openxmlformats.org/officeDocument/2006/relationships" xmlns:p="http://schemas.openxmlformats.org/presentationml/2006/main">
+  <p:cSld>
+    <p:spTree>
+      <p:nvGrpSpPr>
+        <p:cNvPr id="1" name=""/>
+        <p:cNvGrpSpPr/>
+        <p:nvPr/>
+      </p:nvGrpSpPr>
+      <p:grpSpPr>
+        <a:xfrm>
+          <a:off x="0" y="0"/>
+          <a:ext cx="0" cy="0"/>
+          <a:chOff x="0" y="0"/>
+          <a:chExt cx="0" cy="0"/>
+        </a:xfrm>
+      </p:grpSpPr>
+      <p:sp>
+        <p:nvSpPr>
+          <p:cNvPr id="2" name="Titel 1"/>
+          <p:cNvSpPr>
+            <a:spLocks noGrp="1"/>
+          </p:cNvSpPr>
+          <p:nvPr>
+            <p:ph type="title"/>
+          </p:nvPr>
+        </p:nvSpPr>
+        <p:spPr/>
+        <p:txBody>
+          <a:bodyPr/>
+          <a:lstStyle/>
+          <a:p>
+            <a:r>
+              <a:rPr lang="de-DE" dirty="0"/>
+              <a:t>Erfüllte Ziele</a:t>
+            </a:r>
+          </a:p>
+        </p:txBody>
+      </p:sp>
+      <p:sp>
+        <p:nvSpPr>
+          <p:cNvPr id="4" name="Foliennummernplatzhalter 3"/>
+          <p:cNvSpPr>
+            <a:spLocks noGrp="1"/>
+          </p:cNvSpPr>
+          <p:nvPr>
+            <p:ph type="sldNum" sz="quarter" idx="10"/>
+          </p:nvPr>
+        </p:nvSpPr>
+        <p:spPr/>
+        <p:txBody>
+          <a:bodyPr/>
+          <a:lstStyle/>
+          <a:p>
+            <a:pPr>
+              <a:defRPr/>
+            </a:pPr>
+            <a:fld id="{5F8FFA7F-0241-4901-8EB3-B5A2BF410D80}" type="slidenum">
+              <a:rPr lang="de-DE" smtClean="0"/>
+              <a:pPr>
+                <a:defRPr/>
+              </a:pPr>
+              <a:t>25</a:t>
+            </a:fld>
+            <a:endParaRPr lang="de-DE" dirty="0"/>
+          </a:p>
+        </p:txBody>
+      </p:sp>
+      <p:sp>
+        <p:nvSpPr>
+          <p:cNvPr id="7" name="AutoShape 16">
+            <a:hlinkClick r:id="" action="ppaction://noaction"/>
+          </p:cNvPr>
+          <p:cNvSpPr>
+            <a:spLocks noChangeArrowheads="1"/>
+          </p:cNvSpPr>
+          <p:nvPr/>
+        </p:nvSpPr>
+        <p:spPr bwMode="auto">
+          <a:xfrm>
+            <a:off x="8645011" y="3349837"/>
+            <a:ext cx="180000" cy="487363"/>
+          </a:xfrm>
+          <a:prstGeom prst="roundRect">
+            <a:avLst>
+              <a:gd name="adj" fmla="val 5356"/>
+            </a:avLst>
+          </a:prstGeom>
+          <a:solidFill>
+            <a:schemeClr val="tx1"/>
+          </a:solidFill>
+          <a:ln w="9525">
+            <a:noFill/>
+            <a:round/>
+            <a:headEnd/>
+            <a:tailEnd/>
+          </a:ln>
+        </p:spPr>
+        <p:txBody>
+          <a:bodyPr wrap="none" anchor="ctr"/>
+          <a:lstStyle/>
+          <a:p>
+            <a:pPr marL="268288" algn="r"/>
+            <a:r>
+              <a:rPr lang="en-US" dirty="0">
+                <a:solidFill>
+                  <a:schemeClr val="bg1"/>
+                </a:solidFill>
+                <a:latin typeface="+mj-lt"/>
+              </a:rPr>
+              <a:t>     </a:t>
+            </a:r>
+          </a:p>
+        </p:txBody>
+      </p:sp>
+      <p:sp>
+        <p:nvSpPr>
+          <p:cNvPr id="8" name="Textfeld 7"/>
+          <p:cNvSpPr txBox="1"/>
+          <p:nvPr/>
+        </p:nvSpPr>
+        <p:spPr>
+          <a:xfrm>
+            <a:off x="8559942" y="3437428"/>
+            <a:ext cx="409614" cy="307777"/>
+          </a:xfrm>
+          <a:prstGeom prst="rect">
+            <a:avLst/>
+          </a:prstGeom>
+          <a:noFill/>
+        </p:spPr>
+        <p:txBody>
+          <a:bodyPr wrap="square" rtlCol="0">
+            <a:spAutoFit/>
+          </a:bodyPr>
+          <a:lstStyle/>
+          <a:p>
+            <a:r>
+              <a:rPr lang="de-DE" dirty="0">
+                <a:solidFill>
+                  <a:schemeClr val="bg1"/>
+                </a:solidFill>
+              </a:rPr>
+              <a:t>VI</a:t>
+            </a:r>
+            <a:endParaRPr lang="de-DE" dirty="0"/>
+          </a:p>
+        </p:txBody>
+      </p:sp>
+      <p:sp>
+        <p:nvSpPr>
+          <p:cNvPr id="3" name="Inhaltsplatzhalter 2"/>
+          <p:cNvSpPr>
+            <a:spLocks noGrp="1"/>
+          </p:cNvSpPr>
+          <p:nvPr>
+            <p:ph idx="1"/>
+          </p:nvPr>
+        </p:nvSpPr>
+        <p:spPr>
+          <a:xfrm>
+            <a:off x="738204" y="1401778"/>
+            <a:ext cx="7342187" cy="3631763"/>
+          </a:xfrm>
+        </p:spPr>
+        <p:txBody>
+          <a:bodyPr/>
+          <a:lstStyle/>
+          <a:p>
+            <a:r>
+              <a:rPr lang="de-DE" dirty="0"/>
+              <a:t>Anfahren der Etagen</a:t>
+            </a:r>
+          </a:p>
+          <a:p>
+            <a:r>
+              <a:rPr lang="de-DE" dirty="0"/>
+              <a:t>Abfahren einer intelligenten Warteschlange</a:t>
+            </a:r>
+          </a:p>
+          <a:p>
+            <a:pPr lvl="1"/>
+            <a:r>
+              <a:rPr lang="de-DE" dirty="0"/>
+              <a:t>Abarbeiten nach aktueller Fahrtrichtung</a:t>
+            </a:r>
+          </a:p>
+          <a:p>
+            <a:r>
+              <a:rPr lang="de-DE" dirty="0"/>
+              <a:t>Sanfte Beschleunigung und Verzögerung der Kabine</a:t>
+            </a:r>
+          </a:p>
+          <a:p>
+            <a:r>
+              <a:rPr lang="de-DE" dirty="0"/>
+              <a:t>Türsicherheit </a:t>
+            </a:r>
+          </a:p>
+          <a:p>
+            <a:r>
+              <a:rPr lang="de-DE" dirty="0"/>
+              <a:t>Visuelle Unterstützung durch Fahrtrichtungsanzeiger</a:t>
+            </a:r>
+          </a:p>
+          <a:p>
+            <a:endParaRPr lang="de-DE" dirty="0"/>
+          </a:p>
+          <a:p>
+            <a:r>
+              <a:rPr lang="de-DE" dirty="0"/>
+              <a:t>Logischere Umsetzung der </a:t>
+            </a:r>
+            <a:r>
+              <a:rPr lang="de-DE" dirty="0" err="1"/>
+              <a:t>Fahrtichtungsanzeiger</a:t>
+            </a:r>
+            <a:endParaRPr lang="de-DE" dirty="0"/>
+          </a:p>
+          <a:p>
+            <a:r>
+              <a:rPr lang="de-DE" dirty="0"/>
+              <a:t>Effizienz des Codes</a:t>
+            </a:r>
+          </a:p>
+          <a:p>
+            <a:r>
+              <a:rPr lang="de-DE" dirty="0"/>
+              <a:t>Lesbarer durch weitere Clean Code Umsetzungen</a:t>
+            </a:r>
+          </a:p>
+        </p:txBody>
+      </p:sp>
+    </p:spTree>
+    <p:extLst>
+      <p:ext uri="{BB962C8B-B14F-4D97-AF65-F5344CB8AC3E}">
+        <p14:creationId xmlns:p14="http://schemas.microsoft.com/office/powerpoint/2010/main" val="76012745"/>
+      </p:ext>
+    </p:extLst>
+  </p:cSld>
+  <p:clrMapOvr>
+    <a:masterClrMapping/>
+  </p:clrMapOvr>
+  <p:timing>
+    <p:tnLst>
+      <p:par>
+        <p:cTn id="1" dur="indefinite" restart="never" nodeType="tmRoot"/>
+      </p:par>
+    </p:tnLst>
+  </p:timing>
+</p:sld>
+</file>
+
+<file path=ppt/slides/slide26.xml><?xml version="1.0" encoding="utf-8"?>
+<p:sld xmlns:a="http://schemas.openxmlformats.org/drawingml/2006/main" xmlns:r="http://schemas.openxmlformats.org/officeDocument/2006/relationships" xmlns:p="http://schemas.openxmlformats.org/presentationml/2006/main">
+  <p:cSld>
+    <p:spTree>
+      <p:nvGrpSpPr>
+        <p:cNvPr id="1" name=""/>
+        <p:cNvGrpSpPr/>
+        <p:nvPr/>
+      </p:nvGrpSpPr>
+      <p:grpSpPr>
+        <a:xfrm>
+          <a:off x="0" y="0"/>
+          <a:ext cx="0" cy="0"/>
+          <a:chOff x="0" y="0"/>
+          <a:chExt cx="0" cy="0"/>
+        </a:xfrm>
+      </p:grpSpPr>
+      <p:sp>
+        <p:nvSpPr>
+          <p:cNvPr id="2" name="Titel 1"/>
+          <p:cNvSpPr>
+            <a:spLocks noGrp="1"/>
+          </p:cNvSpPr>
+          <p:nvPr>
+            <p:ph type="title"/>
+          </p:nvPr>
+        </p:nvSpPr>
+        <p:spPr/>
+        <p:txBody>
+          <a:bodyPr/>
+          <a:lstStyle/>
+          <a:p>
+            <a:r>
+              <a:rPr lang="de-DE" dirty="0"/>
+              <a:t>Ausblick</a:t>
+            </a:r>
+          </a:p>
+        </p:txBody>
+      </p:sp>
+      <p:sp>
+        <p:nvSpPr>
+          <p:cNvPr id="3" name="Inhaltsplatzhalter 2"/>
+          <p:cNvSpPr>
+            <a:spLocks noGrp="1"/>
+          </p:cNvSpPr>
+          <p:nvPr>
+            <p:ph idx="1"/>
+          </p:nvPr>
+        </p:nvSpPr>
+        <p:spPr>
+          <a:xfrm>
+            <a:off x="738204" y="1401778"/>
+            <a:ext cx="7342187" cy="307777"/>
+          </a:xfrm>
+        </p:spPr>
+        <p:txBody>
+          <a:bodyPr/>
+          <a:lstStyle/>
+          <a:p>
+            <a:pPr lvl="1"/>
+            <a:endParaRPr lang="de-DE" dirty="0"/>
+          </a:p>
+        </p:txBody>
+      </p:sp>
+      <p:sp>
+        <p:nvSpPr>
+          <p:cNvPr id="4" name="Foliennummernplatzhalter 3"/>
+          <p:cNvSpPr>
+            <a:spLocks noGrp="1"/>
+          </p:cNvSpPr>
+          <p:nvPr>
+            <p:ph type="sldNum" sz="quarter" idx="10"/>
+          </p:nvPr>
+        </p:nvSpPr>
+        <p:spPr/>
+        <p:txBody>
+          <a:bodyPr/>
+          <a:lstStyle/>
+          <a:p>
+            <a:pPr>
+              <a:defRPr/>
+            </a:pPr>
+            <a:fld id="{5F8FFA7F-0241-4901-8EB3-B5A2BF410D80}" type="slidenum">
+              <a:rPr lang="de-DE" smtClean="0"/>
+              <a:pPr>
+                <a:defRPr/>
+              </a:pPr>
+              <a:t>26</a:t>
+            </a:fld>
+            <a:endParaRPr lang="de-DE" dirty="0"/>
+          </a:p>
+        </p:txBody>
+      </p:sp>
+      <p:sp>
+        <p:nvSpPr>
+          <p:cNvPr id="5" name="AutoShape 16">
+            <a:hlinkClick r:id="" action="ppaction://noaction"/>
+          </p:cNvPr>
+          <p:cNvSpPr>
+            <a:spLocks noChangeArrowheads="1"/>
+          </p:cNvSpPr>
+          <p:nvPr/>
+        </p:nvSpPr>
+        <p:spPr bwMode="auto">
+          <a:xfrm>
+            <a:off x="8645011" y="3349837"/>
+            <a:ext cx="180000" cy="487363"/>
+          </a:xfrm>
+          <a:prstGeom prst="roundRect">
+            <a:avLst>
+              <a:gd name="adj" fmla="val 5356"/>
+            </a:avLst>
+          </a:prstGeom>
+          <a:solidFill>
+            <a:schemeClr val="tx1"/>
+          </a:solidFill>
+          <a:ln w="9525">
+            <a:noFill/>
+            <a:round/>
+            <a:headEnd/>
+            <a:tailEnd/>
+          </a:ln>
+        </p:spPr>
+        <p:txBody>
+          <a:bodyPr wrap="none" anchor="ctr"/>
+          <a:lstStyle/>
+          <a:p>
+            <a:pPr marL="268288" algn="r"/>
+            <a:r>
+              <a:rPr lang="en-US" dirty="0">
+                <a:solidFill>
+                  <a:schemeClr val="bg1"/>
+                </a:solidFill>
+                <a:latin typeface="+mj-lt"/>
+              </a:rPr>
+              <a:t>     </a:t>
+            </a:r>
+          </a:p>
+        </p:txBody>
+      </p:sp>
+      <p:sp>
+        <p:nvSpPr>
+          <p:cNvPr id="6" name="Textfeld 5"/>
+          <p:cNvSpPr txBox="1"/>
+          <p:nvPr/>
+        </p:nvSpPr>
+        <p:spPr>
+          <a:xfrm>
+            <a:off x="8559942" y="3437428"/>
+            <a:ext cx="409614" cy="307777"/>
+          </a:xfrm>
+          <a:prstGeom prst="rect">
+            <a:avLst/>
+          </a:prstGeom>
+          <a:noFill/>
+        </p:spPr>
+        <p:txBody>
+          <a:bodyPr wrap="square" rtlCol="0">
+            <a:spAutoFit/>
+          </a:bodyPr>
+          <a:lstStyle/>
+          <a:p>
+            <a:r>
+              <a:rPr lang="de-DE" dirty="0">
+                <a:solidFill>
+                  <a:schemeClr val="bg1"/>
+                </a:solidFill>
+              </a:rPr>
+              <a:t>VI</a:t>
+            </a:r>
+            <a:endParaRPr lang="de-DE" dirty="0"/>
+          </a:p>
+        </p:txBody>
+      </p:sp>
+    </p:spTree>
+    <p:extLst>
+      <p:ext uri="{BB962C8B-B14F-4D97-AF65-F5344CB8AC3E}">
+        <p14:creationId xmlns:p14="http://schemas.microsoft.com/office/powerpoint/2010/main" val="3606055436"/>
+      </p:ext>
+    </p:extLst>
+  </p:cSld>
+  <p:clrMapOvr>
+    <a:masterClrMapping/>
+  </p:clrMapOvr>
+</p:sld>
+</file>
+
+<file path=ppt/slides/slide27.xml><?xml version="1.0" encoding="utf-8"?>
+<p:sld xmlns:a="http://schemas.openxmlformats.org/drawingml/2006/main" xmlns:r="http://schemas.openxmlformats.org/officeDocument/2006/relationships" xmlns:p="http://schemas.openxmlformats.org/presentationml/2006/main">
+  <p:cSld>
+    <p:spTree>
+      <p:nvGrpSpPr>
+        <p:cNvPr id="1" name=""/>
+        <p:cNvGrpSpPr/>
+        <p:nvPr/>
+      </p:nvGrpSpPr>
+      <p:grpSpPr>
+        <a:xfrm>
+          <a:off x="0" y="0"/>
+          <a:ext cx="0" cy="0"/>
+          <a:chOff x="0" y="0"/>
+          <a:chExt cx="0" cy="0"/>
+        </a:xfrm>
+      </p:grpSpPr>
+      <p:sp>
+        <p:nvSpPr>
           <p:cNvPr id="3075" name="Rectangle 5"/>
           <p:cNvSpPr>
             <a:spLocks noChangeArrowheads="1"/>
@@ -8392,7 +9827,7 @@
     </p:spTree>
     <p:extLst>
       <p:ext uri="{BB962C8B-B14F-4D97-AF65-F5344CB8AC3E}">
-        <p14:creationId xmlns:p14="http://schemas.microsoft.com/office/powerpoint/2010/main" xmlns="" val="1684480284"/>
+        <p14:creationId xmlns:p14="http://schemas.microsoft.com/office/powerpoint/2010/main" val="1684480284"/>
       </p:ext>
     </p:extLst>
   </p:cSld>
@@ -8747,7 +10182,7 @@
     </p:spTree>
     <p:extLst>
       <p:ext uri="{BB962C8B-B14F-4D97-AF65-F5344CB8AC3E}">
-        <p14:creationId xmlns:p14="http://schemas.microsoft.com/office/powerpoint/2010/main" xmlns="" val="4221714953"/>
+        <p14:creationId xmlns:p14="http://schemas.microsoft.com/office/powerpoint/2010/main" val="4221714953"/>
       </p:ext>
     </p:extLst>
   </p:cSld>
@@ -8916,7 +10351,7 @@
     </p:spTree>
     <p:extLst>
       <p:ext uri="{BB962C8B-B14F-4D97-AF65-F5344CB8AC3E}">
-        <p14:creationId xmlns:p14="http://schemas.microsoft.com/office/powerpoint/2010/main" xmlns="" val="1893387264"/>
+        <p14:creationId xmlns:p14="http://schemas.microsoft.com/office/powerpoint/2010/main" val="1893387264"/>
       </p:ext>
     </p:extLst>
   </p:cSld>
@@ -9361,7 +10796,7 @@
     </p:spTree>
     <p:extLst>
       <p:ext uri="{BB962C8B-B14F-4D97-AF65-F5344CB8AC3E}">
-        <p14:creationId xmlns:p14="http://schemas.microsoft.com/office/powerpoint/2010/main" xmlns="" val="3395949267"/>
+        <p14:creationId xmlns:p14="http://schemas.microsoft.com/office/powerpoint/2010/main" val="3395949267"/>
       </p:ext>
     </p:extLst>
   </p:cSld>
@@ -9562,7 +10997,7 @@
     </p:spTree>
     <p:extLst>
       <p:ext uri="{BB962C8B-B14F-4D97-AF65-F5344CB8AC3E}">
-        <p14:creationId xmlns:p14="http://schemas.microsoft.com/office/powerpoint/2010/main" xmlns="" val="3427100782"/>
+        <p14:creationId xmlns:p14="http://schemas.microsoft.com/office/powerpoint/2010/main" val="3427100782"/>
       </p:ext>
     </p:extLst>
   </p:cSld>
@@ -9763,7 +11198,7 @@
     </p:spTree>
     <p:extLst>
       <p:ext uri="{BB962C8B-B14F-4D97-AF65-F5344CB8AC3E}">
-        <p14:creationId xmlns:p14="http://schemas.microsoft.com/office/powerpoint/2010/main" xmlns="" val="1036794897"/>
+        <p14:creationId xmlns:p14="http://schemas.microsoft.com/office/powerpoint/2010/main" val="1036794897"/>
       </p:ext>
     </p:extLst>
   </p:cSld>
@@ -9982,7 +11417,7 @@
     </p:spTree>
     <p:extLst>
       <p:ext uri="{BB962C8B-B14F-4D97-AF65-F5344CB8AC3E}">
-        <p14:creationId xmlns:p14="http://schemas.microsoft.com/office/powerpoint/2010/main" xmlns="" val="3266891189"/>
+        <p14:creationId xmlns:p14="http://schemas.microsoft.com/office/powerpoint/2010/main" val="3266891189"/>
       </p:ext>
     </p:extLst>
   </p:cSld>
@@ -10098,7 +11533,7 @@
     </p:spTree>
     <p:extLst>
       <p:ext uri="{BB962C8B-B14F-4D97-AF65-F5344CB8AC3E}">
-        <p14:creationId xmlns:p14="http://schemas.microsoft.com/office/powerpoint/2010/main" xmlns="" val="3823722845"/>
+        <p14:creationId xmlns:p14="http://schemas.microsoft.com/office/powerpoint/2010/main" val="3823722845"/>
       </p:ext>
     </p:extLst>
   </p:cSld>

--- a/Präsentation.pptx
+++ b/Präsentation.pptx
@@ -227,7 +227,7 @@
       </p14:sectionLst>
     </p:ext>
     <p:ext uri="{EFAFB233-063F-42B5-8137-9DF3F51BA10A}">
-      <p15:sldGuideLst xmlns="" xmlns:p15="http://schemas.microsoft.com/office/powerpoint/2012/main">
+      <p15:sldGuideLst xmlns:p15="http://schemas.microsoft.com/office/powerpoint/2012/main">
         <p15:guide id="1" orient="horz" pos="935" userDrawn="1">
           <p15:clr>
             <a:srgbClr val="A4A3A4"/>
@@ -241,7 +241,7 @@
       </p15:sldGuideLst>
     </p:ext>
     <p:ext uri="{2D200454-40CA-4A62-9FC3-DE9A4176ACB9}">
-      <p15:notesGuideLst xmlns="" xmlns:p15="http://schemas.microsoft.com/office/powerpoint/2012/main">
+      <p15:notesGuideLst xmlns:p15="http://schemas.microsoft.com/office/powerpoint/2012/main">
         <p15:guide id="1" orient="horz" pos="3132">
           <p15:clr>
             <a:srgbClr val="A4A3A4"/>
@@ -1092,19 +1092,19 @@
           <a:lstStyle/>
           <a:p>
             <a:r>
-              <a:rPr lang="de-DE" dirty="0" smtClean="0"/>
+              <a:rPr lang="de-DE" dirty="0"/>
               <a:t>Hier Vorführen der Features Intelligent</a:t>
             </a:r>
             <a:r>
-              <a:rPr lang="de-DE" baseline="0" dirty="0" smtClean="0"/>
+              <a:rPr lang="de-DE" baseline="0" dirty="0"/>
               <a:t> und Komfortabel an der Simulation, sowie Aufzeigen der </a:t>
             </a:r>
             <a:r>
-              <a:rPr lang="de-DE" baseline="0" dirty="0" err="1" smtClean="0"/>
+              <a:rPr lang="de-DE" baseline="0" dirty="0" err="1"/>
               <a:t>allgm</a:t>
             </a:r>
             <a:r>
-              <a:rPr lang="de-DE" baseline="0" dirty="0" smtClean="0"/>
+              <a:rPr lang="de-DE" baseline="0" dirty="0"/>
               <a:t>. Funktionsweise der Positions- und Richtungsleuchten</a:t>
             </a:r>
             <a:endParaRPr lang="de-DE" dirty="0"/>
@@ -1883,7 +1883,7 @@
   </p:clrMapOvr>
   <p:extLst mod="1">
     <p:ext uri="{DCECCB84-F9BA-43D5-87BE-67443E8EF086}">
-      <p15:sldGuideLst xmlns="" xmlns:p15="http://schemas.microsoft.com/office/powerpoint/2012/main">
+      <p15:sldGuideLst xmlns:p15="http://schemas.microsoft.com/office/powerpoint/2012/main">
         <p15:guide id="1" orient="horz" pos="2160" userDrawn="1">
           <p15:clr>
             <a:srgbClr val="FBAE40"/>
@@ -4409,29 +4409,7 @@
                 <a:ea typeface="Calibri" panose="020F0502020204030204" pitchFamily="34" charset="0"/>
                 <a:cs typeface="Times New Roman" panose="02020603050405020304" pitchFamily="18" charset="0"/>
               </a:rPr>
-              <a:t>Entwicklung und </a:t>
-            </a:r>
-            <a:r>
-              <a:rPr lang="de-DE" sz="2200" dirty="0" smtClean="0">
-                <a:solidFill>
-                  <a:schemeClr val="bg1"/>
-                </a:solidFill>
-                <a:latin typeface="Calibri" panose="020F0502020204030204" pitchFamily="34" charset="0"/>
-                <a:ea typeface="Calibri" panose="020F0502020204030204" pitchFamily="34" charset="0"/>
-                <a:cs typeface="Times New Roman" panose="02020603050405020304" pitchFamily="18" charset="0"/>
-              </a:rPr>
-              <a:t>Implementierung einer Aufzugssteuerung </a:t>
-            </a:r>
-            <a:r>
-              <a:rPr lang="de-DE" sz="2200" dirty="0">
-                <a:solidFill>
-                  <a:schemeClr val="bg1"/>
-                </a:solidFill>
-                <a:latin typeface="Calibri" panose="020F0502020204030204" pitchFamily="34" charset="0"/>
-                <a:ea typeface="Calibri" panose="020F0502020204030204" pitchFamily="34" charset="0"/>
-                <a:cs typeface="Times New Roman" panose="02020603050405020304" pitchFamily="18" charset="0"/>
-              </a:rPr>
-              <a:t>mittels C++</a:t>
+              <a:t>Entwicklung und Implementierung einer Aufzugssteuerung mittels C++</a:t>
             </a:r>
             <a:br>
               <a:rPr lang="de-DE" sz="2200" dirty="0">
@@ -4537,7 +4515,7 @@
         <p:spPr bwMode="auto">
           <a:xfrm>
             <a:off x="552093" y="2276888"/>
-            <a:ext cx="8085762" cy="862481"/>
+            <a:ext cx="8002781" cy="862481"/>
           </a:xfrm>
           <a:prstGeom prst="rect">
             <a:avLst/>
@@ -4751,13 +4729,6 @@
   <p:clrMapOvr>
     <a:masterClrMapping/>
   </p:clrMapOvr>
-  <p:timing>
-    <p:tnLst>
-      <p:par>
-        <p:cTn id="1" dur="indefinite" restart="never" nodeType="tmRoot"/>
-      </p:par>
-    </p:tnLst>
-  </p:timing>
 </p:sld>
 </file>
 
@@ -4971,13 +4942,6 @@
   <p:clrMapOvr>
     <a:masterClrMapping/>
   </p:clrMapOvr>
-  <p:timing>
-    <p:tnLst>
-      <p:par>
-        <p:cTn id="1" dur="indefinite" restart="never" nodeType="tmRoot"/>
-      </p:par>
-    </p:tnLst>
-  </p:timing>
 </p:sld>
 </file>
 
@@ -5464,7 +5428,7 @@
         <p:spPr bwMode="auto">
           <a:xfrm>
             <a:off x="565632" y="4005080"/>
-            <a:ext cx="8085762" cy="862481"/>
+            <a:ext cx="7987945" cy="862481"/>
           </a:xfrm>
           <a:prstGeom prst="rect">
             <a:avLst/>
@@ -5678,13 +5642,7 @@
   <p:clrMapOvr>
     <a:masterClrMapping/>
   </p:clrMapOvr>
-  <p:timing>
-    <p:tnLst>
-      <p:par>
-        <p:cTn id="1" dur="indefinite" restart="never" nodeType="tmRoot"/>
-      </p:par>
-    </p:tnLst>
-  </p:timing>
+  <p:transition/>
 </p:sld>
 </file>
 
@@ -5714,7 +5672,7 @@
         <p:spPr bwMode="auto">
           <a:xfrm>
             <a:off x="565632" y="2834264"/>
-            <a:ext cx="8085762" cy="2033283"/>
+            <a:ext cx="7987945" cy="2033283"/>
           </a:xfrm>
           <a:prstGeom prst="rect">
             <a:avLst/>
@@ -5927,13 +5885,6 @@
   <p:clrMapOvr>
     <a:masterClrMapping/>
   </p:clrMapOvr>
-  <p:timing>
-    <p:tnLst>
-      <p:par>
-        <p:cTn id="1" dur="indefinite" restart="never" nodeType="tmRoot"/>
-      </p:par>
-    </p:tnLst>
-  </p:timing>
 </p:sld>
 </file>
 
@@ -6125,18 +6076,11 @@
   <p:clrMapOvr>
     <a:masterClrMapping/>
   </p:clrMapOvr>
-  <p:timing>
-    <p:tnLst>
-      <p:par>
-        <p:cTn id="1" dur="indefinite" restart="never" nodeType="tmRoot"/>
-      </p:par>
-    </p:tnLst>
-  </p:timing>
 </p:sld>
 </file>
 
 <file path=ppt/slides/slide17.xml><?xml version="1.0" encoding="utf-8"?>
-<p:sld xmlns:a="http://schemas.openxmlformats.org/drawingml/2006/main" xmlns:r="http://schemas.openxmlformats.org/officeDocument/2006/relationships" xmlns:p="http://schemas.openxmlformats.org/presentationml/2006/main">
+<p:sld xmlns:a="http://schemas.openxmlformats.org/drawingml/2006/main" xmlns:r="http://schemas.openxmlformats.org/officeDocument/2006/relationships" xmlns:p="http://schemas.openxmlformats.org/presentationml/2006/main" show="0">
   <p:cSld>
     <p:spTree>
       <p:nvGrpSpPr>
@@ -6323,13 +6267,7 @@
   <p:clrMapOvr>
     <a:masterClrMapping/>
   </p:clrMapOvr>
-  <p:timing>
-    <p:tnLst>
-      <p:par>
-        <p:cTn id="1" dur="indefinite" restart="never" nodeType="tmRoot"/>
-      </p:par>
-    </p:tnLst>
-  </p:timing>
+  <p:transition/>
 </p:sld>
 </file>
 
@@ -6620,7 +6558,7 @@
               <a:defRPr/>
             </a:pPr>
             <a:r>
-              <a:rPr lang="de-DE" smtClean="0">
+              <a:rPr lang="de-DE">
                 <a:solidFill>
                   <a:schemeClr val="accent4">
                     <a:lumMod val="65000"/>
@@ -6630,14 +6568,6 @@
               </a:rPr>
               <a:t>Vorgehensweise und Features</a:t>
             </a:r>
-            <a:endParaRPr lang="de-DE">
-              <a:solidFill>
-                <a:schemeClr val="accent4">
-                  <a:lumMod val="65000"/>
-                  <a:lumOff val="35000"/>
-                </a:schemeClr>
-              </a:solidFill>
-            </a:endParaRPr>
           </a:p>
           <a:p>
             <a:pPr marL="1160463" indent="-1160463">
@@ -6762,7 +6692,7 @@
               <a:defRPr/>
             </a:pPr>
             <a:r>
-              <a:rPr lang="de-DE" b="1" smtClean="0">
+              <a:rPr lang="de-DE" b="1">
                 <a:solidFill>
                   <a:schemeClr val="accent4">
                     <a:lumMod val="65000"/>
@@ -6772,14 +6702,6 @@
               </a:rPr>
               <a:t>Etagenlogik</a:t>
             </a:r>
-            <a:endParaRPr lang="de-DE" b="1">
-              <a:solidFill>
-                <a:schemeClr val="accent4">
-                  <a:lumMod val="65000"/>
-                  <a:lumOff val="35000"/>
-                </a:schemeClr>
-              </a:solidFill>
-            </a:endParaRPr>
           </a:p>
           <a:p>
             <a:pPr marL="1160463" indent="-1160463">
@@ -6934,13 +6856,6 @@
   <p:clrMapOvr>
     <a:masterClrMapping/>
   </p:clrMapOvr>
-  <p:timing>
-    <p:tnLst>
-      <p:par>
-        <p:cTn id="1" dur="indefinite" restart="never" nodeType="tmRoot"/>
-      </p:par>
-    </p:tnLst>
-  </p:timing>
 </p:sld>
 </file>
 
@@ -7076,7 +6991,7 @@
               <a:defRPr/>
             </a:pPr>
             <a:r>
-              <a:rPr lang="de-DE" b="1" dirty="0" smtClean="0">
+              <a:rPr lang="de-DE" b="1" dirty="0">
                 <a:solidFill>
                   <a:schemeClr val="accent4">
                     <a:lumMod val="65000"/>
@@ -7086,14 +7001,6 @@
               </a:rPr>
               <a:t>Vorgehensweise &amp; Features</a:t>
             </a:r>
-            <a:endParaRPr lang="de-DE" b="1" dirty="0">
-              <a:solidFill>
-                <a:schemeClr val="accent4">
-                  <a:lumMod val="65000"/>
-                  <a:lumOff val="35000"/>
-                </a:schemeClr>
-              </a:solidFill>
-            </a:endParaRPr>
           </a:p>
           <a:p>
             <a:pPr marL="1160463" indent="-1160463">
@@ -7642,13 +7549,6 @@
   <p:clrMapOvr>
     <a:masterClrMapping/>
   </p:clrMapOvr>
-  <p:timing>
-    <p:tnLst>
-      <p:par>
-        <p:cTn id="1" dur="indefinite" restart="never" nodeType="tmRoot"/>
-      </p:par>
-    </p:tnLst>
-  </p:timing>
 </p:sld>
 </file>
 
@@ -7685,10 +7585,9 @@
           <a:lstStyle/>
           <a:p>
             <a:r>
-              <a:rPr lang="de-DE" smtClean="0"/>
+              <a:rPr lang="de-DE"/>
               <a:t>Etagenlogik</a:t>
             </a:r>
-            <a:endParaRPr lang="de-DE"/>
           </a:p>
         </p:txBody>
       </p:sp>
@@ -7826,13 +7725,13 @@
               <a:buNone/>
             </a:pPr>
             <a:r>
-              <a:rPr lang="de-DE" smtClean="0"/>
+              <a:rPr lang="de-DE"/>
               <a:t>Probleme</a:t>
             </a:r>
           </a:p>
           <a:p>
             <a:r>
-              <a:rPr lang="de-DE" smtClean="0"/>
+              <a:rPr lang="de-DE"/>
               <a:t>Keine elegante Umsetzung durch verschachtelte while-Schleifen</a:t>
             </a:r>
           </a:p>
@@ -7841,26 +7740,21 @@
               <a:buSzPct val="120000"/>
             </a:pPr>
             <a:r>
-              <a:rPr lang="de-DE" smtClean="0"/>
-              <a:t>Wenn auf einer Etage angekommen: </a:t>
-            </a:r>
-            <a:r>
               <a:rPr lang="de-DE"/>
-              <a:t>Tür soll öffnen -&gt; while-Schleife wartet </a:t>
-            </a:r>
-          </a:p>
-          <a:p>
-            <a:endParaRPr lang="de-DE" smtClean="0"/>
+              <a:t>Wenn auf einer Etage angekommen: Tür soll öffnen -&gt; while-Schleife wartet </a:t>
+            </a:r>
+          </a:p>
+          <a:p>
+            <a:endParaRPr lang="de-DE"/>
           </a:p>
           <a:p>
             <a:pPr marL="363538" lvl="1" indent="0">
               <a:buNone/>
             </a:pPr>
             <a:r>
-              <a:rPr lang="de-DE" smtClean="0"/>
+              <a:rPr lang="de-DE"/>
               <a:t>	</a:t>
             </a:r>
-            <a:endParaRPr lang="de-DE"/>
           </a:p>
           <a:p>
             <a:pPr marL="0" indent="0">
@@ -8021,18 +7915,13 @@
           <a:lstStyle/>
           <a:p>
             <a:r>
-              <a:rPr lang="de-DE" smtClean="0">
+              <a:rPr lang="de-DE">
                 <a:solidFill>
                   <a:srgbClr val="FF0000"/>
                 </a:solidFill>
               </a:rPr>
               <a:t>So keine parallele Erkennung von z.B. weiteren Ruftastereingaben möglich, das Programm ist lokal „pausiert“</a:t>
             </a:r>
-            <a:endParaRPr lang="de-DE">
-              <a:solidFill>
-                <a:srgbClr val="FF0000"/>
-              </a:solidFill>
-            </a:endParaRPr>
           </a:p>
         </p:txBody>
       </p:sp>
@@ -8214,10 +8103,9 @@
           <a:lstStyle/>
           <a:p>
             <a:r>
-              <a:rPr lang="de-DE" smtClean="0"/>
+              <a:rPr lang="de-DE"/>
               <a:t>Etagenlogik</a:t>
             </a:r>
-            <a:endParaRPr lang="de-DE"/>
           </a:p>
         </p:txBody>
       </p:sp>
@@ -8355,29 +8243,28 @@
               <a:buNone/>
             </a:pPr>
             <a:r>
-              <a:rPr lang="de-DE" smtClean="0"/>
+              <a:rPr lang="de-DE"/>
               <a:t>Lösung</a:t>
             </a:r>
           </a:p>
           <a:p>
             <a:r>
-              <a:rPr lang="de-DE" smtClean="0"/>
+              <a:rPr lang="de-DE"/>
               <a:t>Ständiges „Hineinspringen“ aus der main()</a:t>
             </a:r>
           </a:p>
           <a:p>
             <a:r>
-              <a:rPr lang="de-DE" smtClean="0"/>
+              <a:rPr lang="de-DE"/>
               <a:t>Ausführungslogik über Klassenvariable FloorStatus</a:t>
             </a:r>
           </a:p>
           <a:p>
             <a:pPr lvl="1"/>
             <a:r>
-              <a:rPr lang="de-DE" smtClean="0"/>
+              <a:rPr lang="de-DE"/>
               <a:t>Nur aktueller Schritt wird durchgeführt und zurückspringen in die main</a:t>
             </a:r>
-            <a:endParaRPr lang="de-DE"/>
           </a:p>
           <a:p>
             <a:endParaRPr lang="de-DE"/>
@@ -8400,13 +8287,6 @@
   <p:clrMapOvr>
     <a:masterClrMapping/>
   </p:clrMapOvr>
-  <p:timing>
-    <p:tnLst>
-      <p:par>
-        <p:cTn id="1" dur="indefinite" restart="never" nodeType="tmRoot"/>
-      </p:par>
-    </p:tnLst>
-  </p:timing>
 </p:sld>
 </file>
 
@@ -8443,10 +8323,9 @@
           <a:lstStyle/>
           <a:p>
             <a:r>
-              <a:rPr lang="de-DE" smtClean="0"/>
+              <a:rPr lang="de-DE"/>
               <a:t>Etagenlogik</a:t>
             </a:r>
-            <a:endParaRPr lang="de-DE"/>
           </a:p>
         </p:txBody>
       </p:sp>
@@ -8624,13 +8503,6 @@
   <p:clrMapOvr>
     <a:masterClrMapping/>
   </p:clrMapOvr>
-  <p:timing>
-    <p:tnLst>
-      <p:par>
-        <p:cTn id="1" dur="indefinite" restart="never" nodeType="tmRoot"/>
-      </p:par>
-    </p:tnLst>
-  </p:timing>
 </p:sld>
 </file>
 
@@ -8766,7 +8638,7 @@
               <a:defRPr/>
             </a:pPr>
             <a:r>
-              <a:rPr lang="de-DE" dirty="0" smtClean="0">
+              <a:rPr lang="de-DE" dirty="0">
                 <a:solidFill>
                   <a:schemeClr val="accent4">
                     <a:lumMod val="65000"/>
@@ -8776,14 +8648,6 @@
               </a:rPr>
               <a:t>Vorgehensweise &amp; Features</a:t>
             </a:r>
-            <a:endParaRPr lang="de-DE" dirty="0">
-              <a:solidFill>
-                <a:schemeClr val="accent4">
-                  <a:lumMod val="65000"/>
-                  <a:lumOff val="35000"/>
-                </a:schemeClr>
-              </a:solidFill>
-            </a:endParaRPr>
           </a:p>
           <a:p>
             <a:pPr marL="1160463" indent="-1160463">
@@ -9080,13 +8944,6 @@
   <p:clrMapOvr>
     <a:masterClrMapping/>
   </p:clrMapOvr>
-  <p:timing>
-    <p:tnLst>
-      <p:par>
-        <p:cTn id="1" dur="indefinite" restart="never" nodeType="tmRoot"/>
-      </p:par>
-    </p:tnLst>
-  </p:timing>
 </p:sld>
 </file>
 
@@ -9301,7 +9158,7 @@
           <a:p>
             <a:r>
               <a:rPr lang="de-DE" dirty="0"/>
-              <a:t>Logischere Umsetzung der </a:t>
+              <a:t>Logische Umsetzung der </a:t>
             </a:r>
             <a:r>
               <a:rPr lang="de-DE" dirty="0" err="1"/>
@@ -9333,13 +9190,6 @@
   <p:clrMapOvr>
     <a:masterClrMapping/>
   </p:clrMapOvr>
-  <p:timing>
-    <p:tnLst>
-      <p:par>
-        <p:cTn id="1" dur="indefinite" restart="never" nodeType="tmRoot"/>
-      </p:par>
-    </p:tnLst>
-  </p:timing>
 </p:sld>
 </file>
 
@@ -9775,29 +9625,7 @@
                 <a:ea typeface="Calibri" panose="020F0502020204030204" pitchFamily="34" charset="0"/>
                 <a:cs typeface="Times New Roman" panose="02020603050405020304" pitchFamily="18" charset="0"/>
               </a:rPr>
-              <a:t>Entwicklung und </a:t>
-            </a:r>
-            <a:r>
-              <a:rPr lang="de-DE" sz="2200" dirty="0" smtClean="0">
-                <a:solidFill>
-                  <a:schemeClr val="bg1"/>
-                </a:solidFill>
-                <a:latin typeface="Calibri" panose="020F0502020204030204" pitchFamily="34" charset="0"/>
-                <a:ea typeface="Calibri" panose="020F0502020204030204" pitchFamily="34" charset="0"/>
-                <a:cs typeface="Times New Roman" panose="02020603050405020304" pitchFamily="18" charset="0"/>
-              </a:rPr>
-              <a:t>Implementierung einer Aufzugsteuerung </a:t>
-            </a:r>
-            <a:r>
-              <a:rPr lang="de-DE" sz="2200" dirty="0">
-                <a:solidFill>
-                  <a:schemeClr val="bg1"/>
-                </a:solidFill>
-                <a:latin typeface="Calibri" panose="020F0502020204030204" pitchFamily="34" charset="0"/>
-                <a:ea typeface="Calibri" panose="020F0502020204030204" pitchFamily="34" charset="0"/>
-                <a:cs typeface="Times New Roman" panose="02020603050405020304" pitchFamily="18" charset="0"/>
-              </a:rPr>
-              <a:t>mittels C++</a:t>
+              <a:t>Entwicklung und Implementierung einer Aufzugsteuerung mittels C++</a:t>
             </a:r>
           </a:p>
         </p:txBody>
@@ -9871,10 +9699,9 @@
           <a:lstStyle/>
           <a:p>
             <a:r>
-              <a:rPr lang="de-DE" dirty="0" smtClean="0"/>
+              <a:rPr lang="de-DE" dirty="0"/>
               <a:t>Vorgehensweise  bei der Entwicklung</a:t>
             </a:r>
-            <a:endParaRPr lang="de-DE" dirty="0"/>
           </a:p>
         </p:txBody>
       </p:sp>
@@ -10006,79 +9833,71 @@
           <a:lstStyle/>
           <a:p>
             <a:r>
-              <a:rPr lang="de-DE" dirty="0" smtClean="0"/>
+              <a:rPr lang="de-DE" dirty="0"/>
               <a:t>Konzeptentwicklung in UML</a:t>
             </a:r>
           </a:p>
           <a:p>
             <a:pPr lvl="1"/>
             <a:r>
-              <a:rPr lang="de-DE" dirty="0" smtClean="0"/>
+              <a:rPr lang="de-DE" dirty="0"/>
               <a:t>Arbeitsaufteilung nach Klassen und Festlegen der Schnittstellen</a:t>
             </a:r>
           </a:p>
           <a:p>
             <a:pPr lvl="1"/>
             <a:r>
-              <a:rPr lang="de-DE" dirty="0" smtClean="0"/>
+              <a:rPr lang="de-DE" dirty="0"/>
               <a:t>Einheitliche Definition wichtiger Methoden- und Variablennamen</a:t>
             </a:r>
           </a:p>
           <a:p>
             <a:r>
-              <a:rPr lang="de-DE" dirty="0" smtClean="0"/>
+              <a:rPr lang="de-DE" dirty="0"/>
               <a:t>Einsatz der Programmiersprache C++ in der</a:t>
             </a:r>
             <a:br>
-              <a:rPr lang="de-DE" dirty="0" smtClean="0"/>
+              <a:rPr lang="de-DE" dirty="0"/>
             </a:br>
             <a:r>
-              <a:rPr lang="de-DE" dirty="0" smtClean="0"/>
+              <a:rPr lang="de-DE" dirty="0"/>
               <a:t>Entwicklungsumgebung Code::Blocks</a:t>
             </a:r>
           </a:p>
           <a:p>
             <a:r>
-              <a:rPr lang="de-DE" dirty="0" smtClean="0"/>
+              <a:rPr lang="de-DE" dirty="0"/>
               <a:t>Gemeinsame Verwendung des Version </a:t>
             </a:r>
             <a:r>
-              <a:rPr lang="de-DE" dirty="0" err="1" smtClean="0"/>
+              <a:rPr lang="de-DE" dirty="0" err="1"/>
               <a:t>Control</a:t>
             </a:r>
             <a:r>
-              <a:rPr lang="de-DE" dirty="0" smtClean="0"/>
+              <a:rPr lang="de-DE" dirty="0"/>
               <a:t> Systems </a:t>
             </a:r>
             <a:r>
-              <a:rPr lang="de-DE" dirty="0" err="1" smtClean="0"/>
+              <a:rPr lang="de-DE" dirty="0" err="1"/>
               <a:t>Git</a:t>
             </a:r>
-            <a:endParaRPr lang="de-DE" dirty="0" smtClean="0"/>
-          </a:p>
-          <a:p>
-            <a:r>
-              <a:rPr lang="de-DE" dirty="0" smtClean="0"/>
+            <a:endParaRPr lang="de-DE" dirty="0"/>
+          </a:p>
+          <a:p>
+            <a:r>
+              <a:rPr lang="de-DE" dirty="0"/>
               <a:t>Automatische Dokumentation der Software mit </a:t>
             </a:r>
             <a:r>
-              <a:rPr lang="de-DE" dirty="0" err="1" smtClean="0"/>
+              <a:rPr lang="de-DE" dirty="0" err="1"/>
               <a:t>Doxygen</a:t>
             </a:r>
-            <a:endParaRPr lang="de-DE" dirty="0" smtClean="0"/>
-          </a:p>
-          <a:p>
-            <a:r>
-              <a:rPr lang="de-DE" dirty="0" smtClean="0"/>
-              <a:t>Ziele</a:t>
-            </a:r>
+            <a:endParaRPr lang="de-DE" dirty="0"/>
+          </a:p>
+          <a:p>
             <a:r>
               <a:rPr lang="de-DE" dirty="0"/>
-              <a:t>: Einfacher, verständlicher </a:t>
-            </a:r>
-            <a:r>
-              <a:rPr lang="de-DE" dirty="0" smtClean="0"/>
-              <a:t>Code</a:t>
+              <a:t>Ziele: Einfacher, verständlicher Code</a:t>
             </a:r>
           </a:p>
         </p:txBody>
@@ -10225,10 +10044,9 @@
           <a:lstStyle/>
           <a:p>
             <a:r>
-              <a:rPr lang="de-DE" dirty="0" smtClean="0"/>
+              <a:rPr lang="de-DE" dirty="0"/>
               <a:t>Features der Software</a:t>
             </a:r>
-            <a:endParaRPr lang="de-DE" dirty="0"/>
           </a:p>
         </p:txBody>
       </p:sp>
@@ -10254,7 +10072,7 @@
           <a:p>
             <a:pPr lvl="0"/>
             <a:r>
-              <a:rPr lang="de-DE" dirty="0" smtClean="0">
+              <a:rPr lang="de-DE" dirty="0">
                 <a:cs typeface="Calibri" pitchFamily="34" charset="0"/>
               </a:rPr>
               <a:t>Intelligent: Abarbeitung der Aufrufe nach Fahrtrichtung</a:t>
@@ -10263,7 +10081,7 @@
           <a:p>
             <a:pPr lvl="0"/>
             <a:r>
-              <a:rPr lang="de-DE" dirty="0" smtClean="0">
+              <a:rPr lang="de-DE" dirty="0">
                 <a:cs typeface="Calibri" pitchFamily="34" charset="0"/>
               </a:rPr>
               <a:t>Komfortabel: sanftes Anfahren und Abbremsen</a:t>
@@ -10272,7 +10090,7 @@
           <a:p>
             <a:pPr lvl="0"/>
             <a:r>
-              <a:rPr lang="de-DE" dirty="0" smtClean="0">
+              <a:rPr lang="de-DE" dirty="0">
                 <a:cs typeface="Calibri" pitchFamily="34" charset="0"/>
               </a:rPr>
               <a:t>Anpassbar: Einfache Erweiterung mit weiteren Etagen</a:t>
@@ -10281,7 +10099,7 @@
           <a:p>
             <a:pPr lvl="0"/>
             <a:r>
-              <a:rPr lang="de-DE" dirty="0" smtClean="0">
+              <a:rPr lang="de-DE" dirty="0">
                 <a:cs typeface="Calibri" pitchFamily="34" charset="0"/>
               </a:rPr>
               <a:t>Sicher: Überwachung der Türen </a:t>
@@ -10290,7 +10108,7 @@
           <a:p>
             <a:pPr lvl="0"/>
             <a:r>
-              <a:rPr lang="de-DE" dirty="0" smtClean="0">
+              <a:rPr lang="de-DE" dirty="0">
                 <a:cs typeface="Calibri" pitchFamily="34" charset="0"/>
               </a:rPr>
               <a:t>Ausfallgesichert: Starten aus jeder Position möglich</a:t>
@@ -10299,7 +10117,7 @@
           <a:p>
             <a:pPr lvl="0"/>
             <a:r>
-              <a:rPr lang="de-DE" dirty="0" smtClean="0">
+              <a:rPr lang="de-DE" dirty="0">
                 <a:cs typeface="Calibri" pitchFamily="34" charset="0"/>
               </a:rPr>
               <a:t>Fehlerfrei: keine Fehlfunktionen</a:t>
@@ -10308,7 +10126,7 @@
           <a:p>
             <a:pPr lvl="0"/>
             <a:r>
-              <a:rPr lang="de-DE" dirty="0" smtClean="0">
+              <a:rPr lang="de-DE" dirty="0">
                 <a:cs typeface="Calibri" pitchFamily="34" charset="0"/>
               </a:rPr>
               <a:t>Clean: Verwendung sprechender Methoden- und Variablennamen</a:t>
@@ -10358,13 +10176,6 @@
   <p:clrMapOvr>
     <a:masterClrMapping/>
   </p:clrMapOvr>
-  <p:timing>
-    <p:tnLst>
-      <p:par>
-        <p:cTn id="1" dur="indefinite" restart="never" nodeType="tmRoot"/>
-      </p:par>
-    </p:tnLst>
-  </p:timing>
 </p:sld>
 </file>
 
@@ -10500,7 +10311,7 @@
               <a:defRPr/>
             </a:pPr>
             <a:r>
-              <a:rPr lang="de-DE" dirty="0" smtClean="0">
+              <a:rPr lang="de-DE" dirty="0">
                 <a:solidFill>
                   <a:schemeClr val="accent4">
                     <a:lumMod val="65000"/>
@@ -10528,7 +10339,7 @@
               <a:defRPr/>
             </a:pPr>
             <a:r>
-              <a:rPr lang="de-DE" b="1" dirty="0" smtClean="0">
+              <a:rPr lang="de-DE" b="1" dirty="0">
                 <a:solidFill>
                   <a:schemeClr val="accent4">
                     <a:lumMod val="65000"/>
@@ -10539,7 +10350,7 @@
               <a:t>Klassenübersicht &amp; </a:t>
             </a:r>
             <a:r>
-              <a:rPr lang="de-DE" b="1" dirty="0" err="1" smtClean="0">
+              <a:rPr lang="de-DE" b="1" dirty="0" err="1">
                 <a:solidFill>
                   <a:schemeClr val="accent4">
                     <a:lumMod val="65000"/>
@@ -10803,13 +10614,6 @@
   <p:clrMapOvr>
     <a:masterClrMapping/>
   </p:clrMapOvr>
-  <p:timing>
-    <p:tnLst>
-      <p:par>
-        <p:cTn id="1" dur="indefinite" restart="never" nodeType="tmRoot"/>
-      </p:par>
-    </p:tnLst>
-  </p:timing>
 </p:sld>
 </file>
 
@@ -11004,13 +10808,6 @@
   <p:clrMapOvr>
     <a:masterClrMapping/>
   </p:clrMapOvr>
-  <p:timing>
-    <p:tnLst>
-      <p:par>
-        <p:cTn id="1" dur="indefinite" restart="never" nodeType="tmRoot"/>
-      </p:par>
-    </p:tnLst>
-  </p:timing>
 </p:sld>
 </file>
 
@@ -11205,13 +11002,6 @@
   <p:clrMapOvr>
     <a:masterClrMapping/>
   </p:clrMapOvr>
-  <p:timing>
-    <p:tnLst>
-      <p:par>
-        <p:cTn id="1" dur="indefinite" restart="never" nodeType="tmRoot"/>
-      </p:par>
-    </p:tnLst>
-  </p:timing>
 </p:sld>
 </file>
 
@@ -11461,10 +11251,9 @@
           <a:lstStyle/>
           <a:p>
             <a:r>
-              <a:rPr lang="de-DE" dirty="0" smtClean="0"/>
+              <a:rPr lang="de-DE" dirty="0"/>
               <a:t>Herausforderungen</a:t>
             </a:r>
-            <a:endParaRPr lang="de-DE" dirty="0"/>
           </a:p>
         </p:txBody>
       </p:sp>
